--- a/Alexa ppt.pptx
+++ b/Alexa ppt.pptx
@@ -7969,13 +7969,7 @@
               <a:rPr lang="en-US" sz="2800" dirty="0" smtClean="0">
                 <a:hlinkClick r:id="rId4"/>
               </a:rPr>
-              <a:t>https</a:t>
-            </a:r>
-            <a:r>
-              <a:rPr lang="en-US" sz="2800" dirty="0" smtClean="0">
-                <a:hlinkClick r:id="rId4"/>
-              </a:rPr>
-              <a:t>://developer.amazon.com/alexa</a:t>
+              <a:t>https://developer.amazon.com/alexa</a:t>
             </a:r>
             <a:endParaRPr lang="en-US" sz="2800" dirty="0" smtClean="0"/>
           </a:p>
@@ -8290,7 +8284,15 @@
                   <a:srgbClr val="00B0F0"/>
                 </a:solidFill>
               </a:rPr>
-              <a:t>https://github.com/Annie0sc</a:t>
+              <a:t>https://</a:t>
+            </a:r>
+            <a:r>
+              <a:rPr lang="en-US" u="sng" dirty="0" smtClean="0">
+                <a:solidFill>
+                  <a:srgbClr val="00B0F0"/>
+                </a:solidFill>
+              </a:rPr>
+              <a:t>github.com/Annie0sc</a:t>
             </a:r>
             <a:r>
               <a:rPr lang="en-US" dirty="0" smtClean="0"/>
@@ -8302,8 +8304,21 @@
                   <a:srgbClr val="00B0F0"/>
                 </a:solidFill>
               </a:rPr>
-              <a:t>https://github.com/Alekhyajaddu  </a:t>
-            </a:r>
+              <a:t>https://</a:t>
+            </a:r>
+            <a:r>
+              <a:rPr lang="en-US" u="sng" dirty="0" smtClean="0">
+                <a:solidFill>
+                  <a:srgbClr val="00B0F0"/>
+                </a:solidFill>
+              </a:rPr>
+              <a:t>github.com/Alekhyajaddu  </a:t>
+            </a:r>
+            <a:endParaRPr lang="en-US" u="sng" dirty="0" smtClean="0">
+              <a:solidFill>
+                <a:srgbClr val="00B0F0"/>
+              </a:solidFill>
+            </a:endParaRPr>
           </a:p>
           <a:p>
             <a:endParaRPr lang="en-US" dirty="0">

--- a/Alexa ppt.pptx
+++ b/Alexa ppt.pptx
@@ -6359,28 +6359,70 @@
           </p:cNvPicPr>
           <p:nvPr/>
         </p:nvPicPr>
-        <p:blipFill>
+        <p:blipFill rotWithShape="1">
           <a:blip r:embed="rId2">
             <a:extLst>
+              <a:ext uri="{BEBA8EAE-BF5A-486C-A8C5-ECC9F3942E4B}">
+                <a14:imgProps xmlns:a14="http://schemas.microsoft.com/office/drawing/2010/main">
+                  <a14:imgLayer r:embed="rId3">
+                    <a14:imgEffect>
+                      <a14:sharpenSoften amount="50000"/>
+                    </a14:imgEffect>
+                    <a14:imgEffect>
+                      <a14:colorTemperature colorTemp="4700"/>
+                    </a14:imgEffect>
+                  </a14:imgLayer>
+                </a14:imgProps>
+              </a:ext>
               <a:ext uri="{28A0092B-C50C-407E-A947-70E740481C1C}">
                 <a14:useLocalDpi xmlns:a14="http://schemas.microsoft.com/office/drawing/2010/main" val="0"/>
               </a:ext>
             </a:extLst>
           </a:blip>
-          <a:stretch>
-            <a:fillRect/>
-          </a:stretch>
+          <a:srcRect t="34264" b="30457"/>
+          <a:stretch/>
         </p:blipFill>
         <p:spPr>
           <a:xfrm>
-            <a:off x="-1" y="-1"/>
-            <a:ext cx="12030891" cy="6544491"/>
+            <a:off x="1645321" y="1470454"/>
+            <a:ext cx="8537270" cy="2137719"/>
           </a:xfrm>
           <a:prstGeom prst="rect">
             <a:avLst/>
           </a:prstGeom>
         </p:spPr>
       </p:pic>
+      <p:sp>
+        <p:nvSpPr>
+          <p:cNvPr id="3" name="TextBox 2"/>
+          <p:cNvSpPr txBox="1"/>
+          <p:nvPr/>
+        </p:nvSpPr>
+        <p:spPr>
+          <a:xfrm>
+            <a:off x="4597962" y="3834724"/>
+            <a:ext cx="2631989" cy="1200329"/>
+          </a:xfrm>
+          <a:prstGeom prst="rect">
+            <a:avLst/>
+          </a:prstGeom>
+          <a:noFill/>
+        </p:spPr>
+        <p:txBody>
+          <a:bodyPr wrap="square" rtlCol="0">
+            <a:spAutoFit/>
+          </a:bodyPr>
+          <a:lstStyle/>
+          <a:p>
+            <a:pPr algn="ctr"/>
+            <a:r>
+              <a:rPr lang="en-US" sz="3600" b="1" dirty="0" smtClean="0"/>
+              <a:t>Section 02 Group 08</a:t>
+            </a:r>
+            <a:endParaRPr lang="en-US" sz="3600" b="1" dirty="0"/>
+          </a:p>
+        </p:txBody>
+      </p:sp>
     </p:spTree>
     <p:extLst>
       <p:ext uri="{BB962C8B-B14F-4D97-AF65-F5344CB8AC3E}">
@@ -8155,8 +8197,8 @@
         </p:nvSpPr>
         <p:spPr>
           <a:xfrm>
-            <a:off x="646111" y="143691"/>
-            <a:ext cx="9404723" cy="757646"/>
+            <a:off x="-132365" y="60072"/>
+            <a:ext cx="10734462" cy="757646"/>
           </a:xfrm>
         </p:spPr>
         <p:txBody>
@@ -8165,17 +8207,53 @@
           <a:p>
             <a:r>
               <a:rPr lang="en-US" dirty="0" smtClean="0"/>
-              <a:t>                   </a:t>
-            </a:r>
-            <a:r>
-              <a:rPr lang="en-US" dirty="0" smtClean="0">
+              <a:t>    </a:t>
+            </a:r>
+            <a:r>
+              <a:rPr lang="en-US" sz="3600" dirty="0" smtClean="0">
                 <a:solidFill>
                   <a:schemeClr val="accent5">
                     <a:lumMod val="50000"/>
                   </a:schemeClr>
                 </a:solidFill>
               </a:rPr>
-              <a:t>TEAM MEMBERS</a:t>
+              <a:t>TEAM MEMBERS </a:t>
+            </a:r>
+            <a:r>
+              <a:rPr lang="en-US" sz="2000" dirty="0" smtClean="0">
+                <a:solidFill>
+                  <a:schemeClr val="accent5">
+                    <a:lumMod val="50000"/>
+                  </a:schemeClr>
+                </a:solidFill>
+              </a:rPr>
+              <a:t>(</a:t>
+            </a:r>
+            <a:r>
+              <a:rPr lang="en-US" sz="2000" dirty="0">
+                <a:hlinkClick r:id="rId2"/>
+              </a:rPr>
+              <a:t>https://github.com/alekhyajaddu/alexa-project</a:t>
+            </a:r>
+            <a:r>
+              <a:rPr lang="en-US" sz="2000" dirty="0" smtClean="0">
+                <a:solidFill>
+                  <a:schemeClr val="accent5">
+                    <a:lumMod val="50000"/>
+                  </a:schemeClr>
+                </a:solidFill>
+              </a:rPr>
+              <a:t>)</a:t>
+            </a:r>
+            <a:r>
+              <a:rPr lang="en-US" dirty="0" smtClean="0">
+                <a:solidFill>
+                  <a:schemeClr val="accent5">
+                    <a:lumMod val="50000"/>
+                  </a:schemeClr>
+                </a:solidFill>
+              </a:rPr>
+              <a:t/>
             </a:r>
             <a:br>
               <a:rPr lang="en-US" dirty="0" smtClean="0">
@@ -8208,14 +8286,17 @@
         </p:nvSpPr>
         <p:spPr>
           <a:xfrm>
-            <a:off x="261257" y="705394"/>
-            <a:ext cx="11678193" cy="6035040"/>
+            <a:off x="457200" y="705394"/>
+            <a:ext cx="11482250" cy="6015444"/>
           </a:xfrm>
         </p:spPr>
         <p:txBody>
           <a:bodyPr/>
           <a:lstStyle/>
           <a:p>
+            <a:pPr marL="0" indent="0">
+              <a:buNone/>
+            </a:pPr>
             <a:r>
               <a:rPr lang="en-US" dirty="0" smtClean="0">
                 <a:solidFill>
@@ -8258,7 +8339,11 @@
             </a:r>
             <a:r>
               <a:rPr lang="en-US" dirty="0" smtClean="0"/>
-              <a:t>                                           </a:t>
+              <a:t>                   </a:t>
+            </a:r>
+            <a:r>
+              <a:rPr lang="en-US" dirty="0" smtClean="0"/>
+              <a:t>                                  </a:t>
             </a:r>
             <a:r>
               <a:rPr lang="en-US" dirty="0" smtClean="0">
@@ -8343,17 +8428,48 @@
             <a:endParaRPr lang="en-US" dirty="0" smtClean="0"/>
           </a:p>
           <a:p>
+            <a:pPr marL="0" indent="0">
+              <a:buNone/>
+            </a:pPr>
             <a:r>
               <a:rPr lang="en-US" dirty="0" smtClean="0">
                 <a:solidFill>
                   <a:srgbClr val="FFFF00"/>
                 </a:solidFill>
               </a:rPr>
-              <a:t>Gundu Pooja</a:t>
+              <a:t>             </a:t>
+            </a:r>
+            <a:r>
+              <a:rPr lang="en-US" dirty="0" err="1" smtClean="0">
+                <a:solidFill>
+                  <a:srgbClr val="FFFF00"/>
+                </a:solidFill>
+              </a:rPr>
+              <a:t>Gundu</a:t>
+            </a:r>
+            <a:r>
+              <a:rPr lang="en-US" dirty="0" smtClean="0">
+                <a:solidFill>
+                  <a:srgbClr val="FFFF00"/>
+                </a:solidFill>
+              </a:rPr>
+              <a:t> </a:t>
+            </a:r>
+            <a:r>
+              <a:rPr lang="en-US" dirty="0" smtClean="0">
+                <a:solidFill>
+                  <a:srgbClr val="FFFF00"/>
+                </a:solidFill>
+              </a:rPr>
+              <a:t>Pooja</a:t>
             </a:r>
             <a:r>
               <a:rPr lang="en-US" dirty="0" smtClean="0"/>
-              <a:t>                                                                        </a:t>
+              <a:t>                           </a:t>
+            </a:r>
+            <a:r>
+              <a:rPr lang="en-US" dirty="0" smtClean="0"/>
+              <a:t>                                         </a:t>
             </a:r>
             <a:r>
               <a:rPr lang="en-US" dirty="0" smtClean="0">
@@ -8407,35 +8523,6 @@
       <p:pic>
         <p:nvPicPr>
           <p:cNvPr id="4" name="Picture 3"/>
-          <p:cNvPicPr>
-            <a:picLocks noChangeAspect="1"/>
-          </p:cNvPicPr>
-          <p:nvPr/>
-        </p:nvPicPr>
-        <p:blipFill rotWithShape="1">
-          <a:blip r:embed="rId2">
-            <a:extLst>
-              <a:ext uri="{28A0092B-C50C-407E-A947-70E740481C1C}">
-                <a14:useLocalDpi xmlns:a14="http://schemas.microsoft.com/office/drawing/2010/main" val="0"/>
-              </a:ext>
-            </a:extLst>
-          </a:blip>
-          <a:srcRect l="21212" r="18687" b="33660"/>
-          <a:stretch/>
-        </p:blipFill>
-        <p:spPr>
-          <a:xfrm>
-            <a:off x="1358537" y="1601489"/>
-            <a:ext cx="2037806" cy="2134487"/>
-          </a:xfrm>
-          <a:prstGeom prst="rect">
-            <a:avLst/>
-          </a:prstGeom>
-        </p:spPr>
-      </p:pic>
-      <p:pic>
-        <p:nvPicPr>
-          <p:cNvPr id="5" name="Picture 4"/>
           <p:cNvPicPr>
             <a:picLocks noChangeAspect="1"/>
           </p:cNvPicPr>
@@ -8449,13 +8536,13 @@
               </a:ext>
             </a:extLst>
           </a:blip>
-          <a:srcRect l="18691" t="27893" r="15888" b="-1"/>
+          <a:srcRect l="21212" r="18687" b="33660"/>
           <a:stretch/>
         </p:blipFill>
         <p:spPr>
           <a:xfrm>
-            <a:off x="7733210" y="4676504"/>
-            <a:ext cx="2168435" cy="2044334"/>
+            <a:off x="1358537" y="1601489"/>
+            <a:ext cx="2037806" cy="2134487"/>
           </a:xfrm>
           <a:prstGeom prst="rect">
             <a:avLst/>
@@ -8464,7 +8551,7 @@
       </p:pic>
       <p:pic>
         <p:nvPicPr>
-          <p:cNvPr id="7" name="Picture 6"/>
+          <p:cNvPr id="5" name="Picture 4"/>
           <p:cNvPicPr>
             <a:picLocks noChangeAspect="1"/>
           </p:cNvPicPr>
@@ -8478,6 +8565,35 @@
               </a:ext>
             </a:extLst>
           </a:blip>
+          <a:srcRect l="18691" t="27893" r="15888" b="-1"/>
+          <a:stretch/>
+        </p:blipFill>
+        <p:spPr>
+          <a:xfrm>
+            <a:off x="7733210" y="4676504"/>
+            <a:ext cx="2168435" cy="2044334"/>
+          </a:xfrm>
+          <a:prstGeom prst="rect">
+            <a:avLst/>
+          </a:prstGeom>
+        </p:spPr>
+      </p:pic>
+      <p:pic>
+        <p:nvPicPr>
+          <p:cNvPr id="7" name="Picture 6"/>
+          <p:cNvPicPr>
+            <a:picLocks noChangeAspect="1"/>
+          </p:cNvPicPr>
+          <p:nvPr/>
+        </p:nvPicPr>
+        <p:blipFill rotWithShape="1">
+          <a:blip r:embed="rId5">
+            <a:extLst>
+              <a:ext uri="{28A0092B-C50C-407E-A947-70E740481C1C}">
+                <a14:useLocalDpi xmlns:a14="http://schemas.microsoft.com/office/drawing/2010/main" val="0"/>
+              </a:ext>
+            </a:extLst>
+          </a:blip>
           <a:srcRect l="11702" r="10106" b="23123"/>
           <a:stretch/>
         </p:blipFill>
@@ -8500,7 +8616,7 @@
           <p:nvPr/>
         </p:nvPicPr>
         <p:blipFill rotWithShape="1">
-          <a:blip r:embed="rId5">
+          <a:blip r:embed="rId6">
             <a:extLst>
               <a:ext uri="{28A0092B-C50C-407E-A947-70E740481C1C}">
                 <a14:useLocalDpi xmlns:a14="http://schemas.microsoft.com/office/drawing/2010/main" val="0"/>

--- a/Alexa ppt.pptx
+++ b/Alexa ppt.pptx
@@ -6704,8 +6704,8 @@
         </p:nvSpPr>
         <p:spPr>
           <a:xfrm>
-            <a:off x="10358846" y="6217920"/>
-            <a:ext cx="1476103" cy="369332"/>
+            <a:off x="9921238" y="6387738"/>
+            <a:ext cx="2050869" cy="323165"/>
           </a:xfrm>
           <a:prstGeom prst="rect">
             <a:avLst/>
@@ -6719,14 +6719,14 @@
           <a:lstStyle/>
           <a:p>
             <a:r>
-              <a:rPr lang="en-US" dirty="0">
+              <a:rPr lang="en-US" sz="1500" dirty="0" smtClean="0">
                 <a:solidFill>
                   <a:srgbClr val="FFC000"/>
                 </a:solidFill>
               </a:rPr>
-              <a:t>Alekhya</a:t>
-            </a:r>
-            <a:endParaRPr lang="en-US" dirty="0"/>
+              <a:t>Alekhya Jaddu</a:t>
+            </a:r>
+            <a:endParaRPr lang="en-US" sz="1500" dirty="0"/>
           </a:p>
         </p:txBody>
       </p:sp>
@@ -6856,8 +6856,8 @@
         </p:nvSpPr>
         <p:spPr>
           <a:xfrm>
-            <a:off x="10607040" y="6544491"/>
-            <a:ext cx="1463040" cy="369332"/>
+            <a:off x="10049853" y="6544491"/>
+            <a:ext cx="2020227" cy="323165"/>
           </a:xfrm>
           <a:prstGeom prst="rect">
             <a:avLst/>
@@ -6871,14 +6871,14 @@
           <a:lstStyle/>
           <a:p>
             <a:r>
-              <a:rPr lang="en-US" dirty="0" smtClean="0">
+              <a:rPr lang="en-US" sz="1500" dirty="0" smtClean="0">
                 <a:solidFill>
                   <a:srgbClr val="FFC000"/>
                 </a:solidFill>
               </a:rPr>
-              <a:t>Annie</a:t>
-            </a:r>
-            <a:endParaRPr lang="en-US" dirty="0">
+              <a:t>Annie Chandolu</a:t>
+            </a:r>
+            <a:endParaRPr lang="en-US" sz="1500" dirty="0">
               <a:solidFill>
                 <a:srgbClr val="FFC000"/>
               </a:solidFill>
@@ -7039,8 +7039,8 @@
         </p:nvSpPr>
         <p:spPr>
           <a:xfrm>
-            <a:off x="10633166" y="6426926"/>
-            <a:ext cx="1332411" cy="369332"/>
+            <a:off x="9888584" y="6426926"/>
+            <a:ext cx="2076994" cy="323165"/>
           </a:xfrm>
           <a:prstGeom prst="rect">
             <a:avLst/>
@@ -7054,14 +7054,14 @@
           <a:lstStyle/>
           <a:p>
             <a:r>
-              <a:rPr lang="en-US" dirty="0">
+              <a:rPr lang="en-US" sz="1500" dirty="0" smtClean="0">
                 <a:solidFill>
                   <a:srgbClr val="FFC000"/>
                 </a:solidFill>
               </a:rPr>
-              <a:t>Annie</a:t>
-            </a:r>
-            <a:endParaRPr lang="en-US" dirty="0"/>
+              <a:t>Annie Chandolu</a:t>
+            </a:r>
+            <a:endParaRPr lang="en-US" sz="1500" dirty="0"/>
           </a:p>
         </p:txBody>
       </p:sp>
@@ -7204,8 +7204,8 @@
         </p:nvSpPr>
         <p:spPr>
           <a:xfrm>
-            <a:off x="10698480" y="6439989"/>
-            <a:ext cx="1254034" cy="369332"/>
+            <a:off x="9784080" y="6439989"/>
+            <a:ext cx="2168434" cy="323165"/>
           </a:xfrm>
           <a:prstGeom prst="rect">
             <a:avLst/>
@@ -7219,14 +7219,14 @@
           <a:lstStyle/>
           <a:p>
             <a:r>
-              <a:rPr lang="en-US" dirty="0">
+              <a:rPr lang="en-US" sz="1500" dirty="0" smtClean="0">
                 <a:solidFill>
                   <a:srgbClr val="FFC000"/>
                 </a:solidFill>
               </a:rPr>
-              <a:t>Annie</a:t>
-            </a:r>
-            <a:endParaRPr lang="en-US" dirty="0"/>
+              <a:t>Annie Chandolu</a:t>
+            </a:r>
+            <a:endParaRPr lang="en-US" sz="1500" dirty="0"/>
           </a:p>
         </p:txBody>
       </p:sp>
@@ -7377,8 +7377,8 @@
         </p:nvSpPr>
         <p:spPr>
           <a:xfrm>
-            <a:off x="10554789" y="6453051"/>
-            <a:ext cx="1267097" cy="369332"/>
+            <a:off x="9692641" y="6453051"/>
+            <a:ext cx="2129246" cy="323165"/>
           </a:xfrm>
           <a:prstGeom prst="rect">
             <a:avLst/>
@@ -7392,14 +7392,14 @@
           <a:lstStyle/>
           <a:p>
             <a:r>
-              <a:rPr lang="en-US" dirty="0">
+              <a:rPr lang="en-US" sz="1500" dirty="0" smtClean="0">
                 <a:solidFill>
                   <a:srgbClr val="FFC000"/>
                 </a:solidFill>
               </a:rPr>
-              <a:t>Annie</a:t>
-            </a:r>
-            <a:endParaRPr lang="en-US" dirty="0"/>
+              <a:t>Annie Chandolu</a:t>
+            </a:r>
+            <a:endParaRPr lang="en-US" sz="1500" dirty="0"/>
           </a:p>
         </p:txBody>
       </p:sp>
@@ -7547,8 +7547,8 @@
         </p:nvSpPr>
         <p:spPr>
           <a:xfrm>
-            <a:off x="10411097" y="6400800"/>
-            <a:ext cx="1436914" cy="369332"/>
+            <a:off x="10049853" y="6400800"/>
+            <a:ext cx="1798158" cy="323165"/>
           </a:xfrm>
           <a:prstGeom prst="rect">
             <a:avLst/>
@@ -7562,14 +7562,14 @@
           <a:lstStyle/>
           <a:p>
             <a:r>
-              <a:rPr lang="en-US" dirty="0" smtClean="0">
+              <a:rPr lang="en-US" sz="1500" dirty="0" smtClean="0">
                 <a:solidFill>
                   <a:srgbClr val="FFC000"/>
                 </a:solidFill>
               </a:rPr>
-              <a:t>Pooja</a:t>
-            </a:r>
-            <a:endParaRPr lang="en-US" dirty="0">
+              <a:t>Pooja Gundu</a:t>
+            </a:r>
+            <a:endParaRPr lang="en-US" sz="1500" dirty="0">
               <a:solidFill>
                 <a:srgbClr val="FFC000"/>
               </a:solidFill>
@@ -7675,8 +7675,8 @@
         </p:nvSpPr>
         <p:spPr>
           <a:xfrm>
-            <a:off x="10620103" y="6479177"/>
-            <a:ext cx="1410788" cy="369332"/>
+            <a:off x="10202091" y="6479177"/>
+            <a:ext cx="1828800" cy="323165"/>
           </a:xfrm>
           <a:prstGeom prst="rect">
             <a:avLst/>
@@ -7690,13 +7690,18 @@
           <a:lstStyle/>
           <a:p>
             <a:r>
-              <a:rPr lang="en-US" dirty="0" smtClean="0">
+              <a:rPr lang="en-US" sz="1500" dirty="0" smtClean="0">
                 <a:solidFill>
                   <a:srgbClr val="FFC000"/>
                 </a:solidFill>
               </a:rPr>
-              <a:t>Pooja</a:t>
-            </a:r>
+              <a:t>Pooja Gundu</a:t>
+            </a:r>
+            <a:endParaRPr lang="en-US" sz="1500" dirty="0" smtClean="0">
+              <a:solidFill>
+                <a:srgbClr val="FFC000"/>
+              </a:solidFill>
+            </a:endParaRPr>
           </a:p>
         </p:txBody>
       </p:sp>
@@ -7853,8 +7858,8 @@
         </p:nvSpPr>
         <p:spPr>
           <a:xfrm>
-            <a:off x="10763794" y="6492240"/>
-            <a:ext cx="1227909" cy="369332"/>
+            <a:off x="10293532" y="6492240"/>
+            <a:ext cx="1698172" cy="323165"/>
           </a:xfrm>
           <a:prstGeom prst="rect">
             <a:avLst/>
@@ -7868,14 +7873,14 @@
           <a:lstStyle/>
           <a:p>
             <a:r>
-              <a:rPr lang="en-US" dirty="0" smtClean="0">
+              <a:rPr lang="en-US" sz="1500" dirty="0" smtClean="0">
                 <a:solidFill>
                   <a:srgbClr val="FFC000"/>
                 </a:solidFill>
               </a:rPr>
-              <a:t>Pooja</a:t>
-            </a:r>
-            <a:endParaRPr lang="en-US" dirty="0">
+              <a:t>Pooja Gundu</a:t>
+            </a:r>
+            <a:endParaRPr lang="en-US" sz="1500" dirty="0">
               <a:solidFill>
                 <a:srgbClr val="FFC000"/>
               </a:solidFill>
@@ -7993,7 +7998,7 @@
               <a:buChar char="Ø"/>
             </a:pPr>
             <a:r>
-              <a:rPr lang="en-US" sz="2800">
+              <a:rPr lang="en-US" sz="2800" dirty="0">
                 <a:hlinkClick r:id="rId3"/>
               </a:rPr>
               <a:t>https://github.com/blondiebits/code-in-5</a:t>
@@ -8210,11 +8215,9 @@
               <a:t>    </a:t>
             </a:r>
             <a:r>
-              <a:rPr lang="en-US" sz="3600" dirty="0" smtClean="0">
-                <a:solidFill>
-                  <a:schemeClr val="accent5">
-                    <a:lumMod val="50000"/>
-                  </a:schemeClr>
+              <a:rPr lang="en-US" sz="3600" b="1" dirty="0" smtClean="0">
+                <a:solidFill>
+                  <a:srgbClr val="0070C0"/>
                 </a:solidFill>
               </a:rPr>
               <a:t>TEAM MEMBERS </a:t>
@@ -8339,11 +8342,7 @@
             </a:r>
             <a:r>
               <a:rPr lang="en-US" dirty="0" smtClean="0"/>
-              <a:t>                   </a:t>
-            </a:r>
-            <a:r>
-              <a:rPr lang="en-US" dirty="0" smtClean="0"/>
-              <a:t>                                  </a:t>
+              <a:t>                                                     </a:t>
             </a:r>
             <a:r>
               <a:rPr lang="en-US" dirty="0" smtClean="0">
@@ -8369,15 +8368,7 @@
                   <a:srgbClr val="00B0F0"/>
                 </a:solidFill>
               </a:rPr>
-              <a:t>https://</a:t>
-            </a:r>
-            <a:r>
-              <a:rPr lang="en-US" u="sng" dirty="0" smtClean="0">
-                <a:solidFill>
-                  <a:srgbClr val="00B0F0"/>
-                </a:solidFill>
-              </a:rPr>
-              <a:t>github.com/Annie0sc</a:t>
+              <a:t>https://github.com/Annie0sc</a:t>
             </a:r>
             <a:r>
               <a:rPr lang="en-US" dirty="0" smtClean="0"/>
@@ -8389,21 +8380,8 @@
                   <a:srgbClr val="00B0F0"/>
                 </a:solidFill>
               </a:rPr>
-              <a:t>https://</a:t>
-            </a:r>
-            <a:r>
-              <a:rPr lang="en-US" u="sng" dirty="0" smtClean="0">
-                <a:solidFill>
-                  <a:srgbClr val="00B0F0"/>
-                </a:solidFill>
-              </a:rPr>
-              <a:t>github.com/Alekhyajaddu  </a:t>
-            </a:r>
-            <a:endParaRPr lang="en-US" u="sng" dirty="0" smtClean="0">
-              <a:solidFill>
-                <a:srgbClr val="00B0F0"/>
-              </a:solidFill>
-            </a:endParaRPr>
+              <a:t>https://github.com/Alekhyajaddu  </a:t>
+            </a:r>
           </a:p>
           <a:p>
             <a:endParaRPr lang="en-US" dirty="0">
@@ -8437,39 +8415,11 @@
                   <a:srgbClr val="FFFF00"/>
                 </a:solidFill>
               </a:rPr>
-              <a:t>             </a:t>
-            </a:r>
-            <a:r>
-              <a:rPr lang="en-US" dirty="0" err="1" smtClean="0">
-                <a:solidFill>
-                  <a:srgbClr val="FFFF00"/>
-                </a:solidFill>
-              </a:rPr>
-              <a:t>Gundu</a:t>
-            </a:r>
-            <a:r>
-              <a:rPr lang="en-US" dirty="0" smtClean="0">
-                <a:solidFill>
-                  <a:srgbClr val="FFFF00"/>
-                </a:solidFill>
-              </a:rPr>
-              <a:t> </a:t>
-            </a:r>
-            <a:r>
-              <a:rPr lang="en-US" dirty="0" smtClean="0">
-                <a:solidFill>
-                  <a:srgbClr val="FFFF00"/>
-                </a:solidFill>
-              </a:rPr>
-              <a:t>Pooja</a:t>
+              <a:t>             Gundu Pooja</a:t>
             </a:r>
             <a:r>
               <a:rPr lang="en-US" dirty="0" smtClean="0"/>
-              <a:t>                           </a:t>
-            </a:r>
-            <a:r>
-              <a:rPr lang="en-US" dirty="0" smtClean="0"/>
-              <a:t>                                         </a:t>
+              <a:t>                                                                    </a:t>
             </a:r>
             <a:r>
               <a:rPr lang="en-US" dirty="0" smtClean="0">
@@ -8953,8 +8903,8 @@
         </p:nvSpPr>
         <p:spPr>
           <a:xfrm>
-            <a:off x="10123714" y="6453051"/>
-            <a:ext cx="1463040" cy="369332"/>
+            <a:off x="9575074" y="6453051"/>
+            <a:ext cx="2011680" cy="323165"/>
           </a:xfrm>
           <a:prstGeom prst="rect">
             <a:avLst/>
@@ -8968,13 +8918,18 @@
           <a:lstStyle/>
           <a:p>
             <a:r>
-              <a:rPr lang="en-US" dirty="0" smtClean="0">
+              <a:rPr lang="en-US" sz="1500" dirty="0" smtClean="0">
                 <a:solidFill>
                   <a:srgbClr val="FFC000"/>
                 </a:solidFill>
               </a:rPr>
-              <a:t>Sushma</a:t>
-            </a:r>
+              <a:t>Sushma Chanati</a:t>
+            </a:r>
+            <a:endParaRPr lang="en-US" sz="1500" dirty="0" smtClean="0">
+              <a:solidFill>
+                <a:srgbClr val="FFC000"/>
+              </a:solidFill>
+            </a:endParaRPr>
           </a:p>
         </p:txBody>
       </p:sp>
@@ -9149,8 +9104,8 @@
         </p:nvSpPr>
         <p:spPr>
           <a:xfrm>
-            <a:off x="10502537" y="6426926"/>
-            <a:ext cx="1267097" cy="646331"/>
+            <a:off x="9640389" y="6431278"/>
+            <a:ext cx="2129245" cy="646331"/>
           </a:xfrm>
           <a:prstGeom prst="rect">
             <a:avLst/>
@@ -9164,13 +9119,26 @@
           <a:lstStyle/>
           <a:p>
             <a:r>
-              <a:rPr lang="en-US" dirty="0">
+              <a:rPr lang="en-US" sz="1500" dirty="0" smtClean="0">
                 <a:solidFill>
                   <a:srgbClr val="FFC000"/>
                 </a:solidFill>
               </a:rPr>
-              <a:t>Sushma</a:t>
-            </a:r>
+              <a:t>Sushma Chanat</a:t>
+            </a:r>
+            <a:r>
+              <a:rPr lang="en-US" dirty="0" smtClean="0">
+                <a:solidFill>
+                  <a:srgbClr val="FFC000"/>
+                </a:solidFill>
+              </a:rPr>
+              <a:t>i</a:t>
+            </a:r>
+            <a:endParaRPr lang="en-US" dirty="0">
+              <a:solidFill>
+                <a:srgbClr val="FFC000"/>
+              </a:solidFill>
+            </a:endParaRPr>
           </a:p>
           <a:p>
             <a:endParaRPr lang="en-US" dirty="0"/>
@@ -9304,8 +9272,8 @@
         </p:nvSpPr>
         <p:spPr>
           <a:xfrm>
-            <a:off x="10672354" y="6361611"/>
-            <a:ext cx="1227908" cy="369332"/>
+            <a:off x="9875520" y="6361611"/>
+            <a:ext cx="2024742" cy="323165"/>
           </a:xfrm>
           <a:prstGeom prst="rect">
             <a:avLst/>
@@ -9319,14 +9287,14 @@
           <a:lstStyle/>
           <a:p>
             <a:r>
-              <a:rPr lang="en-US" dirty="0" smtClean="0">
+              <a:rPr lang="en-US" sz="1500" dirty="0" smtClean="0">
                 <a:solidFill>
                   <a:srgbClr val="FFC000"/>
                 </a:solidFill>
               </a:rPr>
-              <a:t>Sushma</a:t>
-            </a:r>
-            <a:endParaRPr lang="en-US" dirty="0">
+              <a:t>Sushma Chanati</a:t>
+            </a:r>
+            <a:endParaRPr lang="en-US" sz="1500" dirty="0">
               <a:solidFill>
                 <a:srgbClr val="FFC000"/>
               </a:solidFill>
@@ -9522,8 +9490,8 @@
         </p:nvSpPr>
         <p:spPr>
           <a:xfrm>
-            <a:off x="10463349" y="6361612"/>
-            <a:ext cx="1384662" cy="369332"/>
+            <a:off x="9836331" y="6361612"/>
+            <a:ext cx="2011680" cy="323165"/>
           </a:xfrm>
           <a:prstGeom prst="rect">
             <a:avLst/>
@@ -9537,18 +9505,13 @@
           <a:lstStyle/>
           <a:p>
             <a:r>
-              <a:rPr lang="en-US" dirty="0" smtClean="0">
+              <a:rPr lang="en-US" sz="1500" dirty="0" smtClean="0">
                 <a:solidFill>
                   <a:srgbClr val="FFC000"/>
                 </a:solidFill>
               </a:rPr>
-              <a:t>Sushma</a:t>
-            </a:r>
-            <a:endParaRPr lang="en-US" dirty="0">
-              <a:solidFill>
-                <a:srgbClr val="FFC000"/>
-              </a:solidFill>
-            </a:endParaRPr>
+              <a:t>Sushma Chanati</a:t>
+            </a:r>
           </a:p>
         </p:txBody>
       </p:sp>
@@ -9623,7 +9586,7 @@
                   <a:srgbClr val="00B0F0"/>
                 </a:solidFill>
               </a:rPr>
-              <a:t>Important Terminology</a:t>
+              <a:t>Alexa Developer Console</a:t>
             </a:r>
             <a:endParaRPr lang="en-US" sz="4400" dirty="0" smtClean="0"/>
           </a:p>
@@ -9672,7 +9635,7 @@
                   <a:srgbClr val="00B050"/>
                 </a:solidFill>
               </a:rPr>
-              <a:t>Lambda </a:t>
+              <a:t>Build Model</a:t>
             </a:r>
             <a:endParaRPr lang="en-US" sz="2400" dirty="0" smtClean="0"/>
           </a:p>
@@ -9687,8 +9650,13 @@
                   <a:srgbClr val="00B050"/>
                 </a:solidFill>
               </a:rPr>
-              <a:t>Endpoint </a:t>
-            </a:r>
+              <a:t>Endpoints</a:t>
+            </a:r>
+            <a:endParaRPr lang="en-US" sz="2400" dirty="0" smtClean="0">
+              <a:solidFill>
+                <a:srgbClr val="00B050"/>
+              </a:solidFill>
+            </a:endParaRPr>
           </a:p>
           <a:p>
             <a:pPr marL="0" indent="0">
@@ -9862,8 +9830,8 @@
         </p:nvSpPr>
         <p:spPr>
           <a:xfrm>
-            <a:off x="10737667" y="6307574"/>
-            <a:ext cx="1358538" cy="369332"/>
+            <a:off x="10162903" y="6307574"/>
+            <a:ext cx="1933302" cy="323165"/>
           </a:xfrm>
           <a:prstGeom prst="rect">
             <a:avLst/>
@@ -9877,14 +9845,14 @@
           <a:lstStyle/>
           <a:p>
             <a:r>
-              <a:rPr lang="en-US" dirty="0" smtClean="0">
+              <a:rPr lang="en-US" sz="1500" dirty="0" smtClean="0">
                 <a:solidFill>
                   <a:srgbClr val="FFC000"/>
                 </a:solidFill>
               </a:rPr>
-              <a:t>Alekhya</a:t>
-            </a:r>
-            <a:endParaRPr lang="en-US" dirty="0">
+              <a:t>Alekhya Jaddu</a:t>
+            </a:r>
+            <a:endParaRPr lang="en-US" sz="1500" dirty="0">
               <a:solidFill>
                 <a:srgbClr val="FFC000"/>
               </a:solidFill>
@@ -10038,8 +10006,8 @@
         </p:nvSpPr>
         <p:spPr>
           <a:xfrm>
-            <a:off x="10750731" y="6479177"/>
-            <a:ext cx="1214846" cy="369332"/>
+            <a:off x="10050834" y="6479177"/>
+            <a:ext cx="1914743" cy="323165"/>
           </a:xfrm>
           <a:prstGeom prst="rect">
             <a:avLst/>
@@ -10053,14 +10021,14 @@
           <a:lstStyle/>
           <a:p>
             <a:r>
-              <a:rPr lang="en-US" dirty="0">
+              <a:rPr lang="en-US" sz="1500" dirty="0" smtClean="0">
                 <a:solidFill>
                   <a:srgbClr val="FFC000"/>
                 </a:solidFill>
               </a:rPr>
-              <a:t>Alekhya</a:t>
-            </a:r>
-            <a:endParaRPr lang="en-US" dirty="0"/>
+              <a:t>Alekhya Jaddu</a:t>
+            </a:r>
+            <a:endParaRPr lang="en-US" sz="1500" dirty="0"/>
           </a:p>
         </p:txBody>
       </p:sp>
@@ -10225,8 +10193,8 @@
         </p:nvSpPr>
         <p:spPr>
           <a:xfrm>
-            <a:off x="10411097" y="6466114"/>
-            <a:ext cx="1515292" cy="369332"/>
+            <a:off x="9980023" y="6466114"/>
+            <a:ext cx="1946366" cy="323165"/>
           </a:xfrm>
           <a:prstGeom prst="rect">
             <a:avLst/>
@@ -10240,14 +10208,14 @@
           <a:lstStyle/>
           <a:p>
             <a:r>
-              <a:rPr lang="en-US" dirty="0">
+              <a:rPr lang="en-US" sz="1500" dirty="0" smtClean="0">
                 <a:solidFill>
                   <a:srgbClr val="FFC000"/>
                 </a:solidFill>
               </a:rPr>
-              <a:t>Alekhya</a:t>
-            </a:r>
-            <a:endParaRPr lang="en-US" dirty="0"/>
+              <a:t>Alekhya Jaddu</a:t>
+            </a:r>
+            <a:endParaRPr lang="en-US" sz="1500" dirty="0"/>
           </a:p>
         </p:txBody>
       </p:sp>

--- a/Alexa ppt.pptx
+++ b/Alexa ppt.pptx
@@ -2,7 +2,7 @@
 <file path=ppt/presentation.xml><?xml version="1.0" encoding="utf-8"?>
 <p:presentation xmlns:a="http://schemas.openxmlformats.org/drawingml/2006/main" xmlns:r="http://schemas.openxmlformats.org/officeDocument/2006/relationships" xmlns:p="http://schemas.openxmlformats.org/presentationml/2006/main" autoCompressPictures="0">
   <p:sldMasterIdLst>
-    <p:sldMasterId id="2147483648" r:id="rId1"/>
+    <p:sldMasterId id="2147483671" r:id="rId1"/>
   </p:sldMasterIdLst>
   <p:notesMasterIdLst>
     <p:notesMasterId r:id="rId21"/>
@@ -486,6 +486,14 @@
 <file path=ppt/slideLayouts/slideLayout1.xml><?xml version="1.0" encoding="utf-8"?>
 <p:sldLayout xmlns:a="http://schemas.openxmlformats.org/drawingml/2006/main" xmlns:r="http://schemas.openxmlformats.org/officeDocument/2006/relationships" xmlns:p="http://schemas.openxmlformats.org/presentationml/2006/main" type="title" preserve="1">
   <p:cSld name="Title Slide">
+    <p:bg>
+      <p:bgPr>
+        <a:solidFill>
+          <a:schemeClr val="accent2"/>
+        </a:solidFill>
+        <a:effectLst/>
+      </p:bgPr>
+    </p:bg>
     <p:spTree>
       <p:nvGrpSpPr>
         <p:cNvPr id="1" name=""/>
@@ -510,134 +518,106 @@
             <p:ph type="ctrTitle"/>
           </p:nvPr>
         </p:nvSpPr>
+        <p:spPr bwMode="blackWhite">
+          <a:xfrm>
+            <a:off x="1600200" y="2386744"/>
+            <a:ext cx="8991600" cy="1645920"/>
+          </a:xfrm>
+          <a:solidFill>
+            <a:srgbClr val="FFFFFF"/>
+          </a:solidFill>
+          <a:ln w="38100">
+            <a:solidFill>
+              <a:srgbClr val="404040"/>
+            </a:solidFill>
+          </a:ln>
+        </p:spPr>
+        <p:txBody>
+          <a:bodyPr lIns="274320" rIns="274320" anchor="ctr" anchorCtr="1">
+            <a:normAutofit/>
+          </a:bodyPr>
+          <a:lstStyle>
+            <a:lvl1pPr algn="ctr">
+              <a:defRPr sz="3800">
+                <a:solidFill>
+                  <a:srgbClr val="262626"/>
+                </a:solidFill>
+              </a:defRPr>
+            </a:lvl1pPr>
+          </a:lstStyle>
+          <a:p>
+            <a:r>
+              <a:rPr lang="en-US" smtClean="0"/>
+              <a:t>Click to edit Master title style</a:t>
+            </a:r>
+            <a:endParaRPr lang="en-US" dirty="0"/>
+          </a:p>
+        </p:txBody>
+      </p:sp>
+      <p:sp>
+        <p:nvSpPr>
+          <p:cNvPr id="3" name="Subtitle 2"/>
+          <p:cNvSpPr>
+            <a:spLocks noGrp="1"/>
+          </p:cNvSpPr>
+          <p:nvPr>
+            <p:ph type="subTitle" idx="1"/>
+          </p:nvPr>
+        </p:nvSpPr>
         <p:spPr>
           <a:xfrm>
-            <a:off x="1154955" y="1447800"/>
-            <a:ext cx="8825658" cy="3329581"/>
-          </a:xfrm>
-        </p:spPr>
-        <p:txBody>
-          <a:bodyPr anchor="b"/>
+            <a:off x="2695194" y="4352544"/>
+            <a:ext cx="6801612" cy="1239894"/>
+          </a:xfrm>
+          <a:noFill/>
+        </p:spPr>
+        <p:txBody>
+          <a:bodyPr>
+            <a:normAutofit/>
+          </a:bodyPr>
           <a:lstStyle>
-            <a:lvl1pPr>
-              <a:defRPr sz="7200"/>
-            </a:lvl1pPr>
-          </a:lstStyle>
-          <a:p>
-            <a:r>
-              <a:rPr lang="en-US" smtClean="0"/>
-              <a:t>Click to edit Master title style</a:t>
-            </a:r>
-            <a:endParaRPr lang="en-US" dirty="0"/>
-          </a:p>
-        </p:txBody>
-      </p:sp>
-      <p:sp>
-        <p:nvSpPr>
-          <p:cNvPr id="3" name="Subtitle 2"/>
-          <p:cNvSpPr>
-            <a:spLocks noGrp="1"/>
-          </p:cNvSpPr>
-          <p:nvPr>
-            <p:ph type="subTitle" idx="1"/>
-          </p:nvPr>
-        </p:nvSpPr>
-        <p:spPr>
-          <a:xfrm>
-            <a:off x="1154955" y="4777380"/>
-            <a:ext cx="8825658" cy="861420"/>
-          </a:xfrm>
-        </p:spPr>
-        <p:txBody>
-          <a:bodyPr anchor="t"/>
-          <a:lstStyle>
-            <a:lvl1pPr marL="0" indent="0" algn="l">
+            <a:lvl1pPr marL="0" indent="0" algn="ctr">
               <a:buNone/>
-              <a:defRPr cap="all">
-                <a:solidFill>
-                  <a:schemeClr val="accent1"/>
+              <a:defRPr sz="2000">
+                <a:solidFill>
+                  <a:schemeClr val="tx1">
+                    <a:lumMod val="75000"/>
+                    <a:lumOff val="25000"/>
+                  </a:schemeClr>
                 </a:solidFill>
               </a:defRPr>
             </a:lvl1pPr>
             <a:lvl2pPr marL="457200" indent="0" algn="ctr">
               <a:buNone/>
-              <a:defRPr>
-                <a:solidFill>
-                  <a:schemeClr val="tx1">
-                    <a:tint val="75000"/>
-                  </a:schemeClr>
-                </a:solidFill>
-              </a:defRPr>
+              <a:defRPr sz="2000"/>
             </a:lvl2pPr>
             <a:lvl3pPr marL="914400" indent="0" algn="ctr">
               <a:buNone/>
-              <a:defRPr>
-                <a:solidFill>
-                  <a:schemeClr val="tx1">
-                    <a:tint val="75000"/>
-                  </a:schemeClr>
-                </a:solidFill>
-              </a:defRPr>
+              <a:defRPr sz="1800"/>
             </a:lvl3pPr>
             <a:lvl4pPr marL="1371600" indent="0" algn="ctr">
               <a:buNone/>
-              <a:defRPr>
-                <a:solidFill>
-                  <a:schemeClr val="tx1">
-                    <a:tint val="75000"/>
-                  </a:schemeClr>
-                </a:solidFill>
-              </a:defRPr>
+              <a:defRPr sz="1600"/>
             </a:lvl4pPr>
             <a:lvl5pPr marL="1828800" indent="0" algn="ctr">
               <a:buNone/>
-              <a:defRPr>
-                <a:solidFill>
-                  <a:schemeClr val="tx1">
-                    <a:tint val="75000"/>
-                  </a:schemeClr>
-                </a:solidFill>
-              </a:defRPr>
+              <a:defRPr sz="1600"/>
             </a:lvl5pPr>
             <a:lvl6pPr marL="2286000" indent="0" algn="ctr">
               <a:buNone/>
-              <a:defRPr>
-                <a:solidFill>
-                  <a:schemeClr val="tx1">
-                    <a:tint val="75000"/>
-                  </a:schemeClr>
-                </a:solidFill>
-              </a:defRPr>
+              <a:defRPr sz="1600"/>
             </a:lvl6pPr>
             <a:lvl7pPr marL="2743200" indent="0" algn="ctr">
               <a:buNone/>
-              <a:defRPr>
-                <a:solidFill>
-                  <a:schemeClr val="tx1">
-                    <a:tint val="75000"/>
-                  </a:schemeClr>
-                </a:solidFill>
-              </a:defRPr>
+              <a:defRPr sz="1600"/>
             </a:lvl7pPr>
             <a:lvl8pPr marL="3200400" indent="0" algn="ctr">
               <a:buNone/>
-              <a:defRPr>
-                <a:solidFill>
-                  <a:schemeClr val="tx1">
-                    <a:tint val="75000"/>
-                  </a:schemeClr>
-                </a:solidFill>
-              </a:defRPr>
+              <a:defRPr sz="1600"/>
             </a:lvl8pPr>
             <a:lvl9pPr marL="3657600" indent="0" algn="ctr">
               <a:buNone/>
-              <a:defRPr>
-                <a:solidFill>
-                  <a:schemeClr val="tx1">
-                    <a:tint val="75000"/>
-                  </a:schemeClr>
-                </a:solidFill>
-              </a:defRPr>
+              <a:defRPr sz="1600"/>
             </a:lvl9pPr>
           </a:lstStyle>
           <a:p>
@@ -651,7 +631,7 @@
       </p:sp>
       <p:sp>
         <p:nvSpPr>
-          <p:cNvPr id="4" name="Date Placeholder 3"/>
+          <p:cNvPr id="7" name="Date Placeholder 6"/>
           <p:cNvSpPr>
             <a:spLocks noGrp="1"/>
           </p:cNvSpPr>
@@ -665,7 +645,7 @@
           <a:lstStyle/>
           <a:p>
             <a:fld id="{4AAD347D-5ACD-4C99-B74B-A9C85AD731AF}" type="datetimeFigureOut">
-              <a:rPr lang="en-US" dirty="0"/>
+              <a:rPr lang="en-US" smtClean="0"/>
               <a:t>4/19/2020</a:t>
             </a:fld>
             <a:endParaRPr lang="en-US" dirty="0"/>
@@ -674,7 +654,7 @@
       </p:sp>
       <p:sp>
         <p:nvSpPr>
-          <p:cNvPr id="5" name="Footer Placeholder 4"/>
+          <p:cNvPr id="8" name="Footer Placeholder 7"/>
           <p:cNvSpPr>
             <a:spLocks noGrp="1"/>
           </p:cNvSpPr>
@@ -693,7 +673,7 @@
       </p:sp>
       <p:sp>
         <p:nvSpPr>
-          <p:cNvPr id="6" name="Slide Number Placeholder 5"/>
+          <p:cNvPr id="9" name="Slide Number Placeholder 8"/>
           <p:cNvSpPr>
             <a:spLocks noGrp="1"/>
           </p:cNvSpPr>
@@ -707,7 +687,7 @@
           <a:lstStyle/>
           <a:p>
             <a:fld id="{D57F1E4F-1CFF-5643-939E-02111984F565}" type="slidenum">
-              <a:rPr lang="en-US" dirty="0"/>
+              <a:rPr lang="en-US" smtClean="0"/>
               <a:t>‹#›</a:t>
             </a:fld>
             <a:endParaRPr lang="en-US" dirty="0"/>
@@ -715,16 +695,21 @@
         </p:txBody>
       </p:sp>
     </p:spTree>
+    <p:extLst>
+      <p:ext uri="{BB962C8B-B14F-4D97-AF65-F5344CB8AC3E}">
+        <p14:creationId xmlns:p14="http://schemas.microsoft.com/office/powerpoint/2010/main" val="2305524342"/>
+      </p:ext>
+    </p:extLst>
   </p:cSld>
   <p:clrMapOvr>
-    <a:masterClrMapping/>
+    <a:overrideClrMapping bg1="dk1" tx1="lt1" bg2="dk2" tx2="lt2" accent1="accent1" accent2="accent2" accent3="accent3" accent4="accent4" accent5="accent5" accent6="accent6" hlink="hlink" folHlink="folHlink"/>
   </p:clrMapOvr>
 </p:sldLayout>
 </file>
 
 <file path=ppt/slideLayouts/slideLayout10.xml><?xml version="1.0" encoding="utf-8"?>
-<p:sldLayout xmlns:a="http://schemas.openxmlformats.org/drawingml/2006/main" xmlns:r="http://schemas.openxmlformats.org/officeDocument/2006/relationships" xmlns:p="http://schemas.openxmlformats.org/presentationml/2006/main" preserve="1">
-  <p:cSld name="Panoramic Picture with Caption">
+<p:sldLayout xmlns:a="http://schemas.openxmlformats.org/drawingml/2006/main" xmlns:r="http://schemas.openxmlformats.org/officeDocument/2006/relationships" xmlns:p="http://schemas.openxmlformats.org/presentationml/2006/main" type="vertTx" preserve="1">
+  <p:cSld name="Title and Vertical Text">
     <p:spTree>
       <p:nvGrpSpPr>
         <p:cNvPr id="1" name=""/>
@@ -749,21 +734,10 @@
             <p:ph type="title"/>
           </p:nvPr>
         </p:nvSpPr>
-        <p:spPr>
-          <a:xfrm>
-            <a:off x="1154956" y="4800587"/>
-            <a:ext cx="8825657" cy="566738"/>
-          </a:xfrm>
-        </p:spPr>
-        <p:txBody>
-          <a:bodyPr anchor="b">
-            <a:normAutofit/>
-          </a:bodyPr>
-          <a:lstStyle>
-            <a:lvl1pPr algn="l">
-              <a:defRPr sz="2400" b="0"/>
-            </a:lvl1pPr>
-          </a:lstStyle>
+        <p:spPr/>
+        <p:txBody>
+          <a:bodyPr/>
+          <a:lstStyle/>
           <a:p>
             <a:r>
               <a:rPr lang="en-US" smtClean="0"/>
@@ -775,78 +749,51 @@
       </p:sp>
       <p:sp>
         <p:nvSpPr>
-          <p:cNvPr id="3" name="Picture Placeholder 2"/>
-          <p:cNvSpPr>
-            <a:spLocks noGrp="1" noChangeAspect="1"/>
-          </p:cNvSpPr>
-          <p:nvPr>
-            <p:ph type="pic" idx="1"/>
-          </p:nvPr>
-        </p:nvSpPr>
-        <p:spPr>
-          <a:xfrm>
-            <a:off x="1154955" y="685800"/>
-            <a:ext cx="8825658" cy="3640666"/>
-          </a:xfrm>
-          <a:prstGeom prst="roundRect">
-            <a:avLst>
-              <a:gd name="adj" fmla="val 1858"/>
-            </a:avLst>
-          </a:prstGeom>
-          <a:effectLst>
-            <a:outerShdw blurRad="50800" dist="50800" dir="5400000" algn="tl" rotWithShape="0">
-              <a:srgbClr val="000000">
-                <a:alpha val="43000"/>
-              </a:srgbClr>
-            </a:outerShdw>
-          </a:effectLst>
-        </p:spPr>
-        <p:txBody>
-          <a:bodyPr anchor="t">
-            <a:normAutofit/>
-          </a:bodyPr>
-          <a:lstStyle>
-            <a:lvl1pPr marL="0" indent="0" algn="ctr">
-              <a:buNone/>
-              <a:defRPr sz="1600"/>
-            </a:lvl1pPr>
-            <a:lvl2pPr marL="457200" indent="0">
-              <a:buNone/>
-              <a:defRPr sz="1600"/>
-            </a:lvl2pPr>
-            <a:lvl3pPr marL="914400" indent="0">
-              <a:buNone/>
-              <a:defRPr sz="1600"/>
-            </a:lvl3pPr>
-            <a:lvl4pPr marL="1371600" indent="0">
-              <a:buNone/>
-              <a:defRPr sz="1600"/>
-            </a:lvl4pPr>
-            <a:lvl5pPr marL="1828800" indent="0">
-              <a:buNone/>
-              <a:defRPr sz="1600"/>
-            </a:lvl5pPr>
-            <a:lvl6pPr marL="2286000" indent="0">
-              <a:buNone/>
-              <a:defRPr sz="1600"/>
-            </a:lvl6pPr>
-            <a:lvl7pPr marL="2743200" indent="0">
-              <a:buNone/>
-              <a:defRPr sz="1600"/>
-            </a:lvl7pPr>
-            <a:lvl8pPr marL="3200400" indent="0">
-              <a:buNone/>
-              <a:defRPr sz="1600"/>
-            </a:lvl8pPr>
-            <a:lvl9pPr marL="3657600" indent="0">
-              <a:buNone/>
-              <a:defRPr sz="1600"/>
-            </a:lvl9pPr>
-          </a:lstStyle>
-          <a:p>
-            <a:r>
-              <a:rPr lang="en-US" dirty="0" smtClean="0"/>
-              <a:t>Click icon to add picture</a:t>
+          <p:cNvPr id="3" name="Vertical Text Placeholder 2"/>
+          <p:cNvSpPr>
+            <a:spLocks noGrp="1"/>
+          </p:cNvSpPr>
+          <p:nvPr>
+            <p:ph type="body" orient="vert" idx="1"/>
+          </p:nvPr>
+        </p:nvSpPr>
+        <p:spPr/>
+        <p:txBody>
+          <a:bodyPr vert="eaVert"/>
+          <a:lstStyle/>
+          <a:p>
+            <a:pPr lvl="0"/>
+            <a:r>
+              <a:rPr lang="en-US" smtClean="0"/>
+              <a:t>Edit Master text styles</a:t>
+            </a:r>
+          </a:p>
+          <a:p>
+            <a:pPr lvl="1"/>
+            <a:r>
+              <a:rPr lang="en-US" smtClean="0"/>
+              <a:t>Second level</a:t>
+            </a:r>
+          </a:p>
+          <a:p>
+            <a:pPr lvl="2"/>
+            <a:r>
+              <a:rPr lang="en-US" smtClean="0"/>
+              <a:t>Third level</a:t>
+            </a:r>
+          </a:p>
+          <a:p>
+            <a:pPr lvl="3"/>
+            <a:r>
+              <a:rPr lang="en-US" smtClean="0"/>
+              <a:t>Fourth level</a:t>
+            </a:r>
+          </a:p>
+          <a:p>
+            <a:pPr lvl="4"/>
+            <a:r>
+              <a:rPr lang="en-US" smtClean="0"/>
+              <a:t>Fifth level</a:t>
             </a:r>
             <a:endParaRPr lang="en-US" dirty="0"/>
           </a:p>
@@ -854,74 +801,7 @@
       </p:sp>
       <p:sp>
         <p:nvSpPr>
-          <p:cNvPr id="4" name="Text Placeholder 3"/>
-          <p:cNvSpPr>
-            <a:spLocks noGrp="1"/>
-          </p:cNvSpPr>
-          <p:nvPr>
-            <p:ph type="body" sz="half" idx="2"/>
-          </p:nvPr>
-        </p:nvSpPr>
-        <p:spPr>
-          <a:xfrm>
-            <a:off x="1154956" y="5367325"/>
-            <a:ext cx="8825656" cy="493712"/>
-          </a:xfrm>
-        </p:spPr>
-        <p:txBody>
-          <a:bodyPr>
-            <a:normAutofit/>
-          </a:bodyPr>
-          <a:lstStyle>
-            <a:lvl1pPr marL="0" indent="0">
-              <a:buNone/>
-              <a:defRPr sz="1200"/>
-            </a:lvl1pPr>
-            <a:lvl2pPr marL="457200" indent="0">
-              <a:buNone/>
-              <a:defRPr sz="1200"/>
-            </a:lvl2pPr>
-            <a:lvl3pPr marL="914400" indent="0">
-              <a:buNone/>
-              <a:defRPr sz="1000"/>
-            </a:lvl3pPr>
-            <a:lvl4pPr marL="1371600" indent="0">
-              <a:buNone/>
-              <a:defRPr sz="900"/>
-            </a:lvl4pPr>
-            <a:lvl5pPr marL="1828800" indent="0">
-              <a:buNone/>
-              <a:defRPr sz="900"/>
-            </a:lvl5pPr>
-            <a:lvl6pPr marL="2286000" indent="0">
-              <a:buNone/>
-              <a:defRPr sz="900"/>
-            </a:lvl6pPr>
-            <a:lvl7pPr marL="2743200" indent="0">
-              <a:buNone/>
-              <a:defRPr sz="900"/>
-            </a:lvl7pPr>
-            <a:lvl8pPr marL="3200400" indent="0">
-              <a:buNone/>
-              <a:defRPr sz="900"/>
-            </a:lvl8pPr>
-            <a:lvl9pPr marL="3657600" indent="0">
-              <a:buNone/>
-              <a:defRPr sz="900"/>
-            </a:lvl9pPr>
-          </a:lstStyle>
-          <a:p>
-            <a:pPr lvl="0"/>
-            <a:r>
-              <a:rPr lang="en-US" smtClean="0"/>
-              <a:t>Edit Master text styles</a:t>
-            </a:r>
-          </a:p>
-        </p:txBody>
-      </p:sp>
-      <p:sp>
-        <p:nvSpPr>
-          <p:cNvPr id="5" name="Date Placeholder 4"/>
+          <p:cNvPr id="4" name="Date Placeholder 3"/>
           <p:cNvSpPr>
             <a:spLocks noGrp="1"/>
           </p:cNvSpPr>
@@ -935,7 +815,7 @@
           <a:lstStyle/>
           <a:p>
             <a:fld id="{4509A250-FF31-4206-8172-F9D3106AACB1}" type="datetimeFigureOut">
-              <a:rPr lang="en-US" dirty="0"/>
+              <a:rPr lang="en-US" smtClean="0"/>
               <a:t>4/19/2020</a:t>
             </a:fld>
             <a:endParaRPr lang="en-US" dirty="0"/>
@@ -944,7 +824,7 @@
       </p:sp>
       <p:sp>
         <p:nvSpPr>
-          <p:cNvPr id="6" name="Footer Placeholder 5"/>
+          <p:cNvPr id="5" name="Footer Placeholder 4"/>
           <p:cNvSpPr>
             <a:spLocks noGrp="1"/>
           </p:cNvSpPr>
@@ -963,7 +843,7 @@
       </p:sp>
       <p:sp>
         <p:nvSpPr>
-          <p:cNvPr id="7" name="Slide Number Placeholder 6"/>
+          <p:cNvPr id="6" name="Slide Number Placeholder 5"/>
           <p:cNvSpPr>
             <a:spLocks noGrp="1"/>
           </p:cNvSpPr>
@@ -977,7 +857,7 @@
           <a:lstStyle/>
           <a:p>
             <a:fld id="{D57F1E4F-1CFF-5643-939E-02111984F565}" type="slidenum">
-              <a:rPr lang="en-US" dirty="0"/>
+              <a:rPr lang="en-US" smtClean="0"/>
               <a:t>‹#›</a:t>
             </a:fld>
             <a:endParaRPr lang="en-US" dirty="0"/>
@@ -985,6 +865,11 @@
         </p:txBody>
       </p:sp>
     </p:spTree>
+    <p:extLst>
+      <p:ext uri="{BB962C8B-B14F-4D97-AF65-F5344CB8AC3E}">
+        <p14:creationId xmlns:p14="http://schemas.microsoft.com/office/powerpoint/2010/main" val="3972688759"/>
+      </p:ext>
+    </p:extLst>
   </p:cSld>
   <p:clrMapOvr>
     <a:masterClrMapping/>
@@ -993,8 +878,8 @@
 </file>
 
 <file path=ppt/slideLayouts/slideLayout11.xml><?xml version="1.0" encoding="utf-8"?>
-<p:sldLayout xmlns:a="http://schemas.openxmlformats.org/drawingml/2006/main" xmlns:r="http://schemas.openxmlformats.org/officeDocument/2006/relationships" xmlns:p="http://schemas.openxmlformats.org/presentationml/2006/main" preserve="1">
-  <p:cSld name="Title and Caption">
+<p:sldLayout xmlns:a="http://schemas.openxmlformats.org/drawingml/2006/main" xmlns:r="http://schemas.openxmlformats.org/officeDocument/2006/relationships" xmlns:p="http://schemas.openxmlformats.org/presentationml/2006/main" type="vertTitleAndTx" preserve="1">
+  <p:cSld name="Vertical Title and Text">
     <p:spTree>
       <p:nvGrpSpPr>
         <p:cNvPr id="1" name=""/>
@@ -1011,27 +896,23 @@
       </p:grpSpPr>
       <p:sp>
         <p:nvSpPr>
-          <p:cNvPr id="2" name="Title 1"/>
-          <p:cNvSpPr>
-            <a:spLocks noGrp="1"/>
-          </p:cNvSpPr>
-          <p:nvPr>
-            <p:ph type="title"/>
+          <p:cNvPr id="2" name="Vertical Title 1"/>
+          <p:cNvSpPr>
+            <a:spLocks noGrp="1"/>
+          </p:cNvSpPr>
+          <p:nvPr>
+            <p:ph type="title" orient="vert"/>
           </p:nvPr>
         </p:nvSpPr>
         <p:spPr>
           <a:xfrm>
-            <a:off x="1154954" y="1447800"/>
-            <a:ext cx="8825659" cy="1981200"/>
-          </a:xfrm>
-        </p:spPr>
-        <p:txBody>
-          <a:bodyPr/>
-          <a:lstStyle>
-            <a:lvl1pPr>
-              <a:defRPr sz="4800"/>
-            </a:lvl1pPr>
-          </a:lstStyle>
+            <a:off x="8653112" y="937260"/>
+            <a:ext cx="1298608" cy="4983480"/>
+          </a:xfrm>
+        </p:spPr>
+        <p:txBody>
+          <a:bodyPr vert="eaVert"/>
+          <a:lstStyle/>
           <a:p>
             <a:r>
               <a:rPr lang="en-US" smtClean="0"/>
@@ -1043,62 +924,23 @@
       </p:sp>
       <p:sp>
         <p:nvSpPr>
-          <p:cNvPr id="8" name="Text Placeholder 3"/>
-          <p:cNvSpPr>
-            <a:spLocks noGrp="1"/>
-          </p:cNvSpPr>
-          <p:nvPr>
-            <p:ph type="body" sz="half" idx="2"/>
+          <p:cNvPr id="3" name="Vertical Text Placeholder 2"/>
+          <p:cNvSpPr>
+            <a:spLocks noGrp="1"/>
+          </p:cNvSpPr>
+          <p:nvPr>
+            <p:ph type="body" orient="vert" idx="1"/>
           </p:nvPr>
         </p:nvSpPr>
         <p:spPr>
           <a:xfrm>
-            <a:off x="1154954" y="3657600"/>
-            <a:ext cx="8825659" cy="2362200"/>
-          </a:xfrm>
-        </p:spPr>
-        <p:txBody>
-          <a:bodyPr anchor="ctr">
-            <a:normAutofit/>
-          </a:bodyPr>
-          <a:lstStyle>
-            <a:lvl1pPr marL="0" indent="0">
-              <a:buNone/>
-              <a:defRPr sz="1800"/>
-            </a:lvl1pPr>
-            <a:lvl2pPr marL="457200" indent="0">
-              <a:buNone/>
-              <a:defRPr sz="1200"/>
-            </a:lvl2pPr>
-            <a:lvl3pPr marL="914400" indent="0">
-              <a:buNone/>
-              <a:defRPr sz="1000"/>
-            </a:lvl3pPr>
-            <a:lvl4pPr marL="1371600" indent="0">
-              <a:buNone/>
-              <a:defRPr sz="900"/>
-            </a:lvl4pPr>
-            <a:lvl5pPr marL="1828800" indent="0">
-              <a:buNone/>
-              <a:defRPr sz="900"/>
-            </a:lvl5pPr>
-            <a:lvl6pPr marL="2286000" indent="0">
-              <a:buNone/>
-              <a:defRPr sz="900"/>
-            </a:lvl6pPr>
-            <a:lvl7pPr marL="2743200" indent="0">
-              <a:buNone/>
-              <a:defRPr sz="900"/>
-            </a:lvl7pPr>
-            <a:lvl8pPr marL="3200400" indent="0">
-              <a:buNone/>
-              <a:defRPr sz="900"/>
-            </a:lvl8pPr>
-            <a:lvl9pPr marL="3657600" indent="0">
-              <a:buNone/>
-              <a:defRPr sz="900"/>
-            </a:lvl9pPr>
-          </a:lstStyle>
+            <a:off x="2231136" y="937260"/>
+            <a:ext cx="6198489" cy="4983480"/>
+          </a:xfrm>
+        </p:spPr>
+        <p:txBody>
+          <a:bodyPr vert="eaVert"/>
+          <a:lstStyle/>
           <a:p>
             <a:pPr lvl="0"/>
             <a:r>
@@ -1106,6 +948,35 @@
               <a:t>Edit Master text styles</a:t>
             </a:r>
           </a:p>
+          <a:p>
+            <a:pPr lvl="1"/>
+            <a:r>
+              <a:rPr lang="en-US" smtClean="0"/>
+              <a:t>Second level</a:t>
+            </a:r>
+          </a:p>
+          <a:p>
+            <a:pPr lvl="2"/>
+            <a:r>
+              <a:rPr lang="en-US" smtClean="0"/>
+              <a:t>Third level</a:t>
+            </a:r>
+          </a:p>
+          <a:p>
+            <a:pPr lvl="3"/>
+            <a:r>
+              <a:rPr lang="en-US" smtClean="0"/>
+              <a:t>Fourth level</a:t>
+            </a:r>
+          </a:p>
+          <a:p>
+            <a:pPr lvl="4"/>
+            <a:r>
+              <a:rPr lang="en-US" smtClean="0"/>
+              <a:t>Fifth level</a:t>
+            </a:r>
+            <a:endParaRPr lang="en-US" dirty="0"/>
+          </a:p>
         </p:txBody>
       </p:sp>
       <p:sp>
@@ -1124,7 +995,7 @@
           <a:lstStyle/>
           <a:p>
             <a:fld id="{4509A250-FF31-4206-8172-F9D3106AACB1}" type="datetimeFigureOut">
-              <a:rPr lang="en-US" dirty="0"/>
+              <a:rPr lang="en-US" smtClean="0"/>
               <a:t>4/19/2020</a:t>
             </a:fld>
             <a:endParaRPr lang="en-US" dirty="0"/>
@@ -1166,7 +1037,7 @@
           <a:lstStyle/>
           <a:p>
             <a:fld id="{D57F1E4F-1CFF-5643-939E-02111984F565}" type="slidenum">
-              <a:rPr lang="en-US" dirty="0"/>
+              <a:rPr lang="en-US" smtClean="0"/>
               <a:t>‹#›</a:t>
             </a:fld>
             <a:endParaRPr lang="en-US" dirty="0"/>
@@ -1174,6 +1045,11 @@
         </p:txBody>
       </p:sp>
     </p:spTree>
+    <p:extLst>
+      <p:ext uri="{BB962C8B-B14F-4D97-AF65-F5344CB8AC3E}">
+        <p14:creationId xmlns:p14="http://schemas.microsoft.com/office/powerpoint/2010/main" val="3358457458"/>
+      </p:ext>
+    </p:extLst>
   </p:cSld>
   <p:clrMapOvr>
     <a:masterClrMapping/>
@@ -1181,9 +1057,9 @@
 </p:sldLayout>
 </file>
 
-<file path=ppt/slideLayouts/slideLayout12.xml><?xml version="1.0" encoding="utf-8"?>
-<p:sldLayout xmlns:a="http://schemas.openxmlformats.org/drawingml/2006/main" xmlns:r="http://schemas.openxmlformats.org/officeDocument/2006/relationships" xmlns:p="http://schemas.openxmlformats.org/presentationml/2006/main" preserve="1">
-  <p:cSld name="Quote with Caption">
+<file path=ppt/slideLayouts/slideLayout2.xml><?xml version="1.0" encoding="utf-8"?>
+<p:sldLayout xmlns:a="http://schemas.openxmlformats.org/drawingml/2006/main" xmlns:r="http://schemas.openxmlformats.org/officeDocument/2006/relationships" xmlns:p="http://schemas.openxmlformats.org/presentationml/2006/main" type="obj" preserve="1">
+  <p:cSld name="Title and Content">
     <p:spTree>
       <p:nvGrpSpPr>
         <p:cNvPr id="1" name=""/>
@@ -1208,19 +1084,10 @@
             <p:ph type="title"/>
           </p:nvPr>
         </p:nvSpPr>
-        <p:spPr>
-          <a:xfrm>
-            <a:off x="1574801" y="1447800"/>
-            <a:ext cx="7999315" cy="2323374"/>
-          </a:xfrm>
-        </p:spPr>
+        <p:spPr/>
         <p:txBody>
           <a:bodyPr/>
-          <a:lstStyle>
-            <a:lvl1pPr>
-              <a:defRPr sz="4800"/>
-            </a:lvl1pPr>
-          </a:lstStyle>
+          <a:lstStyle/>
           <a:p>
             <a:r>
               <a:rPr lang="en-US" smtClean="0"/>
@@ -1232,69 +1099,18 @@
       </p:sp>
       <p:sp>
         <p:nvSpPr>
-          <p:cNvPr id="14" name="Text Placeholder 3"/>
-          <p:cNvSpPr>
-            <a:spLocks noGrp="1"/>
-          </p:cNvSpPr>
-          <p:nvPr>
-            <p:ph type="body" sz="half" idx="13"/>
-          </p:nvPr>
-        </p:nvSpPr>
-        <p:spPr>
-          <a:xfrm>
-            <a:off x="1930400" y="3771174"/>
-            <a:ext cx="7385828" cy="342174"/>
-          </a:xfrm>
-        </p:spPr>
-        <p:txBody>
-          <a:bodyPr anchor="t">
-            <a:normAutofit/>
-          </a:bodyPr>
-          <a:lstStyle>
-            <a:lvl1pPr marL="0" indent="0">
-              <a:buNone/>
-              <a:defRPr lang="en-US" sz="1400" b="0" i="0" kern="1200" cap="small" dirty="0">
-                <a:solidFill>
-                  <a:schemeClr val="accent1"/>
-                </a:solidFill>
-                <a:latin typeface="+mj-lt"/>
-                <a:ea typeface="+mj-ea"/>
-                <a:cs typeface="+mj-cs"/>
-              </a:defRPr>
-            </a:lvl1pPr>
-            <a:lvl2pPr marL="457200" indent="0">
-              <a:buNone/>
-              <a:defRPr sz="1200"/>
-            </a:lvl2pPr>
-            <a:lvl3pPr marL="914400" indent="0">
-              <a:buNone/>
-              <a:defRPr sz="1000"/>
-            </a:lvl3pPr>
-            <a:lvl4pPr marL="1371600" indent="0">
-              <a:buNone/>
-              <a:defRPr sz="900"/>
-            </a:lvl4pPr>
-            <a:lvl5pPr marL="1828800" indent="0">
-              <a:buNone/>
-              <a:defRPr sz="900"/>
-            </a:lvl5pPr>
-            <a:lvl6pPr marL="2286000" indent="0">
-              <a:buNone/>
-              <a:defRPr sz="900"/>
-            </a:lvl6pPr>
-            <a:lvl7pPr marL="2743200" indent="0">
-              <a:buNone/>
-              <a:defRPr sz="900"/>
-            </a:lvl7pPr>
-            <a:lvl8pPr marL="3200400" indent="0">
-              <a:buNone/>
-              <a:defRPr sz="900"/>
-            </a:lvl8pPr>
-            <a:lvl9pPr marL="3657600" indent="0">
-              <a:buNone/>
-              <a:defRPr sz="900"/>
-            </a:lvl9pPr>
-          </a:lstStyle>
+          <p:cNvPr id="3" name="Content Placeholder 2"/>
+          <p:cNvSpPr>
+            <a:spLocks noGrp="1"/>
+          </p:cNvSpPr>
+          <p:nvPr>
+            <p:ph idx="1"/>
+          </p:nvPr>
+        </p:nvSpPr>
+        <p:spPr/>
+        <p:txBody>
+          <a:bodyPr/>
+          <a:lstStyle/>
           <a:p>
             <a:pPr lvl="0"/>
             <a:r>
@@ -1302,78 +1118,40 @@
               <a:t>Edit Master text styles</a:t>
             </a:r>
           </a:p>
-        </p:txBody>
-      </p:sp>
-      <p:sp>
-        <p:nvSpPr>
-          <p:cNvPr id="10" name="Text Placeholder 3"/>
-          <p:cNvSpPr>
-            <a:spLocks noGrp="1"/>
-          </p:cNvSpPr>
-          <p:nvPr>
-            <p:ph type="body" sz="half" idx="2"/>
-          </p:nvPr>
-        </p:nvSpPr>
-        <p:spPr>
-          <a:xfrm>
-            <a:off x="1154954" y="4350657"/>
-            <a:ext cx="8825659" cy="1676400"/>
-          </a:xfrm>
-        </p:spPr>
-        <p:txBody>
-          <a:bodyPr anchor="ctr">
-            <a:normAutofit/>
-          </a:bodyPr>
-          <a:lstStyle>
-            <a:lvl1pPr marL="0" indent="0">
-              <a:buNone/>
-              <a:defRPr sz="1800"/>
-            </a:lvl1pPr>
-            <a:lvl2pPr marL="457200" indent="0">
-              <a:buNone/>
-              <a:defRPr sz="1200"/>
-            </a:lvl2pPr>
-            <a:lvl3pPr marL="914400" indent="0">
-              <a:buNone/>
-              <a:defRPr sz="1000"/>
-            </a:lvl3pPr>
-            <a:lvl4pPr marL="1371600" indent="0">
-              <a:buNone/>
-              <a:defRPr sz="900"/>
-            </a:lvl4pPr>
-            <a:lvl5pPr marL="1828800" indent="0">
-              <a:buNone/>
-              <a:defRPr sz="900"/>
-            </a:lvl5pPr>
-            <a:lvl6pPr marL="2286000" indent="0">
-              <a:buNone/>
-              <a:defRPr sz="900"/>
-            </a:lvl6pPr>
-            <a:lvl7pPr marL="2743200" indent="0">
-              <a:buNone/>
-              <a:defRPr sz="900"/>
-            </a:lvl7pPr>
-            <a:lvl8pPr marL="3200400" indent="0">
-              <a:buNone/>
-              <a:defRPr sz="900"/>
-            </a:lvl8pPr>
-            <a:lvl9pPr marL="3657600" indent="0">
-              <a:buNone/>
-              <a:defRPr sz="900"/>
-            </a:lvl9pPr>
-          </a:lstStyle>
-          <a:p>
-            <a:pPr lvl="0"/>
-            <a:r>
-              <a:rPr lang="en-US" smtClean="0"/>
-              <a:t>Edit Master text styles</a:t>
-            </a:r>
-          </a:p>
-        </p:txBody>
-      </p:sp>
-      <p:sp>
-        <p:nvSpPr>
-          <p:cNvPr id="4" name="Date Placeholder 3"/>
+          <a:p>
+            <a:pPr lvl="1"/>
+            <a:r>
+              <a:rPr lang="en-US" smtClean="0"/>
+              <a:t>Second level</a:t>
+            </a:r>
+          </a:p>
+          <a:p>
+            <a:pPr lvl="2"/>
+            <a:r>
+              <a:rPr lang="en-US" smtClean="0"/>
+              <a:t>Third level</a:t>
+            </a:r>
+          </a:p>
+          <a:p>
+            <a:pPr lvl="3"/>
+            <a:r>
+              <a:rPr lang="en-US" smtClean="0"/>
+              <a:t>Fourth level</a:t>
+            </a:r>
+          </a:p>
+          <a:p>
+            <a:pPr lvl="4"/>
+            <a:r>
+              <a:rPr lang="en-US" smtClean="0"/>
+              <a:t>Fifth level</a:t>
+            </a:r>
+            <a:endParaRPr lang="en-US" dirty="0"/>
+          </a:p>
+        </p:txBody>
+      </p:sp>
+      <p:sp>
+        <p:nvSpPr>
+          <p:cNvPr id="7" name="Date Placeholder 6"/>
           <p:cNvSpPr>
             <a:spLocks noGrp="1"/>
           </p:cNvSpPr>
@@ -1387,7 +1165,7 @@
           <a:lstStyle/>
           <a:p>
             <a:fld id="{4509A250-FF31-4206-8172-F9D3106AACB1}" type="datetimeFigureOut">
-              <a:rPr lang="en-US" dirty="0"/>
+              <a:rPr lang="en-US" smtClean="0"/>
               <a:t>4/19/2020</a:t>
             </a:fld>
             <a:endParaRPr lang="en-US" dirty="0"/>
@@ -1396,7 +1174,7 @@
       </p:sp>
       <p:sp>
         <p:nvSpPr>
-          <p:cNvPr id="5" name="Footer Placeholder 4"/>
+          <p:cNvPr id="8" name="Footer Placeholder 7"/>
           <p:cNvSpPr>
             <a:spLocks noGrp="1"/>
           </p:cNvSpPr>
@@ -1415,7 +1193,7 @@
       </p:sp>
       <p:sp>
         <p:nvSpPr>
-          <p:cNvPr id="6" name="Slide Number Placeholder 5"/>
+          <p:cNvPr id="9" name="Slide Number Placeholder 8"/>
           <p:cNvSpPr>
             <a:spLocks noGrp="1"/>
           </p:cNvSpPr>
@@ -1429,102 +1207,19 @@
           <a:lstStyle/>
           <a:p>
             <a:fld id="{D57F1E4F-1CFF-5643-939E-02111984F565}" type="slidenum">
-              <a:rPr lang="en-US" dirty="0"/>
+              <a:rPr lang="en-US" smtClean="0"/>
               <a:t>‹#›</a:t>
             </a:fld>
             <a:endParaRPr lang="en-US" dirty="0"/>
           </a:p>
         </p:txBody>
       </p:sp>
-      <p:sp>
-        <p:nvSpPr>
-          <p:cNvPr id="11" name="TextBox 10"/>
-          <p:cNvSpPr txBox="1"/>
-          <p:nvPr/>
-        </p:nvSpPr>
-        <p:spPr>
-          <a:xfrm>
-            <a:off x="898295" y="971253"/>
-            <a:ext cx="801912" cy="1969770"/>
-          </a:xfrm>
-          <a:prstGeom prst="rect">
-            <a:avLst/>
-          </a:prstGeom>
-          <a:noFill/>
-        </p:spPr>
-        <p:txBody>
-          <a:bodyPr wrap="square" rtlCol="0">
-            <a:spAutoFit/>
-          </a:bodyPr>
-          <a:lstStyle>
-            <a:defPPr>
-              <a:defRPr lang="en-US"/>
-            </a:defPPr>
-            <a:lvl1pPr algn="r">
-              <a:defRPr sz="12200" b="0" i="0">
-                <a:solidFill>
-                  <a:schemeClr val="accent1"/>
-                </a:solidFill>
-                <a:latin typeface="Arial"/>
-                <a:ea typeface="+mj-ea"/>
-                <a:cs typeface="+mj-cs"/>
-              </a:defRPr>
-            </a:lvl1pPr>
-          </a:lstStyle>
-          <a:p>
-            <a:pPr lvl="0"/>
-            <a:r>
-              <a:rPr lang="en-US" dirty="0"/>
-              <a:t>“</a:t>
-            </a:r>
-          </a:p>
-        </p:txBody>
-      </p:sp>
-      <p:sp>
-        <p:nvSpPr>
-          <p:cNvPr id="13" name="TextBox 12"/>
-          <p:cNvSpPr txBox="1"/>
-          <p:nvPr/>
-        </p:nvSpPr>
-        <p:spPr>
-          <a:xfrm>
-            <a:off x="9330490" y="2613787"/>
-            <a:ext cx="801912" cy="1969770"/>
-          </a:xfrm>
-          <a:prstGeom prst="rect">
-            <a:avLst/>
-          </a:prstGeom>
-          <a:noFill/>
-        </p:spPr>
-        <p:txBody>
-          <a:bodyPr wrap="square" rtlCol="0">
-            <a:spAutoFit/>
-          </a:bodyPr>
-          <a:lstStyle>
-            <a:defPPr>
-              <a:defRPr lang="en-US"/>
-            </a:defPPr>
-            <a:lvl1pPr algn="r">
-              <a:defRPr sz="12200" b="0" i="0">
-                <a:solidFill>
-                  <a:schemeClr val="accent1"/>
-                </a:solidFill>
-                <a:latin typeface="Arial"/>
-                <a:ea typeface="+mj-ea"/>
-                <a:cs typeface="+mj-cs"/>
-              </a:defRPr>
-            </a:lvl1pPr>
-          </a:lstStyle>
-          <a:p>
-            <a:pPr lvl="0"/>
-            <a:r>
-              <a:rPr lang="en-US" dirty="0"/>
-              <a:t>”</a:t>
-            </a:r>
-          </a:p>
-        </p:txBody>
-      </p:sp>
     </p:spTree>
+    <p:extLst>
+      <p:ext uri="{BB962C8B-B14F-4D97-AF65-F5344CB8AC3E}">
+        <p14:creationId xmlns:p14="http://schemas.microsoft.com/office/powerpoint/2010/main" val="653023650"/>
+      </p:ext>
+    </p:extLst>
   </p:cSld>
   <p:clrMapOvr>
     <a:masterClrMapping/>
@@ -1532,9 +1227,17 @@
 </p:sldLayout>
 </file>
 
-<file path=ppt/slideLayouts/slideLayout13.xml><?xml version="1.0" encoding="utf-8"?>
-<p:sldLayout xmlns:a="http://schemas.openxmlformats.org/drawingml/2006/main" xmlns:r="http://schemas.openxmlformats.org/officeDocument/2006/relationships" xmlns:p="http://schemas.openxmlformats.org/presentationml/2006/main" preserve="1">
-  <p:cSld name="Name Card">
+<file path=ppt/slideLayouts/slideLayout3.xml><?xml version="1.0" encoding="utf-8"?>
+<p:sldLayout xmlns:a="http://schemas.openxmlformats.org/drawingml/2006/main" xmlns:r="http://schemas.openxmlformats.org/officeDocument/2006/relationships" xmlns:p="http://schemas.openxmlformats.org/presentationml/2006/main" type="secHead" preserve="1">
+  <p:cSld name="Section Header">
+    <p:bg>
+      <p:bgPr>
+        <a:solidFill>
+          <a:schemeClr val="accent1"/>
+        </a:solidFill>
+        <a:effectLst/>
+      </p:bgPr>
+    </p:bg>
     <p:spTree>
       <p:nvGrpSpPr>
         <p:cNvPr id="1" name=""/>
@@ -1559,58 +1262,74 @@
             <p:ph type="title"/>
           </p:nvPr>
         </p:nvSpPr>
+        <p:spPr bwMode="blackWhite">
+          <a:xfrm>
+            <a:off x="1600200" y="2386744"/>
+            <a:ext cx="8991600" cy="1645920"/>
+          </a:xfrm>
+          <a:solidFill>
+            <a:srgbClr val="FFFFFF"/>
+          </a:solidFill>
+          <a:ln w="38100">
+            <a:solidFill>
+              <a:srgbClr val="404040"/>
+            </a:solidFill>
+          </a:ln>
+        </p:spPr>
+        <p:txBody>
+          <a:bodyPr lIns="274320" rIns="274320" anchor="ctr" anchorCtr="1">
+            <a:normAutofit/>
+          </a:bodyPr>
+          <a:lstStyle>
+            <a:lvl1pPr>
+              <a:defRPr sz="3800">
+                <a:solidFill>
+                  <a:srgbClr val="262626"/>
+                </a:solidFill>
+              </a:defRPr>
+            </a:lvl1pPr>
+          </a:lstStyle>
+          <a:p>
+            <a:r>
+              <a:rPr lang="en-US" smtClean="0"/>
+              <a:t>Click to edit Master title style</a:t>
+            </a:r>
+            <a:endParaRPr lang="en-US" dirty="0"/>
+          </a:p>
+        </p:txBody>
+      </p:sp>
+      <p:sp>
+        <p:nvSpPr>
+          <p:cNvPr id="3" name="Text Placeholder 2"/>
+          <p:cNvSpPr>
+            <a:spLocks noGrp="1"/>
+          </p:cNvSpPr>
+          <p:nvPr>
+            <p:ph type="body" idx="1"/>
+          </p:nvPr>
+        </p:nvSpPr>
         <p:spPr>
           <a:xfrm>
-            <a:off x="1154954" y="3124201"/>
-            <a:ext cx="8825659" cy="1653180"/>
-          </a:xfrm>
-        </p:spPr>
-        <p:txBody>
-          <a:bodyPr anchor="b"/>
+            <a:off x="2695194" y="4352465"/>
+            <a:ext cx="6801612" cy="1265082"/>
+          </a:xfrm>
+        </p:spPr>
+        <p:txBody>
+          <a:bodyPr anchor="t" anchorCtr="1">
+            <a:normAutofit/>
+          </a:bodyPr>
           <a:lstStyle>
-            <a:lvl1pPr algn="l">
-              <a:defRPr sz="4000" b="0" cap="none"/>
-            </a:lvl1pPr>
-          </a:lstStyle>
-          <a:p>
-            <a:r>
-              <a:rPr lang="en-US" smtClean="0"/>
-              <a:t>Click to edit Master title style</a:t>
-            </a:r>
-            <a:endParaRPr lang="en-US" dirty="0"/>
-          </a:p>
-        </p:txBody>
-      </p:sp>
-      <p:sp>
-        <p:nvSpPr>
-          <p:cNvPr id="3" name="Text Placeholder 2"/>
-          <p:cNvSpPr>
-            <a:spLocks noGrp="1"/>
-          </p:cNvSpPr>
-          <p:nvPr>
-            <p:ph type="body" idx="1"/>
-          </p:nvPr>
-        </p:nvSpPr>
-        <p:spPr>
-          <a:xfrm>
-            <a:off x="1154955" y="4777381"/>
-            <a:ext cx="8825658" cy="860400"/>
-          </a:xfrm>
-        </p:spPr>
-        <p:txBody>
-          <a:bodyPr anchor="t"/>
-          <a:lstStyle>
-            <a:lvl1pPr marL="0" indent="0" algn="l">
+            <a:lvl1pPr marL="0" indent="0">
               <a:buNone/>
-              <a:defRPr sz="2000" cap="none">
-                <a:solidFill>
-                  <a:schemeClr val="accent1"/>
+              <a:defRPr sz="2000">
+                <a:solidFill>
+                  <a:schemeClr val="tx1"/>
                 </a:solidFill>
               </a:defRPr>
             </a:lvl1pPr>
             <a:lvl2pPr marL="457200" indent="0">
               <a:buNone/>
-              <a:defRPr sz="1800">
+              <a:defRPr sz="2000">
                 <a:solidFill>
                   <a:schemeClr val="tx1">
                     <a:tint val="75000"/>
@@ -1620,7 +1339,7 @@
             </a:lvl2pPr>
             <a:lvl3pPr marL="914400" indent="0">
               <a:buNone/>
-              <a:defRPr sz="1600">
+              <a:defRPr sz="1800">
                 <a:solidFill>
                   <a:schemeClr val="tx1">
                     <a:tint val="75000"/>
@@ -1630,7 +1349,7 @@
             </a:lvl3pPr>
             <a:lvl4pPr marL="1371600" indent="0">
               <a:buNone/>
-              <a:defRPr sz="1400">
+              <a:defRPr sz="1600">
                 <a:solidFill>
                   <a:schemeClr val="tx1">
                     <a:tint val="75000"/>
@@ -1640,7 +1359,7 @@
             </a:lvl4pPr>
             <a:lvl5pPr marL="1828800" indent="0">
               <a:buNone/>
-              <a:defRPr sz="1400">
+              <a:defRPr sz="1600">
                 <a:solidFill>
                   <a:schemeClr val="tx1">
                     <a:tint val="75000"/>
@@ -1650,7 +1369,7 @@
             </a:lvl5pPr>
             <a:lvl6pPr marL="2286000" indent="0">
               <a:buNone/>
-              <a:defRPr sz="1400">
+              <a:defRPr sz="1600">
                 <a:solidFill>
                   <a:schemeClr val="tx1">
                     <a:tint val="75000"/>
@@ -1660,7 +1379,7 @@
             </a:lvl6pPr>
             <a:lvl7pPr marL="2743200" indent="0">
               <a:buNone/>
-              <a:defRPr sz="1400">
+              <a:defRPr sz="1600">
                 <a:solidFill>
                   <a:schemeClr val="tx1">
                     <a:tint val="75000"/>
@@ -1670,7 +1389,7 @@
             </a:lvl7pPr>
             <a:lvl8pPr marL="3200400" indent="0">
               <a:buNone/>
-              <a:defRPr sz="1400">
+              <a:defRPr sz="1600">
                 <a:solidFill>
                   <a:schemeClr val="tx1">
                     <a:tint val="75000"/>
@@ -1680,7 +1399,7 @@
             </a:lvl8pPr>
             <a:lvl9pPr marL="3657600" indent="0">
               <a:buNone/>
-              <a:defRPr sz="1400">
+              <a:defRPr sz="1600">
                 <a:solidFill>
                   <a:schemeClr val="tx1">
                     <a:tint val="75000"/>
@@ -1700,7 +1419,7 @@
       </p:sp>
       <p:sp>
         <p:nvSpPr>
-          <p:cNvPr id="4" name="Date Placeholder 3"/>
+          <p:cNvPr id="7" name="Date Placeholder 6"/>
           <p:cNvSpPr>
             <a:spLocks noGrp="1"/>
           </p:cNvSpPr>
@@ -1713,8 +1432,8 @@
           <a:bodyPr/>
           <a:lstStyle/>
           <a:p>
-            <a:fld id="{4509A250-FF31-4206-8172-F9D3106AACB1}" type="datetimeFigureOut">
-              <a:rPr lang="en-US" dirty="0"/>
+            <a:fld id="{9796027F-7875-4030-9381-8BD8C4F21935}" type="datetimeFigureOut">
+              <a:rPr lang="en-US" smtClean="0"/>
               <a:t>4/19/2020</a:t>
             </a:fld>
             <a:endParaRPr lang="en-US" dirty="0"/>
@@ -1723,7 +1442,7 @@
       </p:sp>
       <p:sp>
         <p:nvSpPr>
-          <p:cNvPr id="5" name="Footer Placeholder 4"/>
+          <p:cNvPr id="8" name="Footer Placeholder 7"/>
           <p:cNvSpPr>
             <a:spLocks noGrp="1"/>
           </p:cNvSpPr>
@@ -1742,7 +1461,7 @@
       </p:sp>
       <p:sp>
         <p:nvSpPr>
-          <p:cNvPr id="6" name="Slide Number Placeholder 5"/>
+          <p:cNvPr id="9" name="Slide Number Placeholder 8"/>
           <p:cNvSpPr>
             <a:spLocks noGrp="1"/>
           </p:cNvSpPr>
@@ -1756,7 +1475,7 @@
           <a:lstStyle/>
           <a:p>
             <a:fld id="{D57F1E4F-1CFF-5643-939E-02111984F565}" type="slidenum">
-              <a:rPr lang="en-US" dirty="0"/>
+              <a:rPr lang="en-US" smtClean="0"/>
               <a:t>‹#›</a:t>
             </a:fld>
             <a:endParaRPr lang="en-US" dirty="0"/>
@@ -1764,16 +1483,21 @@
         </p:txBody>
       </p:sp>
     </p:spTree>
+    <p:extLst>
+      <p:ext uri="{BB962C8B-B14F-4D97-AF65-F5344CB8AC3E}">
+        <p14:creationId xmlns:p14="http://schemas.microsoft.com/office/powerpoint/2010/main" val="2453626745"/>
+      </p:ext>
+    </p:extLst>
   </p:cSld>
   <p:clrMapOvr>
-    <a:masterClrMapping/>
+    <a:overrideClrMapping bg1="dk1" tx1="lt1" bg2="dk2" tx2="lt2" accent1="accent1" accent2="accent2" accent3="accent3" accent4="accent4" accent5="accent5" accent6="accent6" hlink="hlink" folHlink="folHlink"/>
   </p:clrMapOvr>
 </p:sldLayout>
 </file>
 
-<file path=ppt/slideLayouts/slideLayout14.xml><?xml version="1.0" encoding="utf-8"?>
-<p:sldLayout xmlns:a="http://schemas.openxmlformats.org/drawingml/2006/main" xmlns:r="http://schemas.openxmlformats.org/officeDocument/2006/relationships" xmlns:p="http://schemas.openxmlformats.org/presentationml/2006/main" preserve="1">
-  <p:cSld name="3 Column">
+<file path=ppt/slideLayouts/slideLayout4.xml><?xml version="1.0" encoding="utf-8"?>
+<p:sldLayout xmlns:a="http://schemas.openxmlformats.org/drawingml/2006/main" xmlns:r="http://schemas.openxmlformats.org/officeDocument/2006/relationships" xmlns:p="http://schemas.openxmlformats.org/presentationml/2006/main" type="twoObj" preserve="1">
+  <p:cSld name="Two Content">
     <p:spTree>
       <p:nvGrpSpPr>
         <p:cNvPr id="1" name=""/>
@@ -1801,11 +1525,7 @@
         <p:spPr/>
         <p:txBody>
           <a:bodyPr/>
-          <a:lstStyle>
-            <a:lvl1pPr>
-              <a:defRPr sz="4200"/>
-            </a:lvl1pPr>
-          </a:lstStyle>
+          <a:lstStyle/>
           <a:p>
             <a:r>
               <a:rPr lang="en-US" smtClean="0"/>
@@ -1817,36 +1537,247 @@
       </p:sp>
       <p:sp>
         <p:nvSpPr>
-          <p:cNvPr id="3" name="Text Placeholder 2"/>
-          <p:cNvSpPr>
-            <a:spLocks noGrp="1"/>
-          </p:cNvSpPr>
-          <p:nvPr>
-            <p:ph type="body" idx="1"/>
+          <p:cNvPr id="3" name="Content Placeholder 2"/>
+          <p:cNvSpPr>
+            <a:spLocks noGrp="1"/>
+          </p:cNvSpPr>
+          <p:nvPr>
+            <p:ph sz="half" idx="1"/>
           </p:nvPr>
         </p:nvSpPr>
         <p:spPr>
           <a:xfrm>
-            <a:off x="632947" y="1981200"/>
-            <a:ext cx="2946866" cy="576262"/>
-          </a:xfrm>
-        </p:spPr>
-        <p:txBody>
-          <a:bodyPr anchor="b">
-            <a:noAutofit/>
+            <a:off x="1581912" y="2638044"/>
+            <a:ext cx="4271771" cy="3101982"/>
+          </a:xfrm>
+        </p:spPr>
+        <p:txBody>
+          <a:bodyPr/>
+          <a:lstStyle/>
+          <a:p>
+            <a:pPr lvl="0"/>
+            <a:r>
+              <a:rPr lang="en-US" smtClean="0"/>
+              <a:t>Edit Master text styles</a:t>
+            </a:r>
+          </a:p>
+          <a:p>
+            <a:pPr lvl="1"/>
+            <a:r>
+              <a:rPr lang="en-US" smtClean="0"/>
+              <a:t>Second level</a:t>
+            </a:r>
+          </a:p>
+          <a:p>
+            <a:pPr lvl="2"/>
+            <a:r>
+              <a:rPr lang="en-US" smtClean="0"/>
+              <a:t>Third level</a:t>
+            </a:r>
+          </a:p>
+          <a:p>
+            <a:pPr lvl="3"/>
+            <a:r>
+              <a:rPr lang="en-US" smtClean="0"/>
+              <a:t>Fourth level</a:t>
+            </a:r>
+          </a:p>
+          <a:p>
+            <a:pPr lvl="4"/>
+            <a:r>
+              <a:rPr lang="en-US" smtClean="0"/>
+              <a:t>Fifth level</a:t>
+            </a:r>
+            <a:endParaRPr lang="en-US" dirty="0"/>
+          </a:p>
+        </p:txBody>
+      </p:sp>
+      <p:sp>
+        <p:nvSpPr>
+          <p:cNvPr id="4" name="Content Placeholder 3"/>
+          <p:cNvSpPr>
+            <a:spLocks noGrp="1"/>
+          </p:cNvSpPr>
+          <p:nvPr>
+            <p:ph sz="half" idx="2"/>
+          </p:nvPr>
+        </p:nvSpPr>
+        <p:spPr>
+          <a:xfrm>
+            <a:off x="6338315" y="2638044"/>
+            <a:ext cx="4270247" cy="3101982"/>
+          </a:xfrm>
+        </p:spPr>
+        <p:txBody>
+          <a:bodyPr/>
+          <a:lstStyle/>
+          <a:p>
+            <a:pPr lvl="0"/>
+            <a:r>
+              <a:rPr lang="en-US" smtClean="0"/>
+              <a:t>Edit Master text styles</a:t>
+            </a:r>
+          </a:p>
+          <a:p>
+            <a:pPr lvl="1"/>
+            <a:r>
+              <a:rPr lang="en-US" smtClean="0"/>
+              <a:t>Second level</a:t>
+            </a:r>
+          </a:p>
+          <a:p>
+            <a:pPr lvl="2"/>
+            <a:r>
+              <a:rPr lang="en-US" smtClean="0"/>
+              <a:t>Third level</a:t>
+            </a:r>
+          </a:p>
+          <a:p>
+            <a:pPr lvl="3"/>
+            <a:r>
+              <a:rPr lang="en-US" smtClean="0"/>
+              <a:t>Fourth level</a:t>
+            </a:r>
+          </a:p>
+          <a:p>
+            <a:pPr lvl="4"/>
+            <a:r>
+              <a:rPr lang="en-US" smtClean="0"/>
+              <a:t>Fifth level</a:t>
+            </a:r>
+            <a:endParaRPr lang="en-US" dirty="0"/>
+          </a:p>
+        </p:txBody>
+      </p:sp>
+      <p:sp>
+        <p:nvSpPr>
+          <p:cNvPr id="8" name="Date Placeholder 7"/>
+          <p:cNvSpPr>
+            <a:spLocks noGrp="1"/>
+          </p:cNvSpPr>
+          <p:nvPr>
+            <p:ph type="dt" sz="half" idx="10"/>
+          </p:nvPr>
+        </p:nvSpPr>
+        <p:spPr/>
+        <p:txBody>
+          <a:bodyPr/>
+          <a:lstStyle/>
+          <a:p>
+            <a:fld id="{9796027F-7875-4030-9381-8BD8C4F21935}" type="datetimeFigureOut">
+              <a:rPr lang="en-US" smtClean="0"/>
+              <a:t>4/19/2020</a:t>
+            </a:fld>
+            <a:endParaRPr lang="en-US" dirty="0"/>
+          </a:p>
+        </p:txBody>
+      </p:sp>
+      <p:sp>
+        <p:nvSpPr>
+          <p:cNvPr id="9" name="Footer Placeholder 8"/>
+          <p:cNvSpPr>
+            <a:spLocks noGrp="1"/>
+          </p:cNvSpPr>
+          <p:nvPr>
+            <p:ph type="ftr" sz="quarter" idx="11"/>
+          </p:nvPr>
+        </p:nvSpPr>
+        <p:spPr/>
+        <p:txBody>
+          <a:bodyPr/>
+          <a:lstStyle/>
+          <a:p>
+            <a:endParaRPr lang="en-US" dirty="0"/>
+          </a:p>
+        </p:txBody>
+      </p:sp>
+      <p:sp>
+        <p:nvSpPr>
+          <p:cNvPr id="10" name="Slide Number Placeholder 9"/>
+          <p:cNvSpPr>
+            <a:spLocks noGrp="1"/>
+          </p:cNvSpPr>
+          <p:nvPr>
+            <p:ph type="sldNum" sz="quarter" idx="12"/>
+          </p:nvPr>
+        </p:nvSpPr>
+        <p:spPr/>
+        <p:txBody>
+          <a:bodyPr/>
+          <a:lstStyle/>
+          <a:p>
+            <a:fld id="{D57F1E4F-1CFF-5643-939E-02111984F565}" type="slidenum">
+              <a:rPr lang="en-US" smtClean="0"/>
+              <a:t>‹#›</a:t>
+            </a:fld>
+            <a:endParaRPr lang="en-US" dirty="0"/>
+          </a:p>
+        </p:txBody>
+      </p:sp>
+    </p:spTree>
+    <p:extLst>
+      <p:ext uri="{BB962C8B-B14F-4D97-AF65-F5344CB8AC3E}">
+        <p14:creationId xmlns:p14="http://schemas.microsoft.com/office/powerpoint/2010/main" val="2214585095"/>
+      </p:ext>
+    </p:extLst>
+  </p:cSld>
+  <p:clrMapOvr>
+    <a:masterClrMapping/>
+  </p:clrMapOvr>
+</p:sldLayout>
+</file>
+
+<file path=ppt/slideLayouts/slideLayout5.xml><?xml version="1.0" encoding="utf-8"?>
+<p:sldLayout xmlns:a="http://schemas.openxmlformats.org/drawingml/2006/main" xmlns:r="http://schemas.openxmlformats.org/officeDocument/2006/relationships" xmlns:p="http://schemas.openxmlformats.org/presentationml/2006/main" type="twoTxTwoObj" preserve="1">
+  <p:cSld name="Comparison">
+    <p:spTree>
+      <p:nvGrpSpPr>
+        <p:cNvPr id="1" name=""/>
+        <p:cNvGrpSpPr/>
+        <p:nvPr/>
+      </p:nvGrpSpPr>
+      <p:grpSpPr>
+        <a:xfrm>
+          <a:off x="0" y="0"/>
+          <a:ext cx="0" cy="0"/>
+          <a:chOff x="0" y="0"/>
+          <a:chExt cx="0" cy="0"/>
+        </a:xfrm>
+      </p:grpSpPr>
+      <p:sp>
+        <p:nvSpPr>
+          <p:cNvPr id="3" name="Text Placeholder 2"/>
+          <p:cNvSpPr>
+            <a:spLocks noGrp="1"/>
+          </p:cNvSpPr>
+          <p:nvPr>
+            <p:ph type="body" idx="1"/>
+          </p:nvPr>
+        </p:nvSpPr>
+        <p:spPr>
+          <a:xfrm>
+            <a:off x="1583436" y="2313433"/>
+            <a:ext cx="4270248" cy="704087"/>
+          </a:xfrm>
+        </p:spPr>
+        <p:txBody>
+          <a:bodyPr anchor="b" anchorCtr="1">
+            <a:normAutofit/>
           </a:bodyPr>
           <a:lstStyle>
-            <a:lvl1pPr marL="0" indent="0">
+            <a:lvl1pPr marL="0" indent="0" algn="ctr">
               <a:buNone/>
-              <a:defRPr sz="2400" b="0">
-                <a:solidFill>
-                  <a:schemeClr val="accent1"/>
+              <a:defRPr sz="1900" b="0" cap="all" spc="100" baseline="0">
+                <a:solidFill>
+                  <a:schemeClr val="accent2">
+                    <a:lumMod val="75000"/>
+                  </a:schemeClr>
                 </a:solidFill>
               </a:defRPr>
             </a:lvl1pPr>
             <a:lvl2pPr marL="457200" indent="0">
               <a:buNone/>
-              <a:defRPr sz="2000" b="1"/>
+              <a:defRPr sz="1900" b="1"/>
             </a:lvl2pPr>
             <a:lvl3pPr marL="914400" indent="0">
               <a:buNone/>
@@ -1888,103 +1819,156 @@
       </p:sp>
       <p:sp>
         <p:nvSpPr>
-          <p:cNvPr id="16" name="Text Placeholder 3"/>
-          <p:cNvSpPr>
-            <a:spLocks noGrp="1"/>
-          </p:cNvSpPr>
-          <p:nvPr>
-            <p:ph type="body" sz="half" idx="15"/>
+          <p:cNvPr id="4" name="Content Placeholder 3"/>
+          <p:cNvSpPr>
+            <a:spLocks noGrp="1"/>
+          </p:cNvSpPr>
+          <p:nvPr>
+            <p:ph sz="half" idx="2"/>
           </p:nvPr>
         </p:nvSpPr>
         <p:spPr>
           <a:xfrm>
-            <a:off x="652463" y="2667000"/>
-            <a:ext cx="2927350" cy="3589338"/>
-          </a:xfrm>
-        </p:spPr>
-        <p:txBody>
-          <a:bodyPr anchor="t">
+            <a:off x="1583436" y="3143250"/>
+            <a:ext cx="4270248" cy="2596776"/>
+          </a:xfrm>
+        </p:spPr>
+        <p:txBody>
+          <a:bodyPr/>
+          <a:lstStyle/>
+          <a:p>
+            <a:pPr lvl="0"/>
+            <a:r>
+              <a:rPr lang="en-US" smtClean="0"/>
+              <a:t>Edit Master text styles</a:t>
+            </a:r>
+          </a:p>
+          <a:p>
+            <a:pPr lvl="1"/>
+            <a:r>
+              <a:rPr lang="en-US" smtClean="0"/>
+              <a:t>Second level</a:t>
+            </a:r>
+          </a:p>
+          <a:p>
+            <a:pPr lvl="2"/>
+            <a:r>
+              <a:rPr lang="en-US" smtClean="0"/>
+              <a:t>Third level</a:t>
+            </a:r>
+          </a:p>
+          <a:p>
+            <a:pPr lvl="3"/>
+            <a:r>
+              <a:rPr lang="en-US" smtClean="0"/>
+              <a:t>Fourth level</a:t>
+            </a:r>
+          </a:p>
+          <a:p>
+            <a:pPr lvl="4"/>
+            <a:r>
+              <a:rPr lang="en-US" smtClean="0"/>
+              <a:t>Fifth level</a:t>
+            </a:r>
+            <a:endParaRPr lang="en-US" dirty="0"/>
+          </a:p>
+        </p:txBody>
+      </p:sp>
+      <p:sp>
+        <p:nvSpPr>
+          <p:cNvPr id="6" name="Content Placeholder 5"/>
+          <p:cNvSpPr>
+            <a:spLocks noGrp="1"/>
+          </p:cNvSpPr>
+          <p:nvPr>
+            <p:ph sz="quarter" idx="4"/>
+          </p:nvPr>
+        </p:nvSpPr>
+        <p:spPr>
+          <a:xfrm>
+            <a:off x="6338316" y="3143250"/>
+            <a:ext cx="4253484" cy="2596776"/>
+          </a:xfrm>
+        </p:spPr>
+        <p:txBody>
+          <a:bodyPr/>
+          <a:lstStyle>
+            <a:lvl5pPr>
+              <a:defRPr/>
+            </a:lvl5pPr>
+          </a:lstStyle>
+          <a:p>
+            <a:pPr lvl="0"/>
+            <a:r>
+              <a:rPr lang="en-US" smtClean="0"/>
+              <a:t>Edit Master text styles</a:t>
+            </a:r>
+          </a:p>
+          <a:p>
+            <a:pPr lvl="1"/>
+            <a:r>
+              <a:rPr lang="en-US" smtClean="0"/>
+              <a:t>Second level</a:t>
+            </a:r>
+          </a:p>
+          <a:p>
+            <a:pPr lvl="2"/>
+            <a:r>
+              <a:rPr lang="en-US" smtClean="0"/>
+              <a:t>Third level</a:t>
+            </a:r>
+          </a:p>
+          <a:p>
+            <a:pPr lvl="3"/>
+            <a:r>
+              <a:rPr lang="en-US" smtClean="0"/>
+              <a:t>Fourth level</a:t>
+            </a:r>
+          </a:p>
+          <a:p>
+            <a:pPr lvl="4"/>
+            <a:r>
+              <a:rPr lang="en-US" smtClean="0"/>
+              <a:t>Fifth level</a:t>
+            </a:r>
+            <a:endParaRPr lang="en-US" dirty="0"/>
+          </a:p>
+        </p:txBody>
+      </p:sp>
+      <p:sp>
+        <p:nvSpPr>
+          <p:cNvPr id="11" name="Text Placeholder 4"/>
+          <p:cNvSpPr>
+            <a:spLocks noGrp="1"/>
+          </p:cNvSpPr>
+          <p:nvPr>
+            <p:ph type="body" sz="quarter" idx="13"/>
+          </p:nvPr>
+        </p:nvSpPr>
+        <p:spPr>
+          <a:xfrm>
+            <a:off x="6338316" y="2313433"/>
+            <a:ext cx="4270248" cy="704087"/>
+          </a:xfrm>
+        </p:spPr>
+        <p:txBody>
+          <a:bodyPr anchor="b" anchorCtr="1">
             <a:normAutofit/>
           </a:bodyPr>
           <a:lstStyle>
-            <a:lvl1pPr marL="0" indent="0">
+            <a:lvl1pPr marL="0" indent="0" algn="ctr">
               <a:buNone/>
-              <a:defRPr sz="1400"/>
-            </a:lvl1pPr>
-            <a:lvl2pPr marL="457200" indent="0">
-              <a:buNone/>
-              <a:defRPr sz="1200"/>
-            </a:lvl2pPr>
-            <a:lvl3pPr marL="914400" indent="0">
-              <a:buNone/>
-              <a:defRPr sz="1000"/>
-            </a:lvl3pPr>
-            <a:lvl4pPr marL="1371600" indent="0">
-              <a:buNone/>
-              <a:defRPr sz="900"/>
-            </a:lvl4pPr>
-            <a:lvl5pPr marL="1828800" indent="0">
-              <a:buNone/>
-              <a:defRPr sz="900"/>
-            </a:lvl5pPr>
-            <a:lvl6pPr marL="2286000" indent="0">
-              <a:buNone/>
-              <a:defRPr sz="900"/>
-            </a:lvl6pPr>
-            <a:lvl7pPr marL="2743200" indent="0">
-              <a:buNone/>
-              <a:defRPr sz="900"/>
-            </a:lvl7pPr>
-            <a:lvl8pPr marL="3200400" indent="0">
-              <a:buNone/>
-              <a:defRPr sz="900"/>
-            </a:lvl8pPr>
-            <a:lvl9pPr marL="3657600" indent="0">
-              <a:buNone/>
-              <a:defRPr sz="900"/>
-            </a:lvl9pPr>
-          </a:lstStyle>
-          <a:p>
-            <a:pPr lvl="0"/>
-            <a:r>
-              <a:rPr lang="en-US" smtClean="0"/>
-              <a:t>Edit Master text styles</a:t>
-            </a:r>
-          </a:p>
-        </p:txBody>
-      </p:sp>
-      <p:sp>
-        <p:nvSpPr>
-          <p:cNvPr id="5" name="Text Placeholder 4"/>
-          <p:cNvSpPr>
-            <a:spLocks noGrp="1"/>
-          </p:cNvSpPr>
-          <p:nvPr>
-            <p:ph type="body" sz="quarter" idx="3"/>
-          </p:nvPr>
-        </p:nvSpPr>
-        <p:spPr>
-          <a:xfrm>
-            <a:off x="3883659" y="1981200"/>
-            <a:ext cx="2936241" cy="576262"/>
-          </a:xfrm>
-        </p:spPr>
-        <p:txBody>
-          <a:bodyPr anchor="b">
-            <a:noAutofit/>
-          </a:bodyPr>
-          <a:lstStyle>
-            <a:lvl1pPr marL="0" indent="0">
-              <a:buNone/>
-              <a:defRPr sz="2400" b="0">
-                <a:solidFill>
-                  <a:schemeClr val="accent1"/>
+              <a:defRPr sz="1900" b="0" cap="all" spc="100" baseline="0">
+                <a:solidFill>
+                  <a:schemeClr val="accent2">
+                    <a:lumMod val="75000"/>
+                  </a:schemeClr>
                 </a:solidFill>
               </a:defRPr>
             </a:lvl1pPr>
             <a:lvl2pPr marL="457200" indent="0">
               <a:buNone/>
-              <a:defRPr sz="2000" b="1"/>
+              <a:defRPr sz="1900" b="1"/>
             </a:lvl2pPr>
             <a:lvl3pPr marL="914400" indent="0">
               <a:buNone/>
@@ -2026,286 +2010,7 @@
       </p:sp>
       <p:sp>
         <p:nvSpPr>
-          <p:cNvPr id="19" name="Text Placeholder 3"/>
-          <p:cNvSpPr>
-            <a:spLocks noGrp="1"/>
-          </p:cNvSpPr>
-          <p:nvPr>
-            <p:ph type="body" sz="half" idx="16"/>
-          </p:nvPr>
-        </p:nvSpPr>
-        <p:spPr>
-          <a:xfrm>
-            <a:off x="3873106" y="2667000"/>
-            <a:ext cx="2946794" cy="3589338"/>
-          </a:xfrm>
-        </p:spPr>
-        <p:txBody>
-          <a:bodyPr anchor="t">
-            <a:normAutofit/>
-          </a:bodyPr>
-          <a:lstStyle>
-            <a:lvl1pPr marL="0" indent="0">
-              <a:buNone/>
-              <a:defRPr sz="1400"/>
-            </a:lvl1pPr>
-            <a:lvl2pPr marL="457200" indent="0">
-              <a:buNone/>
-              <a:defRPr sz="1200"/>
-            </a:lvl2pPr>
-            <a:lvl3pPr marL="914400" indent="0">
-              <a:buNone/>
-              <a:defRPr sz="1000"/>
-            </a:lvl3pPr>
-            <a:lvl4pPr marL="1371600" indent="0">
-              <a:buNone/>
-              <a:defRPr sz="900"/>
-            </a:lvl4pPr>
-            <a:lvl5pPr marL="1828800" indent="0">
-              <a:buNone/>
-              <a:defRPr sz="900"/>
-            </a:lvl5pPr>
-            <a:lvl6pPr marL="2286000" indent="0">
-              <a:buNone/>
-              <a:defRPr sz="900"/>
-            </a:lvl6pPr>
-            <a:lvl7pPr marL="2743200" indent="0">
-              <a:buNone/>
-              <a:defRPr sz="900"/>
-            </a:lvl7pPr>
-            <a:lvl8pPr marL="3200400" indent="0">
-              <a:buNone/>
-              <a:defRPr sz="900"/>
-            </a:lvl8pPr>
-            <a:lvl9pPr marL="3657600" indent="0">
-              <a:buNone/>
-              <a:defRPr sz="900"/>
-            </a:lvl9pPr>
-          </a:lstStyle>
-          <a:p>
-            <a:pPr lvl="0"/>
-            <a:r>
-              <a:rPr lang="en-US" smtClean="0"/>
-              <a:t>Edit Master text styles</a:t>
-            </a:r>
-          </a:p>
-        </p:txBody>
-      </p:sp>
-      <p:sp>
-        <p:nvSpPr>
-          <p:cNvPr id="14" name="Text Placeholder 4"/>
-          <p:cNvSpPr>
-            <a:spLocks noGrp="1"/>
-          </p:cNvSpPr>
-          <p:nvPr>
-            <p:ph type="body" sz="quarter" idx="13"/>
-          </p:nvPr>
-        </p:nvSpPr>
-        <p:spPr>
-          <a:xfrm>
-            <a:off x="7124700" y="1981200"/>
-            <a:ext cx="2932113" cy="576262"/>
-          </a:xfrm>
-        </p:spPr>
-        <p:txBody>
-          <a:bodyPr anchor="b">
-            <a:noAutofit/>
-          </a:bodyPr>
-          <a:lstStyle>
-            <a:lvl1pPr marL="0" indent="0">
-              <a:buNone/>
-              <a:defRPr sz="2400" b="0">
-                <a:solidFill>
-                  <a:schemeClr val="accent1"/>
-                </a:solidFill>
-              </a:defRPr>
-            </a:lvl1pPr>
-            <a:lvl2pPr marL="457200" indent="0">
-              <a:buNone/>
-              <a:defRPr sz="2000" b="1"/>
-            </a:lvl2pPr>
-            <a:lvl3pPr marL="914400" indent="0">
-              <a:buNone/>
-              <a:defRPr sz="1800" b="1"/>
-            </a:lvl3pPr>
-            <a:lvl4pPr marL="1371600" indent="0">
-              <a:buNone/>
-              <a:defRPr sz="1600" b="1"/>
-            </a:lvl4pPr>
-            <a:lvl5pPr marL="1828800" indent="0">
-              <a:buNone/>
-              <a:defRPr sz="1600" b="1"/>
-            </a:lvl5pPr>
-            <a:lvl6pPr marL="2286000" indent="0">
-              <a:buNone/>
-              <a:defRPr sz="1600" b="1"/>
-            </a:lvl6pPr>
-            <a:lvl7pPr marL="2743200" indent="0">
-              <a:buNone/>
-              <a:defRPr sz="1600" b="1"/>
-            </a:lvl7pPr>
-            <a:lvl8pPr marL="3200400" indent="0">
-              <a:buNone/>
-              <a:defRPr sz="1600" b="1"/>
-            </a:lvl8pPr>
-            <a:lvl9pPr marL="3657600" indent="0">
-              <a:buNone/>
-              <a:defRPr sz="1600" b="1"/>
-            </a:lvl9pPr>
-          </a:lstStyle>
-          <a:p>
-            <a:pPr lvl="0"/>
-            <a:r>
-              <a:rPr lang="en-US" smtClean="0"/>
-              <a:t>Edit Master text styles</a:t>
-            </a:r>
-          </a:p>
-        </p:txBody>
-      </p:sp>
-      <p:sp>
-        <p:nvSpPr>
-          <p:cNvPr id="20" name="Text Placeholder 3"/>
-          <p:cNvSpPr>
-            <a:spLocks noGrp="1"/>
-          </p:cNvSpPr>
-          <p:nvPr>
-            <p:ph type="body" sz="half" idx="17"/>
-          </p:nvPr>
-        </p:nvSpPr>
-        <p:spPr>
-          <a:xfrm>
-            <a:off x="7124700" y="2667000"/>
-            <a:ext cx="2932113" cy="3589338"/>
-          </a:xfrm>
-        </p:spPr>
-        <p:txBody>
-          <a:bodyPr anchor="t">
-            <a:normAutofit/>
-          </a:bodyPr>
-          <a:lstStyle>
-            <a:lvl1pPr marL="0" indent="0">
-              <a:buNone/>
-              <a:defRPr sz="1400"/>
-            </a:lvl1pPr>
-            <a:lvl2pPr marL="457200" indent="0">
-              <a:buNone/>
-              <a:defRPr sz="1200"/>
-            </a:lvl2pPr>
-            <a:lvl3pPr marL="914400" indent="0">
-              <a:buNone/>
-              <a:defRPr sz="1000"/>
-            </a:lvl3pPr>
-            <a:lvl4pPr marL="1371600" indent="0">
-              <a:buNone/>
-              <a:defRPr sz="900"/>
-            </a:lvl4pPr>
-            <a:lvl5pPr marL="1828800" indent="0">
-              <a:buNone/>
-              <a:defRPr sz="900"/>
-            </a:lvl5pPr>
-            <a:lvl6pPr marL="2286000" indent="0">
-              <a:buNone/>
-              <a:defRPr sz="900"/>
-            </a:lvl6pPr>
-            <a:lvl7pPr marL="2743200" indent="0">
-              <a:buNone/>
-              <a:defRPr sz="900"/>
-            </a:lvl7pPr>
-            <a:lvl8pPr marL="3200400" indent="0">
-              <a:buNone/>
-              <a:defRPr sz="900"/>
-            </a:lvl8pPr>
-            <a:lvl9pPr marL="3657600" indent="0">
-              <a:buNone/>
-              <a:defRPr sz="900"/>
-            </a:lvl9pPr>
-          </a:lstStyle>
-          <a:p>
-            <a:pPr lvl="0"/>
-            <a:r>
-              <a:rPr lang="en-US" smtClean="0"/>
-              <a:t>Edit Master text styles</a:t>
-            </a:r>
-          </a:p>
-        </p:txBody>
-      </p:sp>
-      <p:cxnSp>
-        <p:nvCxnSpPr>
-          <p:cNvPr id="17" name="Straight Connector 16"/>
-          <p:cNvCxnSpPr/>
-          <p:nvPr/>
-        </p:nvCxnSpPr>
-        <p:spPr>
-          <a:xfrm>
-            <a:off x="3726142" y="2133600"/>
-            <a:ext cx="0" cy="3962400"/>
-          </a:xfrm>
-          <a:prstGeom prst="line">
-            <a:avLst/>
-          </a:prstGeom>
-          <a:ln w="12700" cmpd="sng">
-            <a:solidFill>
-              <a:schemeClr val="accent1">
-                <a:alpha val="40000"/>
-              </a:schemeClr>
-            </a:solidFill>
-          </a:ln>
-        </p:spPr>
-        <p:style>
-          <a:lnRef idx="2">
-            <a:schemeClr val="accent1"/>
-          </a:lnRef>
-          <a:fillRef idx="0">
-            <a:schemeClr val="accent1"/>
-          </a:fillRef>
-          <a:effectRef idx="1">
-            <a:schemeClr val="accent1"/>
-          </a:effectRef>
-          <a:fontRef idx="minor">
-            <a:schemeClr val="tx1"/>
-          </a:fontRef>
-        </p:style>
-      </p:cxnSp>
-      <p:cxnSp>
-        <p:nvCxnSpPr>
-          <p:cNvPr id="18" name="Straight Connector 17"/>
-          <p:cNvCxnSpPr/>
-          <p:nvPr/>
-        </p:nvCxnSpPr>
-        <p:spPr>
-          <a:xfrm>
-            <a:off x="6962227" y="2133600"/>
-            <a:ext cx="0" cy="3966882"/>
-          </a:xfrm>
-          <a:prstGeom prst="line">
-            <a:avLst/>
-          </a:prstGeom>
-          <a:ln w="12700" cmpd="sng">
-            <a:solidFill>
-              <a:schemeClr val="accent1">
-                <a:alpha val="40000"/>
-              </a:schemeClr>
-            </a:solidFill>
-          </a:ln>
-        </p:spPr>
-        <p:style>
-          <a:lnRef idx="2">
-            <a:schemeClr val="accent1"/>
-          </a:lnRef>
-          <a:fillRef idx="0">
-            <a:schemeClr val="accent1"/>
-          </a:fillRef>
-          <a:effectRef idx="1">
-            <a:schemeClr val="accent1"/>
-          </a:effectRef>
-          <a:fontRef idx="minor">
-            <a:schemeClr val="tx1"/>
-          </a:fontRef>
-        </p:style>
-      </p:cxnSp>
-      <p:sp>
-        <p:nvSpPr>
-          <p:cNvPr id="7" name="Date Placeholder 3"/>
+          <p:cNvPr id="7" name="Date Placeholder 6"/>
           <p:cNvSpPr>
             <a:spLocks noGrp="1"/>
           </p:cNvSpPr>
@@ -2318,8 +2023,8 @@
           <a:bodyPr/>
           <a:lstStyle/>
           <a:p>
-            <a:fld id="{4509A250-FF31-4206-8172-F9D3106AACB1}" type="datetimeFigureOut">
-              <a:rPr lang="en-US" dirty="0"/>
+            <a:fld id="{4AAD347D-5ACD-4C99-B74B-A9C85AD731AF}" type="datetimeFigureOut">
+              <a:rPr lang="en-US" smtClean="0"/>
               <a:t>4/19/2020</a:t>
             </a:fld>
             <a:endParaRPr lang="en-US" dirty="0"/>
@@ -2328,7 +2033,7 @@
       </p:sp>
       <p:sp>
         <p:nvSpPr>
-          <p:cNvPr id="4" name="Footer Placeholder 4"/>
+          <p:cNvPr id="8" name="Footer Placeholder 7"/>
           <p:cNvSpPr>
             <a:spLocks noGrp="1"/>
           </p:cNvSpPr>
@@ -2347,7 +2052,7 @@
       </p:sp>
       <p:sp>
         <p:nvSpPr>
-          <p:cNvPr id="6" name="Slide Number Placeholder 5"/>
+          <p:cNvPr id="9" name="Slide Number Placeholder 8"/>
           <p:cNvSpPr>
             <a:spLocks noGrp="1"/>
           </p:cNvSpPr>
@@ -2361,2324 +2066,47 @@
           <a:lstStyle/>
           <a:p>
             <a:fld id="{D57F1E4F-1CFF-5643-939E-02111984F565}" type="slidenum">
-              <a:rPr lang="en-US" dirty="0"/>
+              <a:rPr lang="en-US" smtClean="0"/>
               <a:t>‹#›</a:t>
             </a:fld>
             <a:endParaRPr lang="en-US" dirty="0"/>
           </a:p>
         </p:txBody>
       </p:sp>
+      <p:sp>
+        <p:nvSpPr>
+          <p:cNvPr id="10" name="Title 9"/>
+          <p:cNvSpPr>
+            <a:spLocks noGrp="1"/>
+          </p:cNvSpPr>
+          <p:nvPr>
+            <p:ph type="title"/>
+          </p:nvPr>
+        </p:nvSpPr>
+        <p:spPr/>
+        <p:txBody>
+          <a:bodyPr/>
+          <a:lstStyle/>
+          <a:p>
+            <a:r>
+              <a:rPr lang="en-US" smtClean="0"/>
+              <a:t>Click to edit Master title style</a:t>
+            </a:r>
+            <a:endParaRPr lang="en-US" dirty="0"/>
+          </a:p>
+        </p:txBody>
+      </p:sp>
     </p:spTree>
+    <p:extLst>
+      <p:ext uri="{BB962C8B-B14F-4D97-AF65-F5344CB8AC3E}">
+        <p14:creationId xmlns:p14="http://schemas.microsoft.com/office/powerpoint/2010/main" val="211420894"/>
+      </p:ext>
+    </p:extLst>
   </p:cSld>
   <p:clrMapOvr>
     <a:masterClrMapping/>
   </p:clrMapOvr>
-</p:sldLayout>
-</file>
-
-<file path=ppt/slideLayouts/slideLayout15.xml><?xml version="1.0" encoding="utf-8"?>
-<p:sldLayout xmlns:a="http://schemas.openxmlformats.org/drawingml/2006/main" xmlns:r="http://schemas.openxmlformats.org/officeDocument/2006/relationships" xmlns:p="http://schemas.openxmlformats.org/presentationml/2006/main" preserve="1">
-  <p:cSld name="3 Picture Column">
-    <p:spTree>
-      <p:nvGrpSpPr>
-        <p:cNvPr id="1" name=""/>
-        <p:cNvGrpSpPr/>
-        <p:nvPr/>
-      </p:nvGrpSpPr>
-      <p:grpSpPr>
-        <a:xfrm>
-          <a:off x="0" y="0"/>
-          <a:ext cx="0" cy="0"/>
-          <a:chOff x="0" y="0"/>
-          <a:chExt cx="0" cy="0"/>
-        </a:xfrm>
-      </p:grpSpPr>
-      <p:sp>
-        <p:nvSpPr>
-          <p:cNvPr id="2" name="Title 1"/>
-          <p:cNvSpPr>
-            <a:spLocks noGrp="1"/>
-          </p:cNvSpPr>
-          <p:nvPr>
-            <p:ph type="title"/>
-          </p:nvPr>
-        </p:nvSpPr>
-        <p:spPr/>
-        <p:txBody>
-          <a:bodyPr/>
-          <a:lstStyle>
-            <a:lvl1pPr>
-              <a:defRPr sz="4200"/>
-            </a:lvl1pPr>
-          </a:lstStyle>
-          <a:p>
-            <a:r>
-              <a:rPr lang="en-US" smtClean="0"/>
-              <a:t>Click to edit Master title style</a:t>
-            </a:r>
-            <a:endParaRPr lang="en-US" dirty="0"/>
-          </a:p>
-        </p:txBody>
-      </p:sp>
-      <p:sp>
-        <p:nvSpPr>
-          <p:cNvPr id="3" name="Text Placeholder 2"/>
-          <p:cNvSpPr>
-            <a:spLocks noGrp="1"/>
-          </p:cNvSpPr>
-          <p:nvPr>
-            <p:ph type="body" idx="1"/>
-          </p:nvPr>
-        </p:nvSpPr>
-        <p:spPr>
-          <a:xfrm>
-            <a:off x="652463" y="4250949"/>
-            <a:ext cx="2940050" cy="576262"/>
-          </a:xfrm>
-        </p:spPr>
-        <p:txBody>
-          <a:bodyPr anchor="b">
-            <a:noAutofit/>
-          </a:bodyPr>
-          <a:lstStyle>
-            <a:lvl1pPr marL="0" indent="0">
-              <a:buNone/>
-              <a:defRPr sz="2400" b="0">
-                <a:solidFill>
-                  <a:schemeClr val="accent1"/>
-                </a:solidFill>
-              </a:defRPr>
-            </a:lvl1pPr>
-            <a:lvl2pPr marL="457200" indent="0">
-              <a:buNone/>
-              <a:defRPr sz="2000" b="1"/>
-            </a:lvl2pPr>
-            <a:lvl3pPr marL="914400" indent="0">
-              <a:buNone/>
-              <a:defRPr sz="1800" b="1"/>
-            </a:lvl3pPr>
-            <a:lvl4pPr marL="1371600" indent="0">
-              <a:buNone/>
-              <a:defRPr sz="1600" b="1"/>
-            </a:lvl4pPr>
-            <a:lvl5pPr marL="1828800" indent="0">
-              <a:buNone/>
-              <a:defRPr sz="1600" b="1"/>
-            </a:lvl5pPr>
-            <a:lvl6pPr marL="2286000" indent="0">
-              <a:buNone/>
-              <a:defRPr sz="1600" b="1"/>
-            </a:lvl6pPr>
-            <a:lvl7pPr marL="2743200" indent="0">
-              <a:buNone/>
-              <a:defRPr sz="1600" b="1"/>
-            </a:lvl7pPr>
-            <a:lvl8pPr marL="3200400" indent="0">
-              <a:buNone/>
-              <a:defRPr sz="1600" b="1"/>
-            </a:lvl8pPr>
-            <a:lvl9pPr marL="3657600" indent="0">
-              <a:buNone/>
-              <a:defRPr sz="1600" b="1"/>
-            </a:lvl9pPr>
-          </a:lstStyle>
-          <a:p>
-            <a:pPr lvl="0"/>
-            <a:r>
-              <a:rPr lang="en-US" smtClean="0"/>
-              <a:t>Edit Master text styles</a:t>
-            </a:r>
-          </a:p>
-        </p:txBody>
-      </p:sp>
-      <p:sp>
-        <p:nvSpPr>
-          <p:cNvPr id="29" name="Picture Placeholder 2"/>
-          <p:cNvSpPr>
-            <a:spLocks noGrp="1" noChangeAspect="1"/>
-          </p:cNvSpPr>
-          <p:nvPr>
-            <p:ph type="pic" idx="15"/>
-          </p:nvPr>
-        </p:nvSpPr>
-        <p:spPr>
-          <a:xfrm>
-            <a:off x="652463" y="2209800"/>
-            <a:ext cx="2940050" cy="1524000"/>
-          </a:xfrm>
-          <a:prstGeom prst="roundRect">
-            <a:avLst>
-              <a:gd name="adj" fmla="val 1858"/>
-            </a:avLst>
-          </a:prstGeom>
-          <a:effectLst>
-            <a:outerShdw blurRad="50800" dist="50800" dir="5400000" algn="tl" rotWithShape="0">
-              <a:srgbClr val="000000">
-                <a:alpha val="43000"/>
-              </a:srgbClr>
-            </a:outerShdw>
-          </a:effectLst>
-        </p:spPr>
-        <p:txBody>
-          <a:bodyPr anchor="t">
-            <a:normAutofit/>
-          </a:bodyPr>
-          <a:lstStyle>
-            <a:lvl1pPr marL="0" indent="0" algn="ctr">
-              <a:buNone/>
-              <a:defRPr sz="1600"/>
-            </a:lvl1pPr>
-            <a:lvl2pPr marL="457200" indent="0">
-              <a:buNone/>
-              <a:defRPr sz="1600"/>
-            </a:lvl2pPr>
-            <a:lvl3pPr marL="914400" indent="0">
-              <a:buNone/>
-              <a:defRPr sz="1600"/>
-            </a:lvl3pPr>
-            <a:lvl4pPr marL="1371600" indent="0">
-              <a:buNone/>
-              <a:defRPr sz="1600"/>
-            </a:lvl4pPr>
-            <a:lvl5pPr marL="1828800" indent="0">
-              <a:buNone/>
-              <a:defRPr sz="1600"/>
-            </a:lvl5pPr>
-            <a:lvl6pPr marL="2286000" indent="0">
-              <a:buNone/>
-              <a:defRPr sz="1600"/>
-            </a:lvl6pPr>
-            <a:lvl7pPr marL="2743200" indent="0">
-              <a:buNone/>
-              <a:defRPr sz="1600"/>
-            </a:lvl7pPr>
-            <a:lvl8pPr marL="3200400" indent="0">
-              <a:buNone/>
-              <a:defRPr sz="1600"/>
-            </a:lvl8pPr>
-            <a:lvl9pPr marL="3657600" indent="0">
-              <a:buNone/>
-              <a:defRPr sz="1600"/>
-            </a:lvl9pPr>
-          </a:lstStyle>
-          <a:p>
-            <a:r>
-              <a:rPr lang="en-US" dirty="0" smtClean="0"/>
-              <a:t>Click icon to add picture</a:t>
-            </a:r>
-            <a:endParaRPr lang="en-US" dirty="0"/>
-          </a:p>
-        </p:txBody>
-      </p:sp>
-      <p:sp>
-        <p:nvSpPr>
-          <p:cNvPr id="22" name="Text Placeholder 3"/>
-          <p:cNvSpPr>
-            <a:spLocks noGrp="1"/>
-          </p:cNvSpPr>
-          <p:nvPr>
-            <p:ph type="body" sz="half" idx="18"/>
-          </p:nvPr>
-        </p:nvSpPr>
-        <p:spPr>
-          <a:xfrm>
-            <a:off x="652463" y="4827211"/>
-            <a:ext cx="2940050" cy="659189"/>
-          </a:xfrm>
-        </p:spPr>
-        <p:txBody>
-          <a:bodyPr anchor="t">
-            <a:normAutofit/>
-          </a:bodyPr>
-          <a:lstStyle>
-            <a:lvl1pPr marL="0" indent="0">
-              <a:buNone/>
-              <a:defRPr sz="1400"/>
-            </a:lvl1pPr>
-            <a:lvl2pPr marL="457200" indent="0">
-              <a:buNone/>
-              <a:defRPr sz="1200"/>
-            </a:lvl2pPr>
-            <a:lvl3pPr marL="914400" indent="0">
-              <a:buNone/>
-              <a:defRPr sz="1000"/>
-            </a:lvl3pPr>
-            <a:lvl4pPr marL="1371600" indent="0">
-              <a:buNone/>
-              <a:defRPr sz="900"/>
-            </a:lvl4pPr>
-            <a:lvl5pPr marL="1828800" indent="0">
-              <a:buNone/>
-              <a:defRPr sz="900"/>
-            </a:lvl5pPr>
-            <a:lvl6pPr marL="2286000" indent="0">
-              <a:buNone/>
-              <a:defRPr sz="900"/>
-            </a:lvl6pPr>
-            <a:lvl7pPr marL="2743200" indent="0">
-              <a:buNone/>
-              <a:defRPr sz="900"/>
-            </a:lvl7pPr>
-            <a:lvl8pPr marL="3200400" indent="0">
-              <a:buNone/>
-              <a:defRPr sz="900"/>
-            </a:lvl8pPr>
-            <a:lvl9pPr marL="3657600" indent="0">
-              <a:buNone/>
-              <a:defRPr sz="900"/>
-            </a:lvl9pPr>
-          </a:lstStyle>
-          <a:p>
-            <a:pPr lvl="0"/>
-            <a:r>
-              <a:rPr lang="en-US" smtClean="0"/>
-              <a:t>Edit Master text styles</a:t>
-            </a:r>
-          </a:p>
-        </p:txBody>
-      </p:sp>
-      <p:sp>
-        <p:nvSpPr>
-          <p:cNvPr id="5" name="Text Placeholder 4"/>
-          <p:cNvSpPr>
-            <a:spLocks noGrp="1"/>
-          </p:cNvSpPr>
-          <p:nvPr>
-            <p:ph type="body" sz="quarter" idx="3"/>
-          </p:nvPr>
-        </p:nvSpPr>
-        <p:spPr>
-          <a:xfrm>
-            <a:off x="3889375" y="4250949"/>
-            <a:ext cx="2930525" cy="576262"/>
-          </a:xfrm>
-        </p:spPr>
-        <p:txBody>
-          <a:bodyPr anchor="b">
-            <a:noAutofit/>
-          </a:bodyPr>
-          <a:lstStyle>
-            <a:lvl1pPr marL="0" indent="0">
-              <a:buNone/>
-              <a:defRPr sz="2400" b="0">
-                <a:solidFill>
-                  <a:schemeClr val="accent1"/>
-                </a:solidFill>
-              </a:defRPr>
-            </a:lvl1pPr>
-            <a:lvl2pPr marL="457200" indent="0">
-              <a:buNone/>
-              <a:defRPr sz="2000" b="1"/>
-            </a:lvl2pPr>
-            <a:lvl3pPr marL="914400" indent="0">
-              <a:buNone/>
-              <a:defRPr sz="1800" b="1"/>
-            </a:lvl3pPr>
-            <a:lvl4pPr marL="1371600" indent="0">
-              <a:buNone/>
-              <a:defRPr sz="1600" b="1"/>
-            </a:lvl4pPr>
-            <a:lvl5pPr marL="1828800" indent="0">
-              <a:buNone/>
-              <a:defRPr sz="1600" b="1"/>
-            </a:lvl5pPr>
-            <a:lvl6pPr marL="2286000" indent="0">
-              <a:buNone/>
-              <a:defRPr sz="1600" b="1"/>
-            </a:lvl6pPr>
-            <a:lvl7pPr marL="2743200" indent="0">
-              <a:buNone/>
-              <a:defRPr sz="1600" b="1"/>
-            </a:lvl7pPr>
-            <a:lvl8pPr marL="3200400" indent="0">
-              <a:buNone/>
-              <a:defRPr sz="1600" b="1"/>
-            </a:lvl8pPr>
-            <a:lvl9pPr marL="3657600" indent="0">
-              <a:buNone/>
-              <a:defRPr sz="1600" b="1"/>
-            </a:lvl9pPr>
-          </a:lstStyle>
-          <a:p>
-            <a:pPr lvl="0"/>
-            <a:r>
-              <a:rPr lang="en-US" smtClean="0"/>
-              <a:t>Edit Master text styles</a:t>
-            </a:r>
-          </a:p>
-        </p:txBody>
-      </p:sp>
-      <p:sp>
-        <p:nvSpPr>
-          <p:cNvPr id="30" name="Picture Placeholder 2"/>
-          <p:cNvSpPr>
-            <a:spLocks noGrp="1" noChangeAspect="1"/>
-          </p:cNvSpPr>
-          <p:nvPr>
-            <p:ph type="pic" idx="21"/>
-          </p:nvPr>
-        </p:nvSpPr>
-        <p:spPr>
-          <a:xfrm>
-            <a:off x="3889374" y="2209800"/>
-            <a:ext cx="2930525" cy="1524000"/>
-          </a:xfrm>
-          <a:prstGeom prst="roundRect">
-            <a:avLst>
-              <a:gd name="adj" fmla="val 1858"/>
-            </a:avLst>
-          </a:prstGeom>
-          <a:effectLst>
-            <a:outerShdw blurRad="50800" dist="50800" dir="5400000" algn="tl" rotWithShape="0">
-              <a:srgbClr val="000000">
-                <a:alpha val="43000"/>
-              </a:srgbClr>
-            </a:outerShdw>
-          </a:effectLst>
-        </p:spPr>
-        <p:txBody>
-          <a:bodyPr anchor="t">
-            <a:normAutofit/>
-          </a:bodyPr>
-          <a:lstStyle>
-            <a:lvl1pPr marL="0" indent="0" algn="ctr">
-              <a:buNone/>
-              <a:defRPr sz="1600"/>
-            </a:lvl1pPr>
-            <a:lvl2pPr marL="457200" indent="0">
-              <a:buNone/>
-              <a:defRPr sz="1600"/>
-            </a:lvl2pPr>
-            <a:lvl3pPr marL="914400" indent="0">
-              <a:buNone/>
-              <a:defRPr sz="1600"/>
-            </a:lvl3pPr>
-            <a:lvl4pPr marL="1371600" indent="0">
-              <a:buNone/>
-              <a:defRPr sz="1600"/>
-            </a:lvl4pPr>
-            <a:lvl5pPr marL="1828800" indent="0">
-              <a:buNone/>
-              <a:defRPr sz="1600"/>
-            </a:lvl5pPr>
-            <a:lvl6pPr marL="2286000" indent="0">
-              <a:buNone/>
-              <a:defRPr sz="1600"/>
-            </a:lvl6pPr>
-            <a:lvl7pPr marL="2743200" indent="0">
-              <a:buNone/>
-              <a:defRPr sz="1600"/>
-            </a:lvl7pPr>
-            <a:lvl8pPr marL="3200400" indent="0">
-              <a:buNone/>
-              <a:defRPr sz="1600"/>
-            </a:lvl8pPr>
-            <a:lvl9pPr marL="3657600" indent="0">
-              <a:buNone/>
-              <a:defRPr sz="1600"/>
-            </a:lvl9pPr>
-          </a:lstStyle>
-          <a:p>
-            <a:r>
-              <a:rPr lang="en-US" dirty="0" smtClean="0"/>
-              <a:t>Click icon to add picture</a:t>
-            </a:r>
-            <a:endParaRPr lang="en-US" dirty="0"/>
-          </a:p>
-        </p:txBody>
-      </p:sp>
-      <p:sp>
-        <p:nvSpPr>
-          <p:cNvPr id="23" name="Text Placeholder 3"/>
-          <p:cNvSpPr>
-            <a:spLocks noGrp="1"/>
-          </p:cNvSpPr>
-          <p:nvPr>
-            <p:ph type="body" sz="half" idx="19"/>
-          </p:nvPr>
-        </p:nvSpPr>
-        <p:spPr>
-          <a:xfrm>
-            <a:off x="3888022" y="4827210"/>
-            <a:ext cx="2934406" cy="659189"/>
-          </a:xfrm>
-        </p:spPr>
-        <p:txBody>
-          <a:bodyPr anchor="t">
-            <a:normAutofit/>
-          </a:bodyPr>
-          <a:lstStyle>
-            <a:lvl1pPr marL="0" indent="0">
-              <a:buNone/>
-              <a:defRPr sz="1400"/>
-            </a:lvl1pPr>
-            <a:lvl2pPr marL="457200" indent="0">
-              <a:buNone/>
-              <a:defRPr sz="1200"/>
-            </a:lvl2pPr>
-            <a:lvl3pPr marL="914400" indent="0">
-              <a:buNone/>
-              <a:defRPr sz="1000"/>
-            </a:lvl3pPr>
-            <a:lvl4pPr marL="1371600" indent="0">
-              <a:buNone/>
-              <a:defRPr sz="900"/>
-            </a:lvl4pPr>
-            <a:lvl5pPr marL="1828800" indent="0">
-              <a:buNone/>
-              <a:defRPr sz="900"/>
-            </a:lvl5pPr>
-            <a:lvl6pPr marL="2286000" indent="0">
-              <a:buNone/>
-              <a:defRPr sz="900"/>
-            </a:lvl6pPr>
-            <a:lvl7pPr marL="2743200" indent="0">
-              <a:buNone/>
-              <a:defRPr sz="900"/>
-            </a:lvl7pPr>
-            <a:lvl8pPr marL="3200400" indent="0">
-              <a:buNone/>
-              <a:defRPr sz="900"/>
-            </a:lvl8pPr>
-            <a:lvl9pPr marL="3657600" indent="0">
-              <a:buNone/>
-              <a:defRPr sz="900"/>
-            </a:lvl9pPr>
-          </a:lstStyle>
-          <a:p>
-            <a:pPr lvl="0"/>
-            <a:r>
-              <a:rPr lang="en-US" smtClean="0"/>
-              <a:t>Edit Master text styles</a:t>
-            </a:r>
-          </a:p>
-        </p:txBody>
-      </p:sp>
-      <p:sp>
-        <p:nvSpPr>
-          <p:cNvPr id="14" name="Text Placeholder 4"/>
-          <p:cNvSpPr>
-            <a:spLocks noGrp="1"/>
-          </p:cNvSpPr>
-          <p:nvPr>
-            <p:ph type="body" sz="quarter" idx="13"/>
-          </p:nvPr>
-        </p:nvSpPr>
-        <p:spPr>
-          <a:xfrm>
-            <a:off x="7124700" y="4250949"/>
-            <a:ext cx="2932113" cy="576262"/>
-          </a:xfrm>
-        </p:spPr>
-        <p:txBody>
-          <a:bodyPr anchor="b">
-            <a:noAutofit/>
-          </a:bodyPr>
-          <a:lstStyle>
-            <a:lvl1pPr marL="0" indent="0">
-              <a:buNone/>
-              <a:defRPr sz="2400" b="0">
-                <a:solidFill>
-                  <a:schemeClr val="accent1"/>
-                </a:solidFill>
-              </a:defRPr>
-            </a:lvl1pPr>
-            <a:lvl2pPr marL="457200" indent="0">
-              <a:buNone/>
-              <a:defRPr sz="2000" b="1"/>
-            </a:lvl2pPr>
-            <a:lvl3pPr marL="914400" indent="0">
-              <a:buNone/>
-              <a:defRPr sz="1800" b="1"/>
-            </a:lvl3pPr>
-            <a:lvl4pPr marL="1371600" indent="0">
-              <a:buNone/>
-              <a:defRPr sz="1600" b="1"/>
-            </a:lvl4pPr>
-            <a:lvl5pPr marL="1828800" indent="0">
-              <a:buNone/>
-              <a:defRPr sz="1600" b="1"/>
-            </a:lvl5pPr>
-            <a:lvl6pPr marL="2286000" indent="0">
-              <a:buNone/>
-              <a:defRPr sz="1600" b="1"/>
-            </a:lvl6pPr>
-            <a:lvl7pPr marL="2743200" indent="0">
-              <a:buNone/>
-              <a:defRPr sz="1600" b="1"/>
-            </a:lvl7pPr>
-            <a:lvl8pPr marL="3200400" indent="0">
-              <a:buNone/>
-              <a:defRPr sz="1600" b="1"/>
-            </a:lvl8pPr>
-            <a:lvl9pPr marL="3657600" indent="0">
-              <a:buNone/>
-              <a:defRPr sz="1600" b="1"/>
-            </a:lvl9pPr>
-          </a:lstStyle>
-          <a:p>
-            <a:pPr lvl="0"/>
-            <a:r>
-              <a:rPr lang="en-US" smtClean="0"/>
-              <a:t>Edit Master text styles</a:t>
-            </a:r>
-          </a:p>
-        </p:txBody>
-      </p:sp>
-      <p:sp>
-        <p:nvSpPr>
-          <p:cNvPr id="31" name="Picture Placeholder 2"/>
-          <p:cNvSpPr>
-            <a:spLocks noGrp="1" noChangeAspect="1"/>
-          </p:cNvSpPr>
-          <p:nvPr>
-            <p:ph type="pic" idx="22"/>
-          </p:nvPr>
-        </p:nvSpPr>
-        <p:spPr>
-          <a:xfrm>
-            <a:off x="7124699" y="2209800"/>
-            <a:ext cx="2932113" cy="1524000"/>
-          </a:xfrm>
-          <a:prstGeom prst="roundRect">
-            <a:avLst>
-              <a:gd name="adj" fmla="val 1858"/>
-            </a:avLst>
-          </a:prstGeom>
-          <a:effectLst>
-            <a:outerShdw blurRad="50800" dist="50800" dir="5400000" algn="tl" rotWithShape="0">
-              <a:srgbClr val="000000">
-                <a:alpha val="43000"/>
-              </a:srgbClr>
-            </a:outerShdw>
-          </a:effectLst>
-        </p:spPr>
-        <p:txBody>
-          <a:bodyPr anchor="t">
-            <a:normAutofit/>
-          </a:bodyPr>
-          <a:lstStyle>
-            <a:lvl1pPr marL="0" indent="0" algn="ctr">
-              <a:buNone/>
-              <a:defRPr sz="1600"/>
-            </a:lvl1pPr>
-            <a:lvl2pPr marL="457200" indent="0">
-              <a:buNone/>
-              <a:defRPr sz="1600"/>
-            </a:lvl2pPr>
-            <a:lvl3pPr marL="914400" indent="0">
-              <a:buNone/>
-              <a:defRPr sz="1600"/>
-            </a:lvl3pPr>
-            <a:lvl4pPr marL="1371600" indent="0">
-              <a:buNone/>
-              <a:defRPr sz="1600"/>
-            </a:lvl4pPr>
-            <a:lvl5pPr marL="1828800" indent="0">
-              <a:buNone/>
-              <a:defRPr sz="1600"/>
-            </a:lvl5pPr>
-            <a:lvl6pPr marL="2286000" indent="0">
-              <a:buNone/>
-              <a:defRPr sz="1600"/>
-            </a:lvl6pPr>
-            <a:lvl7pPr marL="2743200" indent="0">
-              <a:buNone/>
-              <a:defRPr sz="1600"/>
-            </a:lvl7pPr>
-            <a:lvl8pPr marL="3200400" indent="0">
-              <a:buNone/>
-              <a:defRPr sz="1600"/>
-            </a:lvl8pPr>
-            <a:lvl9pPr marL="3657600" indent="0">
-              <a:buNone/>
-              <a:defRPr sz="1600"/>
-            </a:lvl9pPr>
-          </a:lstStyle>
-          <a:p>
-            <a:r>
-              <a:rPr lang="en-US" dirty="0" smtClean="0"/>
-              <a:t>Click icon to add picture</a:t>
-            </a:r>
-            <a:endParaRPr lang="en-US" dirty="0"/>
-          </a:p>
-        </p:txBody>
-      </p:sp>
-      <p:sp>
-        <p:nvSpPr>
-          <p:cNvPr id="24" name="Text Placeholder 3"/>
-          <p:cNvSpPr>
-            <a:spLocks noGrp="1"/>
-          </p:cNvSpPr>
-          <p:nvPr>
-            <p:ph type="body" sz="half" idx="20"/>
-          </p:nvPr>
-        </p:nvSpPr>
-        <p:spPr>
-          <a:xfrm>
-            <a:off x="7124575" y="4827208"/>
-            <a:ext cx="2935997" cy="659189"/>
-          </a:xfrm>
-        </p:spPr>
-        <p:txBody>
-          <a:bodyPr anchor="t">
-            <a:normAutofit/>
-          </a:bodyPr>
-          <a:lstStyle>
-            <a:lvl1pPr marL="0" indent="0">
-              <a:buNone/>
-              <a:defRPr sz="1400"/>
-            </a:lvl1pPr>
-            <a:lvl2pPr marL="457200" indent="0">
-              <a:buNone/>
-              <a:defRPr sz="1200"/>
-            </a:lvl2pPr>
-            <a:lvl3pPr marL="914400" indent="0">
-              <a:buNone/>
-              <a:defRPr sz="1000"/>
-            </a:lvl3pPr>
-            <a:lvl4pPr marL="1371600" indent="0">
-              <a:buNone/>
-              <a:defRPr sz="900"/>
-            </a:lvl4pPr>
-            <a:lvl5pPr marL="1828800" indent="0">
-              <a:buNone/>
-              <a:defRPr sz="900"/>
-            </a:lvl5pPr>
-            <a:lvl6pPr marL="2286000" indent="0">
-              <a:buNone/>
-              <a:defRPr sz="900"/>
-            </a:lvl6pPr>
-            <a:lvl7pPr marL="2743200" indent="0">
-              <a:buNone/>
-              <a:defRPr sz="900"/>
-            </a:lvl7pPr>
-            <a:lvl8pPr marL="3200400" indent="0">
-              <a:buNone/>
-              <a:defRPr sz="900"/>
-            </a:lvl8pPr>
-            <a:lvl9pPr marL="3657600" indent="0">
-              <a:buNone/>
-              <a:defRPr sz="900"/>
-            </a:lvl9pPr>
-          </a:lstStyle>
-          <a:p>
-            <a:pPr lvl="0"/>
-            <a:r>
-              <a:rPr lang="en-US" smtClean="0"/>
-              <a:t>Edit Master text styles</a:t>
-            </a:r>
-          </a:p>
-        </p:txBody>
-      </p:sp>
-      <p:cxnSp>
-        <p:nvCxnSpPr>
-          <p:cNvPr id="17" name="Straight Connector 16"/>
-          <p:cNvCxnSpPr/>
-          <p:nvPr/>
-        </p:nvCxnSpPr>
-        <p:spPr>
-          <a:xfrm>
-            <a:off x="3726142" y="2133600"/>
-            <a:ext cx="0" cy="3962400"/>
-          </a:xfrm>
-          <a:prstGeom prst="line">
-            <a:avLst/>
-          </a:prstGeom>
-          <a:ln w="12700" cmpd="sng">
-            <a:solidFill>
-              <a:schemeClr val="accent1">
-                <a:alpha val="40000"/>
-              </a:schemeClr>
-            </a:solidFill>
-          </a:ln>
-        </p:spPr>
-        <p:style>
-          <a:lnRef idx="2">
-            <a:schemeClr val="accent1"/>
-          </a:lnRef>
-          <a:fillRef idx="0">
-            <a:schemeClr val="accent1"/>
-          </a:fillRef>
-          <a:effectRef idx="1">
-            <a:schemeClr val="accent1"/>
-          </a:effectRef>
-          <a:fontRef idx="minor">
-            <a:schemeClr val="tx1"/>
-          </a:fontRef>
-        </p:style>
-      </p:cxnSp>
-      <p:cxnSp>
-        <p:nvCxnSpPr>
-          <p:cNvPr id="18" name="Straight Connector 17"/>
-          <p:cNvCxnSpPr/>
-          <p:nvPr/>
-        </p:nvCxnSpPr>
-        <p:spPr>
-          <a:xfrm>
-            <a:off x="6962227" y="2133600"/>
-            <a:ext cx="0" cy="3966882"/>
-          </a:xfrm>
-          <a:prstGeom prst="line">
-            <a:avLst/>
-          </a:prstGeom>
-          <a:ln w="12700" cmpd="sng">
-            <a:solidFill>
-              <a:schemeClr val="accent1">
-                <a:alpha val="40000"/>
-              </a:schemeClr>
-            </a:solidFill>
-          </a:ln>
-        </p:spPr>
-        <p:style>
-          <a:lnRef idx="2">
-            <a:schemeClr val="accent1"/>
-          </a:lnRef>
-          <a:fillRef idx="0">
-            <a:schemeClr val="accent1"/>
-          </a:fillRef>
-          <a:effectRef idx="1">
-            <a:schemeClr val="accent1"/>
-          </a:effectRef>
-          <a:fontRef idx="minor">
-            <a:schemeClr val="tx1"/>
-          </a:fontRef>
-        </p:style>
-      </p:cxnSp>
-      <p:sp>
-        <p:nvSpPr>
-          <p:cNvPr id="7" name="Date Placeholder 3"/>
-          <p:cNvSpPr>
-            <a:spLocks noGrp="1"/>
-          </p:cNvSpPr>
-          <p:nvPr>
-            <p:ph type="dt" sz="half" idx="10"/>
-          </p:nvPr>
-        </p:nvSpPr>
-        <p:spPr/>
-        <p:txBody>
-          <a:bodyPr/>
-          <a:lstStyle/>
-          <a:p>
-            <a:fld id="{4509A250-FF31-4206-8172-F9D3106AACB1}" type="datetimeFigureOut">
-              <a:rPr lang="en-US" dirty="0"/>
-              <a:t>4/19/2020</a:t>
-            </a:fld>
-            <a:endParaRPr lang="en-US" dirty="0"/>
-          </a:p>
-        </p:txBody>
-      </p:sp>
-      <p:sp>
-        <p:nvSpPr>
-          <p:cNvPr id="4" name="Footer Placeholder 4"/>
-          <p:cNvSpPr>
-            <a:spLocks noGrp="1"/>
-          </p:cNvSpPr>
-          <p:nvPr>
-            <p:ph type="ftr" sz="quarter" idx="11"/>
-          </p:nvPr>
-        </p:nvSpPr>
-        <p:spPr/>
-        <p:txBody>
-          <a:bodyPr/>
-          <a:lstStyle/>
-          <a:p>
-            <a:endParaRPr lang="en-US" dirty="0"/>
-          </a:p>
-        </p:txBody>
-      </p:sp>
-      <p:sp>
-        <p:nvSpPr>
-          <p:cNvPr id="6" name="Slide Number Placeholder 5"/>
-          <p:cNvSpPr>
-            <a:spLocks noGrp="1"/>
-          </p:cNvSpPr>
-          <p:nvPr>
-            <p:ph type="sldNum" sz="quarter" idx="12"/>
-          </p:nvPr>
-        </p:nvSpPr>
-        <p:spPr/>
-        <p:txBody>
-          <a:bodyPr/>
-          <a:lstStyle/>
-          <a:p>
-            <a:fld id="{D57F1E4F-1CFF-5643-939E-02111984F565}" type="slidenum">
-              <a:rPr lang="en-US" dirty="0"/>
-              <a:t>‹#›</a:t>
-            </a:fld>
-            <a:endParaRPr lang="en-US" dirty="0"/>
-          </a:p>
-        </p:txBody>
-      </p:sp>
-    </p:spTree>
-  </p:cSld>
-  <p:clrMapOvr>
-    <a:masterClrMapping/>
-  </p:clrMapOvr>
-</p:sldLayout>
-</file>
-
-<file path=ppt/slideLayouts/slideLayout16.xml><?xml version="1.0" encoding="utf-8"?>
-<p:sldLayout xmlns:a="http://schemas.openxmlformats.org/drawingml/2006/main" xmlns:r="http://schemas.openxmlformats.org/officeDocument/2006/relationships" xmlns:p="http://schemas.openxmlformats.org/presentationml/2006/main" type="vertTx" preserve="1">
-  <p:cSld name="Title and Vertical Text">
-    <p:spTree>
-      <p:nvGrpSpPr>
-        <p:cNvPr id="1" name=""/>
-        <p:cNvGrpSpPr/>
-        <p:nvPr/>
-      </p:nvGrpSpPr>
-      <p:grpSpPr>
-        <a:xfrm>
-          <a:off x="0" y="0"/>
-          <a:ext cx="0" cy="0"/>
-          <a:chOff x="0" y="0"/>
-          <a:chExt cx="0" cy="0"/>
-        </a:xfrm>
-      </p:grpSpPr>
-      <p:sp>
-        <p:nvSpPr>
-          <p:cNvPr id="2" name="Title 1"/>
-          <p:cNvSpPr>
-            <a:spLocks noGrp="1"/>
-          </p:cNvSpPr>
-          <p:nvPr>
-            <p:ph type="title"/>
-          </p:nvPr>
-        </p:nvSpPr>
-        <p:spPr/>
-        <p:txBody>
-          <a:bodyPr/>
-          <a:lstStyle/>
-          <a:p>
-            <a:r>
-              <a:rPr lang="en-US" smtClean="0"/>
-              <a:t>Click to edit Master title style</a:t>
-            </a:r>
-            <a:endParaRPr lang="en-US" dirty="0"/>
-          </a:p>
-        </p:txBody>
-      </p:sp>
-      <p:sp>
-        <p:nvSpPr>
-          <p:cNvPr id="3" name="Vertical Text Placeholder 2"/>
-          <p:cNvSpPr>
-            <a:spLocks noGrp="1"/>
-          </p:cNvSpPr>
-          <p:nvPr>
-            <p:ph type="body" orient="vert" idx="1"/>
-          </p:nvPr>
-        </p:nvSpPr>
-        <p:spPr/>
-        <p:txBody>
-          <a:bodyPr vert="eaVert" anchor="t" anchorCtr="0"/>
-          <a:lstStyle/>
-          <a:p>
-            <a:pPr lvl="0"/>
-            <a:r>
-              <a:rPr lang="en-US" smtClean="0"/>
-              <a:t>Edit Master text styles</a:t>
-            </a:r>
-          </a:p>
-          <a:p>
-            <a:pPr lvl="1"/>
-            <a:r>
-              <a:rPr lang="en-US" smtClean="0"/>
-              <a:t>Second level</a:t>
-            </a:r>
-          </a:p>
-          <a:p>
-            <a:pPr lvl="2"/>
-            <a:r>
-              <a:rPr lang="en-US" smtClean="0"/>
-              <a:t>Third level</a:t>
-            </a:r>
-          </a:p>
-          <a:p>
-            <a:pPr lvl="3"/>
-            <a:r>
-              <a:rPr lang="en-US" smtClean="0"/>
-              <a:t>Fourth level</a:t>
-            </a:r>
-          </a:p>
-          <a:p>
-            <a:pPr lvl="4"/>
-            <a:r>
-              <a:rPr lang="en-US" smtClean="0"/>
-              <a:t>Fifth level</a:t>
-            </a:r>
-            <a:endParaRPr lang="en-US" dirty="0"/>
-          </a:p>
-        </p:txBody>
-      </p:sp>
-      <p:sp>
-        <p:nvSpPr>
-          <p:cNvPr id="4" name="Date Placeholder 3"/>
-          <p:cNvSpPr>
-            <a:spLocks noGrp="1"/>
-          </p:cNvSpPr>
-          <p:nvPr>
-            <p:ph type="dt" sz="half" idx="10"/>
-          </p:nvPr>
-        </p:nvSpPr>
-        <p:spPr/>
-        <p:txBody>
-          <a:bodyPr/>
-          <a:lstStyle/>
-          <a:p>
-            <a:fld id="{4509A250-FF31-4206-8172-F9D3106AACB1}" type="datetimeFigureOut">
-              <a:rPr lang="en-US" dirty="0"/>
-              <a:t>4/19/2020</a:t>
-            </a:fld>
-            <a:endParaRPr lang="en-US" dirty="0"/>
-          </a:p>
-        </p:txBody>
-      </p:sp>
-      <p:sp>
-        <p:nvSpPr>
-          <p:cNvPr id="5" name="Footer Placeholder 4"/>
-          <p:cNvSpPr>
-            <a:spLocks noGrp="1"/>
-          </p:cNvSpPr>
-          <p:nvPr>
-            <p:ph type="ftr" sz="quarter" idx="11"/>
-          </p:nvPr>
-        </p:nvSpPr>
-        <p:spPr/>
-        <p:txBody>
-          <a:bodyPr/>
-          <a:lstStyle/>
-          <a:p>
-            <a:endParaRPr lang="en-US" dirty="0"/>
-          </a:p>
-        </p:txBody>
-      </p:sp>
-      <p:sp>
-        <p:nvSpPr>
-          <p:cNvPr id="6" name="Slide Number Placeholder 5"/>
-          <p:cNvSpPr>
-            <a:spLocks noGrp="1"/>
-          </p:cNvSpPr>
-          <p:nvPr>
-            <p:ph type="sldNum" sz="quarter" idx="12"/>
-          </p:nvPr>
-        </p:nvSpPr>
-        <p:spPr/>
-        <p:txBody>
-          <a:bodyPr/>
-          <a:lstStyle/>
-          <a:p>
-            <a:fld id="{D57F1E4F-1CFF-5643-939E-02111984F565}" type="slidenum">
-              <a:rPr lang="en-US" dirty="0"/>
-              <a:t>‹#›</a:t>
-            </a:fld>
-            <a:endParaRPr lang="en-US" dirty="0"/>
-          </a:p>
-        </p:txBody>
-      </p:sp>
-    </p:spTree>
-  </p:cSld>
-  <p:clrMapOvr>
-    <a:masterClrMapping/>
-  </p:clrMapOvr>
-</p:sldLayout>
-</file>
-
-<file path=ppt/slideLayouts/slideLayout17.xml><?xml version="1.0" encoding="utf-8"?>
-<p:sldLayout xmlns:a="http://schemas.openxmlformats.org/drawingml/2006/main" xmlns:r="http://schemas.openxmlformats.org/officeDocument/2006/relationships" xmlns:p="http://schemas.openxmlformats.org/presentationml/2006/main" type="vertTitleAndTx" preserve="1">
-  <p:cSld name="Vertical Title and Text">
-    <p:spTree>
-      <p:nvGrpSpPr>
-        <p:cNvPr id="1" name=""/>
-        <p:cNvGrpSpPr/>
-        <p:nvPr/>
-      </p:nvGrpSpPr>
-      <p:grpSpPr>
-        <a:xfrm>
-          <a:off x="0" y="0"/>
-          <a:ext cx="0" cy="0"/>
-          <a:chOff x="0" y="0"/>
-          <a:chExt cx="0" cy="0"/>
-        </a:xfrm>
-      </p:grpSpPr>
-      <p:sp>
-        <p:nvSpPr>
-          <p:cNvPr id="2" name="Vertical Title 1"/>
-          <p:cNvSpPr>
-            <a:spLocks noGrp="1"/>
-          </p:cNvSpPr>
-          <p:nvPr>
-            <p:ph type="title" orient="vert"/>
-          </p:nvPr>
-        </p:nvSpPr>
-        <p:spPr>
-          <a:xfrm>
-            <a:off x="8304212" y="430213"/>
-            <a:ext cx="1752601" cy="5826125"/>
-          </a:xfrm>
-        </p:spPr>
-        <p:txBody>
-          <a:bodyPr vert="eaVert" anchor="b" anchorCtr="0"/>
-          <a:lstStyle/>
-          <a:p>
-            <a:r>
-              <a:rPr lang="en-US" smtClean="0"/>
-              <a:t>Click to edit Master title style</a:t>
-            </a:r>
-            <a:endParaRPr lang="en-US" dirty="0"/>
-          </a:p>
-        </p:txBody>
-      </p:sp>
-      <p:sp>
-        <p:nvSpPr>
-          <p:cNvPr id="3" name="Vertical Text Placeholder 2"/>
-          <p:cNvSpPr>
-            <a:spLocks noGrp="1"/>
-          </p:cNvSpPr>
-          <p:nvPr>
-            <p:ph type="body" orient="vert" idx="1"/>
-          </p:nvPr>
-        </p:nvSpPr>
-        <p:spPr>
-          <a:xfrm>
-            <a:off x="652463" y="887414"/>
-            <a:ext cx="7423149" cy="5368924"/>
-          </a:xfrm>
-        </p:spPr>
-        <p:txBody>
-          <a:bodyPr vert="eaVert"/>
-          <a:lstStyle/>
-          <a:p>
-            <a:pPr lvl="0"/>
-            <a:r>
-              <a:rPr lang="en-US" smtClean="0"/>
-              <a:t>Edit Master text styles</a:t>
-            </a:r>
-          </a:p>
-          <a:p>
-            <a:pPr lvl="1"/>
-            <a:r>
-              <a:rPr lang="en-US" smtClean="0"/>
-              <a:t>Second level</a:t>
-            </a:r>
-          </a:p>
-          <a:p>
-            <a:pPr lvl="2"/>
-            <a:r>
-              <a:rPr lang="en-US" smtClean="0"/>
-              <a:t>Third level</a:t>
-            </a:r>
-          </a:p>
-          <a:p>
-            <a:pPr lvl="3"/>
-            <a:r>
-              <a:rPr lang="en-US" smtClean="0"/>
-              <a:t>Fourth level</a:t>
-            </a:r>
-          </a:p>
-          <a:p>
-            <a:pPr lvl="4"/>
-            <a:r>
-              <a:rPr lang="en-US" smtClean="0"/>
-              <a:t>Fifth level</a:t>
-            </a:r>
-            <a:endParaRPr lang="en-US" dirty="0"/>
-          </a:p>
-        </p:txBody>
-      </p:sp>
-      <p:sp>
-        <p:nvSpPr>
-          <p:cNvPr id="4" name="Date Placeholder 3"/>
-          <p:cNvSpPr>
-            <a:spLocks noGrp="1"/>
-          </p:cNvSpPr>
-          <p:nvPr>
-            <p:ph type="dt" sz="half" idx="10"/>
-          </p:nvPr>
-        </p:nvSpPr>
-        <p:spPr/>
-        <p:txBody>
-          <a:bodyPr/>
-          <a:lstStyle/>
-          <a:p>
-            <a:fld id="{4509A250-FF31-4206-8172-F9D3106AACB1}" type="datetimeFigureOut">
-              <a:rPr lang="en-US" dirty="0"/>
-              <a:t>4/19/2020</a:t>
-            </a:fld>
-            <a:endParaRPr lang="en-US" dirty="0"/>
-          </a:p>
-        </p:txBody>
-      </p:sp>
-      <p:sp>
-        <p:nvSpPr>
-          <p:cNvPr id="5" name="Footer Placeholder 4"/>
-          <p:cNvSpPr>
-            <a:spLocks noGrp="1"/>
-          </p:cNvSpPr>
-          <p:nvPr>
-            <p:ph type="ftr" sz="quarter" idx="11"/>
-          </p:nvPr>
-        </p:nvSpPr>
-        <p:spPr/>
-        <p:txBody>
-          <a:bodyPr/>
-          <a:lstStyle/>
-          <a:p>
-            <a:endParaRPr lang="en-US" dirty="0"/>
-          </a:p>
-        </p:txBody>
-      </p:sp>
-      <p:sp>
-        <p:nvSpPr>
-          <p:cNvPr id="6" name="Slide Number Placeholder 5"/>
-          <p:cNvSpPr>
-            <a:spLocks noGrp="1"/>
-          </p:cNvSpPr>
-          <p:nvPr>
-            <p:ph type="sldNum" sz="quarter" idx="12"/>
-          </p:nvPr>
-        </p:nvSpPr>
-        <p:spPr/>
-        <p:txBody>
-          <a:bodyPr/>
-          <a:lstStyle/>
-          <a:p>
-            <a:fld id="{D57F1E4F-1CFF-5643-939E-02111984F565}" type="slidenum">
-              <a:rPr lang="en-US" dirty="0"/>
-              <a:t>‹#›</a:t>
-            </a:fld>
-            <a:endParaRPr lang="en-US" dirty="0"/>
-          </a:p>
-        </p:txBody>
-      </p:sp>
-    </p:spTree>
-  </p:cSld>
-  <p:clrMapOvr>
-    <a:masterClrMapping/>
-  </p:clrMapOvr>
-</p:sldLayout>
-</file>
-
-<file path=ppt/slideLayouts/slideLayout2.xml><?xml version="1.0" encoding="utf-8"?>
-<p:sldLayout xmlns:a="http://schemas.openxmlformats.org/drawingml/2006/main" xmlns:r="http://schemas.openxmlformats.org/officeDocument/2006/relationships" xmlns:p="http://schemas.openxmlformats.org/presentationml/2006/main" type="obj" preserve="1">
-  <p:cSld name="Title and Content">
-    <p:spTree>
-      <p:nvGrpSpPr>
-        <p:cNvPr id="1" name=""/>
-        <p:cNvGrpSpPr/>
-        <p:nvPr/>
-      </p:nvGrpSpPr>
-      <p:grpSpPr>
-        <a:xfrm>
-          <a:off x="0" y="0"/>
-          <a:ext cx="0" cy="0"/>
-          <a:chOff x="0" y="0"/>
-          <a:chExt cx="0" cy="0"/>
-        </a:xfrm>
-      </p:grpSpPr>
-      <p:sp>
-        <p:nvSpPr>
-          <p:cNvPr id="2" name="Title 1"/>
-          <p:cNvSpPr>
-            <a:spLocks noGrp="1"/>
-          </p:cNvSpPr>
-          <p:nvPr>
-            <p:ph type="title"/>
-          </p:nvPr>
-        </p:nvSpPr>
-        <p:spPr/>
-        <p:txBody>
-          <a:bodyPr/>
-          <a:lstStyle/>
-          <a:p>
-            <a:r>
-              <a:rPr lang="en-US" smtClean="0"/>
-              <a:t>Click to edit Master title style</a:t>
-            </a:r>
-            <a:endParaRPr lang="en-US" dirty="0"/>
-          </a:p>
-        </p:txBody>
-      </p:sp>
-      <p:sp>
-        <p:nvSpPr>
-          <p:cNvPr id="3" name="Content Placeholder 2"/>
-          <p:cNvSpPr>
-            <a:spLocks noGrp="1"/>
-          </p:cNvSpPr>
-          <p:nvPr>
-            <p:ph idx="1"/>
-          </p:nvPr>
-        </p:nvSpPr>
-        <p:spPr/>
-        <p:txBody>
-          <a:bodyPr/>
-          <a:lstStyle/>
-          <a:p>
-            <a:pPr lvl="0"/>
-            <a:r>
-              <a:rPr lang="en-US" smtClean="0"/>
-              <a:t>Edit Master text styles</a:t>
-            </a:r>
-          </a:p>
-          <a:p>
-            <a:pPr lvl="1"/>
-            <a:r>
-              <a:rPr lang="en-US" smtClean="0"/>
-              <a:t>Second level</a:t>
-            </a:r>
-          </a:p>
-          <a:p>
-            <a:pPr lvl="2"/>
-            <a:r>
-              <a:rPr lang="en-US" smtClean="0"/>
-              <a:t>Third level</a:t>
-            </a:r>
-          </a:p>
-          <a:p>
-            <a:pPr lvl="3"/>
-            <a:r>
-              <a:rPr lang="en-US" smtClean="0"/>
-              <a:t>Fourth level</a:t>
-            </a:r>
-          </a:p>
-          <a:p>
-            <a:pPr lvl="4"/>
-            <a:r>
-              <a:rPr lang="en-US" smtClean="0"/>
-              <a:t>Fifth level</a:t>
-            </a:r>
-            <a:endParaRPr lang="en-US" dirty="0"/>
-          </a:p>
-        </p:txBody>
-      </p:sp>
-      <p:sp>
-        <p:nvSpPr>
-          <p:cNvPr id="7" name="Date Placeholder 6"/>
-          <p:cNvSpPr>
-            <a:spLocks noGrp="1"/>
-          </p:cNvSpPr>
-          <p:nvPr>
-            <p:ph type="dt" sz="half" idx="10"/>
-          </p:nvPr>
-        </p:nvSpPr>
-        <p:spPr/>
-        <p:txBody>
-          <a:bodyPr/>
-          <a:lstStyle/>
-          <a:p>
-            <a:fld id="{4509A250-FF31-4206-8172-F9D3106AACB1}" type="datetimeFigureOut">
-              <a:rPr lang="en-US" dirty="0"/>
-              <a:t>4/19/2020</a:t>
-            </a:fld>
-            <a:endParaRPr lang="en-US" dirty="0"/>
-          </a:p>
-        </p:txBody>
-      </p:sp>
-      <p:sp>
-        <p:nvSpPr>
-          <p:cNvPr id="5" name="Footer Placeholder 4"/>
-          <p:cNvSpPr>
-            <a:spLocks noGrp="1"/>
-          </p:cNvSpPr>
-          <p:nvPr>
-            <p:ph type="ftr" sz="quarter" idx="11"/>
-          </p:nvPr>
-        </p:nvSpPr>
-        <p:spPr/>
-        <p:txBody>
-          <a:bodyPr/>
-          <a:lstStyle/>
-          <a:p>
-            <a:endParaRPr lang="en-US" dirty="0"/>
-          </a:p>
-        </p:txBody>
-      </p:sp>
-      <p:sp>
-        <p:nvSpPr>
-          <p:cNvPr id="6" name="Slide Number Placeholder 5"/>
-          <p:cNvSpPr>
-            <a:spLocks noGrp="1"/>
-          </p:cNvSpPr>
-          <p:nvPr>
-            <p:ph type="sldNum" sz="quarter" idx="12"/>
-          </p:nvPr>
-        </p:nvSpPr>
-        <p:spPr/>
-        <p:txBody>
-          <a:bodyPr/>
-          <a:lstStyle/>
-          <a:p>
-            <a:fld id="{D57F1E4F-1CFF-5643-939E-02111984F565}" type="slidenum">
-              <a:rPr lang="en-US" dirty="0"/>
-              <a:t>‹#›</a:t>
-            </a:fld>
-            <a:endParaRPr lang="en-US" dirty="0"/>
-          </a:p>
-        </p:txBody>
-      </p:sp>
-    </p:spTree>
-  </p:cSld>
-  <p:clrMapOvr>
-    <a:masterClrMapping/>
-  </p:clrMapOvr>
-</p:sldLayout>
-</file>
-
-<file path=ppt/slideLayouts/slideLayout3.xml><?xml version="1.0" encoding="utf-8"?>
-<p:sldLayout xmlns:a="http://schemas.openxmlformats.org/drawingml/2006/main" xmlns:r="http://schemas.openxmlformats.org/officeDocument/2006/relationships" xmlns:p="http://schemas.openxmlformats.org/presentationml/2006/main" type="secHead" preserve="1">
-  <p:cSld name="Section Header">
-    <p:spTree>
-      <p:nvGrpSpPr>
-        <p:cNvPr id="1" name=""/>
-        <p:cNvGrpSpPr/>
-        <p:nvPr/>
-      </p:nvGrpSpPr>
-      <p:grpSpPr>
-        <a:xfrm>
-          <a:off x="0" y="0"/>
-          <a:ext cx="0" cy="0"/>
-          <a:chOff x="0" y="0"/>
-          <a:chExt cx="0" cy="0"/>
-        </a:xfrm>
-      </p:grpSpPr>
-      <p:sp>
-        <p:nvSpPr>
-          <p:cNvPr id="2" name="Title 1"/>
-          <p:cNvSpPr>
-            <a:spLocks noGrp="1"/>
-          </p:cNvSpPr>
-          <p:nvPr>
-            <p:ph type="title"/>
-          </p:nvPr>
-        </p:nvSpPr>
-        <p:spPr>
-          <a:xfrm>
-            <a:off x="1154956" y="2861733"/>
-            <a:ext cx="8825657" cy="1915647"/>
-          </a:xfrm>
-        </p:spPr>
-        <p:txBody>
-          <a:bodyPr anchor="b"/>
-          <a:lstStyle>
-            <a:lvl1pPr algn="l">
-              <a:defRPr sz="4000" b="0" cap="none"/>
-            </a:lvl1pPr>
-          </a:lstStyle>
-          <a:p>
-            <a:r>
-              <a:rPr lang="en-US" smtClean="0"/>
-              <a:t>Click to edit Master title style</a:t>
-            </a:r>
-            <a:endParaRPr lang="en-US" dirty="0"/>
-          </a:p>
-        </p:txBody>
-      </p:sp>
-      <p:sp>
-        <p:nvSpPr>
-          <p:cNvPr id="3" name="Text Placeholder 2"/>
-          <p:cNvSpPr>
-            <a:spLocks noGrp="1"/>
-          </p:cNvSpPr>
-          <p:nvPr>
-            <p:ph type="body" idx="1"/>
-          </p:nvPr>
-        </p:nvSpPr>
-        <p:spPr>
-          <a:xfrm>
-            <a:off x="1154955" y="4777381"/>
-            <a:ext cx="8825658" cy="860400"/>
-          </a:xfrm>
-        </p:spPr>
-        <p:txBody>
-          <a:bodyPr anchor="t"/>
-          <a:lstStyle>
-            <a:lvl1pPr marL="0" indent="0" algn="l">
-              <a:buNone/>
-              <a:defRPr sz="2000" cap="all">
-                <a:solidFill>
-                  <a:schemeClr val="accent1"/>
-                </a:solidFill>
-              </a:defRPr>
-            </a:lvl1pPr>
-            <a:lvl2pPr marL="457200" indent="0">
-              <a:buNone/>
-              <a:defRPr sz="1800">
-                <a:solidFill>
-                  <a:schemeClr val="tx1">
-                    <a:tint val="75000"/>
-                  </a:schemeClr>
-                </a:solidFill>
-              </a:defRPr>
-            </a:lvl2pPr>
-            <a:lvl3pPr marL="914400" indent="0">
-              <a:buNone/>
-              <a:defRPr sz="1600">
-                <a:solidFill>
-                  <a:schemeClr val="tx1">
-                    <a:tint val="75000"/>
-                  </a:schemeClr>
-                </a:solidFill>
-              </a:defRPr>
-            </a:lvl3pPr>
-            <a:lvl4pPr marL="1371600" indent="0">
-              <a:buNone/>
-              <a:defRPr sz="1400">
-                <a:solidFill>
-                  <a:schemeClr val="tx1">
-                    <a:tint val="75000"/>
-                  </a:schemeClr>
-                </a:solidFill>
-              </a:defRPr>
-            </a:lvl4pPr>
-            <a:lvl5pPr marL="1828800" indent="0">
-              <a:buNone/>
-              <a:defRPr sz="1400">
-                <a:solidFill>
-                  <a:schemeClr val="tx1">
-                    <a:tint val="75000"/>
-                  </a:schemeClr>
-                </a:solidFill>
-              </a:defRPr>
-            </a:lvl5pPr>
-            <a:lvl6pPr marL="2286000" indent="0">
-              <a:buNone/>
-              <a:defRPr sz="1400">
-                <a:solidFill>
-                  <a:schemeClr val="tx1">
-                    <a:tint val="75000"/>
-                  </a:schemeClr>
-                </a:solidFill>
-              </a:defRPr>
-            </a:lvl6pPr>
-            <a:lvl7pPr marL="2743200" indent="0">
-              <a:buNone/>
-              <a:defRPr sz="1400">
-                <a:solidFill>
-                  <a:schemeClr val="tx1">
-                    <a:tint val="75000"/>
-                  </a:schemeClr>
-                </a:solidFill>
-              </a:defRPr>
-            </a:lvl7pPr>
-            <a:lvl8pPr marL="3200400" indent="0">
-              <a:buNone/>
-              <a:defRPr sz="1400">
-                <a:solidFill>
-                  <a:schemeClr val="tx1">
-                    <a:tint val="75000"/>
-                  </a:schemeClr>
-                </a:solidFill>
-              </a:defRPr>
-            </a:lvl8pPr>
-            <a:lvl9pPr marL="3657600" indent="0">
-              <a:buNone/>
-              <a:defRPr sz="1400">
-                <a:solidFill>
-                  <a:schemeClr val="tx1">
-                    <a:tint val="75000"/>
-                  </a:schemeClr>
-                </a:solidFill>
-              </a:defRPr>
-            </a:lvl9pPr>
-          </a:lstStyle>
-          <a:p>
-            <a:pPr lvl="0"/>
-            <a:r>
-              <a:rPr lang="en-US" smtClean="0"/>
-              <a:t>Edit Master text styles</a:t>
-            </a:r>
-          </a:p>
-        </p:txBody>
-      </p:sp>
-      <p:sp>
-        <p:nvSpPr>
-          <p:cNvPr id="4" name="Date Placeholder 3"/>
-          <p:cNvSpPr>
-            <a:spLocks noGrp="1"/>
-          </p:cNvSpPr>
-          <p:nvPr>
-            <p:ph type="dt" sz="half" idx="10"/>
-          </p:nvPr>
-        </p:nvSpPr>
-        <p:spPr/>
-        <p:txBody>
-          <a:bodyPr/>
-          <a:lstStyle/>
-          <a:p>
-            <a:fld id="{9796027F-7875-4030-9381-8BD8C4F21935}" type="datetimeFigureOut">
-              <a:rPr lang="en-US" dirty="0"/>
-              <a:t>4/19/2020</a:t>
-            </a:fld>
-            <a:endParaRPr lang="en-US" dirty="0"/>
-          </a:p>
-        </p:txBody>
-      </p:sp>
-      <p:sp>
-        <p:nvSpPr>
-          <p:cNvPr id="5" name="Footer Placeholder 4"/>
-          <p:cNvSpPr>
-            <a:spLocks noGrp="1"/>
-          </p:cNvSpPr>
-          <p:nvPr>
-            <p:ph type="ftr" sz="quarter" idx="11"/>
-          </p:nvPr>
-        </p:nvSpPr>
-        <p:spPr/>
-        <p:txBody>
-          <a:bodyPr/>
-          <a:lstStyle/>
-          <a:p>
-            <a:endParaRPr lang="en-US" dirty="0"/>
-          </a:p>
-        </p:txBody>
-      </p:sp>
-      <p:sp>
-        <p:nvSpPr>
-          <p:cNvPr id="6" name="Slide Number Placeholder 5"/>
-          <p:cNvSpPr>
-            <a:spLocks noGrp="1"/>
-          </p:cNvSpPr>
-          <p:nvPr>
-            <p:ph type="sldNum" sz="quarter" idx="12"/>
-          </p:nvPr>
-        </p:nvSpPr>
-        <p:spPr/>
-        <p:txBody>
-          <a:bodyPr/>
-          <a:lstStyle/>
-          <a:p>
-            <a:fld id="{D57F1E4F-1CFF-5643-939E-02111984F565}" type="slidenum">
-              <a:rPr lang="en-US" dirty="0"/>
-              <a:t>‹#›</a:t>
-            </a:fld>
-            <a:endParaRPr lang="en-US" dirty="0"/>
-          </a:p>
-        </p:txBody>
-      </p:sp>
-    </p:spTree>
-  </p:cSld>
-  <p:clrMapOvr>
-    <a:masterClrMapping/>
-  </p:clrMapOvr>
-</p:sldLayout>
-</file>
-
-<file path=ppt/slideLayouts/slideLayout4.xml><?xml version="1.0" encoding="utf-8"?>
-<p:sldLayout xmlns:a="http://schemas.openxmlformats.org/drawingml/2006/main" xmlns:r="http://schemas.openxmlformats.org/officeDocument/2006/relationships" xmlns:p="http://schemas.openxmlformats.org/presentationml/2006/main" type="twoObj" preserve="1">
-  <p:cSld name="Two Content">
-    <p:spTree>
-      <p:nvGrpSpPr>
-        <p:cNvPr id="1" name=""/>
-        <p:cNvGrpSpPr/>
-        <p:nvPr/>
-      </p:nvGrpSpPr>
-      <p:grpSpPr>
-        <a:xfrm>
-          <a:off x="0" y="0"/>
-          <a:ext cx="0" cy="0"/>
-          <a:chOff x="0" y="0"/>
-          <a:chExt cx="0" cy="0"/>
-        </a:xfrm>
-      </p:grpSpPr>
-      <p:sp>
-        <p:nvSpPr>
-          <p:cNvPr id="2" name="Title 1"/>
-          <p:cNvSpPr>
-            <a:spLocks noGrp="1"/>
-          </p:cNvSpPr>
-          <p:nvPr>
-            <p:ph type="title"/>
-          </p:nvPr>
-        </p:nvSpPr>
-        <p:spPr/>
-        <p:txBody>
-          <a:bodyPr/>
-          <a:lstStyle/>
-          <a:p>
-            <a:r>
-              <a:rPr lang="en-US" smtClean="0"/>
-              <a:t>Click to edit Master title style</a:t>
-            </a:r>
-            <a:endParaRPr lang="en-US" dirty="0"/>
-          </a:p>
-        </p:txBody>
-      </p:sp>
-      <p:sp>
-        <p:nvSpPr>
-          <p:cNvPr id="3" name="Content Placeholder 2"/>
-          <p:cNvSpPr>
-            <a:spLocks noGrp="1"/>
-          </p:cNvSpPr>
-          <p:nvPr>
-            <p:ph sz="half" idx="1"/>
-          </p:nvPr>
-        </p:nvSpPr>
-        <p:spPr>
-          <a:xfrm>
-            <a:off x="1103312" y="2060575"/>
-            <a:ext cx="4396339" cy="4195763"/>
-          </a:xfrm>
-        </p:spPr>
-        <p:txBody>
-          <a:bodyPr>
-            <a:normAutofit/>
-          </a:bodyPr>
-          <a:lstStyle>
-            <a:lvl1pPr>
-              <a:defRPr sz="1800"/>
-            </a:lvl1pPr>
-            <a:lvl2pPr>
-              <a:defRPr sz="1600"/>
-            </a:lvl2pPr>
-            <a:lvl3pPr>
-              <a:defRPr sz="1400"/>
-            </a:lvl3pPr>
-            <a:lvl4pPr>
-              <a:defRPr sz="1200"/>
-            </a:lvl4pPr>
-            <a:lvl5pPr>
-              <a:defRPr sz="1200"/>
-            </a:lvl5pPr>
-            <a:lvl6pPr>
-              <a:defRPr sz="1200"/>
-            </a:lvl6pPr>
-            <a:lvl7pPr>
-              <a:defRPr sz="1200"/>
-            </a:lvl7pPr>
-            <a:lvl8pPr>
-              <a:defRPr sz="1200"/>
-            </a:lvl8pPr>
-            <a:lvl9pPr>
-              <a:defRPr sz="1200"/>
-            </a:lvl9pPr>
-          </a:lstStyle>
-          <a:p>
-            <a:pPr lvl="0"/>
-            <a:r>
-              <a:rPr lang="en-US" smtClean="0"/>
-              <a:t>Edit Master text styles</a:t>
-            </a:r>
-          </a:p>
-          <a:p>
-            <a:pPr lvl="1"/>
-            <a:r>
-              <a:rPr lang="en-US" smtClean="0"/>
-              <a:t>Second level</a:t>
-            </a:r>
-          </a:p>
-          <a:p>
-            <a:pPr lvl="2"/>
-            <a:r>
-              <a:rPr lang="en-US" smtClean="0"/>
-              <a:t>Third level</a:t>
-            </a:r>
-          </a:p>
-          <a:p>
-            <a:pPr lvl="3"/>
-            <a:r>
-              <a:rPr lang="en-US" smtClean="0"/>
-              <a:t>Fourth level</a:t>
-            </a:r>
-          </a:p>
-          <a:p>
-            <a:pPr lvl="4"/>
-            <a:r>
-              <a:rPr lang="en-US" smtClean="0"/>
-              <a:t>Fifth level</a:t>
-            </a:r>
-            <a:endParaRPr lang="en-US" dirty="0"/>
-          </a:p>
-        </p:txBody>
-      </p:sp>
-      <p:sp>
-        <p:nvSpPr>
-          <p:cNvPr id="4" name="Content Placeholder 3"/>
-          <p:cNvSpPr>
-            <a:spLocks noGrp="1"/>
-          </p:cNvSpPr>
-          <p:nvPr>
-            <p:ph sz="half" idx="2"/>
-          </p:nvPr>
-        </p:nvSpPr>
-        <p:spPr>
-          <a:xfrm>
-            <a:off x="5654493" y="2056092"/>
-            <a:ext cx="4396341" cy="4200245"/>
-          </a:xfrm>
-        </p:spPr>
-        <p:txBody>
-          <a:bodyPr>
-            <a:normAutofit/>
-          </a:bodyPr>
-          <a:lstStyle>
-            <a:lvl1pPr>
-              <a:defRPr sz="1800"/>
-            </a:lvl1pPr>
-            <a:lvl2pPr>
-              <a:defRPr sz="1600"/>
-            </a:lvl2pPr>
-            <a:lvl3pPr>
-              <a:defRPr sz="1400"/>
-            </a:lvl3pPr>
-            <a:lvl4pPr>
-              <a:defRPr sz="1200"/>
-            </a:lvl4pPr>
-            <a:lvl5pPr>
-              <a:defRPr sz="1200"/>
-            </a:lvl5pPr>
-            <a:lvl6pPr>
-              <a:defRPr sz="1200"/>
-            </a:lvl6pPr>
-            <a:lvl7pPr>
-              <a:defRPr sz="1200"/>
-            </a:lvl7pPr>
-            <a:lvl8pPr>
-              <a:defRPr sz="1200"/>
-            </a:lvl8pPr>
-            <a:lvl9pPr>
-              <a:defRPr sz="1200"/>
-            </a:lvl9pPr>
-          </a:lstStyle>
-          <a:p>
-            <a:pPr lvl="0"/>
-            <a:r>
-              <a:rPr lang="en-US" smtClean="0"/>
-              <a:t>Edit Master text styles</a:t>
-            </a:r>
-          </a:p>
-          <a:p>
-            <a:pPr lvl="1"/>
-            <a:r>
-              <a:rPr lang="en-US" smtClean="0"/>
-              <a:t>Second level</a:t>
-            </a:r>
-          </a:p>
-          <a:p>
-            <a:pPr lvl="2"/>
-            <a:r>
-              <a:rPr lang="en-US" smtClean="0"/>
-              <a:t>Third level</a:t>
-            </a:r>
-          </a:p>
-          <a:p>
-            <a:pPr lvl="3"/>
-            <a:r>
-              <a:rPr lang="en-US" smtClean="0"/>
-              <a:t>Fourth level</a:t>
-            </a:r>
-          </a:p>
-          <a:p>
-            <a:pPr lvl="4"/>
-            <a:r>
-              <a:rPr lang="en-US" smtClean="0"/>
-              <a:t>Fifth level</a:t>
-            </a:r>
-            <a:endParaRPr lang="en-US" dirty="0"/>
-          </a:p>
-        </p:txBody>
-      </p:sp>
-      <p:sp>
-        <p:nvSpPr>
-          <p:cNvPr id="5" name="Date Placeholder 4"/>
-          <p:cNvSpPr>
-            <a:spLocks noGrp="1"/>
-          </p:cNvSpPr>
-          <p:nvPr>
-            <p:ph type="dt" sz="half" idx="10"/>
-          </p:nvPr>
-        </p:nvSpPr>
-        <p:spPr/>
-        <p:txBody>
-          <a:bodyPr/>
-          <a:lstStyle/>
-          <a:p>
-            <a:fld id="{9796027F-7875-4030-9381-8BD8C4F21935}" type="datetimeFigureOut">
-              <a:rPr lang="en-US" dirty="0"/>
-              <a:t>4/19/2020</a:t>
-            </a:fld>
-            <a:endParaRPr lang="en-US" dirty="0"/>
-          </a:p>
-        </p:txBody>
-      </p:sp>
-      <p:sp>
-        <p:nvSpPr>
-          <p:cNvPr id="6" name="Footer Placeholder 5"/>
-          <p:cNvSpPr>
-            <a:spLocks noGrp="1"/>
-          </p:cNvSpPr>
-          <p:nvPr>
-            <p:ph type="ftr" sz="quarter" idx="11"/>
-          </p:nvPr>
-        </p:nvSpPr>
-        <p:spPr/>
-        <p:txBody>
-          <a:bodyPr/>
-          <a:lstStyle/>
-          <a:p>
-            <a:endParaRPr lang="en-US" dirty="0"/>
-          </a:p>
-        </p:txBody>
-      </p:sp>
-      <p:sp>
-        <p:nvSpPr>
-          <p:cNvPr id="7" name="Slide Number Placeholder 6"/>
-          <p:cNvSpPr>
-            <a:spLocks noGrp="1"/>
-          </p:cNvSpPr>
-          <p:nvPr>
-            <p:ph type="sldNum" sz="quarter" idx="12"/>
-          </p:nvPr>
-        </p:nvSpPr>
-        <p:spPr/>
-        <p:txBody>
-          <a:bodyPr/>
-          <a:lstStyle/>
-          <a:p>
-            <a:fld id="{D57F1E4F-1CFF-5643-939E-02111984F565}" type="slidenum">
-              <a:rPr lang="en-US" dirty="0"/>
-              <a:t>‹#›</a:t>
-            </a:fld>
-            <a:endParaRPr lang="en-US" dirty="0"/>
-          </a:p>
-        </p:txBody>
-      </p:sp>
-    </p:spTree>
-  </p:cSld>
-  <p:clrMapOvr>
-    <a:masterClrMapping/>
-  </p:clrMapOvr>
-</p:sldLayout>
-</file>
-
-<file path=ppt/slideLayouts/slideLayout5.xml><?xml version="1.0" encoding="utf-8"?>
-<p:sldLayout xmlns:a="http://schemas.openxmlformats.org/drawingml/2006/main" xmlns:r="http://schemas.openxmlformats.org/officeDocument/2006/relationships" xmlns:p="http://schemas.openxmlformats.org/presentationml/2006/main" type="twoTxTwoObj" preserve="1">
-  <p:cSld name="Comparison">
-    <p:spTree>
-      <p:nvGrpSpPr>
-        <p:cNvPr id="1" name=""/>
-        <p:cNvGrpSpPr/>
-        <p:nvPr/>
-      </p:nvGrpSpPr>
-      <p:grpSpPr>
-        <a:xfrm>
-          <a:off x="0" y="0"/>
-          <a:ext cx="0" cy="0"/>
-          <a:chOff x="0" y="0"/>
-          <a:chExt cx="0" cy="0"/>
-        </a:xfrm>
-      </p:grpSpPr>
-      <p:sp>
-        <p:nvSpPr>
-          <p:cNvPr id="2" name="Title 1"/>
-          <p:cNvSpPr>
-            <a:spLocks noGrp="1"/>
-          </p:cNvSpPr>
-          <p:nvPr>
-            <p:ph type="title"/>
-          </p:nvPr>
-        </p:nvSpPr>
-        <p:spPr/>
-        <p:txBody>
-          <a:bodyPr/>
-          <a:lstStyle>
-            <a:lvl1pPr>
-              <a:defRPr/>
-            </a:lvl1pPr>
-          </a:lstStyle>
-          <a:p>
-            <a:r>
-              <a:rPr lang="en-US" smtClean="0"/>
-              <a:t>Click to edit Master title style</a:t>
-            </a:r>
-            <a:endParaRPr lang="en-US" dirty="0"/>
-          </a:p>
-        </p:txBody>
-      </p:sp>
-      <p:sp>
-        <p:nvSpPr>
-          <p:cNvPr id="3" name="Text Placeholder 2"/>
-          <p:cNvSpPr>
-            <a:spLocks noGrp="1"/>
-          </p:cNvSpPr>
-          <p:nvPr>
-            <p:ph type="body" idx="1"/>
-          </p:nvPr>
-        </p:nvSpPr>
-        <p:spPr>
-          <a:xfrm>
-            <a:off x="1103313" y="1905000"/>
-            <a:ext cx="4396338" cy="576262"/>
-          </a:xfrm>
-        </p:spPr>
-        <p:txBody>
-          <a:bodyPr anchor="b">
-            <a:noAutofit/>
-          </a:bodyPr>
-          <a:lstStyle>
-            <a:lvl1pPr marL="0" indent="0">
-              <a:buNone/>
-              <a:defRPr sz="2400" b="0">
-                <a:solidFill>
-                  <a:schemeClr val="accent1"/>
-                </a:solidFill>
-              </a:defRPr>
-            </a:lvl1pPr>
-            <a:lvl2pPr marL="457200" indent="0">
-              <a:buNone/>
-              <a:defRPr sz="2000" b="1"/>
-            </a:lvl2pPr>
-            <a:lvl3pPr marL="914400" indent="0">
-              <a:buNone/>
-              <a:defRPr sz="1800" b="1"/>
-            </a:lvl3pPr>
-            <a:lvl4pPr marL="1371600" indent="0">
-              <a:buNone/>
-              <a:defRPr sz="1600" b="1"/>
-            </a:lvl4pPr>
-            <a:lvl5pPr marL="1828800" indent="0">
-              <a:buNone/>
-              <a:defRPr sz="1600" b="1"/>
-            </a:lvl5pPr>
-            <a:lvl6pPr marL="2286000" indent="0">
-              <a:buNone/>
-              <a:defRPr sz="1600" b="1"/>
-            </a:lvl6pPr>
-            <a:lvl7pPr marL="2743200" indent="0">
-              <a:buNone/>
-              <a:defRPr sz="1600" b="1"/>
-            </a:lvl7pPr>
-            <a:lvl8pPr marL="3200400" indent="0">
-              <a:buNone/>
-              <a:defRPr sz="1600" b="1"/>
-            </a:lvl8pPr>
-            <a:lvl9pPr marL="3657600" indent="0">
-              <a:buNone/>
-              <a:defRPr sz="1600" b="1"/>
-            </a:lvl9pPr>
-          </a:lstStyle>
-          <a:p>
-            <a:pPr lvl="0"/>
-            <a:r>
-              <a:rPr lang="en-US" smtClean="0"/>
-              <a:t>Edit Master text styles</a:t>
-            </a:r>
-          </a:p>
-        </p:txBody>
-      </p:sp>
-      <p:sp>
-        <p:nvSpPr>
-          <p:cNvPr id="4" name="Content Placeholder 3"/>
-          <p:cNvSpPr>
-            <a:spLocks noGrp="1"/>
-          </p:cNvSpPr>
-          <p:nvPr>
-            <p:ph sz="half" idx="2"/>
-          </p:nvPr>
-        </p:nvSpPr>
-        <p:spPr>
-          <a:xfrm>
-            <a:off x="1103312" y="2514600"/>
-            <a:ext cx="4396339" cy="3741738"/>
-          </a:xfrm>
-        </p:spPr>
-        <p:txBody>
-          <a:bodyPr>
-            <a:normAutofit/>
-          </a:bodyPr>
-          <a:lstStyle>
-            <a:lvl1pPr>
-              <a:defRPr sz="1800"/>
-            </a:lvl1pPr>
-            <a:lvl2pPr>
-              <a:defRPr sz="1600"/>
-            </a:lvl2pPr>
-            <a:lvl3pPr>
-              <a:defRPr sz="1400"/>
-            </a:lvl3pPr>
-            <a:lvl4pPr>
-              <a:defRPr sz="1200"/>
-            </a:lvl4pPr>
-            <a:lvl5pPr>
-              <a:defRPr sz="1200"/>
-            </a:lvl5pPr>
-            <a:lvl6pPr>
-              <a:defRPr sz="1200"/>
-            </a:lvl6pPr>
-            <a:lvl7pPr>
-              <a:defRPr sz="1200"/>
-            </a:lvl7pPr>
-            <a:lvl8pPr>
-              <a:defRPr sz="1200"/>
-            </a:lvl8pPr>
-            <a:lvl9pPr>
-              <a:defRPr sz="1200"/>
-            </a:lvl9pPr>
-          </a:lstStyle>
-          <a:p>
-            <a:pPr lvl="0"/>
-            <a:r>
-              <a:rPr lang="en-US" smtClean="0"/>
-              <a:t>Edit Master text styles</a:t>
-            </a:r>
-          </a:p>
-          <a:p>
-            <a:pPr lvl="1"/>
-            <a:r>
-              <a:rPr lang="en-US" smtClean="0"/>
-              <a:t>Second level</a:t>
-            </a:r>
-          </a:p>
-          <a:p>
-            <a:pPr lvl="2"/>
-            <a:r>
-              <a:rPr lang="en-US" smtClean="0"/>
-              <a:t>Third level</a:t>
-            </a:r>
-          </a:p>
-          <a:p>
-            <a:pPr lvl="3"/>
-            <a:r>
-              <a:rPr lang="en-US" smtClean="0"/>
-              <a:t>Fourth level</a:t>
-            </a:r>
-          </a:p>
-          <a:p>
-            <a:pPr lvl="4"/>
-            <a:r>
-              <a:rPr lang="en-US" smtClean="0"/>
-              <a:t>Fifth level</a:t>
-            </a:r>
-            <a:endParaRPr lang="en-US" dirty="0"/>
-          </a:p>
-        </p:txBody>
-      </p:sp>
-      <p:sp>
-        <p:nvSpPr>
-          <p:cNvPr id="5" name="Text Placeholder 4"/>
-          <p:cNvSpPr>
-            <a:spLocks noGrp="1"/>
-          </p:cNvSpPr>
-          <p:nvPr>
-            <p:ph type="body" sz="quarter" idx="3"/>
-          </p:nvPr>
-        </p:nvSpPr>
-        <p:spPr>
-          <a:xfrm>
-            <a:off x="5654495" y="1905000"/>
-            <a:ext cx="4396339" cy="576262"/>
-          </a:xfrm>
-        </p:spPr>
-        <p:txBody>
-          <a:bodyPr anchor="b">
-            <a:noAutofit/>
-          </a:bodyPr>
-          <a:lstStyle>
-            <a:lvl1pPr marL="0" indent="0">
-              <a:buNone/>
-              <a:defRPr sz="2400" b="0">
-                <a:solidFill>
-                  <a:schemeClr val="accent1"/>
-                </a:solidFill>
-              </a:defRPr>
-            </a:lvl1pPr>
-            <a:lvl2pPr marL="457200" indent="0">
-              <a:buNone/>
-              <a:defRPr sz="2000" b="1"/>
-            </a:lvl2pPr>
-            <a:lvl3pPr marL="914400" indent="0">
-              <a:buNone/>
-              <a:defRPr sz="1800" b="1"/>
-            </a:lvl3pPr>
-            <a:lvl4pPr marL="1371600" indent="0">
-              <a:buNone/>
-              <a:defRPr sz="1600" b="1"/>
-            </a:lvl4pPr>
-            <a:lvl5pPr marL="1828800" indent="0">
-              <a:buNone/>
-              <a:defRPr sz="1600" b="1"/>
-            </a:lvl5pPr>
-            <a:lvl6pPr marL="2286000" indent="0">
-              <a:buNone/>
-              <a:defRPr sz="1600" b="1"/>
-            </a:lvl6pPr>
-            <a:lvl7pPr marL="2743200" indent="0">
-              <a:buNone/>
-              <a:defRPr sz="1600" b="1"/>
-            </a:lvl7pPr>
-            <a:lvl8pPr marL="3200400" indent="0">
-              <a:buNone/>
-              <a:defRPr sz="1600" b="1"/>
-            </a:lvl8pPr>
-            <a:lvl9pPr marL="3657600" indent="0">
-              <a:buNone/>
-              <a:defRPr sz="1600" b="1"/>
-            </a:lvl9pPr>
-          </a:lstStyle>
-          <a:p>
-            <a:pPr lvl="0"/>
-            <a:r>
-              <a:rPr lang="en-US" smtClean="0"/>
-              <a:t>Edit Master text styles</a:t>
-            </a:r>
-          </a:p>
-        </p:txBody>
-      </p:sp>
-      <p:sp>
-        <p:nvSpPr>
-          <p:cNvPr id="6" name="Content Placeholder 5"/>
-          <p:cNvSpPr>
-            <a:spLocks noGrp="1"/>
-          </p:cNvSpPr>
-          <p:nvPr>
-            <p:ph sz="quarter" idx="4"/>
-          </p:nvPr>
-        </p:nvSpPr>
-        <p:spPr>
-          <a:xfrm>
-            <a:off x="5654495" y="2514600"/>
-            <a:ext cx="4396339" cy="3741738"/>
-          </a:xfrm>
-        </p:spPr>
-        <p:txBody>
-          <a:bodyPr>
-            <a:normAutofit/>
-          </a:bodyPr>
-          <a:lstStyle>
-            <a:lvl1pPr>
-              <a:defRPr sz="1800"/>
-            </a:lvl1pPr>
-            <a:lvl2pPr>
-              <a:defRPr sz="1600"/>
-            </a:lvl2pPr>
-            <a:lvl3pPr>
-              <a:defRPr sz="1400"/>
-            </a:lvl3pPr>
-            <a:lvl4pPr>
-              <a:defRPr sz="1200"/>
-            </a:lvl4pPr>
-            <a:lvl5pPr>
-              <a:defRPr sz="1200"/>
-            </a:lvl5pPr>
-            <a:lvl6pPr>
-              <a:defRPr sz="1200"/>
-            </a:lvl6pPr>
-            <a:lvl7pPr>
-              <a:defRPr sz="1200"/>
-            </a:lvl7pPr>
-            <a:lvl8pPr>
-              <a:defRPr sz="1200"/>
-            </a:lvl8pPr>
-            <a:lvl9pPr>
-              <a:defRPr sz="1200"/>
-            </a:lvl9pPr>
-          </a:lstStyle>
-          <a:p>
-            <a:pPr lvl="0"/>
-            <a:r>
-              <a:rPr lang="en-US" smtClean="0"/>
-              <a:t>Edit Master text styles</a:t>
-            </a:r>
-          </a:p>
-          <a:p>
-            <a:pPr lvl="1"/>
-            <a:r>
-              <a:rPr lang="en-US" smtClean="0"/>
-              <a:t>Second level</a:t>
-            </a:r>
-          </a:p>
-          <a:p>
-            <a:pPr lvl="2"/>
-            <a:r>
-              <a:rPr lang="en-US" smtClean="0"/>
-              <a:t>Third level</a:t>
-            </a:r>
-          </a:p>
-          <a:p>
-            <a:pPr lvl="3"/>
-            <a:r>
-              <a:rPr lang="en-US" smtClean="0"/>
-              <a:t>Fourth level</a:t>
-            </a:r>
-          </a:p>
-          <a:p>
-            <a:pPr lvl="4"/>
-            <a:r>
-              <a:rPr lang="en-US" smtClean="0"/>
-              <a:t>Fifth level</a:t>
-            </a:r>
-            <a:endParaRPr lang="en-US" dirty="0"/>
-          </a:p>
-        </p:txBody>
-      </p:sp>
-      <p:sp>
-        <p:nvSpPr>
-          <p:cNvPr id="7" name="Date Placeholder 6"/>
-          <p:cNvSpPr>
-            <a:spLocks noGrp="1"/>
-          </p:cNvSpPr>
-          <p:nvPr>
-            <p:ph type="dt" sz="half" idx="10"/>
-          </p:nvPr>
-        </p:nvSpPr>
-        <p:spPr/>
-        <p:txBody>
-          <a:bodyPr/>
-          <a:lstStyle/>
-          <a:p>
-            <a:fld id="{9796027F-7875-4030-9381-8BD8C4F21935}" type="datetimeFigureOut">
-              <a:rPr lang="en-US" dirty="0"/>
-              <a:t>4/19/2020</a:t>
-            </a:fld>
-            <a:endParaRPr lang="en-US" dirty="0"/>
-          </a:p>
-        </p:txBody>
-      </p:sp>
-      <p:sp>
-        <p:nvSpPr>
-          <p:cNvPr id="8" name="Footer Placeholder 7"/>
-          <p:cNvSpPr>
-            <a:spLocks noGrp="1"/>
-          </p:cNvSpPr>
-          <p:nvPr>
-            <p:ph type="ftr" sz="quarter" idx="11"/>
-          </p:nvPr>
-        </p:nvSpPr>
-        <p:spPr/>
-        <p:txBody>
-          <a:bodyPr/>
-          <a:lstStyle/>
-          <a:p>
-            <a:endParaRPr lang="en-US" dirty="0"/>
-          </a:p>
-        </p:txBody>
-      </p:sp>
-      <p:sp>
-        <p:nvSpPr>
-          <p:cNvPr id="9" name="Slide Number Placeholder 8"/>
-          <p:cNvSpPr>
-            <a:spLocks noGrp="1"/>
-          </p:cNvSpPr>
-          <p:nvPr>
-            <p:ph type="sldNum" sz="quarter" idx="12"/>
-          </p:nvPr>
-        </p:nvSpPr>
-        <p:spPr/>
-        <p:txBody>
-          <a:bodyPr/>
-          <a:lstStyle/>
-          <a:p>
-            <a:fld id="{D57F1E4F-1CFF-5643-939E-02111984F565}" type="slidenum">
-              <a:rPr lang="en-US" dirty="0"/>
-              <a:t>‹#›</a:t>
-            </a:fld>
-            <a:endParaRPr lang="en-US" dirty="0"/>
-          </a:p>
-        </p:txBody>
-      </p:sp>
-    </p:spTree>
-  </p:cSld>
-  <p:clrMapOvr>
-    <a:masterClrMapping/>
-  </p:clrMapOvr>
+  <p:hf sldNum="0" hdr="0" ftr="0" dt="0"/>
 </p:sldLayout>
 </file>
 
@@ -4724,7 +2152,7 @@
       </p:sp>
       <p:sp>
         <p:nvSpPr>
-          <p:cNvPr id="7" name="Date Placeholder 2"/>
+          <p:cNvPr id="3" name="Date Placeholder 2"/>
           <p:cNvSpPr>
             <a:spLocks noGrp="1"/>
           </p:cNvSpPr>
@@ -4738,7 +2166,7 @@
           <a:lstStyle/>
           <a:p>
             <a:fld id="{4509A250-FF31-4206-8172-F9D3106AACB1}" type="datetimeFigureOut">
-              <a:rPr lang="en-US" dirty="0"/>
+              <a:rPr lang="en-US" smtClean="0"/>
               <a:t>4/19/2020</a:t>
             </a:fld>
             <a:endParaRPr lang="en-US" dirty="0"/>
@@ -4747,7 +2175,7 @@
       </p:sp>
       <p:sp>
         <p:nvSpPr>
-          <p:cNvPr id="5" name="Footer Placeholder 3"/>
+          <p:cNvPr id="4" name="Footer Placeholder 3"/>
           <p:cNvSpPr>
             <a:spLocks noGrp="1"/>
           </p:cNvSpPr>
@@ -4766,7 +2194,7 @@
       </p:sp>
       <p:sp>
         <p:nvSpPr>
-          <p:cNvPr id="6" name="Slide Number Placeholder 4"/>
+          <p:cNvPr id="5" name="Slide Number Placeholder 4"/>
           <p:cNvSpPr>
             <a:spLocks noGrp="1"/>
           </p:cNvSpPr>
@@ -4780,7 +2208,7 @@
           <a:lstStyle/>
           <a:p>
             <a:fld id="{D57F1E4F-1CFF-5643-939E-02111984F565}" type="slidenum">
-              <a:rPr lang="en-US" dirty="0"/>
+              <a:rPr lang="en-US" smtClean="0"/>
               <a:t>‹#›</a:t>
             </a:fld>
             <a:endParaRPr lang="en-US" dirty="0"/>
@@ -4788,6 +2216,11 @@
         </p:txBody>
       </p:sp>
     </p:spTree>
+    <p:extLst>
+      <p:ext uri="{BB962C8B-B14F-4D97-AF65-F5344CB8AC3E}">
+        <p14:creationId xmlns:p14="http://schemas.microsoft.com/office/powerpoint/2010/main" val="542858540"/>
+      </p:ext>
+    </p:extLst>
   </p:cSld>
   <p:clrMapOvr>
     <a:masterClrMapping/>
@@ -4814,7 +2247,7 @@
       </p:grpSpPr>
       <p:sp>
         <p:nvSpPr>
-          <p:cNvPr id="7" name="Date Placeholder 1"/>
+          <p:cNvPr id="2" name="Date Placeholder 1"/>
           <p:cNvSpPr>
             <a:spLocks noGrp="1"/>
           </p:cNvSpPr>
@@ -4828,7 +2261,7 @@
           <a:lstStyle/>
           <a:p>
             <a:fld id="{4509A250-FF31-4206-8172-F9D3106AACB1}" type="datetimeFigureOut">
-              <a:rPr lang="en-US" dirty="0"/>
+              <a:rPr lang="en-US" smtClean="0"/>
               <a:t>4/19/2020</a:t>
             </a:fld>
             <a:endParaRPr lang="en-US" dirty="0"/>
@@ -4837,7 +2270,7 @@
       </p:sp>
       <p:sp>
         <p:nvSpPr>
-          <p:cNvPr id="5" name="Footer Placeholder 2"/>
+          <p:cNvPr id="3" name="Footer Placeholder 2"/>
           <p:cNvSpPr>
             <a:spLocks noGrp="1"/>
           </p:cNvSpPr>
@@ -4856,7 +2289,7 @@
       </p:sp>
       <p:sp>
         <p:nvSpPr>
-          <p:cNvPr id="6" name="Slide Number Placeholder 3"/>
+          <p:cNvPr id="4" name="Slide Number Placeholder 3"/>
           <p:cNvSpPr>
             <a:spLocks noGrp="1"/>
           </p:cNvSpPr>
@@ -4870,7 +2303,7 @@
           <a:lstStyle/>
           <a:p>
             <a:fld id="{D57F1E4F-1CFF-5643-939E-02111984F565}" type="slidenum">
-              <a:rPr lang="en-US" dirty="0"/>
+              <a:rPr lang="en-US" smtClean="0"/>
               <a:t>‹#›</a:t>
             </a:fld>
             <a:endParaRPr lang="en-US" dirty="0"/>
@@ -4878,6 +2311,11 @@
         </p:txBody>
       </p:sp>
     </p:spTree>
+    <p:extLst>
+      <p:ext uri="{BB962C8B-B14F-4D97-AF65-F5344CB8AC3E}">
+        <p14:creationId xmlns:p14="http://schemas.microsoft.com/office/powerpoint/2010/main" val="695448195"/>
+      </p:ext>
+    </p:extLst>
   </p:cSld>
   <p:clrMapOvr>
     <a:masterClrMapping/>
@@ -4904,83 +2342,155 @@
       </p:grpSpPr>
       <p:sp>
         <p:nvSpPr>
-          <p:cNvPr id="2" name="Title 1"/>
-          <p:cNvSpPr>
-            <a:spLocks noGrp="1"/>
-          </p:cNvSpPr>
-          <p:nvPr>
-            <p:ph type="title"/>
-          </p:nvPr>
+          <p:cNvPr id="26" name="Rectangle 25"/>
+          <p:cNvSpPr/>
+          <p:nvPr/>
         </p:nvSpPr>
         <p:spPr>
           <a:xfrm>
-            <a:off x="1154954" y="1447800"/>
-            <a:ext cx="3401064" cy="1447800"/>
-          </a:xfrm>
-        </p:spPr>
-        <p:txBody>
-          <a:bodyPr anchor="b"/>
-          <a:lstStyle>
-            <a:lvl1pPr algn="l">
-              <a:defRPr sz="2400" b="0"/>
-            </a:lvl1pPr>
-          </a:lstStyle>
-          <a:p>
-            <a:r>
-              <a:rPr lang="en-US" smtClean="0"/>
-              <a:t>Click to edit Master title style</a:t>
-            </a:r>
-            <a:endParaRPr lang="en-US" dirty="0"/>
-          </a:p>
-        </p:txBody>
-      </p:sp>
-      <p:sp>
-        <p:nvSpPr>
-          <p:cNvPr id="3" name="Content Placeholder 2"/>
-          <p:cNvSpPr>
-            <a:spLocks noGrp="1"/>
-          </p:cNvSpPr>
-          <p:nvPr>
-            <p:ph idx="1"/>
-          </p:nvPr>
-        </p:nvSpPr>
-        <p:spPr>
+            <a:off x="0" y="0"/>
+            <a:ext cx="6096000" cy="6858000"/>
+          </a:xfrm>
+          <a:prstGeom prst="rect">
+            <a:avLst/>
+          </a:prstGeom>
+          <a:solidFill>
+            <a:schemeClr val="accent2"/>
+          </a:solidFill>
+          <a:ln>
+            <a:noFill/>
+          </a:ln>
+        </p:spPr>
+        <p:style>
+          <a:lnRef idx="2">
+            <a:schemeClr val="accent1">
+              <a:shade val="50000"/>
+            </a:schemeClr>
+          </a:lnRef>
+          <a:fillRef idx="1">
+            <a:schemeClr val="accent1"/>
+          </a:fillRef>
+          <a:effectRef idx="0">
+            <a:schemeClr val="accent1"/>
+          </a:effectRef>
+          <a:fontRef idx="minor">
+            <a:schemeClr val="lt1"/>
+          </a:fontRef>
+        </p:style>
+      </p:sp>
+      <p:sp>
+        <p:nvSpPr>
+          <p:cNvPr id="2" name="Title 1"/>
+          <p:cNvSpPr>
+            <a:spLocks noGrp="1"/>
+          </p:cNvSpPr>
+          <p:nvPr>
+            <p:ph type="title"/>
+          </p:nvPr>
+        </p:nvSpPr>
+        <p:spPr bwMode="blackWhite">
           <a:xfrm>
-            <a:off x="4784616" y="1447800"/>
-            <a:ext cx="5195997" cy="4572000"/>
-          </a:xfrm>
-        </p:spPr>
-        <p:txBody>
-          <a:bodyPr anchor="ctr">
+            <a:off x="804672" y="2243828"/>
+            <a:ext cx="4486656" cy="1141497"/>
+          </a:xfrm>
+          <a:solidFill>
+            <a:srgbClr val="FFFFFF"/>
+          </a:solidFill>
+          <a:ln>
+            <a:solidFill>
+              <a:srgbClr val="404040"/>
+            </a:solidFill>
+          </a:ln>
+        </p:spPr>
+        <p:txBody>
+          <a:bodyPr anchor="ctr" anchorCtr="1">
             <a:normAutofit/>
           </a:bodyPr>
           <a:lstStyle>
             <a:lvl1pPr>
-              <a:defRPr sz="2000"/>
+              <a:defRPr sz="2200">
+                <a:solidFill>
+                  <a:srgbClr val="262626"/>
+                </a:solidFill>
+              </a:defRPr>
+            </a:lvl1pPr>
+          </a:lstStyle>
+          <a:p>
+            <a:r>
+              <a:rPr lang="en-US" smtClean="0"/>
+              <a:t>Click to edit Master title style</a:t>
+            </a:r>
+            <a:endParaRPr lang="en-US" dirty="0"/>
+          </a:p>
+        </p:txBody>
+      </p:sp>
+      <p:sp>
+        <p:nvSpPr>
+          <p:cNvPr id="3" name="Content Placeholder 2"/>
+          <p:cNvSpPr>
+            <a:spLocks noGrp="1"/>
+          </p:cNvSpPr>
+          <p:nvPr>
+            <p:ph idx="1"/>
+          </p:nvPr>
+        </p:nvSpPr>
+        <p:spPr>
+          <a:xfrm>
+            <a:off x="6736080" y="804672"/>
+            <a:ext cx="4815840" cy="5248656"/>
+          </a:xfrm>
+        </p:spPr>
+        <p:txBody>
+          <a:bodyPr>
+            <a:normAutofit/>
+          </a:bodyPr>
+          <a:lstStyle>
+            <a:lvl1pPr>
+              <a:defRPr sz="1900">
+                <a:solidFill>
+                  <a:schemeClr val="tx1"/>
+                </a:solidFill>
+              </a:defRPr>
             </a:lvl1pPr>
             <a:lvl2pPr>
-              <a:defRPr sz="1800"/>
+              <a:defRPr sz="1600">
+                <a:solidFill>
+                  <a:schemeClr val="tx1"/>
+                </a:solidFill>
+              </a:defRPr>
             </a:lvl2pPr>
             <a:lvl3pPr>
-              <a:defRPr sz="1600"/>
+              <a:defRPr sz="1600">
+                <a:solidFill>
+                  <a:schemeClr val="tx1"/>
+                </a:solidFill>
+              </a:defRPr>
             </a:lvl3pPr>
             <a:lvl4pPr>
-              <a:defRPr sz="1400"/>
+              <a:defRPr sz="1600">
+                <a:solidFill>
+                  <a:schemeClr val="tx1"/>
+                </a:solidFill>
+              </a:defRPr>
             </a:lvl4pPr>
             <a:lvl5pPr>
-              <a:defRPr sz="1400"/>
+              <a:defRPr sz="1600">
+                <a:solidFill>
+                  <a:schemeClr val="tx1"/>
+                </a:solidFill>
+              </a:defRPr>
             </a:lvl5pPr>
             <a:lvl6pPr>
-              <a:defRPr sz="1400"/>
+              <a:defRPr sz="1600"/>
             </a:lvl6pPr>
             <a:lvl7pPr>
-              <a:defRPr sz="1400"/>
+              <a:defRPr sz="1600"/>
             </a:lvl7pPr>
             <a:lvl8pPr>
-              <a:defRPr sz="1400"/>
+              <a:defRPr sz="1600"/>
             </a:lvl8pPr>
             <a:lvl9pPr>
-              <a:defRPr sz="1400"/>
+              <a:defRPr sz="1600"/>
             </a:lvl9pPr>
           </a:lstStyle>
           <a:p>
@@ -5033,48 +2543,54 @@
         </p:nvSpPr>
         <p:spPr>
           <a:xfrm>
-            <a:off x="1154954" y="3129280"/>
-            <a:ext cx="3401063" cy="2895599"/>
-          </a:xfrm>
-        </p:spPr>
-        <p:txBody>
-          <a:bodyPr/>
+            <a:off x="1115568" y="3549918"/>
+            <a:ext cx="3794760" cy="2194036"/>
+          </a:xfrm>
+        </p:spPr>
+        <p:txBody>
+          <a:bodyPr anchor="t" anchorCtr="1">
+            <a:normAutofit/>
+          </a:bodyPr>
           <a:lstStyle>
-            <a:lvl1pPr marL="0" indent="0">
+            <a:lvl1pPr marL="0" indent="0" algn="ctr">
               <a:buNone/>
-              <a:defRPr sz="1400"/>
+              <a:defRPr sz="1500">
+                <a:solidFill>
+                  <a:srgbClr val="FFFFFF"/>
+                </a:solidFill>
+              </a:defRPr>
             </a:lvl1pPr>
             <a:lvl2pPr marL="457200" indent="0">
               <a:buNone/>
-              <a:defRPr sz="1200"/>
+              <a:defRPr sz="1400"/>
             </a:lvl2pPr>
             <a:lvl3pPr marL="914400" indent="0">
               <a:buNone/>
-              <a:defRPr sz="1000"/>
+              <a:defRPr sz="1200"/>
             </a:lvl3pPr>
             <a:lvl4pPr marL="1371600" indent="0">
               <a:buNone/>
-              <a:defRPr sz="900"/>
+              <a:defRPr sz="1000"/>
             </a:lvl4pPr>
             <a:lvl5pPr marL="1828800" indent="0">
               <a:buNone/>
-              <a:defRPr sz="900"/>
+              <a:defRPr sz="1000"/>
             </a:lvl5pPr>
             <a:lvl6pPr marL="2286000" indent="0">
               <a:buNone/>
-              <a:defRPr sz="900"/>
+              <a:defRPr sz="1000"/>
             </a:lvl6pPr>
             <a:lvl7pPr marL="2743200" indent="0">
               <a:buNone/>
-              <a:defRPr sz="900"/>
+              <a:defRPr sz="1000"/>
             </a:lvl7pPr>
             <a:lvl8pPr marL="3200400" indent="0">
               <a:buNone/>
-              <a:defRPr sz="900"/>
+              <a:defRPr sz="1000"/>
             </a:lvl8pPr>
             <a:lvl9pPr marL="3657600" indent="0">
               <a:buNone/>
-              <a:defRPr sz="900"/>
+              <a:defRPr sz="1000"/>
             </a:lvl9pPr>
           </a:lstStyle>
           <a:p>
@@ -5088,7 +2604,7 @@
       </p:sp>
       <p:sp>
         <p:nvSpPr>
-          <p:cNvPr id="7" name="Date Placeholder 4"/>
+          <p:cNvPr id="9" name="Date Placeholder 8"/>
           <p:cNvSpPr>
             <a:spLocks noGrp="1"/>
           </p:cNvSpPr>
@@ -5102,7 +2618,7 @@
           <a:lstStyle/>
           <a:p>
             <a:fld id="{4509A250-FF31-4206-8172-F9D3106AACB1}" type="datetimeFigureOut">
-              <a:rPr lang="en-US" dirty="0"/>
+              <a:rPr lang="en-US" smtClean="0"/>
               <a:t>4/19/2020</a:t>
             </a:fld>
             <a:endParaRPr lang="en-US" dirty="0"/>
@@ -5111,7 +2627,7 @@
       </p:sp>
       <p:sp>
         <p:nvSpPr>
-          <p:cNvPr id="5" name="Footer Placeholder 5"/>
+          <p:cNvPr id="10" name="Footer Placeholder 9"/>
           <p:cNvSpPr>
             <a:spLocks noGrp="1"/>
           </p:cNvSpPr>
@@ -5119,32 +2635,47 @@
             <p:ph type="ftr" sz="quarter" idx="11"/>
           </p:nvPr>
         </p:nvSpPr>
+        <p:spPr>
+          <a:xfrm>
+            <a:off x="804672" y="6236208"/>
+            <a:ext cx="5124797" cy="320040"/>
+          </a:xfrm>
+        </p:spPr>
+        <p:txBody>
+          <a:bodyPr/>
+          <a:lstStyle>
+            <a:lvl1pPr>
+              <a:defRPr>
+                <a:solidFill>
+                  <a:srgbClr val="FFFFFF">
+                    <a:alpha val="70000"/>
+                  </a:srgbClr>
+                </a:solidFill>
+              </a:defRPr>
+            </a:lvl1pPr>
+          </a:lstStyle>
+          <a:p>
+            <a:endParaRPr lang="en-US" dirty="0"/>
+          </a:p>
+        </p:txBody>
+      </p:sp>
+      <p:sp>
+        <p:nvSpPr>
+          <p:cNvPr id="11" name="Slide Number Placeholder 10"/>
+          <p:cNvSpPr>
+            <a:spLocks noGrp="1"/>
+          </p:cNvSpPr>
+          <p:nvPr>
+            <p:ph type="sldNum" sz="quarter" idx="12"/>
+          </p:nvPr>
+        </p:nvSpPr>
         <p:spPr/>
         <p:txBody>
           <a:bodyPr/>
           <a:lstStyle/>
           <a:p>
-            <a:endParaRPr lang="en-US" dirty="0"/>
-          </a:p>
-        </p:txBody>
-      </p:sp>
-      <p:sp>
-        <p:nvSpPr>
-          <p:cNvPr id="6" name="Slide Number Placeholder 6"/>
-          <p:cNvSpPr>
-            <a:spLocks noGrp="1"/>
-          </p:cNvSpPr>
-          <p:nvPr>
-            <p:ph type="sldNum" sz="quarter" idx="12"/>
-          </p:nvPr>
-        </p:nvSpPr>
-        <p:spPr/>
-        <p:txBody>
-          <a:bodyPr/>
-          <a:lstStyle/>
-          <a:p>
             <a:fld id="{D57F1E4F-1CFF-5643-939E-02111984F565}" type="slidenum">
-              <a:rPr lang="en-US" dirty="0"/>
+              <a:rPr lang="en-US" smtClean="0"/>
               <a:t>‹#›</a:t>
             </a:fld>
             <a:endParaRPr lang="en-US" dirty="0"/>
@@ -5152,6 +2683,11 @@
         </p:txBody>
       </p:sp>
     </p:spTree>
+    <p:extLst>
+      <p:ext uri="{BB962C8B-B14F-4D97-AF65-F5344CB8AC3E}">
+        <p14:creationId xmlns:p14="http://schemas.microsoft.com/office/powerpoint/2010/main" val="690576301"/>
+      </p:ext>
+    </p:extLst>
   </p:cSld>
   <p:clrMapOvr>
     <a:masterClrMapping/>
@@ -5178,27 +2714,77 @@
       </p:grpSpPr>
       <p:sp>
         <p:nvSpPr>
-          <p:cNvPr id="2" name="Title 1"/>
-          <p:cNvSpPr>
-            <a:spLocks noGrp="1"/>
-          </p:cNvSpPr>
-          <p:nvPr>
-            <p:ph type="title"/>
-          </p:nvPr>
+          <p:cNvPr id="18" name="Rectangle 17"/>
+          <p:cNvSpPr/>
+          <p:nvPr/>
         </p:nvSpPr>
         <p:spPr>
           <a:xfrm>
-            <a:off x="1153907" y="1854192"/>
-            <a:ext cx="5092906" cy="1574808"/>
-          </a:xfrm>
-        </p:spPr>
-        <p:txBody>
-          <a:bodyPr anchor="b">
-            <a:normAutofit/>
+            <a:off x="0" y="0"/>
+            <a:ext cx="6095999" cy="6858000"/>
+          </a:xfrm>
+          <a:prstGeom prst="rect">
+            <a:avLst/>
+          </a:prstGeom>
+          <a:solidFill>
+            <a:schemeClr val="accent2"/>
+          </a:solidFill>
+          <a:ln>
+            <a:noFill/>
+          </a:ln>
+        </p:spPr>
+        <p:style>
+          <a:lnRef idx="2">
+            <a:schemeClr val="accent1">
+              <a:shade val="50000"/>
+            </a:schemeClr>
+          </a:lnRef>
+          <a:fillRef idx="1">
+            <a:schemeClr val="accent1"/>
+          </a:fillRef>
+          <a:effectRef idx="0">
+            <a:schemeClr val="accent1"/>
+          </a:effectRef>
+          <a:fontRef idx="minor">
+            <a:schemeClr val="lt1"/>
+          </a:fontRef>
+        </p:style>
+      </p:sp>
+      <p:sp>
+        <p:nvSpPr>
+          <p:cNvPr id="2" name="Title 1"/>
+          <p:cNvSpPr>
+            <a:spLocks noGrp="1"/>
+          </p:cNvSpPr>
+          <p:nvPr>
+            <p:ph type="title"/>
+          </p:nvPr>
+        </p:nvSpPr>
+        <p:spPr bwMode="blackWhite">
+          <a:xfrm>
+            <a:off x="808523" y="2243828"/>
+            <a:ext cx="4494998" cy="1134640"/>
+          </a:xfrm>
+          <a:solidFill>
+            <a:srgbClr val="FFFFFF"/>
+          </a:solidFill>
+          <a:ln>
+            <a:solidFill>
+              <a:srgbClr val="404040"/>
+            </a:solidFill>
+          </a:ln>
+        </p:spPr>
+        <p:txBody>
+          <a:bodyPr anchor="ctr" anchorCtr="1">
+            <a:noAutofit/>
           </a:bodyPr>
           <a:lstStyle>
-            <a:lvl1pPr algn="l">
-              <a:defRPr sz="3600" b="0"/>
+            <a:lvl1pPr>
+              <a:defRPr sz="2200">
+                <a:solidFill>
+                  <a:srgbClr val="262626"/>
+                </a:solidFill>
+              </a:defRPr>
             </a:lvl1pPr>
           </a:lstStyle>
           <a:p>
@@ -5222,157 +2808,174 @@
         </p:nvSpPr>
         <p:spPr>
           <a:xfrm>
-            <a:off x="6949546" y="1143000"/>
-            <a:ext cx="3200400" cy="4572000"/>
-          </a:xfrm>
-          <a:prstGeom prst="roundRect">
-            <a:avLst>
-              <a:gd name="adj" fmla="val 1858"/>
-            </a:avLst>
-          </a:prstGeom>
-          <a:effectLst>
-            <a:outerShdw blurRad="50800" dist="50800" dir="5400000" algn="tl" rotWithShape="0">
-              <a:srgbClr val="000000">
-                <a:alpha val="43000"/>
-              </a:srgbClr>
-            </a:outerShdw>
-          </a:effectLst>
-        </p:spPr>
-        <p:txBody>
-          <a:bodyPr anchor="t">
+            <a:off x="6095999" y="0"/>
+            <a:ext cx="6102097" cy="6858000"/>
+          </a:xfrm>
+          <a:solidFill>
+            <a:schemeClr val="bg1">
+              <a:lumMod val="75000"/>
+            </a:schemeClr>
+          </a:solidFill>
+        </p:spPr>
+        <p:txBody>
+          <a:bodyPr anchor="t"/>
+          <a:lstStyle>
+            <a:lvl1pPr marL="0" indent="0">
+              <a:buNone/>
+              <a:defRPr sz="3200">
+                <a:solidFill>
+                  <a:schemeClr val="bg1">
+                    <a:lumMod val="85000"/>
+                    <a:lumOff val="15000"/>
+                  </a:schemeClr>
+                </a:solidFill>
+              </a:defRPr>
+            </a:lvl1pPr>
+            <a:lvl2pPr marL="457200" indent="0">
+              <a:buNone/>
+              <a:defRPr sz="2800"/>
+            </a:lvl2pPr>
+            <a:lvl3pPr marL="914400" indent="0">
+              <a:buNone/>
+              <a:defRPr sz="2400"/>
+            </a:lvl3pPr>
+            <a:lvl4pPr marL="1371600" indent="0">
+              <a:buNone/>
+              <a:defRPr sz="2000"/>
+            </a:lvl4pPr>
+            <a:lvl5pPr marL="1828800" indent="0">
+              <a:buNone/>
+              <a:defRPr sz="2000"/>
+            </a:lvl5pPr>
+            <a:lvl6pPr marL="2286000" indent="0">
+              <a:buNone/>
+              <a:defRPr sz="2000"/>
+            </a:lvl6pPr>
+            <a:lvl7pPr marL="2743200" indent="0">
+              <a:buNone/>
+              <a:defRPr sz="2000"/>
+            </a:lvl7pPr>
+            <a:lvl8pPr marL="3200400" indent="0">
+              <a:buNone/>
+              <a:defRPr sz="2000"/>
+            </a:lvl8pPr>
+            <a:lvl9pPr marL="3657600" indent="0">
+              <a:buNone/>
+              <a:defRPr sz="2000"/>
+            </a:lvl9pPr>
+          </a:lstStyle>
+          <a:p>
+            <a:r>
+              <a:rPr lang="en-US" smtClean="0"/>
+              <a:t>Click icon to add picture</a:t>
+            </a:r>
+            <a:endParaRPr lang="en-US" dirty="0"/>
+          </a:p>
+        </p:txBody>
+      </p:sp>
+      <p:sp>
+        <p:nvSpPr>
+          <p:cNvPr id="4" name="Text Placeholder 3"/>
+          <p:cNvSpPr>
+            <a:spLocks noGrp="1"/>
+          </p:cNvSpPr>
+          <p:nvPr>
+            <p:ph type="body" sz="half" idx="2"/>
+          </p:nvPr>
+        </p:nvSpPr>
+        <p:spPr>
+          <a:xfrm>
+            <a:off x="1115568" y="3549918"/>
+            <a:ext cx="3794760" cy="2194037"/>
+          </a:xfrm>
+        </p:spPr>
+        <p:txBody>
+          <a:bodyPr anchor="t" anchorCtr="1">
             <a:normAutofit/>
           </a:bodyPr>
           <a:lstStyle>
             <a:lvl1pPr marL="0" indent="0" algn="ctr">
               <a:buNone/>
-              <a:defRPr sz="1600"/>
+              <a:defRPr sz="1500">
+                <a:solidFill>
+                  <a:srgbClr val="FFFFFF"/>
+                </a:solidFill>
+              </a:defRPr>
             </a:lvl1pPr>
             <a:lvl2pPr marL="457200" indent="0">
               <a:buNone/>
-              <a:defRPr sz="1600"/>
+              <a:defRPr sz="1400"/>
             </a:lvl2pPr>
             <a:lvl3pPr marL="914400" indent="0">
               <a:buNone/>
-              <a:defRPr sz="1600"/>
+              <a:defRPr sz="1200"/>
             </a:lvl3pPr>
             <a:lvl4pPr marL="1371600" indent="0">
               <a:buNone/>
-              <a:defRPr sz="1600"/>
+              <a:defRPr sz="1000"/>
             </a:lvl4pPr>
             <a:lvl5pPr marL="1828800" indent="0">
               <a:buNone/>
-              <a:defRPr sz="1600"/>
+              <a:defRPr sz="1000"/>
             </a:lvl5pPr>
             <a:lvl6pPr marL="2286000" indent="0">
               <a:buNone/>
-              <a:defRPr sz="1600"/>
+              <a:defRPr sz="1000"/>
             </a:lvl6pPr>
             <a:lvl7pPr marL="2743200" indent="0">
               <a:buNone/>
-              <a:defRPr sz="1600"/>
+              <a:defRPr sz="1000"/>
             </a:lvl7pPr>
             <a:lvl8pPr marL="3200400" indent="0">
               <a:buNone/>
-              <a:defRPr sz="1600"/>
+              <a:defRPr sz="1000"/>
             </a:lvl8pPr>
             <a:lvl9pPr marL="3657600" indent="0">
               <a:buNone/>
-              <a:defRPr sz="1600"/>
+              <a:defRPr sz="1000"/>
             </a:lvl9pPr>
           </a:lstStyle>
           <a:p>
-            <a:r>
-              <a:rPr lang="en-US" dirty="0" smtClean="0"/>
-              <a:t>Click icon to add picture</a:t>
-            </a:r>
-            <a:endParaRPr lang="en-US" dirty="0"/>
-          </a:p>
-        </p:txBody>
-      </p:sp>
-      <p:sp>
-        <p:nvSpPr>
-          <p:cNvPr id="4" name="Text Placeholder 3"/>
-          <p:cNvSpPr>
-            <a:spLocks noGrp="1"/>
-          </p:cNvSpPr>
-          <p:nvPr>
-            <p:ph type="body" sz="half" idx="2"/>
-          </p:nvPr>
-        </p:nvSpPr>
-        <p:spPr>
-          <a:xfrm>
-            <a:off x="1154954" y="3657600"/>
-            <a:ext cx="5084979" cy="1371600"/>
-          </a:xfrm>
-        </p:spPr>
-        <p:txBody>
-          <a:bodyPr>
-            <a:normAutofit/>
-          </a:bodyPr>
+            <a:pPr lvl="0"/>
+            <a:r>
+              <a:rPr lang="en-US" smtClean="0"/>
+              <a:t>Edit Master text styles</a:t>
+            </a:r>
+          </a:p>
+        </p:txBody>
+      </p:sp>
+      <p:sp>
+        <p:nvSpPr>
+          <p:cNvPr id="8" name="Date Placeholder 7"/>
+          <p:cNvSpPr>
+            <a:spLocks noGrp="1"/>
+          </p:cNvSpPr>
+          <p:nvPr>
+            <p:ph type="dt" sz="half" idx="10"/>
+          </p:nvPr>
+        </p:nvSpPr>
+        <p:spPr/>
+        <p:txBody>
+          <a:bodyPr/>
           <a:lstStyle>
-            <a:lvl1pPr marL="0" indent="0">
-              <a:buNone/>
-              <a:defRPr sz="1400"/>
+            <a:lvl1pPr>
+              <a:defRPr>
+                <a:solidFill>
+                  <a:srgbClr val="FFFFFF"/>
+                </a:solidFill>
+                <a:effectLst>
+                  <a:outerShdw blurRad="50800" dist="38100" dir="2700000" algn="tl" rotWithShape="0">
+                    <a:prstClr val="black">
+                      <a:alpha val="43000"/>
+                    </a:prstClr>
+                  </a:outerShdw>
+                </a:effectLst>
+              </a:defRPr>
             </a:lvl1pPr>
-            <a:lvl2pPr marL="457200" indent="0">
-              <a:buNone/>
-              <a:defRPr sz="1200"/>
-            </a:lvl2pPr>
-            <a:lvl3pPr marL="914400" indent="0">
-              <a:buNone/>
-              <a:defRPr sz="1000"/>
-            </a:lvl3pPr>
-            <a:lvl4pPr marL="1371600" indent="0">
-              <a:buNone/>
-              <a:defRPr sz="900"/>
-            </a:lvl4pPr>
-            <a:lvl5pPr marL="1828800" indent="0">
-              <a:buNone/>
-              <a:defRPr sz="900"/>
-            </a:lvl5pPr>
-            <a:lvl6pPr marL="2286000" indent="0">
-              <a:buNone/>
-              <a:defRPr sz="900"/>
-            </a:lvl6pPr>
-            <a:lvl7pPr marL="2743200" indent="0">
-              <a:buNone/>
-              <a:defRPr sz="900"/>
-            </a:lvl7pPr>
-            <a:lvl8pPr marL="3200400" indent="0">
-              <a:buNone/>
-              <a:defRPr sz="900"/>
-            </a:lvl8pPr>
-            <a:lvl9pPr marL="3657600" indent="0">
-              <a:buNone/>
-              <a:defRPr sz="900"/>
-            </a:lvl9pPr>
           </a:lstStyle>
           <a:p>
-            <a:pPr lvl="0"/>
-            <a:r>
-              <a:rPr lang="en-US" smtClean="0"/>
-              <a:t>Edit Master text styles</a:t>
-            </a:r>
-          </a:p>
-        </p:txBody>
-      </p:sp>
-      <p:sp>
-        <p:nvSpPr>
-          <p:cNvPr id="5" name="Date Placeholder 4"/>
-          <p:cNvSpPr>
-            <a:spLocks noGrp="1"/>
-          </p:cNvSpPr>
-          <p:nvPr>
-            <p:ph type="dt" sz="half" idx="10"/>
-          </p:nvPr>
-        </p:nvSpPr>
-        <p:spPr/>
-        <p:txBody>
-          <a:bodyPr/>
-          <a:lstStyle/>
-          <a:p>
             <a:fld id="{4509A250-FF31-4206-8172-F9D3106AACB1}" type="datetimeFigureOut">
-              <a:rPr lang="en-US" dirty="0"/>
+              <a:rPr lang="en-US" smtClean="0"/>
               <a:t>4/19/2020</a:t>
             </a:fld>
             <a:endParaRPr lang="en-US" dirty="0"/>
@@ -5381,7 +2984,7 @@
       </p:sp>
       <p:sp>
         <p:nvSpPr>
-          <p:cNvPr id="6" name="Footer Placeholder 5"/>
+          <p:cNvPr id="9" name="Footer Placeholder 8"/>
           <p:cNvSpPr>
             <a:spLocks noGrp="1"/>
           </p:cNvSpPr>
@@ -5389,32 +2992,47 @@
             <p:ph type="ftr" sz="quarter" idx="11"/>
           </p:nvPr>
         </p:nvSpPr>
+        <p:spPr>
+          <a:xfrm>
+            <a:off x="804672" y="6236208"/>
+            <a:ext cx="5124797" cy="320040"/>
+          </a:xfrm>
+        </p:spPr>
+        <p:txBody>
+          <a:bodyPr/>
+          <a:lstStyle>
+            <a:lvl1pPr>
+              <a:defRPr>
+                <a:solidFill>
+                  <a:srgbClr val="FFFFFF">
+                    <a:alpha val="70000"/>
+                  </a:srgbClr>
+                </a:solidFill>
+              </a:defRPr>
+            </a:lvl1pPr>
+          </a:lstStyle>
+          <a:p>
+            <a:endParaRPr lang="en-US" dirty="0"/>
+          </a:p>
+        </p:txBody>
+      </p:sp>
+      <p:sp>
+        <p:nvSpPr>
+          <p:cNvPr id="10" name="Slide Number Placeholder 9"/>
+          <p:cNvSpPr>
+            <a:spLocks noGrp="1"/>
+          </p:cNvSpPr>
+          <p:nvPr>
+            <p:ph type="sldNum" sz="quarter" idx="12"/>
+          </p:nvPr>
+        </p:nvSpPr>
         <p:spPr/>
         <p:txBody>
           <a:bodyPr/>
           <a:lstStyle/>
           <a:p>
-            <a:endParaRPr lang="en-US" dirty="0"/>
-          </a:p>
-        </p:txBody>
-      </p:sp>
-      <p:sp>
-        <p:nvSpPr>
-          <p:cNvPr id="7" name="Slide Number Placeholder 6"/>
-          <p:cNvSpPr>
-            <a:spLocks noGrp="1"/>
-          </p:cNvSpPr>
-          <p:nvPr>
-            <p:ph type="sldNum" sz="quarter" idx="12"/>
-          </p:nvPr>
-        </p:nvSpPr>
-        <p:spPr/>
-        <p:txBody>
-          <a:bodyPr/>
-          <a:lstStyle/>
-          <a:p>
             <a:fld id="{D57F1E4F-1CFF-5643-939E-02111984F565}" type="slidenum">
-              <a:rPr lang="en-US" dirty="0"/>
+              <a:rPr lang="en-US" smtClean="0"/>
               <a:t>‹#›</a:t>
             </a:fld>
             <a:endParaRPr lang="en-US" dirty="0"/>
@@ -5422,6 +3040,11 @@
         </p:txBody>
       </p:sp>
     </p:spTree>
+    <p:extLst>
+      <p:ext uri="{BB962C8B-B14F-4D97-AF65-F5344CB8AC3E}">
+        <p14:creationId xmlns:p14="http://schemas.microsoft.com/office/powerpoint/2010/main" val="1275961823"/>
+      </p:ext>
+    </p:extLst>
   </p:cSld>
   <p:clrMapOvr>
     <a:masterClrMapping/>
@@ -5433,9 +3056,14 @@
 <p:sldMaster xmlns:a="http://schemas.openxmlformats.org/drawingml/2006/main" xmlns:r="http://schemas.openxmlformats.org/officeDocument/2006/relationships" xmlns:p="http://schemas.openxmlformats.org/presentationml/2006/main">
   <p:cSld>
     <p:bg>
-      <p:bgRef idx="1003">
-        <a:schemeClr val="bg2"/>
-      </p:bgRef>
+      <p:bgPr>
+        <a:solidFill>
+          <a:schemeClr val="bg1">
+            <a:lumMod val="95000"/>
+          </a:schemeClr>
+        </a:solidFill>
+        <a:effectLst/>
+      </p:bgPr>
     </p:bg>
     <p:spTree>
       <p:nvGrpSpPr>
@@ -5451,431 +3079,227 @@
           <a:chExt cx="0" cy="0"/>
         </a:xfrm>
       </p:grpSpPr>
-      <p:pic>
-        <p:nvPicPr>
-          <p:cNvPr id="8" name="Picture 7"/>
-          <p:cNvPicPr>
-            <a:picLocks noChangeAspect="1"/>
-          </p:cNvPicPr>
-          <p:nvPr/>
-        </p:nvPicPr>
-        <p:blipFill rotWithShape="1">
-          <a:blip r:embed="rId19">
-            <a:extLst>
-              <a:ext uri="{28A0092B-C50C-407E-A947-70E740481C1C}">
-                <a14:useLocalDpi xmlns:a14="http://schemas.microsoft.com/office/drawing/2010/main" val="0"/>
-              </a:ext>
-            </a:extLst>
-          </a:blip>
-          <a:srcRect l="3613"/>
-          <a:stretch/>
-        </p:blipFill>
-        <p:spPr>
+      <p:sp>
+        <p:nvSpPr>
+          <p:cNvPr id="2" name="Title Placeholder 1"/>
+          <p:cNvSpPr>
+            <a:spLocks noGrp="1"/>
+          </p:cNvSpPr>
+          <p:nvPr>
+            <p:ph type="title"/>
+          </p:nvPr>
+        </p:nvSpPr>
+        <p:spPr bwMode="black">
           <a:xfrm>
-            <a:off x="0" y="2669685"/>
-            <a:ext cx="4037012" cy="4188315"/>
-          </a:xfrm>
-          <a:prstGeom prst="rect">
-            <a:avLst/>
-          </a:prstGeom>
-        </p:spPr>
-      </p:pic>
-      <p:pic>
-        <p:nvPicPr>
-          <p:cNvPr id="7" name="Picture 6"/>
-          <p:cNvPicPr>
-            <a:picLocks noChangeAspect="1"/>
-          </p:cNvPicPr>
-          <p:nvPr/>
-        </p:nvPicPr>
-        <p:blipFill rotWithShape="1">
-          <a:blip r:embed="rId20">
-            <a:extLst>
-              <a:ext uri="{28A0092B-C50C-407E-A947-70E740481C1C}">
-                <a14:useLocalDpi xmlns:a14="http://schemas.microsoft.com/office/drawing/2010/main" val="0"/>
-              </a:ext>
-            </a:extLst>
-          </a:blip>
-          <a:srcRect l="35640"/>
-          <a:stretch/>
-        </p:blipFill>
-        <p:spPr>
-          <a:xfrm>
-            <a:off x="0" y="2892347"/>
-            <a:ext cx="1522412" cy="2365453"/>
-          </a:xfrm>
-          <a:prstGeom prst="rect">
-            <a:avLst/>
-          </a:prstGeom>
-        </p:spPr>
-      </p:pic>
-      <p:sp>
-        <p:nvSpPr>
-          <p:cNvPr id="16" name="Oval 15"/>
-          <p:cNvSpPr/>
-          <p:nvPr/>
-        </p:nvSpPr>
-        <p:spPr>
-          <a:xfrm>
-            <a:off x="8609012" y="1676400"/>
-            <a:ext cx="2819400" cy="2819400"/>
-          </a:xfrm>
-          <a:prstGeom prst="ellipse">
-            <a:avLst/>
-          </a:prstGeom>
-          <a:gradFill flip="none" rotWithShape="1">
-            <a:gsLst>
-              <a:gs pos="0">
-                <a:schemeClr val="accent1">
-                  <a:lumMod val="60000"/>
-                  <a:lumOff val="40000"/>
-                  <a:alpha val="7000"/>
-                </a:schemeClr>
-              </a:gs>
-              <a:gs pos="69000">
-                <a:schemeClr val="accent1">
-                  <a:lumMod val="60000"/>
-                  <a:lumOff val="40000"/>
-                  <a:alpha val="0"/>
-                </a:schemeClr>
-              </a:gs>
-              <a:gs pos="36000">
-                <a:schemeClr val="accent1">
-                  <a:lumMod val="60000"/>
-                  <a:lumOff val="40000"/>
-                  <a:alpha val="6000"/>
-                </a:schemeClr>
-              </a:gs>
-            </a:gsLst>
-            <a:path path="circle">
-              <a:fillToRect l="50000" t="50000" r="50000" b="50000"/>
-            </a:path>
-            <a:tileRect/>
-          </a:gradFill>
-          <a:ln>
-            <a:noFill/>
-          </a:ln>
-          <a:effectLst/>
-        </p:spPr>
-        <p:style>
-          <a:lnRef idx="1">
-            <a:schemeClr val="accent1"/>
-          </a:lnRef>
-          <a:fillRef idx="3">
-            <a:schemeClr val="accent1"/>
-          </a:fillRef>
-          <a:effectRef idx="2">
-            <a:schemeClr val="accent1"/>
-          </a:effectRef>
-          <a:fontRef idx="minor">
-            <a:schemeClr val="lt1"/>
-          </a:fontRef>
-        </p:style>
-      </p:sp>
-      <p:pic>
-        <p:nvPicPr>
-          <p:cNvPr id="9" name="Picture 8"/>
-          <p:cNvPicPr>
-            <a:picLocks noChangeAspect="1"/>
-          </p:cNvPicPr>
-          <p:nvPr/>
-        </p:nvPicPr>
-        <p:blipFill rotWithShape="1">
-          <a:blip r:embed="rId21">
-            <a:extLst>
-              <a:ext uri="{28A0092B-C50C-407E-A947-70E740481C1C}">
-                <a14:useLocalDpi xmlns:a14="http://schemas.microsoft.com/office/drawing/2010/main" val="0"/>
-              </a:ext>
-            </a:extLst>
-          </a:blip>
-          <a:srcRect t="28713"/>
-          <a:stretch/>
-        </p:blipFill>
-        <p:spPr>
-          <a:xfrm>
-            <a:off x="8000197" y="0"/>
-            <a:ext cx="1603387" cy="1143000"/>
-          </a:xfrm>
-          <a:prstGeom prst="rect">
-            <a:avLst/>
-          </a:prstGeom>
-        </p:spPr>
-      </p:pic>
-      <p:pic>
-        <p:nvPicPr>
-          <p:cNvPr id="10" name="Picture 9"/>
-          <p:cNvPicPr>
-            <a:picLocks noChangeAspect="1"/>
-          </p:cNvPicPr>
-          <p:nvPr/>
-        </p:nvPicPr>
-        <p:blipFill rotWithShape="1">
-          <a:blip r:embed="rId22">
-            <a:extLst>
-              <a:ext uri="{28A0092B-C50C-407E-A947-70E740481C1C}">
-                <a14:useLocalDpi xmlns:a14="http://schemas.microsoft.com/office/drawing/2010/main" val="0"/>
-              </a:ext>
-            </a:extLst>
-          </a:blip>
-          <a:srcRect b="24199"/>
-          <a:stretch/>
-        </p:blipFill>
-        <p:spPr>
-          <a:xfrm>
-            <a:off x="8609012" y="6092866"/>
-            <a:ext cx="993734" cy="765134"/>
-          </a:xfrm>
-          <a:prstGeom prst="rect">
-            <a:avLst/>
-          </a:prstGeom>
-        </p:spPr>
-      </p:pic>
-      <p:sp>
-        <p:nvSpPr>
-          <p:cNvPr id="14" name="Rectangle 13"/>
-          <p:cNvSpPr/>
-          <p:nvPr/>
-        </p:nvSpPr>
-        <p:spPr>
-          <a:xfrm>
-            <a:off x="10437812" y="0"/>
-            <a:ext cx="685800" cy="1143000"/>
+            <a:off x="2231136" y="964692"/>
+            <a:ext cx="7729728" cy="1188720"/>
           </a:xfrm>
           <a:prstGeom prst="rect">
             <a:avLst/>
           </a:prstGeom>
           <a:solidFill>
-            <a:schemeClr val="accent1"/>
+            <a:srgbClr val="FFFFFF"/>
           </a:solidFill>
-          <a:ln>
-            <a:noFill/>
+          <a:ln w="31750" cap="sq">
+            <a:solidFill>
+              <a:srgbClr val="404040"/>
+            </a:solidFill>
+            <a:miter lim="800000"/>
           </a:ln>
         </p:spPr>
-        <p:style>
-          <a:lnRef idx="1">
-            <a:schemeClr val="accent1"/>
-          </a:lnRef>
-          <a:fillRef idx="3">
-            <a:schemeClr val="accent1"/>
-          </a:fillRef>
-          <a:effectRef idx="2">
-            <a:schemeClr val="accent1"/>
-          </a:effectRef>
-          <a:fontRef idx="minor">
-            <a:schemeClr val="lt1"/>
-          </a:fontRef>
-        </p:style>
-      </p:sp>
-      <p:sp>
-        <p:nvSpPr>
-          <p:cNvPr id="2" name="Title Placeholder 1"/>
-          <p:cNvSpPr>
-            <a:spLocks noGrp="1"/>
-          </p:cNvSpPr>
-          <p:nvPr>
-            <p:ph type="title"/>
+        <p:txBody>
+          <a:bodyPr vert="horz" lIns="182880" tIns="182880" rIns="182880" bIns="182880" rtlCol="0" anchor="ctr">
+            <a:normAutofit/>
+          </a:bodyPr>
+          <a:lstStyle/>
+          <a:p>
+            <a:r>
+              <a:rPr lang="en-US" smtClean="0"/>
+              <a:t>Click to edit Master title style</a:t>
+            </a:r>
+            <a:endParaRPr lang="en-US" dirty="0"/>
+          </a:p>
+        </p:txBody>
+      </p:sp>
+      <p:sp>
+        <p:nvSpPr>
+          <p:cNvPr id="3" name="Text Placeholder 2"/>
+          <p:cNvSpPr>
+            <a:spLocks noGrp="1"/>
+          </p:cNvSpPr>
+          <p:nvPr>
+            <p:ph type="body" idx="1"/>
           </p:nvPr>
         </p:nvSpPr>
         <p:spPr>
           <a:xfrm>
-            <a:off x="646111" y="452718"/>
-            <a:ext cx="9404723" cy="1400530"/>
+            <a:off x="2231136" y="2638044"/>
+            <a:ext cx="7729728" cy="3101983"/>
           </a:xfrm>
           <a:prstGeom prst="rect">
             <a:avLst/>
           </a:prstGeom>
         </p:spPr>
         <p:txBody>
-          <a:bodyPr vert="horz" lIns="91440" tIns="45720" rIns="91440" bIns="45720" rtlCol="0" anchor="t">
-            <a:noAutofit/>
+          <a:bodyPr vert="horz" lIns="91440" tIns="45720" rIns="91440" bIns="45720" rtlCol="0">
+            <a:normAutofit/>
           </a:bodyPr>
           <a:lstStyle/>
           <a:p>
-            <a:r>
-              <a:rPr lang="en-US" smtClean="0"/>
-              <a:t>Click to edit Master title style</a:t>
-            </a:r>
-            <a:endParaRPr lang="en-US" dirty="0"/>
-          </a:p>
-        </p:txBody>
-      </p:sp>
-      <p:sp>
-        <p:nvSpPr>
-          <p:cNvPr id="3" name="Text Placeholder 2"/>
-          <p:cNvSpPr>
-            <a:spLocks noGrp="1"/>
-          </p:cNvSpPr>
-          <p:nvPr>
-            <p:ph type="body" idx="1"/>
+            <a:pPr lvl="0"/>
+            <a:r>
+              <a:rPr lang="en-US" dirty="0"/>
+              <a:t>Edit Master text styles</a:t>
+            </a:r>
+          </a:p>
+          <a:p>
+            <a:pPr lvl="1"/>
+            <a:r>
+              <a:rPr lang="en-US" dirty="0"/>
+              <a:t>Second level</a:t>
+            </a:r>
+          </a:p>
+          <a:p>
+            <a:pPr lvl="2"/>
+            <a:r>
+              <a:rPr lang="en-US" dirty="0"/>
+              <a:t>Third level</a:t>
+            </a:r>
+          </a:p>
+          <a:p>
+            <a:pPr lvl="3"/>
+            <a:r>
+              <a:rPr lang="en-US" dirty="0"/>
+              <a:t>Fourth level</a:t>
+            </a:r>
+          </a:p>
+          <a:p>
+            <a:pPr lvl="4"/>
+            <a:r>
+              <a:rPr lang="en-US" dirty="0"/>
+              <a:t>Fifth level</a:t>
+            </a:r>
+          </a:p>
+        </p:txBody>
+      </p:sp>
+      <p:sp>
+        <p:nvSpPr>
+          <p:cNvPr id="4" name="Date Placeholder 3"/>
+          <p:cNvSpPr>
+            <a:spLocks noGrp="1"/>
+          </p:cNvSpPr>
+          <p:nvPr>
+            <p:ph type="dt" sz="half" idx="2"/>
           </p:nvPr>
         </p:nvSpPr>
         <p:spPr>
           <a:xfrm>
-            <a:off x="1103312" y="2052918"/>
-            <a:ext cx="8946541" cy="4195481"/>
+            <a:off x="7821429" y="6238816"/>
+            <a:ext cx="2753746" cy="323968"/>
           </a:xfrm>
           <a:prstGeom prst="rect">
             <a:avLst/>
           </a:prstGeom>
         </p:spPr>
         <p:txBody>
-          <a:bodyPr vert="horz" lIns="91440" tIns="45720" rIns="91440" bIns="45720" rtlCol="0">
-            <a:normAutofit/>
-          </a:bodyPr>
-          <a:lstStyle/>
-          <a:p>
-            <a:pPr lvl="0"/>
-            <a:r>
-              <a:rPr lang="en-US" smtClean="0"/>
-              <a:t>Edit Master text styles</a:t>
-            </a:r>
-          </a:p>
-          <a:p>
-            <a:pPr lvl="1"/>
-            <a:r>
-              <a:rPr lang="en-US" smtClean="0"/>
-              <a:t>Second level</a:t>
-            </a:r>
-          </a:p>
-          <a:p>
-            <a:pPr lvl="2"/>
-            <a:r>
-              <a:rPr lang="en-US" smtClean="0"/>
-              <a:t>Third level</a:t>
-            </a:r>
-          </a:p>
-          <a:p>
-            <a:pPr lvl="3"/>
-            <a:r>
-              <a:rPr lang="en-US" smtClean="0"/>
-              <a:t>Fourth level</a:t>
-            </a:r>
-          </a:p>
-          <a:p>
-            <a:pPr lvl="4"/>
-            <a:r>
-              <a:rPr lang="en-US" smtClean="0"/>
-              <a:t>Fifth level</a:t>
-            </a:r>
+          <a:bodyPr vert="horz" lIns="91440" tIns="45720" rIns="91440" bIns="45720" rtlCol="0" anchor="ctr"/>
+          <a:lstStyle>
+            <a:lvl1pPr algn="r">
+              <a:defRPr sz="1050">
+                <a:solidFill>
+                  <a:schemeClr val="tx1">
+                    <a:alpha val="70000"/>
+                  </a:schemeClr>
+                </a:solidFill>
+              </a:defRPr>
+            </a:lvl1pPr>
+          </a:lstStyle>
+          <a:p>
+            <a:fld id="{4AAD347D-5ACD-4C99-B74B-A9C85AD731AF}" type="datetimeFigureOut">
+              <a:rPr lang="en-US" smtClean="0"/>
+              <a:t>4/19/2020</a:t>
+            </a:fld>
             <a:endParaRPr lang="en-US" dirty="0"/>
           </a:p>
         </p:txBody>
       </p:sp>
       <p:sp>
         <p:nvSpPr>
-          <p:cNvPr id="4" name="Date Placeholder 3"/>
-          <p:cNvSpPr>
-            <a:spLocks noGrp="1"/>
-          </p:cNvSpPr>
-          <p:nvPr>
-            <p:ph type="dt" sz="half" idx="2"/>
+          <p:cNvPr id="5" name="Footer Placeholder 4"/>
+          <p:cNvSpPr>
+            <a:spLocks noGrp="1"/>
+          </p:cNvSpPr>
+          <p:nvPr>
+            <p:ph type="ftr" sz="quarter" idx="3"/>
           </p:nvPr>
         </p:nvSpPr>
         <p:spPr>
-          <a:xfrm rot="5400000">
-            <a:off x="10155639" y="1790701"/>
-            <a:ext cx="990599" cy="304799"/>
+          <a:xfrm>
+            <a:off x="1600200" y="6236208"/>
+            <a:ext cx="5901189" cy="320040"/>
           </a:xfrm>
           <a:prstGeom prst="rect">
             <a:avLst/>
           </a:prstGeom>
         </p:spPr>
         <p:txBody>
-          <a:bodyPr vert="horz" lIns="91440" tIns="45720" rIns="91440" bIns="45720" rtlCol="0" anchor="t"/>
+          <a:bodyPr vert="horz" lIns="91440" tIns="45720" rIns="91440" bIns="45720" rtlCol="0" anchor="ctr"/>
           <a:lstStyle>
             <a:lvl1pPr algn="l">
-              <a:defRPr sz="1100" b="0" i="0">
+              <a:defRPr sz="1050">
                 <a:solidFill>
                   <a:schemeClr val="tx1">
-                    <a:tint val="75000"/>
-                    <a:alpha val="60000"/>
+                    <a:alpha val="70000"/>
                   </a:schemeClr>
                 </a:solidFill>
               </a:defRPr>
             </a:lvl1pPr>
           </a:lstStyle>
           <a:p>
-            <a:fld id="{4AAD347D-5ACD-4C99-B74B-A9C85AD731AF}" type="datetimeFigureOut">
-              <a:rPr lang="en-US" dirty="0"/>
-              <a:t>4/19/2020</a:t>
-            </a:fld>
             <a:endParaRPr lang="en-US" dirty="0"/>
           </a:p>
         </p:txBody>
       </p:sp>
       <p:sp>
         <p:nvSpPr>
-          <p:cNvPr id="5" name="Footer Placeholder 4"/>
-          <p:cNvSpPr>
-            <a:spLocks noGrp="1"/>
-          </p:cNvSpPr>
-          <p:nvPr>
-            <p:ph type="ftr" sz="quarter" idx="3"/>
+          <p:cNvPr id="6" name="Slide Number Placeholder 5"/>
+          <p:cNvSpPr>
+            <a:spLocks noGrp="1"/>
+          </p:cNvSpPr>
+          <p:nvPr>
+            <p:ph type="sldNum" sz="quarter" idx="4"/>
           </p:nvPr>
         </p:nvSpPr>
         <p:spPr>
-          <a:xfrm rot="5400000">
-            <a:off x="8951573" y="3225297"/>
-            <a:ext cx="3859795" cy="304801"/>
-          </a:xfrm>
-          <a:prstGeom prst="rect">
+          <a:xfrm>
+            <a:off x="10758922" y="6217920"/>
+            <a:ext cx="365760" cy="365760"/>
+          </a:xfrm>
+          <a:prstGeom prst="ellipse">
             <a:avLst/>
           </a:prstGeom>
-        </p:spPr>
-        <p:txBody>
-          <a:bodyPr vert="horz" lIns="91440" tIns="45720" rIns="91440" bIns="45720" rtlCol="0" anchor="b"/>
+          <a:solidFill>
+            <a:srgbClr val="1D1D1D">
+              <a:alpha val="70000"/>
+            </a:srgbClr>
+          </a:solidFill>
+        </p:spPr>
+        <p:txBody>
+          <a:bodyPr vert="horz" lIns="18288" tIns="45720" rIns="18288" bIns="45720" rtlCol="0" anchor="ctr">
+            <a:noAutofit/>
+          </a:bodyPr>
           <a:lstStyle>
-            <a:lvl1pPr algn="l">
-              <a:defRPr sz="1100" b="0" i="0">
-                <a:solidFill>
-                  <a:schemeClr val="tx1">
-                    <a:tint val="75000"/>
-                    <a:alpha val="60000"/>
-                  </a:schemeClr>
+            <a:lvl1pPr algn="ctr">
+              <a:defRPr sz="1100" spc="0" baseline="0">
+                <a:solidFill>
+                  <a:srgbClr val="FFFFFF"/>
                 </a:solidFill>
               </a:defRPr>
             </a:lvl1pPr>
           </a:lstStyle>
           <a:p>
-            <a:endParaRPr lang="en-US" dirty="0"/>
-          </a:p>
-        </p:txBody>
-      </p:sp>
-      <p:sp>
-        <p:nvSpPr>
-          <p:cNvPr id="6" name="Slide Number Placeholder 5"/>
-          <p:cNvSpPr>
-            <a:spLocks noGrp="1"/>
-          </p:cNvSpPr>
-          <p:nvPr>
-            <p:ph type="sldNum" sz="quarter" idx="4"/>
-          </p:nvPr>
-        </p:nvSpPr>
-        <p:spPr>
-          <a:xfrm>
-            <a:off x="10352540" y="295729"/>
-            <a:ext cx="838199" cy="767687"/>
-          </a:xfrm>
-          <a:prstGeom prst="rect">
-            <a:avLst/>
-          </a:prstGeom>
-        </p:spPr>
-        <p:txBody>
-          <a:bodyPr vert="horz" lIns="91440" tIns="45720" rIns="91440" bIns="45720" rtlCol="0" anchor="b"/>
-          <a:lstStyle>
-            <a:lvl1pPr algn="ctr">
-              <a:defRPr sz="2800" b="0" i="0">
-                <a:solidFill>
-                  <a:schemeClr val="tx1">
-                    <a:tint val="75000"/>
-                  </a:schemeClr>
-                </a:solidFill>
-              </a:defRPr>
-            </a:lvl1pPr>
-          </a:lstStyle>
-          <a:p>
             <a:fld id="{D57F1E4F-1CFF-5643-939E-02111984F565}" type="slidenum">
-              <a:rPr lang="en-US" dirty="0"/>
+              <a:rPr lang="en-US" smtClean="0"/>
               <a:t>‹#›</a:t>
             </a:fld>
             <a:endParaRPr lang="en-US" dirty="0"/>
@@ -5883,298 +3307,250 @@
         </p:txBody>
       </p:sp>
     </p:spTree>
+    <p:extLst>
+      <p:ext uri="{BB962C8B-B14F-4D97-AF65-F5344CB8AC3E}">
+        <p14:creationId xmlns:p14="http://schemas.microsoft.com/office/powerpoint/2010/main" val="1759175526"/>
+      </p:ext>
+    </p:extLst>
   </p:cSld>
-  <p:clrMap bg1="dk1" tx1="lt1" bg2="dk2" tx2="lt2" accent1="accent1" accent2="accent2" accent3="accent3" accent4="accent4" accent5="accent5" accent6="accent6" hlink="hlink" folHlink="folHlink"/>
+  <p:clrMap bg1="lt1" tx1="dk1" bg2="lt2" tx2="dk2" accent1="accent1" accent2="accent2" accent3="accent3" accent4="accent4" accent5="accent5" accent6="accent6" hlink="hlink" folHlink="folHlink"/>
   <p:sldLayoutIdLst>
-    <p:sldLayoutId id="2147483649" r:id="rId1"/>
-    <p:sldLayoutId id="2147483650" r:id="rId2"/>
-    <p:sldLayoutId id="2147483651" r:id="rId3"/>
-    <p:sldLayoutId id="2147483652" r:id="rId4"/>
-    <p:sldLayoutId id="2147483653" r:id="rId5"/>
-    <p:sldLayoutId id="2147483654" r:id="rId6"/>
-    <p:sldLayoutId id="2147483655" r:id="rId7"/>
-    <p:sldLayoutId id="2147483656" r:id="rId8"/>
-    <p:sldLayoutId id="2147483668" r:id="rId9"/>
-    <p:sldLayoutId id="2147483667" r:id="rId10"/>
-    <p:sldLayoutId id="2147483661" r:id="rId11"/>
-    <p:sldLayoutId id="2147483664" r:id="rId12"/>
-    <p:sldLayoutId id="2147483662" r:id="rId13"/>
-    <p:sldLayoutId id="2147483669" r:id="rId14"/>
-    <p:sldLayoutId id="2147483670" r:id="rId15"/>
-    <p:sldLayoutId id="2147483658" r:id="rId16"/>
-    <p:sldLayoutId id="2147483659" r:id="rId17"/>
+    <p:sldLayoutId id="2147483672" r:id="rId1"/>
+    <p:sldLayoutId id="2147483673" r:id="rId2"/>
+    <p:sldLayoutId id="2147483674" r:id="rId3"/>
+    <p:sldLayoutId id="2147483675" r:id="rId4"/>
+    <p:sldLayoutId id="2147483676" r:id="rId5"/>
+    <p:sldLayoutId id="2147483677" r:id="rId6"/>
+    <p:sldLayoutId id="2147483678" r:id="rId7"/>
+    <p:sldLayoutId id="2147483679" r:id="rId8"/>
+    <p:sldLayoutId id="2147483680" r:id="rId9"/>
+    <p:sldLayoutId id="2147483681" r:id="rId10"/>
+    <p:sldLayoutId id="2147483682" r:id="rId11"/>
   </p:sldLayoutIdLst>
   <p:hf sldNum="0" hdr="0" ftr="0" dt="0"/>
   <p:txStyles>
     <p:titleStyle>
-      <a:lvl1pPr algn="l" defTabSz="457200" rtl="0" eaLnBrk="1" latinLnBrk="0" hangingPunct="1">
+      <a:lvl1pPr algn="ctr" defTabSz="914400" rtl="0" eaLnBrk="1" latinLnBrk="0" hangingPunct="1">
+        <a:lnSpc>
+          <a:spcPct val="90000"/>
+        </a:lnSpc>
         <a:spcBef>
           <a:spcPct val="0"/>
         </a:spcBef>
         <a:buNone/>
-        <a:defRPr sz="4200" b="0" i="0" kern="1200">
+        <a:defRPr sz="2800" kern="1200" cap="all" spc="200" baseline="0">
           <a:solidFill>
-            <a:schemeClr val="tx2"/>
+            <a:srgbClr val="262626"/>
           </a:solidFill>
           <a:latin typeface="+mj-lt"/>
           <a:ea typeface="+mj-ea"/>
           <a:cs typeface="+mj-cs"/>
         </a:defRPr>
       </a:lvl1pPr>
-      <a:lvl2pPr eaLnBrk="1" hangingPunct="1">
-        <a:defRPr>
-          <a:solidFill>
-            <a:schemeClr val="tx2"/>
-          </a:solidFill>
-        </a:defRPr>
-      </a:lvl2pPr>
-      <a:lvl3pPr eaLnBrk="1" hangingPunct="1">
-        <a:defRPr>
-          <a:solidFill>
-            <a:schemeClr val="tx2"/>
-          </a:solidFill>
-        </a:defRPr>
-      </a:lvl3pPr>
-      <a:lvl4pPr eaLnBrk="1" hangingPunct="1">
-        <a:defRPr>
-          <a:solidFill>
-            <a:schemeClr val="tx2"/>
-          </a:solidFill>
-        </a:defRPr>
-      </a:lvl4pPr>
-      <a:lvl5pPr eaLnBrk="1" hangingPunct="1">
-        <a:defRPr>
-          <a:solidFill>
-            <a:schemeClr val="tx2"/>
-          </a:solidFill>
-        </a:defRPr>
-      </a:lvl5pPr>
-      <a:lvl6pPr eaLnBrk="1" hangingPunct="1">
-        <a:defRPr>
-          <a:solidFill>
-            <a:schemeClr val="tx2"/>
-          </a:solidFill>
-        </a:defRPr>
-      </a:lvl6pPr>
-      <a:lvl7pPr eaLnBrk="1" hangingPunct="1">
-        <a:defRPr>
-          <a:solidFill>
-            <a:schemeClr val="tx2"/>
-          </a:solidFill>
-        </a:defRPr>
-      </a:lvl7pPr>
-      <a:lvl8pPr eaLnBrk="1" hangingPunct="1">
-        <a:defRPr>
-          <a:solidFill>
-            <a:schemeClr val="tx2"/>
-          </a:solidFill>
-        </a:defRPr>
-      </a:lvl8pPr>
-      <a:lvl9pPr eaLnBrk="1" hangingPunct="1">
-        <a:defRPr>
-          <a:solidFill>
-            <a:schemeClr val="tx2"/>
-          </a:solidFill>
-        </a:defRPr>
-      </a:lvl9pPr>
     </p:titleStyle>
     <p:bodyStyle>
-      <a:lvl1pPr marL="342900" indent="-342900" algn="l" defTabSz="457200" rtl="0" eaLnBrk="1" latinLnBrk="0" hangingPunct="1">
+      <a:lvl1pPr marL="228600" indent="-228600" algn="l" defTabSz="914400" rtl="0" eaLnBrk="1" latinLnBrk="0" hangingPunct="1">
+        <a:lnSpc>
+          <a:spcPct val="100000"/>
+        </a:lnSpc>
         <a:spcBef>
           <a:spcPts val="1000"/>
         </a:spcBef>
-        <a:spcAft>
-          <a:spcPts val="0"/>
-        </a:spcAft>
         <a:buClr>
-          <a:schemeClr val="accent1"/>
+          <a:schemeClr val="accent2"/>
         </a:buClr>
-        <a:buSzPct val="80000"/>
-        <a:buFont typeface="Wingdings 3" charset="2"/>
-        <a:buChar char=""/>
-        <a:defRPr sz="2000" b="0" i="0" kern="1200">
+        <a:buFont typeface="Arial" panose="020B0604020202020204" pitchFamily="34" charset="0"/>
+        <a:buChar char="•"/>
+        <a:defRPr sz="1800" kern="1200">
+          <a:solidFill>
+            <a:schemeClr val="tx1">
+              <a:lumMod val="85000"/>
+              <a:lumOff val="15000"/>
+            </a:schemeClr>
+          </a:solidFill>
+          <a:latin typeface="+mn-lt"/>
+          <a:ea typeface="+mn-ea"/>
+          <a:cs typeface="+mn-cs"/>
+        </a:defRPr>
+      </a:lvl1pPr>
+      <a:lvl2pPr marL="457200" indent="-228600" algn="l" defTabSz="914400" rtl="0" eaLnBrk="1" latinLnBrk="0" hangingPunct="1">
+        <a:lnSpc>
+          <a:spcPct val="100000"/>
+        </a:lnSpc>
+        <a:spcBef>
+          <a:spcPts val="1000"/>
+        </a:spcBef>
+        <a:buClr>
+          <a:schemeClr val="accent2"/>
+        </a:buClr>
+        <a:buFont typeface="Arial" panose="020B0604020202020204" pitchFamily="34" charset="0"/>
+        <a:buChar char="•"/>
+        <a:defRPr sz="1600" kern="1200">
+          <a:solidFill>
+            <a:schemeClr val="tx1">
+              <a:lumMod val="85000"/>
+              <a:lumOff val="15000"/>
+            </a:schemeClr>
+          </a:solidFill>
+          <a:latin typeface="+mn-lt"/>
+          <a:ea typeface="+mn-ea"/>
+          <a:cs typeface="+mn-cs"/>
+        </a:defRPr>
+      </a:lvl2pPr>
+      <a:lvl3pPr marL="685800" indent="-228600" algn="l" defTabSz="914400" rtl="0" eaLnBrk="1" latinLnBrk="0" hangingPunct="1">
+        <a:lnSpc>
+          <a:spcPct val="100000"/>
+        </a:lnSpc>
+        <a:spcBef>
+          <a:spcPts val="1000"/>
+        </a:spcBef>
+        <a:buClr>
+          <a:schemeClr val="accent2"/>
+        </a:buClr>
+        <a:buFont typeface="Arial" panose="020B0604020202020204" pitchFamily="34" charset="0"/>
+        <a:buChar char="•"/>
+        <a:defRPr sz="1600" kern="1200">
+          <a:solidFill>
+            <a:schemeClr val="tx1">
+              <a:lumMod val="85000"/>
+              <a:lumOff val="15000"/>
+            </a:schemeClr>
+          </a:solidFill>
+          <a:latin typeface="+mn-lt"/>
+          <a:ea typeface="+mn-ea"/>
+          <a:cs typeface="+mn-cs"/>
+        </a:defRPr>
+      </a:lvl3pPr>
+      <a:lvl4pPr marL="914400" indent="-228600" algn="l" defTabSz="914400" rtl="0" eaLnBrk="1" latinLnBrk="0" hangingPunct="1">
+        <a:lnSpc>
+          <a:spcPct val="100000"/>
+        </a:lnSpc>
+        <a:spcBef>
+          <a:spcPts val="1000"/>
+        </a:spcBef>
+        <a:buClr>
+          <a:schemeClr val="accent2"/>
+        </a:buClr>
+        <a:buFont typeface="Arial" panose="020B0604020202020204" pitchFamily="34" charset="0"/>
+        <a:buChar char="•"/>
+        <a:defRPr sz="1600" kern="1200">
+          <a:solidFill>
+            <a:schemeClr val="tx1">
+              <a:lumMod val="85000"/>
+              <a:lumOff val="15000"/>
+            </a:schemeClr>
+          </a:solidFill>
+          <a:latin typeface="+mn-lt"/>
+          <a:ea typeface="+mn-ea"/>
+          <a:cs typeface="+mn-cs"/>
+        </a:defRPr>
+      </a:lvl4pPr>
+      <a:lvl5pPr marL="1143000" indent="-228600" algn="l" defTabSz="914400" rtl="0" eaLnBrk="1" latinLnBrk="0" hangingPunct="1">
+        <a:lnSpc>
+          <a:spcPct val="100000"/>
+        </a:lnSpc>
+        <a:spcBef>
+          <a:spcPts val="1000"/>
+        </a:spcBef>
+        <a:buClr>
+          <a:schemeClr val="accent2"/>
+        </a:buClr>
+        <a:buFont typeface="Arial" panose="020B0604020202020204" pitchFamily="34" charset="0"/>
+        <a:buChar char="•"/>
+        <a:defRPr sz="1600" kern="1200">
+          <a:solidFill>
+            <a:schemeClr val="tx1">
+              <a:lumMod val="85000"/>
+              <a:lumOff val="15000"/>
+            </a:schemeClr>
+          </a:solidFill>
+          <a:latin typeface="+mn-lt"/>
+          <a:ea typeface="+mn-ea"/>
+          <a:cs typeface="+mn-cs"/>
+        </a:defRPr>
+      </a:lvl5pPr>
+      <a:lvl6pPr marL="1312863" indent="-228600" algn="l" defTabSz="914400" rtl="0" eaLnBrk="1" latinLnBrk="0" hangingPunct="1">
+        <a:lnSpc>
+          <a:spcPct val="100000"/>
+        </a:lnSpc>
+        <a:spcBef>
+          <a:spcPts val="1000"/>
+        </a:spcBef>
+        <a:buClr>
+          <a:schemeClr val="accent2"/>
+        </a:buClr>
+        <a:buFont typeface="Arial" panose="020B0604020202020204" pitchFamily="34" charset="0"/>
+        <a:buChar char="•"/>
+        <a:defRPr sz="1600" kern="1200">
           <a:solidFill>
             <a:schemeClr val="tx1"/>
           </a:solidFill>
-          <a:latin typeface="+mj-lt"/>
-          <a:ea typeface="+mj-ea"/>
-          <a:cs typeface="+mj-cs"/>
+          <a:latin typeface="+mn-lt"/>
+          <a:ea typeface="+mn-ea"/>
+          <a:cs typeface="+mn-cs"/>
         </a:defRPr>
-      </a:lvl1pPr>
-      <a:lvl2pPr marL="742950" indent="-285750" algn="l" defTabSz="457200" rtl="0" eaLnBrk="1" latinLnBrk="0" hangingPunct="1">
+      </a:lvl6pPr>
+      <a:lvl7pPr marL="1484313" indent="-228600" algn="l" defTabSz="914400" rtl="0" eaLnBrk="1" latinLnBrk="0" hangingPunct="1">
+        <a:lnSpc>
+          <a:spcPct val="100000"/>
+        </a:lnSpc>
         <a:spcBef>
           <a:spcPts val="1000"/>
         </a:spcBef>
-        <a:spcAft>
-          <a:spcPts val="0"/>
-        </a:spcAft>
         <a:buClr>
-          <a:schemeClr val="accent1"/>
+          <a:schemeClr val="accent2"/>
         </a:buClr>
-        <a:buSzPct val="80000"/>
-        <a:buFont typeface="Wingdings 3" charset="2"/>
-        <a:buChar char=""/>
-        <a:defRPr sz="1800" b="0" i="0" kern="1200">
+        <a:buFont typeface="Arial" panose="020B0604020202020204" pitchFamily="34" charset="0"/>
+        <a:buChar char="•"/>
+        <a:defRPr sz="1600" kern="1200">
           <a:solidFill>
             <a:schemeClr val="tx1"/>
           </a:solidFill>
-          <a:latin typeface="+mj-lt"/>
-          <a:ea typeface="+mj-ea"/>
-          <a:cs typeface="+mj-cs"/>
+          <a:latin typeface="+mn-lt"/>
+          <a:ea typeface="+mn-ea"/>
+          <a:cs typeface="+mn-cs"/>
         </a:defRPr>
-      </a:lvl2pPr>
-      <a:lvl3pPr marL="1143000" indent="-228600" algn="l" defTabSz="457200" rtl="0" eaLnBrk="1" latinLnBrk="0" hangingPunct="1">
+      </a:lvl7pPr>
+      <a:lvl8pPr marL="1657350" indent="-228600" algn="l" defTabSz="914400" rtl="0" eaLnBrk="1" latinLnBrk="0" hangingPunct="1">
+        <a:lnSpc>
+          <a:spcPct val="100000"/>
+        </a:lnSpc>
         <a:spcBef>
           <a:spcPts val="1000"/>
         </a:spcBef>
-        <a:spcAft>
-          <a:spcPts val="0"/>
-        </a:spcAft>
         <a:buClr>
-          <a:schemeClr val="accent1"/>
+          <a:schemeClr val="accent2"/>
         </a:buClr>
-        <a:buSzPct val="80000"/>
-        <a:buFont typeface="Wingdings 3" charset="2"/>
-        <a:buChar char=""/>
-        <a:defRPr sz="1600" b="0" i="0" kern="1200">
+        <a:buFont typeface="Arial" panose="020B0604020202020204" pitchFamily="34" charset="0"/>
+        <a:buChar char="•"/>
+        <a:defRPr sz="1600" kern="1200" baseline="0">
           <a:solidFill>
             <a:schemeClr val="tx1"/>
           </a:solidFill>
-          <a:latin typeface="+mj-lt"/>
-          <a:ea typeface="+mj-ea"/>
-          <a:cs typeface="+mj-cs"/>
+          <a:latin typeface="+mn-lt"/>
+          <a:ea typeface="+mn-ea"/>
+          <a:cs typeface="+mn-cs"/>
         </a:defRPr>
-      </a:lvl3pPr>
-      <a:lvl4pPr marL="1600200" indent="-228600" algn="l" defTabSz="457200" rtl="0" eaLnBrk="1" latinLnBrk="0" hangingPunct="1">
+      </a:lvl8pPr>
+      <a:lvl9pPr marL="1882775" indent="-228600" algn="l" defTabSz="914400" rtl="0" eaLnBrk="1" latinLnBrk="0" hangingPunct="1">
+        <a:lnSpc>
+          <a:spcPct val="100000"/>
+        </a:lnSpc>
         <a:spcBef>
           <a:spcPts val="1000"/>
         </a:spcBef>
-        <a:spcAft>
-          <a:spcPts val="0"/>
-        </a:spcAft>
         <a:buClr>
-          <a:schemeClr val="accent1"/>
+          <a:schemeClr val="accent2"/>
         </a:buClr>
-        <a:buSzPct val="80000"/>
-        <a:buFont typeface="Wingdings 3" charset="2"/>
-        <a:buChar char=""/>
-        <a:defRPr sz="1400" b="0" i="0" kern="1200">
+        <a:buFont typeface="Arial" panose="020B0604020202020204" pitchFamily="34" charset="0"/>
+        <a:buChar char="•"/>
+        <a:defRPr sz="1600" kern="1200" baseline="0">
           <a:solidFill>
             <a:schemeClr val="tx1"/>
           </a:solidFill>
-          <a:latin typeface="+mj-lt"/>
-          <a:ea typeface="+mj-ea"/>
-          <a:cs typeface="+mj-cs"/>
-        </a:defRPr>
-      </a:lvl4pPr>
-      <a:lvl5pPr marL="2057400" indent="-228600" algn="l" defTabSz="457200" rtl="0" eaLnBrk="1" latinLnBrk="0" hangingPunct="1">
-        <a:spcBef>
-          <a:spcPts val="1000"/>
-        </a:spcBef>
-        <a:spcAft>
-          <a:spcPts val="0"/>
-        </a:spcAft>
-        <a:buClr>
-          <a:schemeClr val="accent1"/>
-        </a:buClr>
-        <a:buSzPct val="80000"/>
-        <a:buFont typeface="Wingdings 3" charset="2"/>
-        <a:buChar char=""/>
-        <a:defRPr sz="1400" b="0" i="0" kern="1200">
-          <a:solidFill>
-            <a:schemeClr val="tx1"/>
-          </a:solidFill>
-          <a:latin typeface="+mj-lt"/>
-          <a:ea typeface="+mj-ea"/>
-          <a:cs typeface="+mj-cs"/>
-        </a:defRPr>
-      </a:lvl5pPr>
-      <a:lvl6pPr marL="2514600" indent="-228600" algn="l" defTabSz="457200" rtl="0" eaLnBrk="1" latinLnBrk="0" hangingPunct="1">
-        <a:spcBef>
-          <a:spcPts val="1000"/>
-        </a:spcBef>
-        <a:spcAft>
-          <a:spcPts val="0"/>
-        </a:spcAft>
-        <a:buClr>
-          <a:schemeClr val="accent1"/>
-        </a:buClr>
-        <a:buSzPct val="80000"/>
-        <a:buFont typeface="Wingdings 3" charset="2"/>
-        <a:buChar char=""/>
-        <a:defRPr sz="1400" b="0" i="0" kern="1200">
-          <a:solidFill>
-            <a:schemeClr val="tx1"/>
-          </a:solidFill>
-          <a:latin typeface="+mj-lt"/>
-          <a:ea typeface="+mj-ea"/>
-          <a:cs typeface="+mj-cs"/>
-        </a:defRPr>
-      </a:lvl6pPr>
-      <a:lvl7pPr marL="2971800" indent="-228600" algn="l" defTabSz="457200" rtl="0" eaLnBrk="1" latinLnBrk="0" hangingPunct="1">
-        <a:spcBef>
-          <a:spcPts val="1000"/>
-        </a:spcBef>
-        <a:spcAft>
-          <a:spcPts val="0"/>
-        </a:spcAft>
-        <a:buClr>
-          <a:schemeClr val="accent1"/>
-        </a:buClr>
-        <a:buSzPct val="80000"/>
-        <a:buFont typeface="Wingdings 3" charset="2"/>
-        <a:buChar char=""/>
-        <a:defRPr sz="1400" b="0" i="0" kern="1200">
-          <a:solidFill>
-            <a:schemeClr val="tx1"/>
-          </a:solidFill>
-          <a:latin typeface="+mj-lt"/>
-          <a:ea typeface="+mj-ea"/>
-          <a:cs typeface="+mj-cs"/>
-        </a:defRPr>
-      </a:lvl7pPr>
-      <a:lvl8pPr marL="3429000" indent="-228600" algn="l" defTabSz="457200" rtl="0" eaLnBrk="1" latinLnBrk="0" hangingPunct="1">
-        <a:spcBef>
-          <a:spcPts val="1000"/>
-        </a:spcBef>
-        <a:spcAft>
-          <a:spcPts val="0"/>
-        </a:spcAft>
-        <a:buClr>
-          <a:schemeClr val="accent1"/>
-        </a:buClr>
-        <a:buSzPct val="80000"/>
-        <a:buFont typeface="Wingdings 3" charset="2"/>
-        <a:buChar char=""/>
-        <a:defRPr sz="1400" b="0" i="0" kern="1200">
-          <a:solidFill>
-            <a:schemeClr val="tx1"/>
-          </a:solidFill>
-          <a:latin typeface="+mj-lt"/>
-          <a:ea typeface="+mj-ea"/>
-          <a:cs typeface="+mj-cs"/>
-        </a:defRPr>
-      </a:lvl8pPr>
-      <a:lvl9pPr marL="3886200" indent="-228600" algn="l" defTabSz="457200" rtl="0" eaLnBrk="1" latinLnBrk="0" hangingPunct="1">
-        <a:spcBef>
-          <a:spcPts val="1000"/>
-        </a:spcBef>
-        <a:spcAft>
-          <a:spcPts val="0"/>
-        </a:spcAft>
-        <a:buClr>
-          <a:schemeClr val="accent1"/>
-        </a:buClr>
-        <a:buSzPct val="80000"/>
-        <a:buFont typeface="Wingdings 3" charset="2"/>
-        <a:buChar char=""/>
-        <a:defRPr sz="1400" b="0" i="0" kern="1200">
-          <a:solidFill>
-            <a:schemeClr val="tx1"/>
-          </a:solidFill>
-          <a:latin typeface="+mj-lt"/>
-          <a:ea typeface="+mj-ea"/>
-          <a:cs typeface="+mj-cs"/>
+          <a:latin typeface="+mn-lt"/>
+          <a:ea typeface="+mn-ea"/>
+          <a:cs typeface="+mn-cs"/>
         </a:defRPr>
       </a:lvl9pPr>
     </p:bodyStyle>
@@ -6182,7 +3558,7 @@
       <a:defPPr>
         <a:defRPr lang="en-US"/>
       </a:defPPr>
-      <a:lvl1pPr marL="0" algn="l" defTabSz="457200" rtl="0" eaLnBrk="1" latinLnBrk="0" hangingPunct="1">
+      <a:lvl1pPr marL="0" algn="l" defTabSz="914400" rtl="0" eaLnBrk="1" latinLnBrk="0" hangingPunct="1">
         <a:defRPr sz="1800" kern="1200">
           <a:solidFill>
             <a:schemeClr val="tx1"/>
@@ -6192,7 +3568,7 @@
           <a:cs typeface="+mn-cs"/>
         </a:defRPr>
       </a:lvl1pPr>
-      <a:lvl2pPr marL="457200" algn="l" defTabSz="457200" rtl="0" eaLnBrk="1" latinLnBrk="0" hangingPunct="1">
+      <a:lvl2pPr marL="457200" algn="l" defTabSz="914400" rtl="0" eaLnBrk="1" latinLnBrk="0" hangingPunct="1">
         <a:defRPr sz="1800" kern="1200">
           <a:solidFill>
             <a:schemeClr val="tx1"/>
@@ -6202,7 +3578,7 @@
           <a:cs typeface="+mn-cs"/>
         </a:defRPr>
       </a:lvl2pPr>
-      <a:lvl3pPr marL="914400" algn="l" defTabSz="457200" rtl="0" eaLnBrk="1" latinLnBrk="0" hangingPunct="1">
+      <a:lvl3pPr marL="914400" algn="l" defTabSz="914400" rtl="0" eaLnBrk="1" latinLnBrk="0" hangingPunct="1">
         <a:defRPr sz="1800" kern="1200">
           <a:solidFill>
             <a:schemeClr val="tx1"/>
@@ -6212,7 +3588,7 @@
           <a:cs typeface="+mn-cs"/>
         </a:defRPr>
       </a:lvl3pPr>
-      <a:lvl4pPr marL="1371600" algn="l" defTabSz="457200" rtl="0" eaLnBrk="1" latinLnBrk="0" hangingPunct="1">
+      <a:lvl4pPr marL="1371600" algn="l" defTabSz="914400" rtl="0" eaLnBrk="1" latinLnBrk="0" hangingPunct="1">
         <a:defRPr sz="1800" kern="1200">
           <a:solidFill>
             <a:schemeClr val="tx1"/>
@@ -6222,7 +3598,7 @@
           <a:cs typeface="+mn-cs"/>
         </a:defRPr>
       </a:lvl4pPr>
-      <a:lvl5pPr marL="1828800" algn="l" defTabSz="457200" rtl="0" eaLnBrk="1" latinLnBrk="0" hangingPunct="1">
+      <a:lvl5pPr marL="1828800" algn="l" defTabSz="914400" rtl="0" eaLnBrk="1" latinLnBrk="0" hangingPunct="1">
         <a:defRPr sz="1800" kern="1200">
           <a:solidFill>
             <a:schemeClr val="tx1"/>
@@ -6232,7 +3608,7 @@
           <a:cs typeface="+mn-cs"/>
         </a:defRPr>
       </a:lvl5pPr>
-      <a:lvl6pPr marL="2286000" algn="l" defTabSz="457200" rtl="0" eaLnBrk="1" latinLnBrk="0" hangingPunct="1">
+      <a:lvl6pPr marL="2286000" algn="l" defTabSz="914400" rtl="0" eaLnBrk="1" latinLnBrk="0" hangingPunct="1">
         <a:defRPr sz="1800" kern="1200">
           <a:solidFill>
             <a:schemeClr val="tx1"/>
@@ -6242,7 +3618,7 @@
           <a:cs typeface="+mn-cs"/>
         </a:defRPr>
       </a:lvl6pPr>
-      <a:lvl7pPr marL="2743200" algn="l" defTabSz="457200" rtl="0" eaLnBrk="1" latinLnBrk="0" hangingPunct="1">
+      <a:lvl7pPr marL="2743200" algn="l" defTabSz="914400" rtl="0" eaLnBrk="1" latinLnBrk="0" hangingPunct="1">
         <a:defRPr sz="1800" kern="1200">
           <a:solidFill>
             <a:schemeClr val="tx1"/>
@@ -6252,7 +3628,7 @@
           <a:cs typeface="+mn-cs"/>
         </a:defRPr>
       </a:lvl7pPr>
-      <a:lvl8pPr marL="3200400" algn="l" defTabSz="457200" rtl="0" eaLnBrk="1" latinLnBrk="0" hangingPunct="1">
+      <a:lvl8pPr marL="3200400" algn="l" defTabSz="914400" rtl="0" eaLnBrk="1" latinLnBrk="0" hangingPunct="1">
         <a:defRPr sz="1800" kern="1200">
           <a:solidFill>
             <a:schemeClr val="tx1"/>
@@ -6262,7 +3638,7 @@
           <a:cs typeface="+mn-cs"/>
         </a:defRPr>
       </a:lvl8pPr>
-      <a:lvl9pPr marL="3657600" algn="l" defTabSz="457200" rtl="0" eaLnBrk="1" latinLnBrk="0" hangingPunct="1">
+      <a:lvl9pPr marL="3657600" algn="l" defTabSz="914400" rtl="0" eaLnBrk="1" latinLnBrk="0" hangingPunct="1">
         <a:defRPr sz="1800" kern="1200">
           <a:solidFill>
             <a:schemeClr val="tx1"/>
@@ -6306,8 +3682,8 @@
         </p:nvSpPr>
         <p:spPr>
           <a:xfrm>
-            <a:off x="646111" y="452717"/>
-            <a:ext cx="10535695" cy="4589545"/>
+            <a:off x="646111" y="415647"/>
+            <a:ext cx="10535695" cy="5873942"/>
           </a:xfrm>
         </p:spPr>
         <p:txBody>
@@ -6417,7 +3793,7 @@
             <a:pPr algn="ctr"/>
             <a:r>
               <a:rPr lang="en-US" sz="3600" b="1" dirty="0" smtClean="0"/>
-              <a:t>Section 02 Group 08</a:t>
+              <a:t>Section: 02 Group: 08</a:t>
             </a:r>
             <a:endParaRPr lang="en-US" sz="3600" b="1" dirty="0"/>
           </a:p>
@@ -6463,7 +3839,12 @@
             <p:ph type="title"/>
           </p:nvPr>
         </p:nvSpPr>
-        <p:spPr/>
+        <p:spPr>
+          <a:xfrm>
+            <a:off x="2231135" y="964813"/>
+            <a:ext cx="7729728" cy="1188720"/>
+          </a:xfrm>
+        </p:spPr>
         <p:txBody>
           <a:bodyPr/>
           <a:lstStyle/>
@@ -6486,51 +3867,13 @@
       </p:sp>
       <p:sp>
         <p:nvSpPr>
-          <p:cNvPr id="3" name="Rectangle 2"/>
-          <p:cNvSpPr/>
-          <p:nvPr/>
-        </p:nvSpPr>
-        <p:spPr>
-          <a:xfrm>
-            <a:off x="1227908" y="1724298"/>
-            <a:ext cx="9718765" cy="2952206"/>
-          </a:xfrm>
-          <a:prstGeom prst="rect">
-            <a:avLst/>
-          </a:prstGeom>
-        </p:spPr>
-        <p:style>
-          <a:lnRef idx="3">
-            <a:schemeClr val="lt1"/>
-          </a:lnRef>
-          <a:fillRef idx="1">
-            <a:schemeClr val="dk1"/>
-          </a:fillRef>
-          <a:effectRef idx="1">
-            <a:schemeClr val="dk1"/>
-          </a:effectRef>
-          <a:fontRef idx="minor">
-            <a:schemeClr val="lt1"/>
-          </a:fontRef>
-        </p:style>
-        <p:txBody>
-          <a:bodyPr rtlCol="0" anchor="ctr"/>
-          <a:lstStyle/>
-          <a:p>
-            <a:pPr algn="ctr"/>
-            <a:endParaRPr lang="en-US" dirty="0"/>
-          </a:p>
-        </p:txBody>
-      </p:sp>
-      <p:sp>
-        <p:nvSpPr>
           <p:cNvPr id="5" name="TextBox 4"/>
           <p:cNvSpPr txBox="1"/>
           <p:nvPr/>
         </p:nvSpPr>
         <p:spPr>
           <a:xfrm flipH="1">
-            <a:off x="2318238" y="2170389"/>
+            <a:off x="2562609" y="2807468"/>
             <a:ext cx="7889966" cy="707886"/>
           </a:xfrm>
           <a:prstGeom prst="rect">
@@ -6564,7 +3907,7 @@
         </p:nvSpPr>
         <p:spPr>
           <a:xfrm flipH="1">
-            <a:off x="2318238" y="3698255"/>
+            <a:off x="2822101" y="4556444"/>
             <a:ext cx="1692059" cy="400110"/>
           </a:xfrm>
           <a:prstGeom prst="rect">
@@ -6594,7 +3937,7 @@
         </p:nvSpPr>
         <p:spPr>
           <a:xfrm flipH="1">
-            <a:off x="6385653" y="3696965"/>
+            <a:off x="7164128" y="4556444"/>
             <a:ext cx="1182190" cy="400110"/>
           </a:xfrm>
           <a:prstGeom prst="rect">
@@ -6624,7 +3967,7 @@
         </p:nvSpPr>
         <p:spPr>
           <a:xfrm>
-            <a:off x="2845755" y="2865085"/>
+            <a:off x="3164266" y="3703023"/>
             <a:ext cx="637024" cy="652562"/>
           </a:xfrm>
           <a:prstGeom prst="downArrow">
@@ -6664,7 +4007,7 @@
         </p:nvSpPr>
         <p:spPr>
           <a:xfrm>
-            <a:off x="6738769" y="2878275"/>
+            <a:off x="7344250" y="3716213"/>
             <a:ext cx="628682" cy="639372"/>
           </a:xfrm>
           <a:prstGeom prst="downArrow">
@@ -6721,12 +4064,80 @@
             <a:r>
               <a:rPr lang="en-US" sz="1500" dirty="0" smtClean="0">
                 <a:solidFill>
+                  <a:srgbClr val="0070C0"/>
+                </a:solidFill>
+              </a:rPr>
+              <a:t>Alekhya</a:t>
+            </a:r>
+            <a:r>
+              <a:rPr lang="en-US" sz="1500" dirty="0" smtClean="0">
+                <a:solidFill>
                   <a:srgbClr val="FFC000"/>
                 </a:solidFill>
               </a:rPr>
-              <a:t>Alekhya Jaddu</a:t>
-            </a:r>
-            <a:endParaRPr lang="en-US" sz="1500" dirty="0"/>
+              <a:t> </a:t>
+            </a:r>
+            <a:r>
+              <a:rPr lang="en-US" sz="1500" dirty="0" smtClean="0">
+                <a:solidFill>
+                  <a:srgbClr val="0070C0"/>
+                </a:solidFill>
+              </a:rPr>
+              <a:t>Jaddu</a:t>
+            </a:r>
+            <a:endParaRPr lang="en-US" sz="1500" dirty="0">
+              <a:solidFill>
+                <a:srgbClr val="0070C0"/>
+              </a:solidFill>
+            </a:endParaRPr>
+          </a:p>
+        </p:txBody>
+      </p:sp>
+      <p:sp>
+        <p:nvSpPr>
+          <p:cNvPr id="4" name="Rectangle 3"/>
+          <p:cNvSpPr/>
+          <p:nvPr/>
+        </p:nvSpPr>
+        <p:spPr>
+          <a:xfrm>
+            <a:off x="2123302" y="2680496"/>
+            <a:ext cx="7945395" cy="2760107"/>
+          </a:xfrm>
+          <a:prstGeom prst="rect">
+            <a:avLst/>
+          </a:prstGeom>
+          <a:noFill/>
+          <a:ln w="9525" cap="flat" cmpd="sng" algn="ctr">
+            <a:solidFill>
+              <a:schemeClr val="dk1"/>
+            </a:solidFill>
+            <a:prstDash val="solid"/>
+            <a:round/>
+            <a:headEnd type="none" w="med" len="med"/>
+            <a:tailEnd type="none" w="med" len="med"/>
+          </a:ln>
+        </p:spPr>
+        <p:style>
+          <a:lnRef idx="0">
+            <a:scrgbClr r="0" g="0" b="0"/>
+          </a:lnRef>
+          <a:fillRef idx="0">
+            <a:scrgbClr r="0" g="0" b="0"/>
+          </a:fillRef>
+          <a:effectRef idx="0">
+            <a:scrgbClr r="0" g="0" b="0"/>
+          </a:effectRef>
+          <a:fontRef idx="minor">
+            <a:schemeClr val="dk1"/>
+          </a:fontRef>
+        </p:style>
+        <p:txBody>
+          <a:bodyPr rtlCol="0" anchor="ctr"/>
+          <a:lstStyle/>
+          <a:p>
+            <a:pPr algn="ctr"/>
+            <a:endParaRPr lang="en-US"/>
           </a:p>
         </p:txBody>
       </p:sp>
@@ -6781,7 +4192,15 @@
                   <a:srgbClr val="0070C0"/>
                 </a:solidFill>
               </a:rPr>
-              <a:t>How it works ?</a:t>
+              <a:t>How </a:t>
+            </a:r>
+            <a:r>
+              <a:rPr lang="en-US" dirty="0" smtClean="0">
+                <a:solidFill>
+                  <a:srgbClr val="0070C0"/>
+                </a:solidFill>
+              </a:rPr>
+              <a:t>does it work?</a:t>
             </a:r>
             <a:endParaRPr lang="en-US" dirty="0">
               <a:solidFill>
@@ -6840,8 +4259,8 @@
         </p:blipFill>
         <p:spPr>
           <a:xfrm>
-            <a:off x="548891" y="1410790"/>
-            <a:ext cx="11233805" cy="4837610"/>
+            <a:off x="1681056" y="2449504"/>
+            <a:ext cx="8829887" cy="3802412"/>
           </a:xfrm>
           <a:prstGeom prst="rect">
             <a:avLst/>
@@ -6873,14 +4292,30 @@
             <a:r>
               <a:rPr lang="en-US" sz="1500" dirty="0" smtClean="0">
                 <a:solidFill>
+                  <a:srgbClr val="0070C0"/>
+                </a:solidFill>
+              </a:rPr>
+              <a:t>Annie</a:t>
+            </a:r>
+            <a:r>
+              <a:rPr lang="en-US" sz="1500" dirty="0" smtClean="0">
+                <a:solidFill>
                   <a:srgbClr val="FFC000"/>
                 </a:solidFill>
               </a:rPr>
-              <a:t>Annie Chandolu</a:t>
+              <a:t> </a:t>
+            </a:r>
+            <a:r>
+              <a:rPr lang="en-US" sz="1500" dirty="0" smtClean="0">
+                <a:solidFill>
+                  <a:srgbClr val="0070C0"/>
+                </a:solidFill>
+              </a:rPr>
+              <a:t>Chandolu</a:t>
             </a:r>
             <a:endParaRPr lang="en-US" sz="1500" dirty="0">
               <a:solidFill>
-                <a:srgbClr val="FFC000"/>
+                <a:srgbClr val="0070C0"/>
               </a:solidFill>
             </a:endParaRPr>
           </a:p>
@@ -6959,75 +4394,74 @@
         </p:nvSpPr>
         <p:spPr/>
         <p:txBody>
-          <a:bodyPr/>
-          <a:lstStyle/>
-          <a:p>
-            <a:r>
-              <a:rPr lang="en-US" b="1" dirty="0"/>
+          <a:bodyPr>
+            <a:normAutofit/>
+          </a:bodyPr>
+          <a:lstStyle/>
+          <a:p>
+            <a:r>
+              <a:rPr lang="en-US" sz="2000" b="1" dirty="0"/>
               <a:t>AWS Lambda</a:t>
             </a:r>
             <a:r>
-              <a:rPr lang="en-US" dirty="0"/>
+              <a:rPr lang="en-US" sz="2000" dirty="0"/>
               <a:t> is an event-driven, </a:t>
             </a:r>
             <a:r>
-              <a:rPr lang="en-US" dirty="0" smtClean="0"/>
+              <a:rPr lang="en-US" sz="2000" dirty="0" smtClean="0"/>
               <a:t>server-less </a:t>
             </a:r>
             <a:r>
-              <a:rPr lang="en-US" dirty="0"/>
+              <a:rPr lang="en-US" sz="2000" dirty="0"/>
               <a:t>computing platform provided by </a:t>
             </a:r>
             <a:r>
-              <a:rPr lang="en-US" dirty="0" smtClean="0"/>
+              <a:rPr lang="en-US" sz="2000" dirty="0" smtClean="0"/>
               <a:t>Amazon</a:t>
             </a:r>
             <a:r>
-              <a:rPr lang="en-US" dirty="0"/>
+              <a:rPr lang="en-US" sz="2000" dirty="0"/>
               <a:t> as a part of Amazon Web Services</a:t>
             </a:r>
             <a:r>
-              <a:rPr lang="en-US" dirty="0" smtClean="0"/>
+              <a:rPr lang="en-US" sz="2000" dirty="0" smtClean="0"/>
               <a:t>.</a:t>
             </a:r>
           </a:p>
           <a:p>
             <a:r>
-              <a:rPr lang="en-US" dirty="0"/>
+              <a:rPr lang="en-US" sz="2000" dirty="0"/>
               <a:t>The purpose of Lambda</a:t>
             </a:r>
             <a:r>
-              <a:rPr lang="en-US" dirty="0" smtClean="0"/>
+              <a:rPr lang="en-US" sz="2000" dirty="0" smtClean="0"/>
               <a:t>, </a:t>
             </a:r>
             <a:r>
-              <a:rPr lang="en-US" dirty="0"/>
+              <a:rPr lang="en-US" sz="2000" dirty="0"/>
               <a:t>is to simplify building smaller, on-demand applications that are responsive to events and new information. </a:t>
             </a:r>
-            <a:endParaRPr lang="en-US" dirty="0" smtClean="0"/>
-          </a:p>
-          <a:p>
-            <a:r>
-              <a:rPr lang="en-US" dirty="0"/>
+            <a:endParaRPr lang="en-US" sz="2000" dirty="0" smtClean="0"/>
+          </a:p>
+          <a:p>
+            <a:r>
+              <a:rPr lang="en-US" sz="2000" dirty="0"/>
               <a:t> AWS Lambda can also be used to automatically provision back-end services triggered by custom HTTP </a:t>
             </a:r>
             <a:r>
-              <a:rPr lang="en-US" dirty="0" smtClean="0"/>
+              <a:rPr lang="en-US" sz="2000" dirty="0" smtClean="0"/>
               <a:t>requests.</a:t>
             </a:r>
           </a:p>
           <a:p>
             <a:r>
-              <a:rPr lang="en-US" dirty="0"/>
-              <a:t>AWS Lambda supports code written in several languages, including Node.js, Java, and Python.</a:t>
-            </a:r>
-            <a:endParaRPr lang="en-US" dirty="0" smtClean="0"/>
-          </a:p>
-          <a:p>
-            <a:pPr marL="0" indent="0">
-              <a:buNone/>
-            </a:pPr>
-            <a:endParaRPr lang="en-US" dirty="0"/>
+              <a:rPr lang="en-US" sz="2000" dirty="0"/>
+              <a:t>AWS Lambda supports code written in several languages, including Node.js, Java, and Python</a:t>
+            </a:r>
+            <a:r>
+              <a:rPr lang="en-US" sz="2000" dirty="0" smtClean="0"/>
+              <a:t>.</a:t>
+            </a:r>
           </a:p>
         </p:txBody>
       </p:sp>
@@ -7056,12 +4490,32 @@
             <a:r>
               <a:rPr lang="en-US" sz="1500" dirty="0" smtClean="0">
                 <a:solidFill>
+                  <a:srgbClr val="0070C0"/>
+                </a:solidFill>
+              </a:rPr>
+              <a:t>Annie</a:t>
+            </a:r>
+            <a:r>
+              <a:rPr lang="en-US" sz="1500" dirty="0" smtClean="0">
+                <a:solidFill>
                   <a:srgbClr val="FFC000"/>
                 </a:solidFill>
               </a:rPr>
-              <a:t>Annie Chandolu</a:t>
-            </a:r>
-            <a:endParaRPr lang="en-US" sz="1500" dirty="0"/>
+              <a:t> </a:t>
+            </a:r>
+            <a:r>
+              <a:rPr lang="en-US" sz="1500" dirty="0" smtClean="0">
+                <a:solidFill>
+                  <a:srgbClr val="0070C0"/>
+                </a:solidFill>
+              </a:rPr>
+              <a:t>Chandolu</a:t>
+            </a:r>
+            <a:endParaRPr lang="en-US" sz="1500" dirty="0">
+              <a:solidFill>
+                <a:srgbClr val="0070C0"/>
+              </a:solidFill>
+            </a:endParaRPr>
           </a:p>
         </p:txBody>
       </p:sp>
@@ -7138,61 +4592,63 @@
         </p:nvSpPr>
         <p:spPr>
           <a:xfrm>
-            <a:off x="757646" y="1528354"/>
-            <a:ext cx="9292207" cy="4720045"/>
-          </a:xfrm>
-        </p:spPr>
-        <p:txBody>
-          <a:bodyPr/>
-          <a:lstStyle/>
-          <a:p>
-            <a:r>
-              <a:rPr lang="en-US" dirty="0" smtClean="0"/>
+            <a:off x="1449624" y="2714603"/>
+            <a:ext cx="9292207" cy="3130143"/>
+          </a:xfrm>
+        </p:spPr>
+        <p:txBody>
+          <a:bodyPr>
+            <a:normAutofit/>
+          </a:bodyPr>
+          <a:lstStyle/>
+          <a:p>
+            <a:r>
+              <a:rPr lang="en-US" sz="2000" dirty="0" smtClean="0"/>
               <a:t>Endpoint </a:t>
             </a:r>
             <a:r>
-              <a:rPr lang="en-US" dirty="0"/>
+              <a:rPr lang="en-US" sz="2000" dirty="0"/>
               <a:t>links the intents and utterances that you have set up in the Amazon Developer console to the lambda function which will control how your skill responds to that intent from the user</a:t>
             </a:r>
             <a:r>
-              <a:rPr lang="en-US" dirty="0" smtClean="0"/>
+              <a:rPr lang="en-US" sz="2000" dirty="0" smtClean="0"/>
               <a:t>.</a:t>
             </a:r>
           </a:p>
           <a:p>
             <a:r>
-              <a:rPr lang="en-US" dirty="0"/>
+              <a:rPr lang="en-US" sz="2000" dirty="0"/>
               <a:t>At the top of the page you will now have an ARN </a:t>
             </a:r>
             <a:r>
-              <a:rPr lang="en-US" dirty="0" smtClean="0"/>
+              <a:rPr lang="en-US" sz="2000" dirty="0" smtClean="0"/>
               <a:t>(Application Reference Number). </a:t>
             </a:r>
             <a:r>
-              <a:rPr lang="en-US" dirty="0"/>
+              <a:rPr lang="en-US" sz="2000" dirty="0"/>
               <a:t>Copy this </a:t>
             </a:r>
             <a:r>
-              <a:rPr lang="en-US" dirty="0" smtClean="0"/>
+              <a:rPr lang="en-US" sz="2000" dirty="0" smtClean="0"/>
               <a:t>ARN.</a:t>
             </a:r>
           </a:p>
           <a:p>
             <a:r>
-              <a:rPr lang="en-US" dirty="0"/>
+              <a:rPr lang="en-US" sz="2000" dirty="0"/>
               <a:t>Head back to the Alexa Developer Console. Under the Endpoints menu, paste in the ARN next to Default region</a:t>
             </a:r>
             <a:r>
-              <a:rPr lang="en-US" dirty="0" smtClean="0"/>
+              <a:rPr lang="en-US" sz="2000" dirty="0" smtClean="0"/>
               <a:t>.</a:t>
             </a:r>
           </a:p>
           <a:p>
             <a:r>
-              <a:rPr lang="en-US" dirty="0" smtClean="0"/>
+              <a:rPr lang="en-US" sz="2000" dirty="0" smtClean="0"/>
               <a:t>Save endpoints.</a:t>
             </a:r>
-            <a:endParaRPr lang="en-US" dirty="0"/>
+            <a:endParaRPr lang="en-US" sz="2000" dirty="0"/>
           </a:p>
         </p:txBody>
       </p:sp>
@@ -7221,12 +4677,32 @@
             <a:r>
               <a:rPr lang="en-US" sz="1500" dirty="0" smtClean="0">
                 <a:solidFill>
+                  <a:srgbClr val="0070C0"/>
+                </a:solidFill>
+              </a:rPr>
+              <a:t>Annie</a:t>
+            </a:r>
+            <a:r>
+              <a:rPr lang="en-US" sz="1500" dirty="0" smtClean="0">
+                <a:solidFill>
                   <a:srgbClr val="FFC000"/>
                 </a:solidFill>
               </a:rPr>
-              <a:t>Annie Chandolu</a:t>
-            </a:r>
-            <a:endParaRPr lang="en-US" sz="1500" dirty="0"/>
+              <a:t> </a:t>
+            </a:r>
+            <a:r>
+              <a:rPr lang="en-US" sz="1500" dirty="0" smtClean="0">
+                <a:solidFill>
+                  <a:srgbClr val="0070C0"/>
+                </a:solidFill>
+              </a:rPr>
+              <a:t>Chandolu</a:t>
+            </a:r>
+            <a:endParaRPr lang="en-US" sz="1500" dirty="0">
+              <a:solidFill>
+                <a:srgbClr val="0070C0"/>
+              </a:solidFill>
+            </a:endParaRPr>
           </a:p>
         </p:txBody>
       </p:sp>
@@ -7303,69 +4779,71 @@
         </p:nvSpPr>
         <p:spPr/>
         <p:txBody>
-          <a:bodyPr/>
-          <a:lstStyle/>
-          <a:p>
-            <a:r>
-              <a:rPr lang="en-US" dirty="0" smtClean="0"/>
+          <a:bodyPr>
+            <a:normAutofit/>
+          </a:bodyPr>
+          <a:lstStyle/>
+          <a:p>
+            <a:r>
+              <a:rPr lang="en-US" sz="2000" dirty="0" smtClean="0"/>
               <a:t>After connecting,</a:t>
             </a:r>
             <a:r>
-              <a:rPr lang="en-US" dirty="0"/>
+              <a:rPr lang="en-US" sz="2000" dirty="0"/>
               <a:t> Alexa skill to a Lambda </a:t>
             </a:r>
             <a:r>
-              <a:rPr lang="en-US" dirty="0" smtClean="0"/>
+              <a:rPr lang="en-US" sz="2000" dirty="0" smtClean="0"/>
               <a:t>function, Lambda executes </a:t>
             </a:r>
             <a:r>
-              <a:rPr lang="en-US" dirty="0"/>
+              <a:rPr lang="en-US" sz="2000" dirty="0"/>
               <a:t>it in response to Alexa voice </a:t>
             </a:r>
             <a:r>
-              <a:rPr lang="en-US" dirty="0" smtClean="0"/>
+              <a:rPr lang="en-US" sz="2000" dirty="0" smtClean="0"/>
               <a:t>interactions.</a:t>
             </a:r>
           </a:p>
           <a:p>
             <a:r>
-              <a:rPr lang="en-US" dirty="0"/>
+              <a:rPr lang="en-US" sz="2000" dirty="0"/>
               <a:t>Alexa communicates with your service via a request-response mechanism </a:t>
             </a:r>
             <a:r>
-              <a:rPr lang="en-US" dirty="0" smtClean="0"/>
+              <a:rPr lang="en-US" sz="2000" dirty="0" smtClean="0"/>
               <a:t>using HTTP over TLS. </a:t>
             </a:r>
-            <a:endParaRPr lang="en-US" dirty="0"/>
-          </a:p>
-          <a:p>
-            <a:r>
-              <a:rPr lang="en-US" dirty="0" smtClean="0"/>
+            <a:endParaRPr lang="en-US" sz="2000" dirty="0"/>
+          </a:p>
+          <a:p>
+            <a:r>
+              <a:rPr lang="en-US" sz="2000" dirty="0" smtClean="0"/>
               <a:t>When </a:t>
             </a:r>
             <a:r>
-              <a:rPr lang="en-US" dirty="0"/>
+              <a:rPr lang="en-US" sz="2000" dirty="0"/>
               <a:t>a user interacts with an Alexa skill, your service receives a request containing a JSON </a:t>
             </a:r>
             <a:r>
-              <a:rPr lang="en-US" dirty="0" smtClean="0"/>
+              <a:rPr lang="en-US" sz="2000" dirty="0" smtClean="0"/>
               <a:t>body.</a:t>
             </a:r>
           </a:p>
           <a:p>
             <a:r>
-              <a:rPr lang="en-US" dirty="0" smtClean="0"/>
+              <a:rPr lang="en-US" sz="2000" dirty="0" smtClean="0"/>
               <a:t> </a:t>
             </a:r>
             <a:r>
-              <a:rPr lang="en-US" dirty="0"/>
+              <a:rPr lang="en-US" sz="2000" dirty="0"/>
               <a:t>The request body contains the parameters necessary for the service to perform its logic and generate a JSON-formatted </a:t>
             </a:r>
             <a:r>
-              <a:rPr lang="en-US" dirty="0" smtClean="0"/>
+              <a:rPr lang="en-US" sz="2000" dirty="0" smtClean="0"/>
               <a:t>response.</a:t>
             </a:r>
-            <a:endParaRPr lang="en-US" dirty="0"/>
+            <a:endParaRPr lang="en-US" sz="2000" dirty="0"/>
           </a:p>
         </p:txBody>
       </p:sp>
@@ -7394,12 +4872,32 @@
             <a:r>
               <a:rPr lang="en-US" sz="1500" dirty="0" smtClean="0">
                 <a:solidFill>
+                  <a:srgbClr val="0070C0"/>
+                </a:solidFill>
+              </a:rPr>
+              <a:t>Annie</a:t>
+            </a:r>
+            <a:r>
+              <a:rPr lang="en-US" sz="1500" dirty="0" smtClean="0">
+                <a:solidFill>
                   <a:srgbClr val="FFC000"/>
                 </a:solidFill>
               </a:rPr>
-              <a:t>Annie Chandolu</a:t>
-            </a:r>
-            <a:endParaRPr lang="en-US" sz="1500" dirty="0"/>
+              <a:t> </a:t>
+            </a:r>
+            <a:r>
+              <a:rPr lang="en-US" sz="1500" dirty="0" smtClean="0">
+                <a:solidFill>
+                  <a:srgbClr val="0070C0"/>
+                </a:solidFill>
+              </a:rPr>
+              <a:t>Chandolu</a:t>
+            </a:r>
+            <a:endParaRPr lang="en-US" sz="1500" dirty="0">
+              <a:solidFill>
+                <a:srgbClr val="0070C0"/>
+              </a:solidFill>
+            </a:endParaRPr>
           </a:p>
         </p:txBody>
       </p:sp>
@@ -7476,66 +4974,68 @@
         </p:nvSpPr>
         <p:spPr/>
         <p:txBody>
-          <a:bodyPr/>
-          <a:lstStyle/>
-          <a:p>
-            <a:r>
-              <a:rPr lang="en-US" dirty="0"/>
+          <a:bodyPr>
+            <a:normAutofit/>
+          </a:bodyPr>
+          <a:lstStyle/>
+          <a:p>
+            <a:r>
+              <a:rPr lang="en-US" sz="2000" dirty="0"/>
               <a:t> Amazon Echo smart speakers developed by Amazon Lab126. </a:t>
             </a:r>
-            <a:endParaRPr lang="en-US" dirty="0" smtClean="0"/>
-          </a:p>
-          <a:p>
-            <a:r>
-              <a:rPr lang="en-US" dirty="0" smtClean="0"/>
+            <a:endParaRPr lang="en-US" sz="2000" dirty="0" smtClean="0"/>
+          </a:p>
+          <a:p>
+            <a:r>
+              <a:rPr lang="en-US" sz="2000" dirty="0" smtClean="0"/>
               <a:t>It </a:t>
             </a:r>
             <a:r>
-              <a:rPr lang="en-US" dirty="0"/>
+              <a:rPr lang="en-US" sz="2000" dirty="0"/>
               <a:t>is capable of voice interaction, music </a:t>
             </a:r>
             <a:r>
-              <a:rPr lang="en-US" dirty="0" smtClean="0"/>
+              <a:rPr lang="en-US" sz="2000" dirty="0" smtClean="0"/>
               <a:t>playback, providing </a:t>
             </a:r>
             <a:r>
-              <a:rPr lang="en-US" dirty="0"/>
+              <a:rPr lang="en-US" sz="2000" dirty="0"/>
               <a:t>weather, traffic, sports, and other real-time information, such as news</a:t>
             </a:r>
             <a:r>
-              <a:rPr lang="en-US" dirty="0" smtClean="0"/>
+              <a:rPr lang="en-US" sz="2000" dirty="0" smtClean="0"/>
               <a:t>.</a:t>
             </a:r>
-            <a:endParaRPr lang="en-US" baseline="30000" dirty="0" smtClean="0"/>
-          </a:p>
-          <a:p>
-            <a:r>
-              <a:rPr lang="en-US" dirty="0"/>
+            <a:endParaRPr lang="en-US" sz="2000" baseline="30000" dirty="0" smtClean="0"/>
+          </a:p>
+          <a:p>
+            <a:r>
+              <a:rPr lang="en-US" sz="2000" dirty="0"/>
               <a:t> Alexa can also control several smart devices using itself as a </a:t>
             </a:r>
             <a:r>
-              <a:rPr lang="en-US" dirty="0" smtClean="0"/>
+              <a:rPr lang="en-US" sz="2000" dirty="0" smtClean="0"/>
               <a:t>home </a:t>
             </a:r>
             <a:r>
-              <a:rPr lang="en-US" dirty="0"/>
+              <a:rPr lang="en-US" sz="2000" dirty="0"/>
               <a:t>automation system. Users are able to extend the Alexa capabilities by installing "</a:t>
             </a:r>
             <a:r>
-              <a:rPr lang="en-US" dirty="0" smtClean="0"/>
+              <a:rPr lang="en-US" sz="2000" dirty="0" smtClean="0"/>
               <a:t>skills“.</a:t>
             </a:r>
           </a:p>
           <a:p>
             <a:r>
-              <a:rPr lang="en-US" dirty="0"/>
+              <a:rPr lang="en-US" sz="2000" dirty="0"/>
               <a:t>Amazon had over 90,000 functions ("skills") available for users to download on their Alexa-enabled </a:t>
             </a:r>
             <a:r>
-              <a:rPr lang="en-US" dirty="0" smtClean="0"/>
+              <a:rPr lang="en-US" sz="2000" dirty="0" smtClean="0"/>
               <a:t>devices.</a:t>
             </a:r>
-            <a:endParaRPr lang="en-US" dirty="0"/>
+            <a:endParaRPr lang="en-US" sz="2000" dirty="0"/>
           </a:p>
         </p:txBody>
       </p:sp>
@@ -7564,14 +5064,30 @@
             <a:r>
               <a:rPr lang="en-US" sz="1500" dirty="0" smtClean="0">
                 <a:solidFill>
+                  <a:srgbClr val="0070C0"/>
+                </a:solidFill>
+              </a:rPr>
+              <a:t>Pooja</a:t>
+            </a:r>
+            <a:r>
+              <a:rPr lang="en-US" sz="1500" dirty="0" smtClean="0">
+                <a:solidFill>
                   <a:srgbClr val="FFC000"/>
                 </a:solidFill>
               </a:rPr>
-              <a:t>Pooja Gundu</a:t>
+              <a:t> </a:t>
+            </a:r>
+            <a:r>
+              <a:rPr lang="en-US" sz="1500" dirty="0" smtClean="0">
+                <a:solidFill>
+                  <a:srgbClr val="0070C0"/>
+                </a:solidFill>
+              </a:rPr>
+              <a:t>Gundu</a:t>
             </a:r>
             <a:endParaRPr lang="en-US" sz="1500" dirty="0">
               <a:solidFill>
-                <a:srgbClr val="FFC000"/>
+                <a:srgbClr val="0070C0"/>
               </a:solidFill>
             </a:endParaRPr>
           </a:p>
@@ -7625,14 +5141,14 @@
             <a:r>
               <a:rPr lang="en-US" dirty="0" smtClean="0">
                 <a:solidFill>
-                  <a:srgbClr val="92D050"/>
+                  <a:srgbClr val="0070C0"/>
                 </a:solidFill>
               </a:rPr>
               <a:t>Applications of Alexa</a:t>
             </a:r>
             <a:endParaRPr lang="en-US" dirty="0">
               <a:solidFill>
-                <a:srgbClr val="92D050"/>
+                <a:srgbClr val="0070C0"/>
               </a:solidFill>
             </a:endParaRPr>
           </a:p>
@@ -7648,7 +5164,7 @@
             <p:ph idx="1"/>
           </p:nvPr>
         </p:nvPicPr>
-        <p:blipFill>
+        <p:blipFill rotWithShape="1">
           <a:blip r:embed="rId2">
             <a:extLst>
               <a:ext uri="{28A0092B-C50C-407E-A947-70E740481C1C}">
@@ -7656,14 +5172,13 @@
               </a:ext>
             </a:extLst>
           </a:blip>
-          <a:stretch>
-            <a:fillRect/>
-          </a:stretch>
+          <a:srcRect l="1464" t="3130" r="3021" b="10702"/>
+          <a:stretch/>
         </p:blipFill>
         <p:spPr>
           <a:xfrm>
-            <a:off x="744583" y="1474462"/>
-            <a:ext cx="10750731" cy="4658375"/>
+            <a:off x="1445976" y="2384853"/>
+            <a:ext cx="9300048" cy="3905797"/>
           </a:xfrm>
         </p:spPr>
       </p:pic>
@@ -7692,16 +5207,27 @@
             <a:r>
               <a:rPr lang="en-US" sz="1500" dirty="0" smtClean="0">
                 <a:solidFill>
+                  <a:srgbClr val="0070C0"/>
+                </a:solidFill>
+              </a:rPr>
+              <a:t>Pooja</a:t>
+            </a:r>
+            <a:r>
+              <a:rPr lang="en-US" sz="1500" dirty="0" smtClean="0">
+                <a:solidFill>
                   <a:srgbClr val="FFC000"/>
                 </a:solidFill>
               </a:rPr>
-              <a:t>Pooja Gundu</a:t>
-            </a:r>
-            <a:endParaRPr lang="en-US" sz="1500" dirty="0" smtClean="0">
-              <a:solidFill>
-                <a:srgbClr val="FFC000"/>
-              </a:solidFill>
-            </a:endParaRPr>
+              <a:t> </a:t>
+            </a:r>
+            <a:r>
+              <a:rPr lang="en-US" sz="1500" dirty="0" smtClean="0">
+                <a:solidFill>
+                  <a:srgbClr val="0070C0"/>
+                </a:solidFill>
+              </a:rPr>
+              <a:t>Gundu</a:t>
+            </a:r>
           </a:p>
         </p:txBody>
       </p:sp>
@@ -7745,7 +5271,12 @@
             <p:ph type="title"/>
           </p:nvPr>
         </p:nvSpPr>
-        <p:spPr/>
+        <p:spPr>
+          <a:xfrm>
+            <a:off x="2231136" y="870885"/>
+            <a:ext cx="7729728" cy="1188720"/>
+          </a:xfrm>
+        </p:spPr>
         <p:txBody>
           <a:bodyPr/>
           <a:lstStyle/>
@@ -7753,14 +5284,14 @@
             <a:r>
               <a:rPr lang="en-US" sz="4000" dirty="0" smtClean="0">
                 <a:solidFill>
-                  <a:srgbClr val="00B0F0"/>
+                  <a:srgbClr val="0070C0"/>
                 </a:solidFill>
               </a:rPr>
               <a:t>CONCLUSION</a:t>
             </a:r>
             <a:endParaRPr lang="en-US" sz="4000" dirty="0">
               <a:solidFill>
-                <a:srgbClr val="00B0F0"/>
+                <a:srgbClr val="0070C0"/>
               </a:solidFill>
             </a:endParaRPr>
           </a:p>
@@ -7778,8 +5309,8 @@
         </p:nvSpPr>
         <p:spPr>
           <a:xfrm>
-            <a:off x="646112" y="1853248"/>
-            <a:ext cx="9403742" cy="4395152"/>
+            <a:off x="1394129" y="2594653"/>
+            <a:ext cx="9403742" cy="2768179"/>
           </a:xfrm>
         </p:spPr>
         <p:txBody>
@@ -7787,7 +5318,7 @@
           <a:lstStyle/>
           <a:p>
             <a:r>
-              <a:rPr lang="en-US" dirty="0" smtClean="0"/>
+              <a:rPr lang="en-US" sz="2000" dirty="0" smtClean="0"/>
               <a:t>Amazon Echo is a big step forward when it comes to voice controlled technology.</a:t>
             </a:r>
           </a:p>
@@ -7795,55 +5326,55 @@
             <a:pPr marL="0" indent="0">
               <a:buNone/>
             </a:pPr>
-            <a:endParaRPr lang="en-US" dirty="0" smtClean="0"/>
-          </a:p>
-          <a:p>
-            <a:r>
-              <a:rPr lang="en-US" dirty="0" smtClean="0"/>
+            <a:endParaRPr lang="en-US" sz="2000" dirty="0" smtClean="0"/>
+          </a:p>
+          <a:p>
+            <a:r>
+              <a:rPr lang="en-US" sz="2000" dirty="0" smtClean="0"/>
               <a:t>As the technology continues to improve you can do a lot of things with Alexa</a:t>
             </a:r>
           </a:p>
           <a:p>
-            <a:endParaRPr lang="en-US" dirty="0" smtClean="0"/>
-          </a:p>
-          <a:p>
-            <a:r>
-              <a:rPr lang="en-US" dirty="0"/>
+            <a:endParaRPr lang="en-US" sz="2000" dirty="0" smtClean="0"/>
+          </a:p>
+          <a:p>
+            <a:r>
+              <a:rPr lang="en-US" sz="2000" dirty="0"/>
               <a:t>The main focus </a:t>
             </a:r>
             <a:r>
-              <a:rPr lang="en-US" dirty="0" smtClean="0"/>
+              <a:rPr lang="en-US" sz="2000" dirty="0" smtClean="0"/>
               <a:t>for</a:t>
             </a:r>
             <a:r>
-              <a:rPr lang="en-US" dirty="0"/>
+              <a:rPr lang="en-US" sz="2000" dirty="0"/>
               <a:t> </a:t>
             </a:r>
             <a:r>
-              <a:rPr lang="en-US" dirty="0" smtClean="0"/>
+              <a:rPr lang="en-US" sz="2000" dirty="0" smtClean="0"/>
               <a:t>Amazon</a:t>
             </a:r>
             <a:r>
-              <a:rPr lang="en-US" dirty="0"/>
+              <a:rPr lang="en-US" sz="2000" dirty="0"/>
               <a:t> in the near </a:t>
             </a:r>
             <a:r>
-              <a:rPr lang="en-US" dirty="0" smtClean="0"/>
+              <a:rPr lang="en-US" sz="2000" dirty="0" smtClean="0"/>
               <a:t>Future is </a:t>
             </a:r>
             <a:r>
-              <a:rPr lang="en-US" dirty="0"/>
+              <a:rPr lang="en-US" sz="2000" dirty="0"/>
               <a:t>on making </a:t>
             </a:r>
             <a:r>
-              <a:rPr lang="en-US" b="1" dirty="0"/>
+              <a:rPr lang="en-US" sz="2000" b="1" dirty="0"/>
               <a:t>Alexa's</a:t>
             </a:r>
             <a:r>
-              <a:rPr lang="en-US" dirty="0"/>
+              <a:rPr lang="en-US" sz="2000" dirty="0"/>
               <a:t> capabilities, suggestions and language more natural and tailored to us. That could mean infinitely smarter conversational skills, personalized suggestions </a:t>
             </a:r>
-            <a:endParaRPr lang="en-US" dirty="0" smtClean="0"/>
+            <a:endParaRPr lang="en-US" sz="2000" dirty="0" smtClean="0"/>
           </a:p>
           <a:p>
             <a:endParaRPr lang="en-US" dirty="0"/>
@@ -7875,14 +5406,26 @@
             <a:r>
               <a:rPr lang="en-US" sz="1500" dirty="0" smtClean="0">
                 <a:solidFill>
-                  <a:srgbClr val="FFC000"/>
-                </a:solidFill>
-              </a:rPr>
-              <a:t>Pooja Gundu</a:t>
+                  <a:srgbClr val="0070C0"/>
+                </a:solidFill>
+              </a:rPr>
+              <a:t>Pooja</a:t>
+            </a:r>
+            <a:r>
+              <a:rPr lang="en-US" sz="1500" dirty="0" smtClean="0"/>
+              <a:t> </a:t>
+            </a:r>
+            <a:r>
+              <a:rPr lang="en-US" sz="1500" dirty="0" smtClean="0">
+                <a:solidFill>
+                  <a:srgbClr val="0070C0"/>
+                </a:solidFill>
+              </a:rPr>
+              <a:t>Gundu</a:t>
             </a:r>
             <a:endParaRPr lang="en-US" sz="1500" dirty="0">
               <a:solidFill>
-                <a:srgbClr val="FFC000"/>
+                <a:srgbClr val="0070C0"/>
               </a:solidFill>
             </a:endParaRPr>
           </a:p>
@@ -7930,25 +5473,27 @@
         </p:nvSpPr>
         <p:spPr>
           <a:xfrm>
-            <a:off x="646111" y="415648"/>
+            <a:off x="1348580" y="477432"/>
             <a:ext cx="9404723" cy="1400530"/>
           </a:xfrm>
         </p:spPr>
         <p:txBody>
-          <a:bodyPr/>
-          <a:lstStyle/>
-          <a:p>
-            <a:r>
-              <a:rPr lang="en-US" dirty="0" smtClean="0">
-                <a:solidFill>
-                  <a:srgbClr val="00B0F0"/>
+          <a:bodyPr>
+            <a:normAutofit/>
+          </a:bodyPr>
+          <a:lstStyle/>
+          <a:p>
+            <a:r>
+              <a:rPr lang="en-US" sz="3200" dirty="0" smtClean="0">
+                <a:solidFill>
+                  <a:srgbClr val="0070C0"/>
                 </a:solidFill>
               </a:rPr>
               <a:t>REFERENCES</a:t>
             </a:r>
-            <a:endParaRPr lang="en-US" dirty="0">
+            <a:endParaRPr lang="en-US" sz="3200" dirty="0">
               <a:solidFill>
-                <a:srgbClr val="00B0F0"/>
+                <a:srgbClr val="0070C0"/>
               </a:solidFill>
             </a:endParaRPr>
           </a:p>
@@ -7966,8 +5511,8 @@
         </p:nvSpPr>
         <p:spPr>
           <a:xfrm>
-            <a:off x="646112" y="1293224"/>
-            <a:ext cx="11032082" cy="4955176"/>
+            <a:off x="534901" y="2096413"/>
+            <a:ext cx="11032082" cy="3649479"/>
           </a:xfrm>
         </p:spPr>
         <p:txBody>
@@ -7979,18 +5524,28 @@
               <a:buChar char="Ø"/>
             </a:pPr>
             <a:r>
-              <a:rPr lang="en-US" sz="2800" dirty="0">
+              <a:rPr lang="en-US" sz="2400" dirty="0">
+                <a:solidFill>
+                  <a:schemeClr val="tx1"/>
+                </a:solidFill>
                 <a:hlinkClick r:id="rId2"/>
               </a:rPr>
               <a:t>https://</a:t>
             </a:r>
             <a:r>
-              <a:rPr lang="en-US" sz="2800" dirty="0" smtClean="0">
+              <a:rPr lang="en-US" sz="2400" dirty="0" smtClean="0">
+                <a:solidFill>
+                  <a:schemeClr val="tx1"/>
+                </a:solidFill>
                 <a:hlinkClick r:id="rId2"/>
               </a:rPr>
               <a:t>github.com/profcase/skill-bearcat-buddy</a:t>
             </a:r>
-            <a:endParaRPr lang="en-US" sz="2800" dirty="0" smtClean="0"/>
+            <a:endParaRPr lang="en-US" sz="2400" dirty="0" smtClean="0">
+              <a:solidFill>
+                <a:schemeClr val="tx1"/>
+              </a:solidFill>
+            </a:endParaRPr>
           </a:p>
           <a:p>
             <a:pPr>
@@ -7998,12 +5553,18 @@
               <a:buChar char="Ø"/>
             </a:pPr>
             <a:r>
-              <a:rPr lang="en-US" sz="2800" dirty="0">
+              <a:rPr lang="en-US" sz="2400" dirty="0">
+                <a:solidFill>
+                  <a:schemeClr val="tx1"/>
+                </a:solidFill>
                 <a:hlinkClick r:id="rId3"/>
               </a:rPr>
               <a:t>https://github.com/blondiebits/code-in-5</a:t>
             </a:r>
-            <a:endParaRPr lang="en-US" sz="2800" dirty="0" smtClean="0">
+            <a:endParaRPr lang="en-US" sz="2400" dirty="0" smtClean="0">
+              <a:solidFill>
+                <a:schemeClr val="tx1"/>
+              </a:solidFill>
               <a:hlinkClick r:id="rId4"/>
             </a:endParaRPr>
           </a:p>
@@ -8013,12 +5574,19 @@
               <a:buChar char="Ø"/>
             </a:pPr>
             <a:r>
-              <a:rPr lang="en-US" sz="2800" dirty="0" smtClean="0">
+              <a:rPr lang="en-US" sz="2400" dirty="0" smtClean="0">
+                <a:solidFill>
+                  <a:schemeClr val="tx1"/>
+                </a:solidFill>
                 <a:hlinkClick r:id="rId4"/>
               </a:rPr>
               <a:t>https://developer.amazon.com/alexa</a:t>
             </a:r>
-            <a:endParaRPr lang="en-US" sz="2800" dirty="0" smtClean="0"/>
+            <a:endParaRPr lang="en-US" sz="2400" dirty="0" smtClean="0">
+              <a:solidFill>
+                <a:schemeClr val="tx1"/>
+              </a:solidFill>
+            </a:endParaRPr>
           </a:p>
           <a:p>
             <a:pPr>
@@ -8026,12 +5594,19 @@
               <a:buChar char="Ø"/>
             </a:pPr>
             <a:r>
-              <a:rPr lang="en-US" sz="2800" dirty="0" smtClean="0">
+              <a:rPr lang="en-US" sz="2400" dirty="0" smtClean="0">
+                <a:solidFill>
+                  <a:schemeClr val="tx1"/>
+                </a:solidFill>
                 <a:hlinkClick r:id="rId5"/>
               </a:rPr>
               <a:t>https://aws.amazon.com</a:t>
             </a:r>
-            <a:endParaRPr lang="en-US" sz="2800" dirty="0" smtClean="0"/>
+            <a:endParaRPr lang="en-US" sz="2400" dirty="0" smtClean="0">
+              <a:solidFill>
+                <a:schemeClr val="tx1"/>
+              </a:solidFill>
+            </a:endParaRPr>
           </a:p>
           <a:p>
             <a:pPr>
@@ -8039,18 +5614,28 @@
               <a:buChar char="Ø"/>
             </a:pPr>
             <a:r>
-              <a:rPr lang="en-US" sz="2800" dirty="0">
+              <a:rPr lang="en-US" sz="2400" dirty="0">
+                <a:solidFill>
+                  <a:schemeClr val="tx1"/>
+                </a:solidFill>
                 <a:hlinkClick r:id="rId6"/>
               </a:rPr>
               <a:t>https://</a:t>
             </a:r>
             <a:r>
-              <a:rPr lang="en-US" sz="2800" dirty="0" smtClean="0">
+              <a:rPr lang="en-US" sz="2400" dirty="0" smtClean="0">
+                <a:solidFill>
+                  <a:schemeClr val="tx1"/>
+                </a:solidFill>
                 <a:hlinkClick r:id="rId6"/>
               </a:rPr>
               <a:t>en.wikipedia.org/wiki/Amazon_Alexa</a:t>
             </a:r>
-            <a:endParaRPr lang="en-US" sz="2800" dirty="0" smtClean="0"/>
+            <a:endParaRPr lang="en-US" sz="2400" dirty="0" smtClean="0">
+              <a:solidFill>
+                <a:schemeClr val="tx1"/>
+              </a:solidFill>
+            </a:endParaRPr>
           </a:p>
           <a:p>
             <a:pPr>
@@ -8058,18 +5643,28 @@
               <a:buChar char="Ø"/>
             </a:pPr>
             <a:r>
-              <a:rPr lang="en-US" sz="2800" dirty="0">
+              <a:rPr lang="en-US" sz="2400" dirty="0">
+                <a:solidFill>
+                  <a:schemeClr val="tx1"/>
+                </a:solidFill>
                 <a:hlinkClick r:id="rId7"/>
               </a:rPr>
               <a:t>https://</a:t>
             </a:r>
             <a:r>
-              <a:rPr lang="en-US" sz="2800" dirty="0" smtClean="0">
+              <a:rPr lang="en-US" sz="2400" dirty="0" smtClean="0">
+                <a:solidFill>
+                  <a:schemeClr val="tx1"/>
+                </a:solidFill>
                 <a:hlinkClick r:id="rId7"/>
               </a:rPr>
               <a:t>www.youtube.com/watch?v=d12DhlFVERc</a:t>
             </a:r>
-            <a:endParaRPr lang="en-US" sz="2800" dirty="0" smtClean="0"/>
+            <a:endParaRPr lang="en-US" sz="2400" dirty="0" smtClean="0">
+              <a:solidFill>
+                <a:schemeClr val="tx1"/>
+              </a:solidFill>
+            </a:endParaRPr>
           </a:p>
           <a:p>
             <a:pPr>
@@ -8077,19 +5672,28 @@
               <a:buChar char="Ø"/>
             </a:pPr>
             <a:r>
-              <a:rPr lang="en-US" sz="2800" dirty="0">
+              <a:rPr lang="en-US" sz="2400" dirty="0">
+                <a:solidFill>
+                  <a:schemeClr val="tx1"/>
+                </a:solidFill>
                 <a:hlinkClick r:id="rId8"/>
               </a:rPr>
-              <a:t>https://www.youtube.com/watch?v=5zsKViLKhi0</a:t>
-            </a:r>
-            <a:endParaRPr lang="en-US" sz="2800" dirty="0" smtClean="0"/>
-          </a:p>
-          <a:p>
-            <a:pPr>
-              <a:buFont typeface="Wingdings" panose="05000000000000000000" pitchFamily="2" charset="2"/>
-              <a:buChar char="Ø"/>
-            </a:pPr>
-            <a:endParaRPr lang="en-US" sz="2800" dirty="0" smtClean="0"/>
+              <a:t>https://</a:t>
+            </a:r>
+            <a:r>
+              <a:rPr lang="en-US" sz="2400" dirty="0" smtClean="0">
+                <a:solidFill>
+                  <a:schemeClr val="tx1"/>
+                </a:solidFill>
+                <a:hlinkClick r:id="rId8"/>
+              </a:rPr>
+              <a:t>www.youtube.com/watch?v=5zsKViLKhi0</a:t>
+            </a:r>
+            <a:endParaRPr lang="en-US" sz="2400" dirty="0" smtClean="0">
+              <a:solidFill>
+                <a:schemeClr val="tx1"/>
+              </a:solidFill>
+            </a:endParaRPr>
           </a:p>
           <a:p>
             <a:pPr>
@@ -8097,6 +5701,55 @@
               <a:buChar char="Ø"/>
             </a:pPr>
             <a:endParaRPr lang="en-US" dirty="0"/>
+          </a:p>
+        </p:txBody>
+      </p:sp>
+      <p:sp>
+        <p:nvSpPr>
+          <p:cNvPr id="4" name="TextBox 3"/>
+          <p:cNvSpPr txBox="1"/>
+          <p:nvPr/>
+        </p:nvSpPr>
+        <p:spPr>
+          <a:xfrm>
+            <a:off x="10202091" y="6479177"/>
+            <a:ext cx="1828800" cy="323165"/>
+          </a:xfrm>
+          <a:prstGeom prst="rect">
+            <a:avLst/>
+          </a:prstGeom>
+          <a:noFill/>
+        </p:spPr>
+        <p:txBody>
+          <a:bodyPr wrap="square" rtlCol="0">
+            <a:spAutoFit/>
+          </a:bodyPr>
+          <a:lstStyle/>
+          <a:p>
+            <a:r>
+              <a:rPr lang="en-US" sz="1500" dirty="0" smtClean="0">
+                <a:solidFill>
+                  <a:srgbClr val="0070C0"/>
+                </a:solidFill>
+              </a:rPr>
+              <a:t>Pooja</a:t>
+            </a:r>
+            <a:r>
+              <a:rPr lang="en-US" sz="1500" dirty="0" smtClean="0">
+                <a:solidFill>
+                  <a:srgbClr val="FFC000"/>
+                </a:solidFill>
+              </a:rPr>
+              <a:t> </a:t>
+            </a:r>
+            <a:r>
+              <a:rPr lang="en-US" sz="1500" dirty="0" smtClean="0">
+                <a:solidFill>
+                  <a:srgbClr val="0070C0"/>
+                </a:solidFill>
+              </a:rPr>
+              <a:t>Gundu</a:t>
+            </a:r>
           </a:p>
         </p:txBody>
       </p:sp>
@@ -8202,72 +5855,53 @@
         </p:nvSpPr>
         <p:spPr>
           <a:xfrm>
-            <a:off x="-132365" y="60072"/>
-            <a:ext cx="10734462" cy="757646"/>
-          </a:xfrm>
-        </p:spPr>
-        <p:txBody>
-          <a:bodyPr/>
-          <a:lstStyle/>
-          <a:p>
-            <a:r>
-              <a:rPr lang="en-US" dirty="0" smtClean="0"/>
-              <a:t>    </a:t>
-            </a:r>
-            <a:r>
-              <a:rPr lang="en-US" sz="3600" b="1" dirty="0" smtClean="0">
+            <a:off x="1296488" y="194309"/>
+            <a:ext cx="8870859" cy="817531"/>
+          </a:xfrm>
+        </p:spPr>
+        <p:txBody>
+          <a:bodyPr>
+            <a:normAutofit fontScale="90000"/>
+          </a:bodyPr>
+          <a:lstStyle/>
+          <a:p>
+            <a:pPr algn="l"/>
+            <a:r>
+              <a:rPr lang="en-US" sz="3100" b="1" dirty="0" smtClean="0">
                 <a:solidFill>
                   <a:srgbClr val="0070C0"/>
                 </a:solidFill>
               </a:rPr>
-              <a:t>TEAM MEMBERS </a:t>
-            </a:r>
-            <a:r>
-              <a:rPr lang="en-US" sz="2000" dirty="0" smtClean="0">
+              <a:t>TEAM </a:t>
+            </a:r>
+            <a:r>
+              <a:rPr lang="en-US" sz="3100" b="1" dirty="0" smtClean="0">
+                <a:solidFill>
+                  <a:srgbClr val="0070C0"/>
+                </a:solidFill>
+              </a:rPr>
+              <a:t>MEMBERS:</a:t>
+            </a:r>
+            <a:r>
+              <a:rPr lang="en-US" sz="2200" dirty="0" smtClean="0">
                 <a:solidFill>
                   <a:schemeClr val="accent5">
                     <a:lumMod val="50000"/>
                   </a:schemeClr>
                 </a:solidFill>
               </a:rPr>
-              <a:t>(</a:t>
-            </a:r>
-            <a:r>
-              <a:rPr lang="en-US" sz="2000" dirty="0">
-                <a:hlinkClick r:id="rId2"/>
-              </a:rPr>
-              <a:t>https://github.com/alekhyajaddu/alexa-project</a:t>
-            </a:r>
-            <a:r>
-              <a:rPr lang="en-US" sz="2000" dirty="0" smtClean="0">
+              <a:t/>
+            </a:r>
+            <a:br>
+              <a:rPr lang="en-US" sz="2200" dirty="0" smtClean="0">
                 <a:solidFill>
                   <a:schemeClr val="accent5">
                     <a:lumMod val="50000"/>
                   </a:schemeClr>
                 </a:solidFill>
               </a:rPr>
-              <a:t>)</a:t>
-            </a:r>
-            <a:r>
-              <a:rPr lang="en-US" dirty="0" smtClean="0">
-                <a:solidFill>
-                  <a:schemeClr val="accent5">
-                    <a:lumMod val="50000"/>
-                  </a:schemeClr>
-                </a:solidFill>
-              </a:rPr>
-              <a:t/>
-            </a:r>
-            <a:br>
-              <a:rPr lang="en-US" dirty="0" smtClean="0">
-                <a:solidFill>
-                  <a:schemeClr val="accent5">
-                    <a:lumMod val="50000"/>
-                  </a:schemeClr>
-                </a:solidFill>
-              </a:rPr>
             </a:br>
-            <a:endParaRPr lang="en-US" dirty="0">
+            <a:endParaRPr lang="en-US" sz="2200" dirty="0">
               <a:solidFill>
                 <a:schemeClr val="accent5">
                   <a:lumMod val="50000"/>
@@ -8289,8 +5923,8 @@
         </p:nvSpPr>
         <p:spPr>
           <a:xfrm>
-            <a:off x="457200" y="705394"/>
-            <a:ext cx="11482250" cy="6015444"/>
+            <a:off x="1296488" y="1011840"/>
+            <a:ext cx="9305609" cy="5621265"/>
           </a:xfrm>
         </p:spPr>
         <p:txBody>
@@ -8302,60 +5936,96 @@
             </a:pPr>
             <a:r>
               <a:rPr lang="en-US" dirty="0" smtClean="0">
-                <a:solidFill>
-                  <a:srgbClr val="FFFF00"/>
-                </a:solidFill>
+                <a:ln w="0"/>
+                <a:solidFill>
+                  <a:schemeClr val="tx1"/>
+                </a:solidFill>
+                <a:effectLst>
+                  <a:outerShdw blurRad="38100" dist="19050" dir="2700000" algn="tl" rotWithShape="0">
+                    <a:schemeClr val="dk1">
+                      <a:alpha val="40000"/>
+                    </a:schemeClr>
+                  </a:outerShdw>
+                </a:effectLst>
               </a:rPr>
               <a:t>Annie </a:t>
             </a:r>
             <a:r>
               <a:rPr lang="en-US" dirty="0">
-                <a:solidFill>
-                  <a:srgbClr val="FFFF00"/>
-                </a:solidFill>
+                <a:ln w="0"/>
+                <a:solidFill>
+                  <a:schemeClr val="tx1"/>
+                </a:solidFill>
+                <a:effectLst>
+                  <a:outerShdw blurRad="38100" dist="19050" dir="2700000" algn="tl" rotWithShape="0">
+                    <a:schemeClr val="dk1">
+                      <a:alpha val="40000"/>
+                    </a:schemeClr>
+                  </a:outerShdw>
+                </a:effectLst>
               </a:rPr>
               <a:t>S</a:t>
             </a:r>
             <a:r>
               <a:rPr lang="en-US" dirty="0" smtClean="0">
-                <a:solidFill>
-                  <a:srgbClr val="FFFF00"/>
-                </a:solidFill>
+                <a:ln w="0"/>
+                <a:solidFill>
+                  <a:schemeClr val="tx1"/>
+                </a:solidFill>
+                <a:effectLst>
+                  <a:outerShdw blurRad="38100" dist="19050" dir="2700000" algn="tl" rotWithShape="0">
+                    <a:schemeClr val="dk1">
+                      <a:alpha val="40000"/>
+                    </a:schemeClr>
+                  </a:outerShdw>
+                </a:effectLst>
               </a:rPr>
               <a:t>amarpitha </a:t>
             </a:r>
             <a:r>
               <a:rPr lang="en-US" dirty="0">
-                <a:solidFill>
-                  <a:srgbClr val="FFFF00"/>
-                </a:solidFill>
+                <a:ln w="0"/>
+                <a:solidFill>
+                  <a:schemeClr val="tx1"/>
+                </a:solidFill>
+                <a:effectLst>
+                  <a:outerShdw blurRad="38100" dist="19050" dir="2700000" algn="tl" rotWithShape="0">
+                    <a:schemeClr val="dk1">
+                      <a:alpha val="40000"/>
+                    </a:schemeClr>
+                  </a:outerShdw>
+                </a:effectLst>
               </a:rPr>
               <a:t>C</a:t>
             </a:r>
             <a:r>
               <a:rPr lang="en-US" dirty="0" smtClean="0">
-                <a:solidFill>
-                  <a:srgbClr val="FFFF00"/>
-                </a:solidFill>
-              </a:rPr>
-              <a:t>handolu</a:t>
-            </a:r>
-            <a:r>
-              <a:rPr lang="en-US" dirty="0" smtClean="0"/>
-              <a:t>                                                     </a:t>
-            </a:r>
-            <a:r>
-              <a:rPr lang="en-US" dirty="0" smtClean="0">
-                <a:solidFill>
-                  <a:srgbClr val="FFFF00"/>
-                </a:solidFill>
-              </a:rPr>
-              <a:t>Alekhya  Jaddu</a:t>
+                <a:ln w="0"/>
+                <a:solidFill>
+                  <a:schemeClr val="tx1"/>
+                </a:solidFill>
+                <a:effectLst>
+                  <a:outerShdw blurRad="38100" dist="19050" dir="2700000" algn="tl" rotWithShape="0">
+                    <a:schemeClr val="dk1">
+                      <a:alpha val="40000"/>
+                    </a:schemeClr>
+                  </a:outerShdw>
+                </a:effectLst>
+              </a:rPr>
+              <a:t>handolu                                                                 Alekhya  Jaddu</a:t>
             </a:r>
             <a:endParaRPr lang="en-US" dirty="0">
+              <a:ln w="0"/>
               <a:solidFill>
-                <a:srgbClr val="FFFF00"/>
+                <a:schemeClr val="tx1"/>
               </a:solidFill>
+              <a:effectLst>
+                <a:outerShdw blurRad="38100" dist="19050" dir="2700000" algn="tl" rotWithShape="0">
+                  <a:schemeClr val="dk1">
+                    <a:alpha val="40000"/>
+                  </a:schemeClr>
+                </a:outerShdw>
+              </a:effectLst>
             </a:endParaRPr>
           </a:p>
           <a:p>
@@ -8368,11 +6038,19 @@
                   <a:srgbClr val="00B0F0"/>
                 </a:solidFill>
               </a:rPr>
-              <a:t>https://github.com/Annie0sc</a:t>
+              <a:t>https://</a:t>
+            </a:r>
+            <a:r>
+              <a:rPr lang="en-US" u="sng" dirty="0" smtClean="0">
+                <a:solidFill>
+                  <a:srgbClr val="00B0F0"/>
+                </a:solidFill>
+              </a:rPr>
+              <a:t>github.com/annie0sc</a:t>
             </a:r>
             <a:r>
               <a:rPr lang="en-US" dirty="0" smtClean="0"/>
-              <a:t>                                      </a:t>
+              <a:t>                                                    </a:t>
             </a:r>
             <a:r>
               <a:rPr lang="en-US" u="sng" dirty="0" smtClean="0">
@@ -8380,8 +6058,21 @@
                   <a:srgbClr val="00B0F0"/>
                 </a:solidFill>
               </a:rPr>
-              <a:t>https://github.com/Alekhyajaddu  </a:t>
-            </a:r>
+              <a:t>https://</a:t>
+            </a:r>
+            <a:r>
+              <a:rPr lang="en-US" u="sng" dirty="0" smtClean="0">
+                <a:solidFill>
+                  <a:srgbClr val="00B0F0"/>
+                </a:solidFill>
+              </a:rPr>
+              <a:t>github.com/alekhyajaddu  </a:t>
+            </a:r>
+            <a:endParaRPr lang="en-US" u="sng" dirty="0" smtClean="0">
+              <a:solidFill>
+                <a:srgbClr val="00B0F0"/>
+              </a:solidFill>
+            </a:endParaRPr>
           </a:p>
           <a:p>
             <a:endParaRPr lang="en-US" dirty="0">
@@ -8411,23 +6102,19 @@
             </a:pPr>
             <a:r>
               <a:rPr lang="en-US" dirty="0" smtClean="0">
-                <a:solidFill>
-                  <a:srgbClr val="FFFF00"/>
-                </a:solidFill>
-              </a:rPr>
-              <a:t>             Gundu Pooja</a:t>
-            </a:r>
-            <a:r>
-              <a:rPr lang="en-US" dirty="0" smtClean="0"/>
-              <a:t>                                                                    </a:t>
-            </a:r>
-            <a:r>
-              <a:rPr lang="en-US" dirty="0" smtClean="0">
-                <a:solidFill>
-                  <a:srgbClr val="FFFF00"/>
-                </a:solidFill>
-              </a:rPr>
-              <a:t>Sushma Chanati</a:t>
+                <a:ln w="0"/>
+                <a:solidFill>
+                  <a:schemeClr val="tx1"/>
+                </a:solidFill>
+                <a:effectLst>
+                  <a:outerShdw blurRad="38100" dist="19050" dir="2700000" algn="tl" rotWithShape="0">
+                    <a:schemeClr val="dk1">
+                      <a:alpha val="40000"/>
+                    </a:schemeClr>
+                  </a:outerShdw>
+                </a:effectLst>
+              </a:rPr>
+              <a:t>             Gundu Pooja                                                                        Sushma Chanati</a:t>
             </a:r>
           </a:p>
           <a:p>
@@ -8440,7 +6127,15 @@
                   <a:srgbClr val="00B0F0"/>
                 </a:solidFill>
               </a:rPr>
-              <a:t>https://github.com/GunduPooja</a:t>
+              <a:t>https://</a:t>
+            </a:r>
+            <a:r>
+              <a:rPr lang="en-US" u="sng" dirty="0" smtClean="0">
+                <a:solidFill>
+                  <a:srgbClr val="00B0F0"/>
+                </a:solidFill>
+              </a:rPr>
+              <a:t>github.com/gundupooja</a:t>
             </a:r>
             <a:r>
               <a:rPr lang="en-US" dirty="0" smtClean="0">
@@ -8452,7 +6147,7 @@
             </a:r>
             <a:r>
               <a:rPr lang="en-US" dirty="0" smtClean="0"/>
-              <a:t>                            </a:t>
+              <a:t>                                            </a:t>
             </a:r>
             <a:r>
               <a:rPr lang="en-US" u="sng" dirty="0" smtClean="0">
@@ -8460,7 +6155,15 @@
                   <a:srgbClr val="00B0F0"/>
                 </a:solidFill>
               </a:rPr>
-              <a:t>https://github.com/Sushmachanati</a:t>
+              <a:t>https://</a:t>
+            </a:r>
+            <a:r>
+              <a:rPr lang="en-US" u="sng" dirty="0" smtClean="0">
+                <a:solidFill>
+                  <a:srgbClr val="00B0F0"/>
+                </a:solidFill>
+              </a:rPr>
+              <a:t>github.com/sushmachanati</a:t>
             </a:r>
             <a:endParaRPr lang="en-US" u="sng" dirty="0">
               <a:solidFill>
@@ -8473,6 +6176,35 @@
       <p:pic>
         <p:nvPicPr>
           <p:cNvPr id="4" name="Picture 3"/>
+          <p:cNvPicPr>
+            <a:picLocks noChangeAspect="1"/>
+          </p:cNvPicPr>
+          <p:nvPr/>
+        </p:nvPicPr>
+        <p:blipFill rotWithShape="1">
+          <a:blip r:embed="rId2">
+            <a:extLst>
+              <a:ext uri="{28A0092B-C50C-407E-A947-70E740481C1C}">
+                <a14:useLocalDpi xmlns:a14="http://schemas.microsoft.com/office/drawing/2010/main" val="0"/>
+              </a:ext>
+            </a:extLst>
+          </a:blip>
+          <a:srcRect l="21212" r="18687" b="33660"/>
+          <a:stretch/>
+        </p:blipFill>
+        <p:spPr>
+          <a:xfrm>
+            <a:off x="1840451" y="1768833"/>
+            <a:ext cx="1841862" cy="1929247"/>
+          </a:xfrm>
+          <a:prstGeom prst="rect">
+            <a:avLst/>
+          </a:prstGeom>
+        </p:spPr>
+      </p:pic>
+      <p:pic>
+        <p:nvPicPr>
+          <p:cNvPr id="5" name="Picture 4"/>
           <p:cNvPicPr>
             <a:picLocks noChangeAspect="1"/>
           </p:cNvPicPr>
@@ -8486,13 +6218,13 @@
               </a:ext>
             </a:extLst>
           </a:blip>
-          <a:srcRect l="21212" r="18687" b="33660"/>
+          <a:srcRect l="18691" t="27893" r="15888" b="-1"/>
           <a:stretch/>
         </p:blipFill>
         <p:spPr>
           <a:xfrm>
-            <a:off x="1358537" y="1601489"/>
-            <a:ext cx="2037806" cy="2134487"/>
+            <a:off x="7893848" y="4511215"/>
+            <a:ext cx="2168435" cy="2044334"/>
           </a:xfrm>
           <a:prstGeom prst="rect">
             <a:avLst/>
@@ -8501,7 +6233,7 @@
       </p:pic>
       <p:pic>
         <p:nvPicPr>
-          <p:cNvPr id="5" name="Picture 4"/>
+          <p:cNvPr id="7" name="Picture 6"/>
           <p:cNvPicPr>
             <a:picLocks noChangeAspect="1"/>
           </p:cNvPicPr>
@@ -8515,13 +6247,13 @@
               </a:ext>
             </a:extLst>
           </a:blip>
-          <a:srcRect l="18691" t="27893" r="15888" b="-1"/>
+          <a:srcRect l="11702" r="10106" b="23123"/>
           <a:stretch/>
         </p:blipFill>
         <p:spPr>
           <a:xfrm>
-            <a:off x="7733210" y="4676504"/>
-            <a:ext cx="2168435" cy="2044334"/>
+            <a:off x="1680430" y="4541571"/>
+            <a:ext cx="2001883" cy="2013978"/>
           </a:xfrm>
           <a:prstGeom prst="rect">
             <a:avLst/>
@@ -8530,7 +6262,7 @@
       </p:pic>
       <p:pic>
         <p:nvPicPr>
-          <p:cNvPr id="7" name="Picture 6"/>
+          <p:cNvPr id="9" name="Picture 8"/>
           <p:cNvPicPr>
             <a:picLocks noChangeAspect="1"/>
           </p:cNvPicPr>
@@ -8544,41 +6276,12 @@
               </a:ext>
             </a:extLst>
           </a:blip>
-          <a:srcRect l="11702" r="10106" b="23123"/>
-          <a:stretch/>
-        </p:blipFill>
-        <p:spPr>
-          <a:xfrm>
-            <a:off x="1296488" y="4545873"/>
-            <a:ext cx="2161903" cy="2174965"/>
-          </a:xfrm>
-          <a:prstGeom prst="rect">
-            <a:avLst/>
-          </a:prstGeom>
-        </p:spPr>
-      </p:pic>
-      <p:pic>
-        <p:nvPicPr>
-          <p:cNvPr id="9" name="Picture 8"/>
-          <p:cNvPicPr>
-            <a:picLocks noChangeAspect="1"/>
-          </p:cNvPicPr>
-          <p:nvPr/>
-        </p:nvPicPr>
-        <p:blipFill rotWithShape="1">
-          <a:blip r:embed="rId6">
-            <a:extLst>
-              <a:ext uri="{28A0092B-C50C-407E-A947-70E740481C1C}">
-                <a14:useLocalDpi xmlns:a14="http://schemas.microsoft.com/office/drawing/2010/main" val="0"/>
-              </a:ext>
-            </a:extLst>
-          </a:blip>
           <a:srcRect l="12243" t="2081" r="9977" b="13464"/>
           <a:stretch/>
         </p:blipFill>
         <p:spPr>
           <a:xfrm>
-            <a:off x="7589520" y="1645919"/>
+            <a:off x="7720148" y="1768833"/>
             <a:ext cx="2181497" cy="1959429"/>
           </a:xfrm>
           <a:prstGeom prst="rect">
@@ -8586,6 +6289,57 @@
           </a:prstGeom>
         </p:spPr>
       </p:pic>
+      <p:sp>
+        <p:nvSpPr>
+          <p:cNvPr id="8" name="Rectangle 7"/>
+          <p:cNvSpPr/>
+          <p:nvPr/>
+        </p:nvSpPr>
+        <p:spPr>
+          <a:xfrm>
+            <a:off x="5093259" y="228887"/>
+            <a:ext cx="4969024" cy="369332"/>
+          </a:xfrm>
+          <a:prstGeom prst="rect">
+            <a:avLst/>
+          </a:prstGeom>
+        </p:spPr>
+        <p:txBody>
+          <a:bodyPr wrap="square">
+            <a:spAutoFit/>
+          </a:bodyPr>
+          <a:lstStyle/>
+          <a:p>
+            <a:r>
+              <a:rPr lang="en-US" dirty="0">
+                <a:solidFill>
+                  <a:schemeClr val="accent5">
+                    <a:lumMod val="50000"/>
+                  </a:schemeClr>
+                </a:solidFill>
+              </a:rPr>
+              <a:t>(</a:t>
+            </a:r>
+            <a:r>
+              <a:rPr lang="en-US" dirty="0">
+                <a:hlinkClick r:id="rId6"/>
+              </a:rPr>
+              <a:t>https://github.com/alekhyajaddu/alexa-project</a:t>
+            </a:r>
+            <a:r>
+              <a:rPr lang="en-US" dirty="0">
+                <a:solidFill>
+                  <a:schemeClr val="accent5">
+                    <a:lumMod val="50000"/>
+                  </a:schemeClr>
+                </a:solidFill>
+              </a:rPr>
+              <a:t>)</a:t>
+            </a:r>
+            <a:endParaRPr lang="en-US" dirty="0"/>
+          </a:p>
+        </p:txBody>
+      </p:sp>
     </p:spTree>
     <p:extLst>
       <p:ext uri="{BB962C8B-B14F-4D97-AF65-F5344CB8AC3E}">
@@ -8747,7 +6501,7 @@
                   <a:srgbClr val="92D050"/>
                 </a:solidFill>
               </a:rPr>
-              <a:t>How It Works</a:t>
+              <a:t>How </a:t>
             </a:r>
             <a:r>
               <a:rPr lang="en-US" sz="3200" dirty="0" smtClean="0">
@@ -8755,8 +6509,13 @@
                   <a:srgbClr val="92D050"/>
                 </a:solidFill>
               </a:rPr>
-              <a:t>?</a:t>
-            </a:r>
+              <a:t>Does It Work?</a:t>
+            </a:r>
+            <a:endParaRPr lang="en-US" sz="3200" dirty="0" smtClean="0">
+              <a:solidFill>
+                <a:srgbClr val="92D050"/>
+              </a:solidFill>
+            </a:endParaRPr>
           </a:p>
           <a:p>
             <a:pPr>
@@ -8920,16 +6679,27 @@
             <a:r>
               <a:rPr lang="en-US" sz="1500" dirty="0" smtClean="0">
                 <a:solidFill>
+                  <a:srgbClr val="0070C0"/>
+                </a:solidFill>
+              </a:rPr>
+              <a:t>Sushma</a:t>
+            </a:r>
+            <a:r>
+              <a:rPr lang="en-US" sz="1500" dirty="0" smtClean="0">
+                <a:solidFill>
                   <a:srgbClr val="FFC000"/>
                 </a:solidFill>
               </a:rPr>
-              <a:t>Sushma Chanati</a:t>
-            </a:r>
-            <a:endParaRPr lang="en-US" sz="1500" dirty="0" smtClean="0">
-              <a:solidFill>
-                <a:srgbClr val="FFC000"/>
-              </a:solidFill>
-            </a:endParaRPr>
+              <a:t> </a:t>
+            </a:r>
+            <a:r>
+              <a:rPr lang="en-US" sz="1500" dirty="0" smtClean="0">
+                <a:solidFill>
+                  <a:srgbClr val="0070C0"/>
+                </a:solidFill>
+              </a:rPr>
+              <a:t>Chanati</a:t>
+            </a:r>
           </a:p>
         </p:txBody>
       </p:sp>
@@ -8965,110 +6735,17 @@
       </p:grpSpPr>
       <p:sp>
         <p:nvSpPr>
-          <p:cNvPr id="3" name="Content Placeholder 2"/>
-          <p:cNvSpPr>
-            <a:spLocks noGrp="1"/>
-          </p:cNvSpPr>
-          <p:nvPr>
-            <p:ph idx="1"/>
+          <p:cNvPr id="4" name="Title 1"/>
+          <p:cNvSpPr>
+            <a:spLocks noGrp="1"/>
+          </p:cNvSpPr>
+          <p:nvPr>
+            <p:ph type="title"/>
           </p:nvPr>
         </p:nvSpPr>
         <p:spPr>
           <a:xfrm>
-            <a:off x="796834" y="1580606"/>
-            <a:ext cx="10633166" cy="4667793"/>
-          </a:xfrm>
-        </p:spPr>
-        <p:txBody>
-          <a:bodyPr>
-            <a:normAutofit/>
-          </a:bodyPr>
-          <a:lstStyle/>
-          <a:p>
-            <a:endParaRPr lang="en-US" b="1" dirty="0" smtClean="0"/>
-          </a:p>
-          <a:p>
-            <a:r>
-              <a:rPr lang="en-US" sz="3600" dirty="0">
-                <a:solidFill>
-                  <a:srgbClr val="92D050"/>
-                </a:solidFill>
-              </a:rPr>
-              <a:t>Alexa</a:t>
-            </a:r>
-            <a:r>
-              <a:rPr lang="en-US" sz="2400" dirty="0"/>
-              <a:t> is Amazon's cloud-based voice service platform that powers an entire smart device </a:t>
-            </a:r>
-            <a:r>
-              <a:rPr lang="en-US" sz="2400" dirty="0" smtClean="0"/>
-              <a:t>ecosystem. It enables the customers to interact with more intuitive way using </a:t>
-            </a:r>
-            <a:r>
-              <a:rPr lang="en-US" sz="2400" dirty="0" smtClean="0">
-                <a:solidFill>
-                  <a:srgbClr val="FFFF00"/>
-                </a:solidFill>
-              </a:rPr>
-              <a:t>VOICE.</a:t>
-            </a:r>
-          </a:p>
-          <a:p>
-            <a:pPr marL="0" indent="0">
-              <a:buNone/>
-            </a:pPr>
-            <a:endParaRPr lang="en-US" sz="2400" dirty="0"/>
-          </a:p>
-          <a:p>
-            <a:r>
-              <a:rPr lang="en-US" sz="2400" dirty="0" smtClean="0"/>
-              <a:t>Examples of these skills include the ability to play </a:t>
-            </a:r>
-            <a:r>
-              <a:rPr lang="en-US" sz="2400" dirty="0"/>
-              <a:t>M</a:t>
-            </a:r>
-            <a:r>
-              <a:rPr lang="en-US" sz="2400" dirty="0" smtClean="0"/>
-              <a:t>usic, provide </a:t>
-            </a:r>
-            <a:r>
-              <a:rPr lang="en-US" sz="2400" dirty="0"/>
-              <a:t>I</a:t>
-            </a:r>
-            <a:r>
-              <a:rPr lang="en-US" sz="2400" dirty="0" smtClean="0"/>
-              <a:t>nformation, deliver news and sports scores, tell you the weather information.</a:t>
-            </a:r>
-          </a:p>
-          <a:p>
-            <a:pPr marL="0" indent="0">
-              <a:buNone/>
-            </a:pPr>
-            <a:endParaRPr lang="en-US" sz="2400" dirty="0" smtClean="0"/>
-          </a:p>
-          <a:p>
-            <a:r>
-              <a:rPr lang="en-US" sz="2400" dirty="0" smtClean="0"/>
-              <a:t>Alexa is built in the cloud so it is always getting smarter.</a:t>
-            </a:r>
-            <a:endParaRPr lang="en-US" sz="2400" dirty="0"/>
-          </a:p>
-        </p:txBody>
-      </p:sp>
-      <p:sp>
-        <p:nvSpPr>
-          <p:cNvPr id="4" name="Title 1"/>
-          <p:cNvSpPr>
-            <a:spLocks noGrp="1"/>
-          </p:cNvSpPr>
-          <p:nvPr>
-            <p:ph type="title"/>
-          </p:nvPr>
-        </p:nvSpPr>
-        <p:spPr>
-          <a:xfrm>
-            <a:off x="646111" y="452718"/>
+            <a:off x="1300288" y="452719"/>
             <a:ext cx="9404723" cy="945008"/>
           </a:xfrm>
         </p:spPr>
@@ -9098,6 +6775,99 @@
       </p:sp>
       <p:sp>
         <p:nvSpPr>
+          <p:cNvPr id="3" name="Content Placeholder 2"/>
+          <p:cNvSpPr>
+            <a:spLocks noGrp="1"/>
+          </p:cNvSpPr>
+          <p:nvPr>
+            <p:ph idx="1"/>
+          </p:nvPr>
+        </p:nvSpPr>
+        <p:spPr>
+          <a:xfrm>
+            <a:off x="796834" y="1580606"/>
+            <a:ext cx="10633166" cy="4667793"/>
+          </a:xfrm>
+        </p:spPr>
+        <p:txBody>
+          <a:bodyPr>
+            <a:normAutofit/>
+          </a:bodyPr>
+          <a:lstStyle/>
+          <a:p>
+            <a:endParaRPr lang="en-US" b="1" dirty="0" smtClean="0"/>
+          </a:p>
+          <a:p>
+            <a:r>
+              <a:rPr lang="en-US" sz="3600" dirty="0">
+                <a:solidFill>
+                  <a:srgbClr val="92D050"/>
+                </a:solidFill>
+              </a:rPr>
+              <a:t>Alexa</a:t>
+            </a:r>
+            <a:r>
+              <a:rPr lang="en-US" sz="2400" dirty="0"/>
+              <a:t> is Amazon's cloud-based voice service platform that powers an entire smart device </a:t>
+            </a:r>
+            <a:r>
+              <a:rPr lang="en-US" sz="2400" dirty="0" smtClean="0"/>
+              <a:t>ecosystem. It enables the customers to interact with more intuitive way using </a:t>
+            </a:r>
+            <a:r>
+              <a:rPr lang="en-US" sz="2400" dirty="0" smtClean="0">
+                <a:solidFill>
+                  <a:srgbClr val="FFFF00"/>
+                </a:solidFill>
+              </a:rPr>
+              <a:t>VOICE.</a:t>
+            </a:r>
+          </a:p>
+          <a:p>
+            <a:pPr marL="0" indent="0">
+              <a:buNone/>
+            </a:pPr>
+            <a:endParaRPr lang="en-US" sz="2400" dirty="0"/>
+          </a:p>
+          <a:p>
+            <a:r>
+              <a:rPr lang="en-US" sz="2400" dirty="0" smtClean="0"/>
+              <a:t>Examples of these skills include the ability to play </a:t>
+            </a:r>
+            <a:r>
+              <a:rPr lang="en-US" sz="2400" dirty="0"/>
+              <a:t>M</a:t>
+            </a:r>
+            <a:r>
+              <a:rPr lang="en-US" sz="2400" dirty="0" smtClean="0"/>
+              <a:t>usic, provide </a:t>
+            </a:r>
+            <a:r>
+              <a:rPr lang="en-US" sz="2400" dirty="0"/>
+              <a:t>I</a:t>
+            </a:r>
+            <a:r>
+              <a:rPr lang="en-US" sz="2400" dirty="0" smtClean="0"/>
+              <a:t>nformation, deliver news and sports scores, tell you the weather information.</a:t>
+            </a:r>
+          </a:p>
+          <a:p>
+            <a:pPr marL="0" indent="0">
+              <a:buNone/>
+            </a:pPr>
+            <a:endParaRPr lang="en-US" sz="2400" dirty="0" smtClean="0"/>
+          </a:p>
+          <a:p>
+            <a:r>
+              <a:rPr lang="en-US" sz="2400" dirty="0" smtClean="0"/>
+              <a:t>Alexa is built in the cloud so it is always getting smarter.</a:t>
+            </a:r>
+            <a:endParaRPr lang="en-US" sz="2400" dirty="0"/>
+          </a:p>
+        </p:txBody>
+      </p:sp>
+      <p:sp>
+        <p:nvSpPr>
           <p:cNvPr id="2" name="TextBox 1"/>
           <p:cNvSpPr txBox="1"/>
           <p:nvPr/>
@@ -9121,22 +6891,38 @@
             <a:r>
               <a:rPr lang="en-US" sz="1500" dirty="0" smtClean="0">
                 <a:solidFill>
+                  <a:srgbClr val="0070C0"/>
+                </a:solidFill>
+              </a:rPr>
+              <a:t>Sushma</a:t>
+            </a:r>
+            <a:r>
+              <a:rPr lang="en-US" sz="1500" dirty="0" smtClean="0">
+                <a:solidFill>
                   <a:srgbClr val="FFC000"/>
                 </a:solidFill>
               </a:rPr>
-              <a:t>Sushma Chanat</a:t>
+              <a:t> </a:t>
+            </a:r>
+            <a:r>
+              <a:rPr lang="en-US" sz="1500" dirty="0" smtClean="0">
+                <a:solidFill>
+                  <a:srgbClr val="0070C0"/>
+                </a:solidFill>
+              </a:rPr>
+              <a:t>Chanat</a:t>
             </a:r>
             <a:r>
               <a:rPr lang="en-US" dirty="0" smtClean="0">
                 <a:solidFill>
-                  <a:srgbClr val="FFC000"/>
+                  <a:srgbClr val="0070C0"/>
                 </a:solidFill>
               </a:rPr>
               <a:t>i</a:t>
             </a:r>
             <a:endParaRPr lang="en-US" dirty="0">
               <a:solidFill>
-                <a:srgbClr val="FFC000"/>
+                <a:srgbClr val="0070C0"/>
               </a:solidFill>
             </a:endParaRPr>
           </a:p>
@@ -9193,14 +6979,30 @@
             <a:r>
               <a:rPr lang="en-US" dirty="0" smtClean="0">
                 <a:solidFill>
+                  <a:srgbClr val="0070C0"/>
+                </a:solidFill>
+              </a:rPr>
+              <a:t>Amazon</a:t>
+            </a:r>
+            <a:r>
+              <a:rPr lang="en-US" dirty="0" smtClean="0">
+                <a:solidFill>
                   <a:srgbClr val="00B0F0"/>
                 </a:solidFill>
               </a:rPr>
-              <a:t>Amazon Alexa</a:t>
+              <a:t> </a:t>
+            </a:r>
+            <a:r>
+              <a:rPr lang="en-US" dirty="0" smtClean="0">
+                <a:solidFill>
+                  <a:srgbClr val="0070C0"/>
+                </a:solidFill>
+              </a:rPr>
+              <a:t>Alexa</a:t>
             </a:r>
             <a:endParaRPr lang="en-US" dirty="0">
               <a:solidFill>
-                <a:srgbClr val="00B0F0"/>
+                <a:srgbClr val="0070C0"/>
               </a:solidFill>
             </a:endParaRPr>
           </a:p>
@@ -9218,25 +7020,13 @@
         </p:nvSpPr>
         <p:spPr>
           <a:xfrm>
-            <a:off x="646111" y="1410789"/>
-            <a:ext cx="7256918" cy="4950822"/>
+            <a:off x="646111" y="2743199"/>
+            <a:ext cx="7256918" cy="3618411"/>
           </a:xfrm>
         </p:spPr>
         <p:txBody>
           <a:bodyPr/>
           <a:lstStyle/>
-          <a:p>
-            <a:endParaRPr lang="en-US" dirty="0" smtClean="0"/>
-          </a:p>
-          <a:p>
-            <a:endParaRPr lang="en-US" sz="2800" dirty="0" smtClean="0"/>
-          </a:p>
-          <a:p>
-            <a:r>
-              <a:rPr lang="en-US" sz="2800" dirty="0" smtClean="0"/>
-              <a:t>It is a hands-free speaker controlled with your voice.</a:t>
-            </a:r>
-          </a:p>
           <a:p>
             <a:pPr marL="0" indent="0">
               <a:buNone/>
@@ -9246,6 +7036,18 @@
           <a:p>
             <a:r>
               <a:rPr lang="en-US" sz="2800" dirty="0" smtClean="0"/>
+              <a:t>It is a hands-free speaker controlled with your voice.</a:t>
+            </a:r>
+          </a:p>
+          <a:p>
+            <a:pPr marL="0" indent="0">
+              <a:buNone/>
+            </a:pPr>
+            <a:endParaRPr lang="en-US" sz="2800" dirty="0" smtClean="0"/>
+          </a:p>
+          <a:p>
+            <a:r>
+              <a:rPr lang="en-US" sz="2800" dirty="0" smtClean="0"/>
               <a:t>It has a personal assistant called </a:t>
             </a:r>
             <a:r>
@@ -9289,14 +7091,30 @@
             <a:r>
               <a:rPr lang="en-US" sz="1500" dirty="0" smtClean="0">
                 <a:solidFill>
+                  <a:srgbClr val="0070C0"/>
+                </a:solidFill>
+              </a:rPr>
+              <a:t>Sushma</a:t>
+            </a:r>
+            <a:r>
+              <a:rPr lang="en-US" sz="1500" dirty="0" smtClean="0">
+                <a:solidFill>
                   <a:srgbClr val="FFC000"/>
                 </a:solidFill>
               </a:rPr>
-              <a:t>Sushma Chanati</a:t>
+              <a:t> </a:t>
+            </a:r>
+            <a:r>
+              <a:rPr lang="en-US" sz="1500" dirty="0" smtClean="0">
+                <a:solidFill>
+                  <a:srgbClr val="0070C0"/>
+                </a:solidFill>
+              </a:rPr>
+              <a:t>Chanati</a:t>
             </a:r>
             <a:endParaRPr lang="en-US" sz="1500" dirty="0">
               <a:solidFill>
-                <a:srgbClr val="FFC000"/>
+                <a:srgbClr val="0070C0"/>
               </a:solidFill>
             </a:endParaRPr>
           </a:p>
@@ -9324,8 +7142,8 @@
         </p:blipFill>
         <p:spPr>
           <a:xfrm>
-            <a:off x="7761347" y="1410788"/>
-            <a:ext cx="4230356" cy="4424089"/>
+            <a:off x="8252807" y="2262319"/>
+            <a:ext cx="3416114" cy="3572558"/>
           </a:xfrm>
           <a:prstGeom prst="rect">
             <a:avLst/>
@@ -9405,36 +7223,30 @@
         </p:nvSpPr>
         <p:spPr>
           <a:xfrm>
-            <a:off x="783772" y="1580606"/>
-            <a:ext cx="9266082" cy="4667793"/>
+            <a:off x="1462959" y="2633991"/>
+            <a:ext cx="9266082" cy="3727621"/>
           </a:xfrm>
         </p:spPr>
         <p:txBody>
           <a:bodyPr/>
           <a:lstStyle/>
           <a:p>
-            <a:pPr marL="0" indent="0">
-              <a:buNone/>
-            </a:pPr>
-            <a:endParaRPr lang="en-US" dirty="0" smtClean="0"/>
-          </a:p>
-          <a:p>
-            <a:r>
-              <a:rPr lang="en-US" dirty="0" smtClean="0"/>
-              <a:t> </a:t>
-            </a:r>
-            <a:r>
-              <a:rPr lang="en-US" dirty="0"/>
-              <a:t>The past decade has been dominated by touch screen devices, but a new revolution is brewing voice-controlled systems powered by Artificial </a:t>
-            </a:r>
-            <a:r>
-              <a:rPr lang="en-US" dirty="0" smtClean="0"/>
+            <a:r>
+              <a:rPr lang="en-US" sz="2400" dirty="0" smtClean="0"/>
+              <a:t>The </a:t>
+            </a:r>
+            <a:r>
+              <a:rPr lang="en-US" sz="2400" dirty="0"/>
+              <a:t>past decade has been dominated by touch screen devices, but a new revolution is brewing voice-controlled systems powered by Artificial </a:t>
+            </a:r>
+            <a:r>
+              <a:rPr lang="en-US" sz="2400" dirty="0" smtClean="0"/>
               <a:t>Intelligence.</a:t>
             </a:r>
           </a:p>
           <a:p>
             <a:r>
-              <a:rPr lang="en-US" dirty="0">
+              <a:rPr lang="en-US" sz="2400" dirty="0">
                 <a:solidFill>
                   <a:srgbClr val="FFFF00"/>
                 </a:solidFill>
@@ -9442,11 +7254,11 @@
               <a:t>Smart</a:t>
             </a:r>
             <a:r>
-              <a:rPr lang="en-US" dirty="0"/>
+              <a:rPr lang="en-US" sz="2400" dirty="0"/>
               <a:t>' and '</a:t>
             </a:r>
             <a:r>
-              <a:rPr lang="en-US" dirty="0">
+              <a:rPr lang="en-US" sz="2400" dirty="0">
                 <a:solidFill>
                   <a:srgbClr val="FFFF00"/>
                 </a:solidFill>
@@ -9454,31 +7266,20 @@
               <a:t>connected</a:t>
             </a:r>
             <a:r>
-              <a:rPr lang="en-US" dirty="0"/>
+              <a:rPr lang="en-US" sz="2400" dirty="0"/>
               <a:t>' are the two words defining the majority of devices around us today. One of the fastest growing categories with these two features lies with smart </a:t>
             </a:r>
             <a:r>
-              <a:rPr lang="en-US" dirty="0" smtClean="0"/>
+              <a:rPr lang="en-US" sz="2400" dirty="0" smtClean="0"/>
               <a:t>speakers.</a:t>
             </a:r>
           </a:p>
           <a:p>
             <a:r>
-              <a:rPr lang="en-US" dirty="0" smtClean="0"/>
+              <a:rPr lang="en-US" sz="2400" dirty="0" smtClean="0"/>
               <a:t>We are controlling everything via virtual assistants instead through apps.</a:t>
             </a:r>
-          </a:p>
-          <a:p>
-            <a:endParaRPr lang="en-US" dirty="0"/>
-          </a:p>
-          <a:p>
-            <a:pPr marL="0" indent="0">
-              <a:buNone/>
-            </a:pPr>
-            <a:endParaRPr lang="en-US" dirty="0"/>
-          </a:p>
-          <a:p>
-            <a:endParaRPr lang="en-US" dirty="0"/>
+            <a:endParaRPr lang="en-US" sz="2400" dirty="0"/>
           </a:p>
         </p:txBody>
       </p:sp>
@@ -9507,10 +7308,26 @@
             <a:r>
               <a:rPr lang="en-US" sz="1500" dirty="0" smtClean="0">
                 <a:solidFill>
+                  <a:srgbClr val="0070C0"/>
+                </a:solidFill>
+              </a:rPr>
+              <a:t>Sushma</a:t>
+            </a:r>
+            <a:r>
+              <a:rPr lang="en-US" sz="1500" dirty="0" smtClean="0">
+                <a:solidFill>
                   <a:srgbClr val="FFC000"/>
                 </a:solidFill>
               </a:rPr>
-              <a:t>Sushma Chanati</a:t>
+              <a:t> </a:t>
+            </a:r>
+            <a:r>
+              <a:rPr lang="en-US" sz="1500" dirty="0" smtClean="0">
+                <a:solidFill>
+                  <a:srgbClr val="0070C0"/>
+                </a:solidFill>
+              </a:rPr>
+              <a:t>Chanati</a:t>
             </a:r>
           </a:p>
         </p:txBody>
@@ -9583,12 +7400,11 @@
             <a:r>
               <a:rPr lang="en-US" sz="4400" dirty="0" smtClean="0">
                 <a:solidFill>
-                  <a:srgbClr val="00B0F0"/>
+                  <a:srgbClr val="0070C0"/>
                 </a:solidFill>
               </a:rPr>
               <a:t>Alexa Developer Console</a:t>
             </a:r>
-            <a:endParaRPr lang="en-US" sz="4400" dirty="0" smtClean="0"/>
           </a:p>
           <a:p>
             <a:pPr>
@@ -9652,54 +7468,53 @@
               </a:rPr>
               <a:t>Endpoints</a:t>
             </a:r>
-            <a:endParaRPr lang="en-US" sz="2400" dirty="0" smtClean="0">
+          </a:p>
+          <a:p>
+            <a:pPr marL="0" indent="0">
+              <a:buNone/>
+            </a:pPr>
+            <a:r>
+              <a:rPr lang="en-US" dirty="0" smtClean="0"/>
+              <a:t>  </a:t>
+            </a:r>
+            <a:r>
+              <a:rPr lang="en-US" sz="4000" dirty="0" smtClean="0">
+                <a:solidFill>
+                  <a:srgbClr val="00B0F0"/>
+                </a:solidFill>
+              </a:rPr>
+              <a:t>Important Sources</a:t>
+            </a:r>
+          </a:p>
+          <a:p>
+            <a:pPr>
+              <a:buFont typeface="Wingdings" panose="05000000000000000000" pitchFamily="2" charset="2"/>
+              <a:buChar char="q"/>
+            </a:pPr>
+            <a:r>
+              <a:rPr lang="en-US" sz="3200" dirty="0" smtClean="0">
+                <a:solidFill>
+                  <a:srgbClr val="00B050"/>
+                </a:solidFill>
+                <a:hlinkClick r:id="rId2"/>
+              </a:rPr>
+              <a:t>https://developer.amazon.com</a:t>
+            </a:r>
+            <a:endParaRPr lang="en-US" sz="3200" dirty="0" smtClean="0">
               <a:solidFill>
                 <a:srgbClr val="00B050"/>
               </a:solidFill>
             </a:endParaRPr>
           </a:p>
           <a:p>
-            <a:pPr marL="0" indent="0">
-              <a:buNone/>
-            </a:pPr>
-            <a:r>
-              <a:rPr lang="en-US" dirty="0" smtClean="0"/>
-              <a:t>  </a:t>
-            </a:r>
-            <a:r>
-              <a:rPr lang="en-US" sz="4000" dirty="0" smtClean="0">
-                <a:solidFill>
-                  <a:srgbClr val="00B0F0"/>
-                </a:solidFill>
-              </a:rPr>
-              <a:t>Important Sources</a:t>
-            </a:r>
-          </a:p>
-          <a:p>
             <a:pPr>
               <a:buFont typeface="Wingdings" panose="05000000000000000000" pitchFamily="2" charset="2"/>
               <a:buChar char="q"/>
             </a:pPr>
             <a:r>
-              <a:rPr lang="en-US" sz="3200" dirty="0" smtClean="0">
-                <a:hlinkClick r:id="rId2"/>
-              </a:rPr>
-              <a:t>https://developer.amazon.com</a:t>
-            </a:r>
-            <a:endParaRPr lang="en-US" sz="3200" dirty="0" smtClean="0"/>
-          </a:p>
-          <a:p>
-            <a:pPr>
-              <a:buFont typeface="Wingdings" panose="05000000000000000000" pitchFamily="2" charset="2"/>
-              <a:buChar char="q"/>
-            </a:pPr>
-            <a:r>
               <a:rPr lang="en-US" sz="3200" u="sng" dirty="0" smtClean="0">
                 <a:solidFill>
-                  <a:schemeClr val="accent1">
-                    <a:lumMod val="60000"/>
-                    <a:lumOff val="40000"/>
-                  </a:schemeClr>
+                  <a:srgbClr val="00B0F0"/>
                 </a:solidFill>
               </a:rPr>
               <a:t>https://aws.amazon.com</a:t>
@@ -9847,14 +7662,30 @@
             <a:r>
               <a:rPr lang="en-US" sz="1500" dirty="0" smtClean="0">
                 <a:solidFill>
+                  <a:srgbClr val="0070C0"/>
+                </a:solidFill>
+              </a:rPr>
+              <a:t>Alekhya</a:t>
+            </a:r>
+            <a:r>
+              <a:rPr lang="en-US" sz="1500" dirty="0" smtClean="0">
+                <a:solidFill>
                   <a:srgbClr val="FFC000"/>
                 </a:solidFill>
               </a:rPr>
-              <a:t>Alekhya Jaddu</a:t>
+              <a:t> </a:t>
+            </a:r>
+            <a:r>
+              <a:rPr lang="en-US" sz="1500" dirty="0" smtClean="0">
+                <a:solidFill>
+                  <a:srgbClr val="0070C0"/>
+                </a:solidFill>
+              </a:rPr>
+              <a:t>Jaddu</a:t>
             </a:r>
             <a:endParaRPr lang="en-US" sz="1500" dirty="0">
               <a:solidFill>
-                <a:srgbClr val="FFC000"/>
+                <a:srgbClr val="0070C0"/>
               </a:solidFill>
             </a:endParaRPr>
           </a:p>
@@ -9938,25 +7769,34 @@
         </p:nvSpPr>
         <p:spPr>
           <a:xfrm>
-            <a:off x="646112" y="1332412"/>
-            <a:ext cx="7831682" cy="4915988"/>
-          </a:xfrm>
-        </p:spPr>
-        <p:txBody>
-          <a:bodyPr/>
-          <a:lstStyle/>
-          <a:p>
-            <a:r>
-              <a:rPr lang="en-US" sz="3600" dirty="0" smtClean="0"/>
-              <a:t>The Alexa Skills Kit provides Self Service APIs and tools that you can use to build Alexa skills</a:t>
-            </a:r>
-          </a:p>
-          <a:p>
-            <a:endParaRPr lang="en-US" sz="3600" dirty="0" smtClean="0"/>
-          </a:p>
-          <a:p>
-            <a:r>
-              <a:rPr lang="en-US" sz="3600" dirty="0" smtClean="0"/>
+            <a:off x="646112" y="2150076"/>
+            <a:ext cx="7831682" cy="3608173"/>
+          </a:xfrm>
+        </p:spPr>
+        <p:txBody>
+          <a:bodyPr>
+            <a:normAutofit/>
+          </a:bodyPr>
+          <a:lstStyle/>
+          <a:p>
+            <a:endParaRPr lang="en-US" sz="2800" dirty="0" smtClean="0"/>
+          </a:p>
+          <a:p>
+            <a:r>
+              <a:rPr lang="en-US" sz="2800" dirty="0" smtClean="0"/>
+              <a:t>The </a:t>
+            </a:r>
+            <a:r>
+              <a:rPr lang="en-US" sz="2800" dirty="0" smtClean="0"/>
+              <a:t>Alexa Skills Kit provides Self Service APIs and tools that you can use to build Alexa skills</a:t>
+            </a:r>
+          </a:p>
+          <a:p>
+            <a:endParaRPr lang="en-US" sz="2800" dirty="0" smtClean="0"/>
+          </a:p>
+          <a:p>
+            <a:r>
+              <a:rPr lang="en-US" sz="2800" dirty="0" smtClean="0"/>
               <a:t>Amazon allow developers to use to build skills for Alexa using Alexa Skill Set</a:t>
             </a:r>
           </a:p>
@@ -9990,7 +7830,7 @@
         </p:blipFill>
         <p:spPr>
           <a:xfrm>
-            <a:off x="7432766" y="914400"/>
+            <a:off x="7659189" y="1322173"/>
             <a:ext cx="4532811" cy="4563291"/>
           </a:xfrm>
           <a:prstGeom prst="rect">
@@ -10023,12 +7863,32 @@
             <a:r>
               <a:rPr lang="en-US" sz="1500" dirty="0" smtClean="0">
                 <a:solidFill>
+                  <a:srgbClr val="0070C0"/>
+                </a:solidFill>
+              </a:rPr>
+              <a:t>Alekhya</a:t>
+            </a:r>
+            <a:r>
+              <a:rPr lang="en-US" sz="1500" dirty="0" smtClean="0">
+                <a:solidFill>
                   <a:srgbClr val="FFC000"/>
                 </a:solidFill>
               </a:rPr>
-              <a:t>Alekhya Jaddu</a:t>
-            </a:r>
-            <a:endParaRPr lang="en-US" sz="1500" dirty="0"/>
+              <a:t> </a:t>
+            </a:r>
+            <a:r>
+              <a:rPr lang="en-US" sz="1500" dirty="0" smtClean="0">
+                <a:solidFill>
+                  <a:srgbClr val="0070C0"/>
+                </a:solidFill>
+              </a:rPr>
+              <a:t>Jaddu</a:t>
+            </a:r>
+            <a:endParaRPr lang="en-US" sz="1500" dirty="0">
+              <a:solidFill>
+                <a:srgbClr val="0070C0"/>
+              </a:solidFill>
+            </a:endParaRPr>
           </a:p>
         </p:txBody>
       </p:sp>
@@ -10088,7 +7948,15 @@
                   <a:srgbClr val="0070C0"/>
                 </a:solidFill>
               </a:rPr>
-              <a:t>ALEXA SKILL TYPE</a:t>
+              <a:t>ALEXA </a:t>
+            </a:r>
+            <a:r>
+              <a:rPr lang="en-US" dirty="0" smtClean="0">
+                <a:solidFill>
+                  <a:srgbClr val="0070C0"/>
+                </a:solidFill>
+              </a:rPr>
+              <a:t>SKILLs</a:t>
             </a:r>
             <a:endParaRPr lang="en-US" dirty="0">
               <a:solidFill>
@@ -10121,6 +7989,9 @@
             <a:endParaRPr lang="en-US" dirty="0" smtClean="0"/>
           </a:p>
           <a:p>
+            <a:pPr marL="0" indent="0">
+              <a:buNone/>
+            </a:pPr>
             <a:r>
               <a:rPr lang="en-US" sz="3200" dirty="0" smtClean="0">
                 <a:solidFill>
@@ -10142,8 +8013,25 @@
               <a:buChar char="q"/>
             </a:pPr>
             <a:r>
-              <a:rPr lang="en-US" dirty="0" smtClean="0"/>
+              <a:rPr lang="en-US" sz="2000" dirty="0" smtClean="0"/>
               <a:t>Build a skill with a custom Interaction Model. This is called Custom Skill.</a:t>
+            </a:r>
+          </a:p>
+          <a:p>
+            <a:pPr>
+              <a:buFont typeface="Wingdings" panose="05000000000000000000" pitchFamily="2" charset="2"/>
+              <a:buChar char="q"/>
+            </a:pPr>
+            <a:endParaRPr lang="en-US" sz="2000" dirty="0"/>
+          </a:p>
+          <a:p>
+            <a:pPr>
+              <a:buFont typeface="Wingdings" panose="05000000000000000000" pitchFamily="2" charset="2"/>
+              <a:buChar char="q"/>
+            </a:pPr>
+            <a:r>
+              <a:rPr lang="en-US" sz="2000" dirty="0" smtClean="0"/>
+              <a:t>Customer needs to remember the interaction name or Invocation phrase </a:t>
             </a:r>
           </a:p>
           <a:p>
@@ -10154,14 +8042,10 @@
             <a:endParaRPr lang="en-US" dirty="0"/>
           </a:p>
           <a:p>
-            <a:pPr>
-              <a:buFont typeface="Wingdings" panose="05000000000000000000" pitchFamily="2" charset="2"/>
-              <a:buChar char="q"/>
+            <a:pPr marL="0" indent="0">
+              <a:buNone/>
             </a:pPr>
-            <a:r>
-              <a:rPr lang="en-US" dirty="0" smtClean="0"/>
-              <a:t>Customer needs to remember the interaction name or Invocation phrase </a:t>
-            </a:r>
+            <a:endParaRPr lang="en-US" dirty="0" smtClean="0"/>
           </a:p>
           <a:p>
             <a:pPr>
@@ -10170,19 +8054,6 @@
             </a:pPr>
             <a:endParaRPr lang="en-US" dirty="0"/>
           </a:p>
-          <a:p>
-            <a:pPr marL="0" indent="0">
-              <a:buNone/>
-            </a:pPr>
-            <a:endParaRPr lang="en-US" dirty="0" smtClean="0"/>
-          </a:p>
-          <a:p>
-            <a:pPr>
-              <a:buFont typeface="Wingdings" panose="05000000000000000000" pitchFamily="2" charset="2"/>
-              <a:buChar char="q"/>
-            </a:pPr>
-            <a:endParaRPr lang="en-US" dirty="0"/>
-          </a:p>
         </p:txBody>
       </p:sp>
       <p:sp>
@@ -10210,12 +8081,32 @@
             <a:r>
               <a:rPr lang="en-US" sz="1500" dirty="0" smtClean="0">
                 <a:solidFill>
+                  <a:srgbClr val="0070C0"/>
+                </a:solidFill>
+              </a:rPr>
+              <a:t>Alekhya</a:t>
+            </a:r>
+            <a:r>
+              <a:rPr lang="en-US" sz="1500" dirty="0" smtClean="0">
+                <a:solidFill>
                   <a:srgbClr val="FFC000"/>
                 </a:solidFill>
               </a:rPr>
-              <a:t>Alekhya Jaddu</a:t>
-            </a:r>
-            <a:endParaRPr lang="en-US" sz="1500" dirty="0"/>
+              <a:t> </a:t>
+            </a:r>
+            <a:r>
+              <a:rPr lang="en-US" sz="1500" dirty="0" smtClean="0">
+                <a:solidFill>
+                  <a:srgbClr val="0070C0"/>
+                </a:solidFill>
+              </a:rPr>
+              <a:t>Jaddu</a:t>
+            </a:r>
+            <a:endParaRPr lang="en-US" sz="1500" dirty="0">
+              <a:solidFill>
+                <a:srgbClr val="0070C0"/>
+              </a:solidFill>
+            </a:endParaRPr>
           </a:p>
         </p:txBody>
       </p:sp>
@@ -10233,91 +8124,58 @@
 </file>
 
 <file path=ppt/theme/theme1.xml><?xml version="1.0" encoding="utf-8"?>
-<a:theme xmlns:a="http://schemas.openxmlformats.org/drawingml/2006/main" name="Ion">
+<a:theme xmlns:a="http://schemas.openxmlformats.org/drawingml/2006/main" name="Parcel">
   <a:themeElements>
-    <a:clrScheme name="Ion">
+    <a:clrScheme name="Parcel">
       <a:dk1>
-        <a:sysClr val="windowText" lastClr="000000"/>
+        <a:srgbClr val="000000"/>
       </a:dk1>
       <a:lt1>
-        <a:sysClr val="window" lastClr="FFFFFF"/>
+        <a:srgbClr val="FFFFFF"/>
       </a:lt1>
       <a:dk2>
-        <a:srgbClr val="EE5818"/>
+        <a:srgbClr val="4A5356"/>
       </a:dk2>
       <a:lt2>
-        <a:srgbClr val="EBEBEB"/>
+        <a:srgbClr val="E8E3CE"/>
       </a:lt2>
       <a:accent1>
-        <a:srgbClr val="F5A408"/>
+        <a:srgbClr val="F6A21D"/>
       </a:accent1>
       <a:accent2>
-        <a:srgbClr val="FA731A"/>
+        <a:srgbClr val="9BAFB5"/>
       </a:accent2>
       <a:accent3>
-        <a:srgbClr val="AB9281"/>
+        <a:srgbClr val="C96731"/>
       </a:accent3>
       <a:accent4>
-        <a:srgbClr val="A18CD0"/>
+        <a:srgbClr val="9CA383"/>
       </a:accent4>
       <a:accent5>
-        <a:srgbClr val="8EBBD2"/>
+        <a:srgbClr val="87795D"/>
       </a:accent5>
       <a:accent6>
-        <a:srgbClr val="ACC995"/>
+        <a:srgbClr val="A0988C"/>
       </a:accent6>
       <a:hlink>
-        <a:srgbClr val="FAC96A"/>
+        <a:srgbClr val="00B0F0"/>
       </a:hlink>
       <a:folHlink>
-        <a:srgbClr val="FCDB9B"/>
+        <a:srgbClr val="738F97"/>
       </a:folHlink>
     </a:clrScheme>
-    <a:fontScheme name="Ion">
+    <a:fontScheme name="Parcel">
       <a:majorFont>
-        <a:latin typeface="Century Gothic" panose="020B0502020202020204"/>
+        <a:latin typeface="Gill Sans MT" panose="020B0502020104020203"/>
         <a:ea typeface=""/>
         <a:cs typeface=""/>
-        <a:font script="Jpan" typeface="メイリオ"/>
-        <a:font script="Hang" typeface="맑은 고딕"/>
-        <a:font script="Hans" typeface="宋体"/>
-        <a:font script="Hant" typeface="新細明體"/>
-        <a:font script="Arab" typeface="Times New Roman"/>
-        <a:font script="Hebr" typeface="Times New Roman"/>
-        <a:font script="Thai" typeface="Angsana New"/>
-        <a:font script="Ethi" typeface="Nyala"/>
-        <a:font script="Beng" typeface="Vrinda"/>
-        <a:font script="Gujr" typeface="Shruti"/>
-        <a:font script="Khmr" typeface="MoolBoran"/>
-        <a:font script="Knda" typeface="Tunga"/>
-        <a:font script="Guru" typeface="Raavi"/>
-        <a:font script="Cans" typeface="Euphemia"/>
-        <a:font script="Cher" typeface="Plantagenet Cherokee"/>
-        <a:font script="Yiii" typeface="Microsoft Yi Baiti"/>
-        <a:font script="Tibt" typeface="Microsoft Himalaya"/>
-        <a:font script="Thaa" typeface="MV Boli"/>
-        <a:font script="Deva" typeface="Mangal"/>
-        <a:font script="Telu" typeface="Gautami"/>
-        <a:font script="Taml" typeface="Latha"/>
-        <a:font script="Syrc" typeface="Estrangelo Edessa"/>
-        <a:font script="Orya" typeface="Kalinga"/>
-        <a:font script="Mlym" typeface="Kartika"/>
-        <a:font script="Laoo" typeface="DokChampa"/>
-        <a:font script="Sinh" typeface="Iskoola Pota"/>
-        <a:font script="Mong" typeface="Mongolian Baiti"/>
-        <a:font script="Viet" typeface="Times New Roman"/>
-        <a:font script="Uigh" typeface="Microsoft Uighur"/>
-        <a:font script="Geor" typeface="Sylfaen"/>
-      </a:majorFont>
-      <a:minorFont>
-        <a:latin typeface="Century Gothic" panose="020B0502020202020204"/>
-        <a:ea typeface=""/>
-        <a:cs typeface=""/>
-        <a:font script="Jpan" typeface="メイリオ"/>
-        <a:font script="Hang" typeface="맑은 고딕"/>
-        <a:font script="Hans" typeface="宋体"/>
-        <a:font script="Hant" typeface="新細明體"/>
-        <a:font script="Arab" typeface="Arial"/>
+        <a:font script="Grek" typeface="Corbel"/>
+        <a:font script="Cyrl" typeface="Corbel"/>
+        <a:font script="Jpan" typeface="HGｺﾞｼｯｸE"/>
+        <a:font script="Hang" typeface="휴먼매직체"/>
+        <a:font script="Hans" typeface="华文中宋"/>
+        <a:font script="Hant" typeface="微軟正黑體"/>
+        <a:font script="Arab" typeface="Majalla UI"/>
         <a:font script="Hebr" typeface="Arial"/>
         <a:font script="Thai" typeface="Cordia New"/>
         <a:font script="Ethi" typeface="Nyala"/>
@@ -10340,12 +8198,49 @@
         <a:font script="Laoo" typeface="DokChampa"/>
         <a:font script="Sinh" typeface="Iskoola Pota"/>
         <a:font script="Mong" typeface="Mongolian Baiti"/>
-        <a:font script="Viet" typeface="Arial"/>
+        <a:font script="Viet" typeface="Tahoma"/>
+        <a:font script="Uigh" typeface="Microsoft Uighur"/>
+        <a:font script="Geor" typeface="Sylfaen"/>
+      </a:majorFont>
+      <a:minorFont>
+        <a:latin typeface="Gill Sans MT" panose="020B0502020104020203"/>
+        <a:ea typeface=""/>
+        <a:cs typeface=""/>
+        <a:font script="Grek" typeface="Corbel"/>
+        <a:font script="Cyrl" typeface="Corbel"/>
+        <a:font script="Jpan" typeface="HGｺﾞｼｯｸE"/>
+        <a:font script="Hang" typeface="휴먼매직체"/>
+        <a:font script="Hans" typeface="华文中宋"/>
+        <a:font script="Hant" typeface="微軟正黑體"/>
+        <a:font script="Arab" typeface="Majalla UI"/>
+        <a:font script="Hebr" typeface="Arial"/>
+        <a:font script="Thai" typeface="Cordia New"/>
+        <a:font script="Ethi" typeface="Nyala"/>
+        <a:font script="Beng" typeface="Vrinda"/>
+        <a:font script="Gujr" typeface="Shruti"/>
+        <a:font script="Khmr" typeface="DaunPenh"/>
+        <a:font script="Knda" typeface="Tunga"/>
+        <a:font script="Guru" typeface="Raavi"/>
+        <a:font script="Cans" typeface="Euphemia"/>
+        <a:font script="Cher" typeface="Plantagenet Cherokee"/>
+        <a:font script="Yiii" typeface="Microsoft Yi Baiti"/>
+        <a:font script="Tibt" typeface="Microsoft Himalaya"/>
+        <a:font script="Thaa" typeface="MV Boli"/>
+        <a:font script="Deva" typeface="Mangal"/>
+        <a:font script="Telu" typeface="Gautami"/>
+        <a:font script="Taml" typeface="Latha"/>
+        <a:font script="Syrc" typeface="Estrangelo Edessa"/>
+        <a:font script="Orya" typeface="Kalinga"/>
+        <a:font script="Mlym" typeface="Kartika"/>
+        <a:font script="Laoo" typeface="DokChampa"/>
+        <a:font script="Sinh" typeface="Iskoola Pota"/>
+        <a:font script="Mong" typeface="Mongolian Baiti"/>
+        <a:font script="Viet" typeface="Tahoma"/>
         <a:font script="Uigh" typeface="Microsoft Uighur"/>
         <a:font script="Geor" typeface="Sylfaen"/>
       </a:minorFont>
     </a:fontScheme>
-    <a:fmtScheme name="Ion">
+    <a:fmtScheme name="Parcel">
       <a:fillStyleLst>
         <a:solidFill>
           <a:schemeClr val="phClr"/>
@@ -10354,15 +8249,16 @@
           <a:gsLst>
             <a:gs pos="0">
               <a:schemeClr val="phClr">
-                <a:tint val="64000"/>
-                <a:lumMod val="118000"/>
+                <a:tint val="80000"/>
+                <a:satMod val="107000"/>
+                <a:lumMod val="103000"/>
               </a:schemeClr>
             </a:gs>
             <a:gs pos="100000">
               <a:schemeClr val="phClr">
-                <a:tint val="92000"/>
-                <a:alpha val="100000"/>
-                <a:lumMod val="110000"/>
+                <a:tint val="82000"/>
+                <a:satMod val="109000"/>
+                <a:lumMod val="103000"/>
               </a:schemeClr>
             </a:gs>
           </a:gsLst>
@@ -10372,14 +8268,23 @@
           <a:gsLst>
             <a:gs pos="0">
               <a:schemeClr val="phClr">
-                <a:tint val="98000"/>
-                <a:lumMod val="114000"/>
+                <a:tint val="97000"/>
+                <a:satMod val="100000"/>
+                <a:lumMod val="102000"/>
+              </a:schemeClr>
+            </a:gs>
+            <a:gs pos="50000">
+              <a:schemeClr val="phClr">
+                <a:shade val="100000"/>
+                <a:satMod val="103000"/>
+                <a:lumMod val="100000"/>
               </a:schemeClr>
             </a:gs>
             <a:gs pos="100000">
               <a:schemeClr val="phClr">
-                <a:shade val="90000"/>
-                <a:lumMod val="84000"/>
+                <a:shade val="93000"/>
+                <a:satMod val="110000"/>
+                <a:lumMod val="99000"/>
               </a:schemeClr>
             </a:gs>
           </a:gsLst>
@@ -10387,19 +8292,19 @@
         </a:gradFill>
       </a:fillStyleLst>
       <a:lnStyleLst>
-        <a:ln w="9525" cap="rnd" cmpd="sng" algn="ctr">
+        <a:ln w="6350" cap="flat" cmpd="sng" algn="ctr">
           <a:solidFill>
             <a:schemeClr val="phClr"/>
           </a:solidFill>
           <a:prstDash val="solid"/>
         </a:ln>
-        <a:ln w="19050" cap="rnd" cmpd="sng" algn="ctr">
+        <a:ln w="12700" cap="flat" cmpd="sng" algn="ctr">
           <a:solidFill>
             <a:schemeClr val="phClr"/>
           </a:solidFill>
           <a:prstDash val="solid"/>
         </a:ln>
-        <a:ln w="28575" cap="rnd" cmpd="sng" algn="ctr">
+        <a:ln w="31750" cap="flat" cmpd="sng" algn="ctr">
           <a:solidFill>
             <a:schemeClr val="phClr"/>
           </a:solidFill>
@@ -10411,19 +8316,13 @@
           <a:effectLst/>
         </a:effectStyle>
         <a:effectStyle>
-          <a:effectLst>
-            <a:outerShdw blurRad="38100" dist="25400" dir="5400000" rotWithShape="0">
-              <a:srgbClr val="000000">
-                <a:alpha val="45000"/>
-              </a:srgbClr>
-            </a:outerShdw>
-          </a:effectLst>
+          <a:effectLst/>
         </a:effectStyle>
         <a:effectStyle>
           <a:effectLst>
-            <a:outerShdw blurRad="63500" dist="38100" dir="5400000" rotWithShape="0">
+            <a:outerShdw blurRad="55880" dist="15240" dir="5400000" algn="ctr" rotWithShape="0">
               <a:srgbClr val="000000">
-                <a:alpha val="60000"/>
+                <a:alpha val="45000"/>
               </a:srgbClr>
             </a:outerShdw>
           </a:effectLst>
@@ -10431,9 +8330,9 @@
             <a:camera prst="orthographicFront">
               <a:rot lat="0" lon="0" rev="0"/>
             </a:camera>
-            <a:lightRig rig="threePt" dir="tl"/>
+            <a:lightRig rig="brightRoom" dir="tl"/>
           </a:scene3d>
-          <a:sp3d prstMaterial="plastic">
+          <a:sp3d prstMaterial="dkEdge">
             <a:bevelT w="0" h="0"/>
           </a:sp3d>
         </a:effectStyle>
@@ -10442,46 +8341,35 @@
         <a:solidFill>
           <a:schemeClr val="phClr"/>
         </a:solidFill>
+        <a:solidFill>
+          <a:schemeClr val="phClr">
+            <a:tint val="95000"/>
+            <a:satMod val="170000"/>
+          </a:schemeClr>
+        </a:solidFill>
         <a:gradFill rotWithShape="1">
           <a:gsLst>
             <a:gs pos="0">
               <a:schemeClr val="phClr">
-                <a:tint val="98000"/>
-                <a:hueMod val="104000"/>
-                <a:satMod val="128000"/>
-                <a:lumMod val="104000"/>
+                <a:tint val="97000"/>
+                <a:shade val="100000"/>
+                <a:satMod val="185000"/>
+                <a:lumMod val="120000"/>
               </a:schemeClr>
             </a:gs>
             <a:gs pos="100000">
               <a:schemeClr val="phClr">
-                <a:shade val="76000"/>
-                <a:hueMod val="89000"/>
-                <a:satMod val="164000"/>
-                <a:lumMod val="68000"/>
+                <a:tint val="96000"/>
+                <a:shade val="95000"/>
+                <a:satMod val="215000"/>
+                <a:lumMod val="80000"/>
               </a:schemeClr>
             </a:gs>
           </a:gsLst>
           <a:path path="circle">
-            <a:fillToRect l="45000" t="65000" r="125000" b="100000"/>
+            <a:fillToRect l="50000" t="55000" r="125000" b="100000"/>
           </a:path>
         </a:gradFill>
-        <a:blipFill rotWithShape="1">
-          <a:blip xmlns:r="http://schemas.openxmlformats.org/officeDocument/2006/relationships" r:embed="rId1">
-            <a:duotone>
-              <a:schemeClr val="phClr">
-                <a:shade val="42000"/>
-                <a:hueMod val="42000"/>
-                <a:satMod val="124000"/>
-                <a:lumMod val="62000"/>
-              </a:schemeClr>
-              <a:schemeClr val="phClr">
-                <a:tint val="96000"/>
-                <a:satMod val="130000"/>
-              </a:schemeClr>
-            </a:duotone>
-          </a:blip>
-          <a:stretch/>
-        </a:blipFill>
       </a:bgFillStyleLst>
     </a:fmtScheme>
   </a:themeElements>
@@ -10489,7 +8377,7 @@
   <a:extraClrSchemeLst/>
   <a:extLst>
     <a:ext uri="{05A4C25C-085E-4340-85A3-A5531E510DB2}">
-      <thm15:themeFamily xmlns:thm15="http://schemas.microsoft.com/office/thememl/2012/main" name="Ion" id="{B8441ADB-2E43-4AF7-B97A-BD870242C6A8}" vid="{5A2F9111-B2DB-470C-BA56-608F9B658826}"/>
+      <thm15:themeFamily xmlns:thm15="http://schemas.microsoft.com/office/thememl/2012/main" name="Parcel" id="{8BEC4385-4EB9-4D53-BFB5-0EA123736B6D}" vid="{4DB32801-28C0-48B0-8C1D-A9A58613615A}"/>
     </a:ext>
   </a:extLst>
 </a:theme>

--- a/Alexa ppt.pptx
+++ b/Alexa ppt.pptx
@@ -4192,15 +4192,7 @@
                   <a:srgbClr val="0070C0"/>
                 </a:solidFill>
               </a:rPr>
-              <a:t>How </a:t>
-            </a:r>
-            <a:r>
-              <a:rPr lang="en-US" dirty="0" smtClean="0">
-                <a:solidFill>
-                  <a:srgbClr val="0070C0"/>
-                </a:solidFill>
-              </a:rPr>
-              <a:t>does it work?</a:t>
+              <a:t>How does it work?</a:t>
             </a:r>
             <a:endParaRPr lang="en-US" dirty="0">
               <a:solidFill>
@@ -5872,15 +5864,7 @@
                   <a:srgbClr val="0070C0"/>
                 </a:solidFill>
               </a:rPr>
-              <a:t>TEAM </a:t>
-            </a:r>
-            <a:r>
-              <a:rPr lang="en-US" sz="3100" b="1" dirty="0" smtClean="0">
-                <a:solidFill>
-                  <a:srgbClr val="0070C0"/>
-                </a:solidFill>
-              </a:rPr>
-              <a:t>MEMBERS:</a:t>
+              <a:t>TEAM MEMBERS:</a:t>
             </a:r>
             <a:r>
               <a:rPr lang="en-US" sz="2200" dirty="0" smtClean="0">
@@ -6038,15 +6022,7 @@
                   <a:srgbClr val="00B0F0"/>
                 </a:solidFill>
               </a:rPr>
-              <a:t>https://</a:t>
-            </a:r>
-            <a:r>
-              <a:rPr lang="en-US" u="sng" dirty="0" smtClean="0">
-                <a:solidFill>
-                  <a:srgbClr val="00B0F0"/>
-                </a:solidFill>
-              </a:rPr>
-              <a:t>github.com/annie0sc</a:t>
+              <a:t>https://github.com/annie0sc</a:t>
             </a:r>
             <a:r>
               <a:rPr lang="en-US" dirty="0" smtClean="0"/>
@@ -6058,21 +6034,8 @@
                   <a:srgbClr val="00B0F0"/>
                 </a:solidFill>
               </a:rPr>
-              <a:t>https://</a:t>
-            </a:r>
-            <a:r>
-              <a:rPr lang="en-US" u="sng" dirty="0" smtClean="0">
-                <a:solidFill>
-                  <a:srgbClr val="00B0F0"/>
-                </a:solidFill>
-              </a:rPr>
-              <a:t>github.com/alekhyajaddu  </a:t>
-            </a:r>
-            <a:endParaRPr lang="en-US" u="sng" dirty="0" smtClean="0">
-              <a:solidFill>
-                <a:srgbClr val="00B0F0"/>
-              </a:solidFill>
-            </a:endParaRPr>
+              <a:t>https://github.com/alekhyajaddu  </a:t>
+            </a:r>
           </a:p>
           <a:p>
             <a:endParaRPr lang="en-US" dirty="0">
@@ -6127,15 +6090,7 @@
                   <a:srgbClr val="00B0F0"/>
                 </a:solidFill>
               </a:rPr>
-              <a:t>https://</a:t>
-            </a:r>
-            <a:r>
-              <a:rPr lang="en-US" u="sng" dirty="0" smtClean="0">
-                <a:solidFill>
-                  <a:srgbClr val="00B0F0"/>
-                </a:solidFill>
-              </a:rPr>
-              <a:t>github.com/gundupooja</a:t>
+              <a:t>https://github.com/gundupooja</a:t>
             </a:r>
             <a:r>
               <a:rPr lang="en-US" dirty="0" smtClean="0">
@@ -6155,15 +6110,7 @@
                   <a:srgbClr val="00B0F0"/>
                 </a:solidFill>
               </a:rPr>
-              <a:t>https://</a:t>
-            </a:r>
-            <a:r>
-              <a:rPr lang="en-US" u="sng" dirty="0" smtClean="0">
-                <a:solidFill>
-                  <a:srgbClr val="00B0F0"/>
-                </a:solidFill>
-              </a:rPr>
-              <a:t>github.com/sushmachanati</a:t>
+              <a:t>https://github.com/sushmachanati</a:t>
             </a:r>
             <a:endParaRPr lang="en-US" u="sng" dirty="0">
               <a:solidFill>
@@ -6511,11 +6458,6 @@
               </a:rPr>
               <a:t>Does It Work?</a:t>
             </a:r>
-            <a:endParaRPr lang="en-US" sz="3200" dirty="0" smtClean="0">
-              <a:solidFill>
-                <a:srgbClr val="92D050"/>
-              </a:solidFill>
-            </a:endParaRPr>
           </a:p>
           <a:p>
             <a:pPr>
@@ -7246,28 +7188,52 @@
           </a:p>
           <a:p>
             <a:r>
-              <a:rPr lang="en-US" sz="2400" dirty="0">
-                <a:solidFill>
-                  <a:srgbClr val="FFFF00"/>
-                </a:solidFill>
-              </a:rPr>
-              <a:t>Smart</a:t>
+              <a:rPr lang="en-US" sz="2400" dirty="0" smtClean="0">
+                <a:solidFill>
+                  <a:schemeClr val="tx1"/>
+                </a:solidFill>
+              </a:rPr>
+              <a:t>‘Smart</a:t>
+            </a:r>
+            <a:r>
+              <a:rPr lang="en-US" sz="2400" dirty="0" smtClean="0"/>
+              <a:t>’</a:t>
+            </a:r>
+            <a:r>
+              <a:rPr lang="en-US" sz="2400" dirty="0" smtClean="0"/>
+              <a:t> </a:t>
             </a:r>
             <a:r>
               <a:rPr lang="en-US" sz="2400" dirty="0"/>
-              <a:t>' and '</a:t>
-            </a:r>
-            <a:r>
-              <a:rPr lang="en-US" sz="2400" dirty="0">
-                <a:solidFill>
-                  <a:srgbClr val="FFFF00"/>
+              <a:t>and </a:t>
+            </a:r>
+            <a:r>
+              <a:rPr lang="en-US" sz="2400" dirty="0" smtClean="0">
+                <a:solidFill>
+                  <a:schemeClr val="tx1"/>
+                </a:solidFill>
+              </a:rPr>
+              <a:t>‘</a:t>
+            </a:r>
+            <a:r>
+              <a:rPr lang="en-US" sz="2400" dirty="0" smtClean="0">
+                <a:solidFill>
+                  <a:schemeClr val="tx1"/>
                 </a:solidFill>
               </a:rPr>
               <a:t>connected</a:t>
             </a:r>
             <a:r>
+              <a:rPr lang="en-US" sz="2400" dirty="0" smtClean="0"/>
+              <a:t>’</a:t>
+            </a:r>
+            <a:r>
+              <a:rPr lang="en-US" sz="2400" dirty="0" smtClean="0"/>
+              <a:t> </a:t>
+            </a:r>
+            <a:r>
               <a:rPr lang="en-US" sz="2400" dirty="0"/>
-              <a:t>' are the two words defining the majority of devices around us today. One of the fastest growing categories with these two features lies with smart </a:t>
+              <a:t>are the two words defining the majority of devices around us today. One of the fastest growing categories with these two features lies with smart </a:t>
             </a:r>
             <a:r>
               <a:rPr lang="en-US" sz="2400" dirty="0" smtClean="0"/>
@@ -7784,11 +7750,7 @@
           <a:p>
             <a:r>
               <a:rPr lang="en-US" sz="2800" dirty="0" smtClean="0"/>
-              <a:t>The </a:t>
-            </a:r>
-            <a:r>
-              <a:rPr lang="en-US" sz="2800" dirty="0" smtClean="0"/>
-              <a:t>Alexa Skills Kit provides Self Service APIs and tools that you can use to build Alexa skills</a:t>
+              <a:t>The Alexa Skills Kit provides Self Service APIs and tools that you can use to build Alexa skills</a:t>
             </a:r>
           </a:p>
           <a:p>
@@ -7948,15 +7910,7 @@
                   <a:srgbClr val="0070C0"/>
                 </a:solidFill>
               </a:rPr>
-              <a:t>ALEXA </a:t>
-            </a:r>
-            <a:r>
-              <a:rPr lang="en-US" dirty="0" smtClean="0">
-                <a:solidFill>
-                  <a:srgbClr val="0070C0"/>
-                </a:solidFill>
-              </a:rPr>
-              <a:t>SKILLs</a:t>
+              <a:t>ALEXA SKILLs</a:t>
             </a:r>
             <a:endParaRPr lang="en-US" dirty="0">
               <a:solidFill>

--- a/Alexa ppt.pptx
+++ b/Alexa ppt.pptx
@@ -6759,7 +6759,7 @@
             <a:r>
               <a:rPr lang="en-US" sz="2400" dirty="0" smtClean="0">
                 <a:solidFill>
-                  <a:srgbClr val="FFFF00"/>
+                  <a:srgbClr val="92D050"/>
                 </a:solidFill>
               </a:rPr>
               <a:t>VOICE.</a:t>
@@ -7197,11 +7197,7 @@
             </a:r>
             <a:r>
               <a:rPr lang="en-US" sz="2400" dirty="0" smtClean="0"/>
-              <a:t>’</a:t>
-            </a:r>
-            <a:r>
-              <a:rPr lang="en-US" sz="2400" dirty="0" smtClean="0"/>
-              <a:t> </a:t>
+              <a:t>’ </a:t>
             </a:r>
             <a:r>
               <a:rPr lang="en-US" sz="2400" dirty="0"/>
@@ -7213,23 +7209,11 @@
                   <a:schemeClr val="tx1"/>
                 </a:solidFill>
               </a:rPr>
-              <a:t>‘</a:t>
-            </a:r>
-            <a:r>
-              <a:rPr lang="en-US" sz="2400" dirty="0" smtClean="0">
-                <a:solidFill>
-                  <a:schemeClr val="tx1"/>
-                </a:solidFill>
-              </a:rPr>
-              <a:t>connected</a:t>
+              <a:t>‘connected</a:t>
             </a:r>
             <a:r>
               <a:rPr lang="en-US" sz="2400" dirty="0" smtClean="0"/>
-              <a:t>’</a:t>
-            </a:r>
-            <a:r>
-              <a:rPr lang="en-US" sz="2400" dirty="0" smtClean="0"/>
-              <a:t> </a:t>
+              <a:t>’ </a:t>
             </a:r>
             <a:r>
               <a:rPr lang="en-US" sz="2400" dirty="0"/>

--- a/Alexa ppt.pptx
+++ b/Alexa ppt.pptx
@@ -4391,9 +4391,16 @@
           </a:bodyPr>
           <a:lstStyle/>
           <a:p>
+            <a:endParaRPr lang="en-US" sz="2000" b="1" dirty="0" smtClean="0"/>
+          </a:p>
+          <a:p>
+            <a:r>
+              <a:rPr lang="en-US" sz="2000" b="1" dirty="0" smtClean="0"/>
+              <a:t>AWS </a:t>
+            </a:r>
             <a:r>
               <a:rPr lang="en-US" sz="2000" b="1" dirty="0"/>
-              <a:t>AWS Lambda</a:t>
+              <a:t>Lambda</a:t>
             </a:r>
             <a:r>
               <a:rPr lang="en-US" sz="2000" dirty="0"/>
@@ -4421,34 +4428,16 @@
             </a:r>
           </a:p>
           <a:p>
+            <a:endParaRPr lang="en-US" sz="2000" dirty="0" smtClean="0"/>
+          </a:p>
+          <a:p>
+            <a:r>
+              <a:rPr lang="en-US" sz="2000" dirty="0" smtClean="0"/>
+              <a:t>AWS </a:t>
+            </a:r>
             <a:r>
               <a:rPr lang="en-US" sz="2000" dirty="0"/>
-              <a:t>The purpose of Lambda</a:t>
-            </a:r>
-            <a:r>
-              <a:rPr lang="en-US" sz="2000" dirty="0" smtClean="0"/>
-              <a:t>, </a:t>
-            </a:r>
-            <a:r>
-              <a:rPr lang="en-US" sz="2000" dirty="0"/>
-              <a:t>is to simplify building smaller, on-demand applications that are responsive to events and new information. </a:t>
-            </a:r>
-            <a:endParaRPr lang="en-US" sz="2000" dirty="0" smtClean="0"/>
-          </a:p>
-          <a:p>
-            <a:r>
-              <a:rPr lang="en-US" sz="2000" dirty="0"/>
-              <a:t> AWS Lambda can also be used to automatically provision back-end services triggered by custom HTTP </a:t>
-            </a:r>
-            <a:r>
-              <a:rPr lang="en-US" sz="2000" dirty="0" smtClean="0"/>
-              <a:t>requests.</a:t>
-            </a:r>
-          </a:p>
-          <a:p>
-            <a:r>
-              <a:rPr lang="en-US" sz="2000" dirty="0"/>
-              <a:t>AWS Lambda supports code written in several languages, including Node.js, Java, and Python</a:t>
+              <a:t>Lambda supports code written in several languages, including Node.js, Java, and Python</a:t>
             </a:r>
             <a:r>
               <a:rPr lang="en-US" sz="2000" dirty="0" smtClean="0"/>
@@ -4594,6 +4583,9 @@
           </a:bodyPr>
           <a:lstStyle/>
           <a:p>
+            <a:endParaRPr lang="en-US" sz="2000" dirty="0" smtClean="0"/>
+          </a:p>
+          <a:p>
             <a:r>
               <a:rPr lang="en-US" sz="2000" dirty="0" smtClean="0"/>
               <a:t>Endpoint </a:t>
@@ -4608,37 +4600,31 @@
             </a:r>
           </a:p>
           <a:p>
+            <a:pPr marL="0" indent="0">
+              <a:buNone/>
+            </a:pPr>
+            <a:endParaRPr lang="en-US" sz="2000" dirty="0" smtClean="0"/>
+          </a:p>
+          <a:p>
+            <a:r>
+              <a:rPr lang="en-US" sz="2000" dirty="0" smtClean="0"/>
+              <a:t>The</a:t>
+            </a:r>
+            <a:r>
+              <a:rPr lang="en-US" sz="2000" dirty="0" smtClean="0"/>
+              <a:t> </a:t>
+            </a:r>
             <a:r>
               <a:rPr lang="en-US" sz="2000" dirty="0"/>
-              <a:t>At the top of the page you will now have an ARN </a:t>
+              <a:t>ARN </a:t>
             </a:r>
             <a:r>
               <a:rPr lang="en-US" sz="2000" dirty="0" smtClean="0"/>
-              <a:t>(Application Reference Number). </a:t>
-            </a:r>
-            <a:r>
-              <a:rPr lang="en-US" sz="2000" dirty="0"/>
-              <a:t>Copy this </a:t>
+              <a:t>(Application Reference Number</a:t>
             </a:r>
             <a:r>
               <a:rPr lang="en-US" sz="2000" dirty="0" smtClean="0"/>
-              <a:t>ARN.</a:t>
-            </a:r>
-          </a:p>
-          <a:p>
-            <a:r>
-              <a:rPr lang="en-US" sz="2000" dirty="0"/>
-              <a:t>Head back to the Alexa Developer Console. Under the Endpoints menu, paste in the ARN next to Default region</a:t>
-            </a:r>
-            <a:r>
-              <a:rPr lang="en-US" sz="2000" dirty="0" smtClean="0"/>
-              <a:t>.</a:t>
-            </a:r>
-          </a:p>
-          <a:p>
-            <a:r>
-              <a:rPr lang="en-US" sz="2000" dirty="0" smtClean="0"/>
-              <a:t>Save endpoints.</a:t>
+              <a:t>) is available at the top right hand side of the site, which has to be linked with the console.</a:t>
             </a:r>
             <a:endParaRPr lang="en-US" sz="2000" dirty="0"/>
           </a:p>
@@ -4776,26 +4762,43 @@
           </a:bodyPr>
           <a:lstStyle/>
           <a:p>
+            <a:endParaRPr lang="en-US" sz="2000" dirty="0" smtClean="0"/>
+          </a:p>
+          <a:p>
             <a:r>
               <a:rPr lang="en-US" sz="2000" dirty="0" smtClean="0"/>
-              <a:t>After connecting,</a:t>
+              <a:t>Lambda </a:t>
+            </a:r>
+            <a:r>
+              <a:rPr lang="en-US" sz="2000" dirty="0" smtClean="0"/>
+              <a:t>executes </a:t>
+            </a:r>
+            <a:r>
+              <a:rPr lang="en-US" sz="2000" dirty="0" smtClean="0"/>
+              <a:t>the code</a:t>
+            </a:r>
+            <a:r>
+              <a:rPr lang="en-US" sz="2000" dirty="0" smtClean="0"/>
+              <a:t> </a:t>
             </a:r>
             <a:r>
               <a:rPr lang="en-US" sz="2000" dirty="0"/>
-              <a:t> Alexa skill to a Lambda </a:t>
+              <a:t>in response to Alexa voice </a:t>
             </a:r>
             <a:r>
               <a:rPr lang="en-US" sz="2000" dirty="0" smtClean="0"/>
-              <a:t>function, Lambda executes </a:t>
-            </a:r>
-            <a:r>
-              <a:rPr lang="en-US" sz="2000" dirty="0"/>
-              <a:t>it in response to Alexa voice </a:t>
+              <a:t>interactions</a:t>
             </a:r>
             <a:r>
               <a:rPr lang="en-US" sz="2000" dirty="0" smtClean="0"/>
-              <a:t>interactions.</a:t>
-            </a:r>
+              <a:t>.</a:t>
+            </a:r>
+          </a:p>
+          <a:p>
+            <a:pPr marL="0" indent="0">
+              <a:buNone/>
+            </a:pPr>
+            <a:endParaRPr lang="en-US" sz="2000" dirty="0" smtClean="0"/>
           </a:p>
           <a:p>
             <a:r>
@@ -4804,36 +4807,11 @@
             </a:r>
             <a:r>
               <a:rPr lang="en-US" sz="2000" dirty="0" smtClean="0"/>
-              <a:t>using HTTP over TLS. </a:t>
-            </a:r>
-            <a:endParaRPr lang="en-US" sz="2000" dirty="0"/>
-          </a:p>
-          <a:p>
+              <a:t>using HTTP over </a:t>
+            </a:r>
             <a:r>
               <a:rPr lang="en-US" sz="2000" dirty="0" smtClean="0"/>
-              <a:t>When </a:t>
-            </a:r>
-            <a:r>
-              <a:rPr lang="en-US" sz="2000" dirty="0"/>
-              <a:t>a user interacts with an Alexa skill, your service receives a request containing a JSON </a:t>
-            </a:r>
-            <a:r>
-              <a:rPr lang="en-US" sz="2000" dirty="0" smtClean="0"/>
-              <a:t>body.</a:t>
-            </a:r>
-          </a:p>
-          <a:p>
-            <a:r>
-              <a:rPr lang="en-US" sz="2000" dirty="0" smtClean="0"/>
-              <a:t> </a:t>
-            </a:r>
-            <a:r>
-              <a:rPr lang="en-US" sz="2000" dirty="0"/>
-              <a:t>The request body contains the parameters necessary for the service to perform its logic and generate a JSON-formatted </a:t>
-            </a:r>
-            <a:r>
-              <a:rPr lang="en-US" sz="2000" dirty="0" smtClean="0"/>
-              <a:t>response.</a:t>
+              <a:t>TLS(Transport Layer Security). </a:t>
             </a:r>
             <a:endParaRPr lang="en-US" sz="2000" dirty="0"/>
           </a:p>
@@ -4978,50 +4956,40 @@
             <a:endParaRPr lang="en-US" sz="2000" dirty="0" smtClean="0"/>
           </a:p>
           <a:p>
+            <a:pPr marL="0" indent="0">
+              <a:buNone/>
+            </a:pPr>
+            <a:endParaRPr lang="en-US" sz="2000" dirty="0" smtClean="0"/>
+          </a:p>
+          <a:p>
             <a:r>
               <a:rPr lang="en-US" sz="2000" dirty="0" smtClean="0"/>
-              <a:t>It </a:t>
+              <a:t>Users </a:t>
             </a:r>
             <a:r>
               <a:rPr lang="en-US" sz="2000" dirty="0"/>
-              <a:t>is capable of voice interaction, music </a:t>
+              <a:t>are able to extend the Alexa capabilities by installing </a:t>
             </a:r>
             <a:r>
               <a:rPr lang="en-US" sz="2000" dirty="0" smtClean="0"/>
-              <a:t>playback, providing </a:t>
+              <a:t>“skills</a:t>
+            </a:r>
+            <a:r>
+              <a:rPr lang="en-US" sz="2000" dirty="0" smtClean="0"/>
+              <a:t>”.</a:t>
+            </a:r>
+          </a:p>
+          <a:p>
+            <a:endParaRPr lang="en-US" sz="2000" dirty="0"/>
+          </a:p>
+          <a:p>
+            <a:r>
+              <a:rPr lang="en-US" sz="2000" dirty="0" smtClean="0"/>
+              <a:t> Amazon </a:t>
             </a:r>
             <a:r>
               <a:rPr lang="en-US" sz="2000" dirty="0"/>
-              <a:t>weather, traffic, sports, and other real-time information, such as news</a:t>
-            </a:r>
-            <a:r>
-              <a:rPr lang="en-US" sz="2000" dirty="0" smtClean="0"/>
-              <a:t>.</a:t>
-            </a:r>
-            <a:endParaRPr lang="en-US" sz="2000" baseline="30000" dirty="0" smtClean="0"/>
-          </a:p>
-          <a:p>
-            <a:r>
-              <a:rPr lang="en-US" sz="2000" dirty="0"/>
-              <a:t> Alexa can also control several smart devices using itself as a </a:t>
-            </a:r>
-            <a:r>
-              <a:rPr lang="en-US" sz="2000" dirty="0" smtClean="0"/>
-              <a:t>home </a:t>
-            </a:r>
-            <a:r>
-              <a:rPr lang="en-US" sz="2000" dirty="0"/>
-              <a:t>automation system. Users are able to extend the Alexa capabilities by installing "</a:t>
-            </a:r>
-            <a:r>
-              <a:rPr lang="en-US" sz="2000" dirty="0" smtClean="0"/>
-              <a:t>skills“.</a:t>
-            </a:r>
-          </a:p>
-          <a:p>
-            <a:r>
-              <a:rPr lang="en-US" sz="2000" dirty="0"/>
-              <a:t>Amazon had over 90,000 functions ("skills") available for users to download on their Alexa-enabled </a:t>
+              <a:t>had over 90,000 functions ("skills") available for users to download on their Alexa-enabled </a:t>
             </a:r>
             <a:r>
               <a:rPr lang="en-US" sz="2000" dirty="0" smtClean="0"/>
@@ -5309,22 +5277,22 @@
           <a:bodyPr/>
           <a:lstStyle/>
           <a:p>
+            <a:endParaRPr lang="en-US" sz="2000" dirty="0" smtClean="0"/>
+          </a:p>
+          <a:p>
             <a:r>
               <a:rPr lang="en-US" sz="2000" dirty="0" smtClean="0"/>
-              <a:t>Amazon Echo is a big step forward when it comes to voice controlled technology.</a:t>
-            </a:r>
-          </a:p>
-          <a:p>
-            <a:pPr marL="0" indent="0">
-              <a:buNone/>
-            </a:pPr>
+              <a:t>Amazon </a:t>
+            </a:r>
+            <a:r>
+              <a:rPr lang="en-US" sz="2000" dirty="0" smtClean="0"/>
+              <a:t>Echo is a big step forward when it comes to voice controlled technology</a:t>
+            </a:r>
+            <a:r>
+              <a:rPr lang="en-US" sz="2000" dirty="0" smtClean="0"/>
+              <a:t>.</a:t>
+            </a:r>
             <a:endParaRPr lang="en-US" sz="2000" dirty="0" smtClean="0"/>
-          </a:p>
-          <a:p>
-            <a:r>
-              <a:rPr lang="en-US" sz="2000" dirty="0" smtClean="0"/>
-              <a:t>As the technology continues to improve you can do a lot of things with Alexa</a:t>
-            </a:r>
           </a:p>
           <a:p>
             <a:endParaRPr lang="en-US" sz="2000" dirty="0" smtClean="0"/>
@@ -6687,8 +6655,8 @@
         </p:nvSpPr>
         <p:spPr>
           <a:xfrm>
-            <a:off x="1300288" y="452719"/>
-            <a:ext cx="9404723" cy="945008"/>
+            <a:off x="1964547" y="864973"/>
+            <a:ext cx="8065079" cy="1173892"/>
           </a:xfrm>
         </p:spPr>
         <p:txBody>
@@ -6727,8 +6695,8 @@
         </p:nvSpPr>
         <p:spPr>
           <a:xfrm>
-            <a:off x="796834" y="1580606"/>
-            <a:ext cx="10633166" cy="4667793"/>
+            <a:off x="1861456" y="2554552"/>
+            <a:ext cx="8843555" cy="3361039"/>
           </a:xfrm>
         </p:spPr>
         <p:txBody>
@@ -6754,44 +6722,9 @@
             </a:r>
             <a:r>
               <a:rPr lang="en-US" sz="2400" dirty="0" smtClean="0"/>
-              <a:t>ecosystem. It enables the customers to interact with more intuitive way using </a:t>
-            </a:r>
-            <a:r>
-              <a:rPr lang="en-US" sz="2400" dirty="0" smtClean="0">
-                <a:solidFill>
-                  <a:srgbClr val="92D050"/>
-                </a:solidFill>
-              </a:rPr>
-              <a:t>VOICE.</a:t>
-            </a:r>
-          </a:p>
-          <a:p>
-            <a:pPr marL="0" indent="0">
-              <a:buNone/>
-            </a:pPr>
-            <a:endParaRPr lang="en-US" sz="2400" dirty="0"/>
-          </a:p>
-          <a:p>
-            <a:r>
-              <a:rPr lang="en-US" sz="2400" dirty="0" smtClean="0"/>
-              <a:t>Examples of these skills include the ability to play </a:t>
-            </a:r>
-            <a:r>
-              <a:rPr lang="en-US" sz="2400" dirty="0"/>
-              <a:t>M</a:t>
-            </a:r>
-            <a:r>
-              <a:rPr lang="en-US" sz="2400" dirty="0" smtClean="0"/>
-              <a:t>usic, provide </a:t>
-            </a:r>
-            <a:r>
-              <a:rPr lang="en-US" sz="2400" dirty="0"/>
-              <a:t>I</a:t>
-            </a:r>
-            <a:r>
-              <a:rPr lang="en-US" sz="2400" dirty="0" smtClean="0"/>
-              <a:t>nformation, deliver news and sports scores, tell you the weather information.</a:t>
-            </a:r>
+              <a:t>ecosystem. </a:t>
+            </a:r>
+            <a:endParaRPr lang="en-US" sz="2400" dirty="0" smtClean="0"/>
           </a:p>
           <a:p>
             <a:pPr marL="0" indent="0">
@@ -7132,7 +7065,12 @@
             <p:ph type="title"/>
           </p:nvPr>
         </p:nvSpPr>
-        <p:spPr/>
+        <p:spPr>
+          <a:xfrm>
+            <a:off x="2231136" y="964692"/>
+            <a:ext cx="7729728" cy="1188720"/>
+          </a:xfrm>
+        </p:spPr>
         <p:txBody>
           <a:bodyPr/>
           <a:lstStyle/>
@@ -7173,6 +7111,9 @@
           <a:bodyPr/>
           <a:lstStyle/>
           <a:p>
+            <a:endParaRPr lang="en-US" sz="2400" dirty="0" smtClean="0"/>
+          </a:p>
+          <a:p>
             <a:r>
               <a:rPr lang="en-US" sz="2400" dirty="0" smtClean="0"/>
               <a:t>The </a:t>
@@ -7183,8 +7124,18 @@
             </a:r>
             <a:r>
               <a:rPr lang="en-US" sz="2400" dirty="0" smtClean="0"/>
-              <a:t>Intelligence.</a:t>
-            </a:r>
+              <a:t>Intelligence</a:t>
+            </a:r>
+            <a:r>
+              <a:rPr lang="en-US" sz="2400" dirty="0" smtClean="0"/>
+              <a:t>.</a:t>
+            </a:r>
+          </a:p>
+          <a:p>
+            <a:pPr marL="0" indent="0">
+              <a:buNone/>
+            </a:pPr>
+            <a:endParaRPr lang="en-US" sz="2400" dirty="0" smtClean="0"/>
           </a:p>
           <a:p>
             <a:r>
@@ -7217,19 +7168,8 @@
             </a:r>
             <a:r>
               <a:rPr lang="en-US" sz="2400" dirty="0"/>
-              <a:t>are the two words defining the majority of devices around us today. One of the fastest growing categories with these two features lies with smart </a:t>
-            </a:r>
-            <a:r>
-              <a:rPr lang="en-US" sz="2400" dirty="0" smtClean="0"/>
-              <a:t>speakers.</a:t>
-            </a:r>
-          </a:p>
-          <a:p>
-            <a:r>
-              <a:rPr lang="en-US" sz="2400" dirty="0" smtClean="0"/>
-              <a:t>We are controlling everything via virtual assistants instead through apps.</a:t>
-            </a:r>
-            <a:endParaRPr lang="en-US" sz="2400" dirty="0"/>
+              <a:t>are the two words defining the majority of devices around us today. </a:t>
+            </a:r>
           </a:p>
         </p:txBody>
       </p:sp>
@@ -7324,8 +7264,8 @@
         </p:nvSpPr>
         <p:spPr>
           <a:xfrm>
-            <a:off x="770709" y="352698"/>
-            <a:ext cx="10162902" cy="6139542"/>
+            <a:off x="798512" y="1989438"/>
+            <a:ext cx="10162902" cy="4127157"/>
           </a:xfrm>
         </p:spPr>
         <p:txBody>
@@ -7334,112 +7274,82 @@
           </a:bodyPr>
           <a:lstStyle/>
           <a:p>
+            <a:pPr>
+              <a:buFont typeface="Wingdings" panose="05000000000000000000" pitchFamily="2" charset="2"/>
+              <a:buChar char="Ø"/>
+            </a:pPr>
+            <a:r>
+              <a:rPr lang="en-US" sz="2400" dirty="0" smtClean="0">
+                <a:solidFill>
+                  <a:srgbClr val="00B050"/>
+                </a:solidFill>
+              </a:rPr>
+              <a:t>Invocation </a:t>
+            </a:r>
+          </a:p>
+          <a:p>
+            <a:pPr>
+              <a:buFont typeface="Wingdings" panose="05000000000000000000" pitchFamily="2" charset="2"/>
+              <a:buChar char="Ø"/>
+            </a:pPr>
+            <a:r>
+              <a:rPr lang="en-US" sz="2400" dirty="0" smtClean="0">
+                <a:solidFill>
+                  <a:srgbClr val="00B050"/>
+                </a:solidFill>
+              </a:rPr>
+              <a:t>Intent </a:t>
+            </a:r>
+          </a:p>
+          <a:p>
+            <a:pPr>
+              <a:buFont typeface="Wingdings" panose="05000000000000000000" pitchFamily="2" charset="2"/>
+              <a:buChar char="Ø"/>
+            </a:pPr>
+            <a:r>
+              <a:rPr lang="en-US" sz="2400" dirty="0" smtClean="0">
+                <a:solidFill>
+                  <a:srgbClr val="00B050"/>
+                </a:solidFill>
+              </a:rPr>
+              <a:t>Build Model</a:t>
+            </a:r>
+          </a:p>
+          <a:p>
+            <a:pPr>
+              <a:buFont typeface="Wingdings" panose="05000000000000000000" pitchFamily="2" charset="2"/>
+              <a:buChar char="Ø"/>
+            </a:pPr>
+            <a:r>
+              <a:rPr lang="en-US" sz="2400" dirty="0" smtClean="0">
+                <a:solidFill>
+                  <a:srgbClr val="00B050"/>
+                </a:solidFill>
+              </a:rPr>
+              <a:t>Endpoints</a:t>
+            </a:r>
+          </a:p>
+          <a:p>
             <a:pPr marL="0" indent="0">
               <a:buNone/>
             </a:pPr>
-            <a:endParaRPr lang="en-US" dirty="0" smtClean="0"/>
-          </a:p>
-          <a:p>
-            <a:pPr marL="0" indent="0">
-              <a:buNone/>
-            </a:pPr>
-            <a:r>
-              <a:rPr lang="en-US" sz="3600" dirty="0" smtClean="0"/>
-              <a:t> </a:t>
-            </a:r>
-            <a:r>
-              <a:rPr lang="en-US" sz="4400" dirty="0" smtClean="0">
-                <a:solidFill>
-                  <a:srgbClr val="0070C0"/>
-                </a:solidFill>
-              </a:rPr>
-              <a:t>Alexa Developer Console</a:t>
+            <a:r>
+              <a:rPr lang="en-US" dirty="0" smtClean="0"/>
+              <a:t>  </a:t>
+            </a:r>
+            <a:r>
+              <a:rPr lang="en-US" sz="4000" dirty="0" smtClean="0">
+                <a:solidFill>
+                  <a:schemeClr val="tx1"/>
+                </a:solidFill>
+              </a:rPr>
+              <a:t>Important Sources</a:t>
             </a:r>
           </a:p>
           <a:p>
             <a:pPr>
               <a:buFont typeface="Wingdings" panose="05000000000000000000" pitchFamily="2" charset="2"/>
-              <a:buChar char="q"/>
-            </a:pPr>
-            <a:r>
-              <a:rPr lang="en-US" sz="2400" dirty="0">
-                <a:solidFill>
-                  <a:srgbClr val="00B050"/>
-                </a:solidFill>
-              </a:rPr>
-              <a:t>Invocation</a:t>
-            </a:r>
-            <a:r>
-              <a:rPr lang="en-US" sz="2400" dirty="0"/>
-              <a:t> </a:t>
-            </a:r>
-            <a:endParaRPr lang="en-US" sz="2400" dirty="0" smtClean="0"/>
-          </a:p>
-          <a:p>
-            <a:pPr>
-              <a:buFont typeface="Wingdings" panose="05000000000000000000" pitchFamily="2" charset="2"/>
-              <a:buChar char="q"/>
-            </a:pPr>
-            <a:r>
-              <a:rPr lang="en-US" sz="2400" dirty="0" smtClean="0">
-                <a:solidFill>
-                  <a:srgbClr val="00B050"/>
-                </a:solidFill>
-              </a:rPr>
-              <a:t>Intent </a:t>
-            </a:r>
-            <a:endParaRPr lang="en-US" sz="2400" dirty="0" smtClean="0"/>
-          </a:p>
-          <a:p>
-            <a:pPr>
-              <a:buFont typeface="Wingdings" panose="05000000000000000000" pitchFamily="2" charset="2"/>
-              <a:buChar char="q"/>
-            </a:pPr>
-            <a:r>
-              <a:rPr lang="en-US" sz="2400" dirty="0" smtClean="0">
-                <a:solidFill>
-                  <a:srgbClr val="00B050"/>
-                </a:solidFill>
-              </a:rPr>
-              <a:t>Build Model</a:t>
-            </a:r>
-            <a:endParaRPr lang="en-US" sz="2400" dirty="0" smtClean="0"/>
-          </a:p>
-          <a:p>
-            <a:pPr>
-              <a:buFont typeface="Wingdings" panose="05000000000000000000" pitchFamily="2" charset="2"/>
-              <a:buChar char="q"/>
-            </a:pPr>
-            <a:r>
-              <a:rPr lang="en-US" sz="2400" dirty="0" smtClean="0">
-                <a:solidFill>
-                  <a:srgbClr val="00B050"/>
-                </a:solidFill>
-              </a:rPr>
-              <a:t>Endpoints</a:t>
-            </a:r>
-          </a:p>
-          <a:p>
-            <a:pPr marL="0" indent="0">
-              <a:buNone/>
-            </a:pPr>
-            <a:r>
-              <a:rPr lang="en-US" dirty="0" smtClean="0"/>
-              <a:t>  </a:t>
-            </a:r>
-            <a:r>
-              <a:rPr lang="en-US" sz="4000" dirty="0" smtClean="0">
-                <a:solidFill>
-                  <a:srgbClr val="00B0F0"/>
-                </a:solidFill>
-              </a:rPr>
-              <a:t>Important Sources</a:t>
-            </a:r>
-          </a:p>
-          <a:p>
-            <a:pPr>
-              <a:buFont typeface="Wingdings" panose="05000000000000000000" pitchFamily="2" charset="2"/>
-              <a:buChar char="q"/>
+              <a:buChar char="Ø"/>
             </a:pPr>
             <a:r>
               <a:rPr lang="en-US" sz="3200" dirty="0" smtClean="0">
@@ -7459,7 +7369,7 @@
           <a:p>
             <a:pPr>
               <a:buFont typeface="Wingdings" panose="05000000000000000000" pitchFamily="2" charset="2"/>
-              <a:buChar char="q"/>
+              <a:buChar char="Ø"/>
             </a:pPr>
             <a:r>
               <a:rPr lang="en-US" sz="3200" u="sng" dirty="0" smtClean="0">
@@ -7469,19 +7379,6 @@
               </a:rPr>
               <a:t>https://aws.amazon.com</a:t>
             </a:r>
-          </a:p>
-          <a:p>
-            <a:pPr marL="0" indent="0">
-              <a:buNone/>
-            </a:pPr>
-            <a:endParaRPr lang="en-US" sz="3200" dirty="0" smtClean="0"/>
-          </a:p>
-          <a:p>
-            <a:pPr>
-              <a:buFont typeface="Wingdings" panose="05000000000000000000" pitchFamily="2" charset="2"/>
-              <a:buChar char="q"/>
-            </a:pPr>
-            <a:endParaRPr lang="en-US" dirty="0"/>
           </a:p>
         </p:txBody>
       </p:sp>
@@ -7638,6 +7535,46 @@
                 <a:srgbClr val="0070C0"/>
               </a:solidFill>
             </a:endParaRPr>
+          </a:p>
+        </p:txBody>
+      </p:sp>
+      <p:sp>
+        <p:nvSpPr>
+          <p:cNvPr id="6" name="Title 1"/>
+          <p:cNvSpPr>
+            <a:spLocks noGrp="1"/>
+          </p:cNvSpPr>
+          <p:nvPr>
+            <p:ph type="title"/>
+          </p:nvPr>
+        </p:nvSpPr>
+        <p:spPr>
+          <a:xfrm>
+            <a:off x="2130988" y="417658"/>
+            <a:ext cx="7729728" cy="1188720"/>
+          </a:xfrm>
+        </p:spPr>
+        <p:txBody>
+          <a:bodyPr/>
+          <a:lstStyle/>
+          <a:p>
+            <a:r>
+              <a:rPr lang="en-US" dirty="0" smtClean="0">
+                <a:solidFill>
+                  <a:srgbClr val="0070C0"/>
+                </a:solidFill>
+              </a:rPr>
+              <a:t>Alexa </a:t>
+            </a:r>
+            <a:r>
+              <a:rPr lang="en-US" dirty="0">
+                <a:solidFill>
+                  <a:srgbClr val="0070C0"/>
+                </a:solidFill>
+              </a:rPr>
+              <a:t>Developer Console</a:t>
+            </a:r>
+            <a:endParaRPr lang="en-US" dirty="0"/>
           </a:p>
         </p:txBody>
       </p:sp>
